--- a/doc/MPM idea.pptx
+++ b/doc/MPM idea.pptx
@@ -267,7 +267,7 @@
           <a:p>
             <a:fld id="{3CA61830-C416-483F-955E-54203C65B711}" type="datetimeFigureOut">
               <a:rPr lang="en-US"/>
-              <a:t>12/12/2015</a:t>
+              <a:t>12/29/2015</a:t>
             </a:fld>
             <a:endParaRPr/>
           </a:p>
@@ -6207,7 +6207,7 @@
           <a:p>
             <a:fld id="{EFA54ACD-BEB7-4258-A5F3-653792456C00}" type="datetime4">
               <a:rPr lang="en-US" smtClean="0"/>
-              <a:t>December 12, 2015</a:t>
+              <a:t>December 29, 2015</a:t>
             </a:fld>
             <a:endParaRPr/>
           </a:p>
@@ -8703,7 +8703,7 @@
           <a:p>
             <a:fld id="{2399C1EB-F401-4F7B-BD9C-AAA165C9F3D7}" type="datetime4">
               <a:rPr lang="en-US" smtClean="0"/>
-              <a:t>December 12, 2015</a:t>
+              <a:t>December 29, 2015</a:t>
             </a:fld>
             <a:endParaRPr/>
           </a:p>
@@ -8896,7 +8896,7 @@
           <a:p>
             <a:fld id="{ECF1CC87-9C4B-4D13-B529-5EAF641302E2}" type="datetime4">
               <a:rPr lang="en-US" smtClean="0"/>
-              <a:t>December 12, 2015</a:t>
+              <a:t>December 29, 2015</a:t>
             </a:fld>
             <a:endParaRPr/>
           </a:p>
@@ -9198,7 +9198,7 @@
           <a:p>
             <a:fld id="{AEFA413A-E630-4377-B30C-3545E98CC867}" type="datetime4">
               <a:rPr lang="en-US" smtClean="0"/>
-              <a:t>December 12, 2015</a:t>
+              <a:t>December 29, 2015</a:t>
             </a:fld>
             <a:endParaRPr/>
           </a:p>
@@ -9586,7 +9586,7 @@
           <a:p>
             <a:fld id="{2D33DC54-2A66-493A-80B5-8303FBA5D0AD}" type="datetime4">
               <a:rPr lang="en-US" smtClean="0"/>
-              <a:t>December 12, 2015</a:t>
+              <a:t>December 29, 2015</a:t>
             </a:fld>
             <a:endParaRPr/>
           </a:p>
@@ -9730,7 +9730,7 @@
           <a:p>
             <a:fld id="{26B45FFC-9EEF-4E69-85F5-C8F54747804D}" type="datetime4">
               <a:rPr lang="en-US" smtClean="0"/>
-              <a:t>December 12, 2015</a:t>
+              <a:t>December 29, 2015</a:t>
             </a:fld>
             <a:endParaRPr/>
           </a:p>
@@ -9973,7 +9973,7 @@
           <a:p>
             <a:fld id="{684E3265-88A3-4C30-AE11-BFDF645909E9}" type="datetime4">
               <a:rPr lang="en-US" smtClean="0"/>
-              <a:t>December 12, 2015</a:t>
+              <a:t>December 29, 2015</a:t>
             </a:fld>
             <a:endParaRPr/>
           </a:p>
@@ -10091,7 +10091,7 @@
           <a:p>
             <a:fld id="{E9F763D2-AF56-4C60-80C7-7D8FC051005C}" type="datetime4">
               <a:rPr lang="en-US" smtClean="0"/>
-              <a:t>December 12, 2015</a:t>
+              <a:t>December 29, 2015</a:t>
             </a:fld>
             <a:endParaRPr/>
           </a:p>
@@ -10418,7 +10418,7 @@
           <a:p>
             <a:fld id="{905039DC-98B3-47E6-AD46-BA5B72AD8B4A}" type="datetime4">
               <a:rPr lang="en-US" smtClean="0"/>
-              <a:t>December 12, 2015</a:t>
+              <a:t>December 29, 2015</a:t>
             </a:fld>
             <a:endParaRPr/>
           </a:p>
@@ -10878,7 +10878,7 @@
           <a:p>
             <a:fld id="{A48AA38D-5CBD-4E44-A2EB-B3F38A5B8051}" type="datetime4">
               <a:rPr lang="en-US" smtClean="0"/>
-              <a:t>December 12, 2015</a:t>
+              <a:t>December 29, 2015</a:t>
             </a:fld>
             <a:endParaRPr/>
           </a:p>
@@ -13929,7 +13929,7 @@
           <a:p>
             <a:fld id="{8F030E74-B79E-47A7-AA1C-BA3D00CC0B4A}" type="datetime4">
               <a:rPr lang="en-US" smtClean="0"/>
-              <a:t>December 12, 2015</a:t>
+              <a:t>December 29, 2015</a:t>
             </a:fld>
             <a:endParaRPr/>
           </a:p>
@@ -14340,7 +14340,7 @@
           <a:p>
             <a:fld id="{00FDD7F1-9FB6-4CB9-BA1F-25B205B879F3}" type="datetime4">
               <a:rPr lang="en-US" smtClean="0"/>
-              <a:t>December 12, 2015</a:t>
+              <a:t>December 29, 2015</a:t>
             </a:fld>
             <a:endParaRPr/>
           </a:p>
@@ -14961,7 +14961,7 @@
           <a:p>
             <a:fld id="{027D5831-B468-414C-94B5-F04EB43FC0AE}" type="datetime4">
               <a:rPr lang="en-US" smtClean="0"/>
-              <a:t>December 12, 2015</a:t>
+              <a:t>December 29, 2015</a:t>
             </a:fld>
             <a:endParaRPr/>
           </a:p>
@@ -15680,7 +15680,7 @@
           <a:p>
             <a:fld id="{727A18C6-3F10-4266-96C9-5D014F3025B2}" type="datetime4">
               <a:rPr lang="en-US" smtClean="0"/>
-              <a:t>December 12, 2015</a:t>
+              <a:t>December 29, 2015</a:t>
             </a:fld>
             <a:endParaRPr/>
           </a:p>
@@ -15977,7 +15977,7 @@
           <a:p>
             <a:fld id="{A6CB1722-4B46-4353-B583-721651D61489}" type="datetime4">
               <a:rPr lang="en-US" smtClean="0"/>
-              <a:t>December 12, 2015</a:t>
+              <a:t>December 29, 2015</a:t>
             </a:fld>
             <a:endParaRPr/>
           </a:p>
@@ -16271,7 +16271,7 @@
           <a:p>
             <a:fld id="{8B8B1958-F972-48E2-B30C-3D9C71EE7ED1}" type="datetime4">
               <a:rPr lang="en-US" smtClean="0"/>
-              <a:t>December 12, 2015</a:t>
+              <a:t>December 29, 2015</a:t>
             </a:fld>
             <a:endParaRPr/>
           </a:p>
@@ -16544,7 +16544,7 @@
           <a:p>
             <a:fld id="{BF2CF142-9C82-4C83-9B6A-8077B879C1B8}" type="datetime4">
               <a:rPr lang="en-US" smtClean="0"/>
-              <a:t>December 12, 2015</a:t>
+              <a:t>December 29, 2015</a:t>
             </a:fld>
             <a:endParaRPr/>
           </a:p>
@@ -16831,7 +16831,7 @@
           <a:p>
             <a:fld id="{9C259EE5-F25B-4563-AE58-6B042DD986DA}" type="datetime4">
               <a:rPr lang="en-US" smtClean="0"/>
-              <a:t>December 12, 2015</a:t>
+              <a:t>December 29, 2015</a:t>
             </a:fld>
             <a:endParaRPr/>
           </a:p>
@@ -17249,7 +17249,7 @@
           <a:p>
             <a:fld id="{F4CAB0D1-A256-4DFA-8583-35D5EE4CD0DF}" type="datetime4">
               <a:rPr lang="en-US" smtClean="0"/>
-              <a:t>December 12, 2015</a:t>
+              <a:t>December 29, 2015</a:t>
             </a:fld>
             <a:endParaRPr/>
           </a:p>
@@ -17809,7 +17809,7 @@
           <a:p>
             <a:fld id="{B0BBCA58-86AD-4F40-BF66-913A1183EE47}" type="datetime4">
               <a:rPr lang="en-US" smtClean="0"/>
-              <a:t>December 12, 2015</a:t>
+              <a:t>December 29, 2015</a:t>
             </a:fld>
             <a:endParaRPr/>
           </a:p>
@@ -22915,7 +22915,7 @@
           <a:p>
             <a:fld id="{FB395617-A7D9-4AE8-82B6-3D0A191CDCBE}" type="datetime4">
               <a:rPr lang="en-US" smtClean="0"/>
-              <a:t>December 12, 2015</a:t>
+              <a:t>December 29, 2015</a:t>
             </a:fld>
             <a:endParaRPr/>
           </a:p>
@@ -25497,7 +25497,7 @@
           <a:p>
             <a:fld id="{77C6BA28-E443-46F5-AE73-D543F89EF748}" type="datetime4">
               <a:rPr lang="en-US" smtClean="0"/>
-              <a:t>December 12, 2015</a:t>
+              <a:t>December 29, 2015</a:t>
             </a:fld>
             <a:endParaRPr/>
           </a:p>
@@ -25695,7 +25695,7 @@
           <a:p>
             <a:fld id="{1452EE1A-1BE0-474E-808D-00D5A7797660}" type="datetime4">
               <a:rPr lang="en-US" smtClean="0"/>
-              <a:t>December 12, 2015</a:t>
+              <a:t>December 29, 2015</a:t>
             </a:fld>
             <a:endParaRPr/>
           </a:p>
@@ -25964,7 +25964,7 @@
           <a:p>
             <a:fld id="{1D654495-4BF5-4727-99D4-DFD1D0597350}" type="datetime4">
               <a:rPr lang="en-US" smtClean="0"/>
-              <a:t>December 12, 2015</a:t>
+              <a:t>December 29, 2015</a:t>
             </a:fld>
             <a:endParaRPr/>
           </a:p>
@@ -26294,7 +26294,7 @@
           <a:p>
             <a:fld id="{74A90477-F864-462B-BF44-00D67B14D858}" type="datetime4">
               <a:rPr lang="en-US" smtClean="0"/>
-              <a:t>December 12, 2015</a:t>
+              <a:t>December 29, 2015</a:t>
             </a:fld>
             <a:endParaRPr/>
           </a:p>
@@ -26548,7 +26548,7 @@
           <a:p>
             <a:fld id="{16E08157-2DC9-4745-A7A9-7046A8583708}" type="datetime4">
               <a:rPr lang="en-US" smtClean="0"/>
-              <a:t>December 12, 2015</a:t>
+              <a:t>December 29, 2015</a:t>
             </a:fld>
             <a:endParaRPr/>
           </a:p>
@@ -29228,7 +29228,7 @@
           <a:p>
             <a:fld id="{FDD7D378-E709-4062-9715-39E79557A063}" type="datetime4">
               <a:rPr lang="en-US" smtClean="0"/>
-              <a:t>December 12, 2015</a:t>
+              <a:t>December 29, 2015</a:t>
             </a:fld>
             <a:endParaRPr/>
           </a:p>
@@ -34144,7 +34144,7 @@
           <a:p>
             <a:fld id="{C07C5E14-300D-4720-B5FE-54C7D96D4160}" type="datetime4">
               <a:rPr lang="en-US" smtClean="0"/>
-              <a:t>December 12, 2015</a:t>
+              <a:t>December 29, 2015</a:t>
             </a:fld>
             <a:endParaRPr/>
           </a:p>
@@ -36836,7 +36836,7 @@
           <a:p>
             <a:fld id="{BC7BE07D-E945-4DDF-8452-20009392BF2F}" type="datetime4">
               <a:rPr lang="en-US" smtClean="0"/>
-              <a:t>December 12, 2015</a:t>
+              <a:t>December 29, 2015</a:t>
             </a:fld>
             <a:endParaRPr/>
           </a:p>
@@ -37319,7 +37319,7 @@
           <a:p>
             <a:fld id="{65FD8143-BFA3-46F8-9B90-B0E5CFAF7F7C}" type="datetime4">
               <a:rPr lang="en-US" smtClean="0"/>
-              <a:t>December 12, 2015</a:t>
+              <a:t>December 29, 2015</a:t>
             </a:fld>
             <a:endParaRPr/>
           </a:p>
@@ -40764,7 +40764,7 @@
         <p:spPr bwMode="ltGray">
           <a:xfrm>
             <a:off x="1898646" y="3108960"/>
-            <a:ext cx="2543133" cy="1147953"/>
+            <a:ext cx="2543133" cy="804671"/>
           </a:xfrm>
           <a:prstGeom prst="rightArrowCallout">
             <a:avLst>
@@ -40906,8 +40906,8 @@
         </p:nvSpPr>
         <p:spPr bwMode="ltGray">
           <a:xfrm>
-            <a:off x="9229764" y="3029713"/>
-            <a:ext cx="1752600" cy="533400"/>
+            <a:off x="9229764" y="3029712"/>
+            <a:ext cx="1752600" cy="1161287"/>
           </a:xfrm>
           <a:prstGeom prst="roundRect">
             <a:avLst/>
@@ -40948,8 +40948,24 @@
             </a:pPr>
             <a:r>
               <a:rPr lang="en-US" dirty="0" smtClean="0"/>
-              <a:t>Threshold Management</a:t>
+              <a:t>Threshold Management(</a:t>
             </a:r>
+            <a:r>
+              <a:rPr lang="en-US" dirty="0" smtClean="0"/>
+              <a:t>Condition/</a:t>
+            </a:r>
+          </a:p>
+          <a:p>
+            <a:pPr algn="ctr">
+              <a:lnSpc>
+                <a:spcPct val="90000"/>
+              </a:lnSpc>
+            </a:pPr>
+            <a:r>
+              <a:rPr lang="en-US" dirty="0" smtClean="0"/>
+              <a:t>Action)</a:t>
+            </a:r>
+            <a:endParaRPr lang="en-US" dirty="0" smtClean="0"/>
           </a:p>
         </p:txBody>
       </p:sp>
@@ -41329,6 +41345,53 @@
               <a:rPr lang="en-US" dirty="0" smtClean="0"/>
               <a:t>Model Designer</a:t>
             </a:r>
+          </a:p>
+        </p:txBody>
+      </p:sp>
+      <p:sp>
+        <p:nvSpPr>
+          <p:cNvPr id="25" name="Can 24"/>
+          <p:cNvSpPr/>
+          <p:nvPr/>
+        </p:nvSpPr>
+        <p:spPr bwMode="ltGray">
+          <a:xfrm>
+            <a:off x="2717341" y="3982211"/>
+            <a:ext cx="1270919" cy="316994"/>
+          </a:xfrm>
+          <a:prstGeom prst="can">
+            <a:avLst/>
+          </a:prstGeom>
+          <a:ln/>
+        </p:spPr>
+        <p:style>
+          <a:lnRef idx="1">
+            <a:schemeClr val="accent2"/>
+          </a:lnRef>
+          <a:fillRef idx="3">
+            <a:schemeClr val="accent2"/>
+          </a:fillRef>
+          <a:effectRef idx="2">
+            <a:schemeClr val="accent2"/>
+          </a:effectRef>
+          <a:fontRef idx="minor">
+            <a:schemeClr val="lt1"/>
+          </a:fontRef>
+        </p:style>
+        <p:txBody>
+          <a:bodyPr rtlCol="0" anchor="ctr"/>
+          <a:lstStyle/>
+          <a:p>
+            <a:pPr algn="ctr">
+              <a:lnSpc>
+                <a:spcPct val="90000"/>
+              </a:lnSpc>
+            </a:pPr>
+            <a:r>
+              <a:rPr lang="en-US" dirty="0" smtClean="0"/>
+              <a:t>Achieve</a:t>
+            </a:r>
+            <a:endParaRPr lang="en-US" dirty="0" smtClean="0"/>
           </a:p>
         </p:txBody>
       </p:sp>
@@ -44594,13 +44657,13 @@
   <p:clrMapOvr>
     <a:masterClrMapping/>
   </p:clrMapOvr>
-  <mc:AlternateContent xmlns:mc="http://schemas.openxmlformats.org/markup-compatibility/2006">
-    <mc:Choice xmlns:p14="http://schemas.microsoft.com/office/powerpoint/2010/main" Requires="p14">
+  <mc:AlternateContent xmlns:mc="http://schemas.openxmlformats.org/markup-compatibility/2006" xmlns:p14="http://schemas.microsoft.com/office/powerpoint/2010/main">
+    <mc:Choice Requires="p14">
       <p:transition spd="med" p14:dur="700">
         <p:fade/>
       </p:transition>
     </mc:Choice>
-    <mc:Fallback>
+    <mc:Fallback xmlns="">
       <p:transition spd="med">
         <p:fade/>
       </p:transition>

--- a/doc/MPM idea.pptx
+++ b/doc/MPM idea.pptx
@@ -5,25 +5,31 @@
     <p:sldMasterId id="2147483648" r:id="rId1"/>
   </p:sldMasterIdLst>
   <p:notesMasterIdLst>
-    <p:notesMasterId r:id="rId10"/>
+    <p:notesMasterId r:id="rId16"/>
   </p:notesMasterIdLst>
   <p:handoutMasterIdLst>
-    <p:handoutMasterId r:id="rId11"/>
+    <p:handoutMasterId r:id="rId17"/>
   </p:handoutMasterIdLst>
   <p:sldIdLst>
     <p:sldId id="256" r:id="rId2"/>
     <p:sldId id="262" r:id="rId3"/>
     <p:sldId id="263" r:id="rId4"/>
-    <p:sldId id="265" r:id="rId5"/>
-    <p:sldId id="266" r:id="rId6"/>
-    <p:sldId id="267" r:id="rId7"/>
-    <p:sldId id="268" r:id="rId8"/>
-    <p:sldId id="269" r:id="rId9"/>
+    <p:sldId id="271" r:id="rId5"/>
+    <p:sldId id="270" r:id="rId6"/>
+    <p:sldId id="272" r:id="rId7"/>
+    <p:sldId id="273" r:id="rId8"/>
+    <p:sldId id="274" r:id="rId9"/>
+    <p:sldId id="266" r:id="rId10"/>
+    <p:sldId id="267" r:id="rId11"/>
+    <p:sldId id="268" r:id="rId12"/>
+    <p:sldId id="269" r:id="rId13"/>
+    <p:sldId id="277" r:id="rId14"/>
+    <p:sldId id="275" r:id="rId15"/>
   </p:sldIdLst>
   <p:sldSz cx="12192000" cy="6858000"/>
   <p:notesSz cx="6858000" cy="9144000"/>
   <p:custDataLst>
-    <p:tags r:id="rId12"/>
+    <p:tags r:id="rId18"/>
   </p:custDataLst>
   <p:defaultTextStyle>
     <a:defPPr>
@@ -267,7 +273,7 @@
           <a:p>
             <a:fld id="{3CA61830-C416-483F-955E-54203C65B711}" type="datetimeFigureOut">
               <a:rPr lang="en-US"/>
-              <a:t>12/29/2015</a:t>
+              <a:t>1/7/2016</a:t>
             </a:fld>
             <a:endParaRPr/>
           </a:p>
@@ -1171,96 +1177,6 @@
           <a:bodyPr/>
           <a:lstStyle/>
           <a:p>
-            <a:endParaRPr lang="en-US"/>
-          </a:p>
-        </p:txBody>
-      </p:sp>
-      <p:sp>
-        <p:nvSpPr>
-          <p:cNvPr id="4" name="Slide Number Placeholder 3"/>
-          <p:cNvSpPr>
-            <a:spLocks noGrp="1"/>
-          </p:cNvSpPr>
-          <p:nvPr>
-            <p:ph type="sldNum" sz="quarter" idx="10"/>
-          </p:nvPr>
-        </p:nvSpPr>
-        <p:spPr/>
-        <p:txBody>
-          <a:bodyPr/>
-          <a:lstStyle/>
-          <a:p>
-            <a:fld id="{5BFEAE42-E3FE-4405-B7FC-4425D05B92A0}" type="slidenum">
-              <a:rPr lang="en-US" smtClean="0"/>
-              <a:pPr/>
-              <a:t>4</a:t>
-            </a:fld>
-            <a:endParaRPr lang="en-US"/>
-          </a:p>
-        </p:txBody>
-      </p:sp>
-    </p:spTree>
-    <p:extLst>
-      <p:ext uri="{BB962C8B-B14F-4D97-AF65-F5344CB8AC3E}">
-        <p14:creationId xmlns:p14="http://schemas.microsoft.com/office/powerpoint/2010/main" val="1341502705"/>
-      </p:ext>
-    </p:extLst>
-  </p:cSld>
-  <p:clrMapOvr>
-    <a:masterClrMapping/>
-  </p:clrMapOvr>
-</p:notes>
-</file>
-
-<file path=ppt/notesSlides/notesSlide5.xml><?xml version="1.0" encoding="utf-8"?>
-<p:notes xmlns:a="http://schemas.openxmlformats.org/drawingml/2006/main" xmlns:r="http://schemas.openxmlformats.org/officeDocument/2006/relationships" xmlns:p="http://schemas.openxmlformats.org/presentationml/2006/main">
-  <p:cSld>
-    <p:spTree>
-      <p:nvGrpSpPr>
-        <p:cNvPr id="1" name=""/>
-        <p:cNvGrpSpPr/>
-        <p:nvPr/>
-      </p:nvGrpSpPr>
-      <p:grpSpPr>
-        <a:xfrm>
-          <a:off x="0" y="0"/>
-          <a:ext cx="0" cy="0"/>
-          <a:chOff x="0" y="0"/>
-          <a:chExt cx="0" cy="0"/>
-        </a:xfrm>
-      </p:grpSpPr>
-      <p:sp>
-        <p:nvSpPr>
-          <p:cNvPr id="2" name="Slide Image Placeholder 1"/>
-          <p:cNvSpPr>
-            <a:spLocks noGrp="1" noRot="1" noChangeAspect="1"/>
-          </p:cNvSpPr>
-          <p:nvPr>
-            <p:ph type="sldImg"/>
-          </p:nvPr>
-        </p:nvSpPr>
-        <p:spPr>
-          <a:xfrm>
-            <a:off x="381000" y="381000"/>
-            <a:ext cx="4572000" cy="2573338"/>
-          </a:xfrm>
-        </p:spPr>
-      </p:sp>
-      <p:sp>
-        <p:nvSpPr>
-          <p:cNvPr id="3" name="Notes Placeholder 2"/>
-          <p:cNvSpPr>
-            <a:spLocks noGrp="1"/>
-          </p:cNvSpPr>
-          <p:nvPr>
-            <p:ph type="body" idx="1"/>
-          </p:nvPr>
-        </p:nvSpPr>
-        <p:spPr/>
-        <p:txBody>
-          <a:bodyPr/>
-          <a:lstStyle/>
-          <a:p>
             <a:endParaRPr lang="en-US" dirty="0"/>
           </a:p>
         </p:txBody>
@@ -1283,7 +1199,7 @@
             <a:fld id="{5BFEAE42-E3FE-4405-B7FC-4425D05B92A0}" type="slidenum">
               <a:rPr lang="en-US" smtClean="0"/>
               <a:pPr/>
-              <a:t>5</a:t>
+              <a:t>9</a:t>
             </a:fld>
             <a:endParaRPr lang="en-US"/>
           </a:p>
@@ -6207,7 +6123,7 @@
           <a:p>
             <a:fld id="{EFA54ACD-BEB7-4258-A5F3-653792456C00}" type="datetime4">
               <a:rPr lang="en-US" smtClean="0"/>
-              <a:t>December 29, 2015</a:t>
+              <a:t>January 7, 2016</a:t>
             </a:fld>
             <a:endParaRPr/>
           </a:p>
@@ -8703,7 +8619,7 @@
           <a:p>
             <a:fld id="{2399C1EB-F401-4F7B-BD9C-AAA165C9F3D7}" type="datetime4">
               <a:rPr lang="en-US" smtClean="0"/>
-              <a:t>December 29, 2015</a:t>
+              <a:t>January 7, 2016</a:t>
             </a:fld>
             <a:endParaRPr/>
           </a:p>
@@ -8896,7 +8812,7 @@
           <a:p>
             <a:fld id="{ECF1CC87-9C4B-4D13-B529-5EAF641302E2}" type="datetime4">
               <a:rPr lang="en-US" smtClean="0"/>
-              <a:t>December 29, 2015</a:t>
+              <a:t>January 7, 2016</a:t>
             </a:fld>
             <a:endParaRPr/>
           </a:p>
@@ -9198,7 +9114,7 @@
           <a:p>
             <a:fld id="{AEFA413A-E630-4377-B30C-3545E98CC867}" type="datetime4">
               <a:rPr lang="en-US" smtClean="0"/>
-              <a:t>December 29, 2015</a:t>
+              <a:t>January 7, 2016</a:t>
             </a:fld>
             <a:endParaRPr/>
           </a:p>
@@ -9586,7 +9502,7 @@
           <a:p>
             <a:fld id="{2D33DC54-2A66-493A-80B5-8303FBA5D0AD}" type="datetime4">
               <a:rPr lang="en-US" smtClean="0"/>
-              <a:t>December 29, 2015</a:t>
+              <a:t>January 7, 2016</a:t>
             </a:fld>
             <a:endParaRPr/>
           </a:p>
@@ -9730,7 +9646,7 @@
           <a:p>
             <a:fld id="{26B45FFC-9EEF-4E69-85F5-C8F54747804D}" type="datetime4">
               <a:rPr lang="en-US" smtClean="0"/>
-              <a:t>December 29, 2015</a:t>
+              <a:t>January 7, 2016</a:t>
             </a:fld>
             <a:endParaRPr/>
           </a:p>
@@ -9973,7 +9889,7 @@
           <a:p>
             <a:fld id="{684E3265-88A3-4C30-AE11-BFDF645909E9}" type="datetime4">
               <a:rPr lang="en-US" smtClean="0"/>
-              <a:t>December 29, 2015</a:t>
+              <a:t>January 7, 2016</a:t>
             </a:fld>
             <a:endParaRPr/>
           </a:p>
@@ -10091,7 +10007,7 @@
           <a:p>
             <a:fld id="{E9F763D2-AF56-4C60-80C7-7D8FC051005C}" type="datetime4">
               <a:rPr lang="en-US" smtClean="0"/>
-              <a:t>December 29, 2015</a:t>
+              <a:t>January 7, 2016</a:t>
             </a:fld>
             <a:endParaRPr/>
           </a:p>
@@ -10418,7 +10334,7 @@
           <a:p>
             <a:fld id="{905039DC-98B3-47E6-AD46-BA5B72AD8B4A}" type="datetime4">
               <a:rPr lang="en-US" smtClean="0"/>
-              <a:t>December 29, 2015</a:t>
+              <a:t>January 7, 2016</a:t>
             </a:fld>
             <a:endParaRPr/>
           </a:p>
@@ -10878,7 +10794,7 @@
           <a:p>
             <a:fld id="{A48AA38D-5CBD-4E44-A2EB-B3F38A5B8051}" type="datetime4">
               <a:rPr lang="en-US" smtClean="0"/>
-              <a:t>December 29, 2015</a:t>
+              <a:t>January 7, 2016</a:t>
             </a:fld>
             <a:endParaRPr/>
           </a:p>
@@ -13929,7 +13845,7 @@
           <a:p>
             <a:fld id="{8F030E74-B79E-47A7-AA1C-BA3D00CC0B4A}" type="datetime4">
               <a:rPr lang="en-US" smtClean="0"/>
-              <a:t>December 29, 2015</a:t>
+              <a:t>January 7, 2016</a:t>
             </a:fld>
             <a:endParaRPr/>
           </a:p>
@@ -14340,7 +14256,7 @@
           <a:p>
             <a:fld id="{00FDD7F1-9FB6-4CB9-BA1F-25B205B879F3}" type="datetime4">
               <a:rPr lang="en-US" smtClean="0"/>
-              <a:t>December 29, 2015</a:t>
+              <a:t>January 7, 2016</a:t>
             </a:fld>
             <a:endParaRPr/>
           </a:p>
@@ -14961,7 +14877,7 @@
           <a:p>
             <a:fld id="{027D5831-B468-414C-94B5-F04EB43FC0AE}" type="datetime4">
               <a:rPr lang="en-US" smtClean="0"/>
-              <a:t>December 29, 2015</a:t>
+              <a:t>January 7, 2016</a:t>
             </a:fld>
             <a:endParaRPr/>
           </a:p>
@@ -15680,7 +15596,7 @@
           <a:p>
             <a:fld id="{727A18C6-3F10-4266-96C9-5D014F3025B2}" type="datetime4">
               <a:rPr lang="en-US" smtClean="0"/>
-              <a:t>December 29, 2015</a:t>
+              <a:t>January 7, 2016</a:t>
             </a:fld>
             <a:endParaRPr/>
           </a:p>
@@ -15977,7 +15893,7 @@
           <a:p>
             <a:fld id="{A6CB1722-4B46-4353-B583-721651D61489}" type="datetime4">
               <a:rPr lang="en-US" smtClean="0"/>
-              <a:t>December 29, 2015</a:t>
+              <a:t>January 7, 2016</a:t>
             </a:fld>
             <a:endParaRPr/>
           </a:p>
@@ -16271,7 +16187,7 @@
           <a:p>
             <a:fld id="{8B8B1958-F972-48E2-B30C-3D9C71EE7ED1}" type="datetime4">
               <a:rPr lang="en-US" smtClean="0"/>
-              <a:t>December 29, 2015</a:t>
+              <a:t>January 7, 2016</a:t>
             </a:fld>
             <a:endParaRPr/>
           </a:p>
@@ -16544,7 +16460,7 @@
           <a:p>
             <a:fld id="{BF2CF142-9C82-4C83-9B6A-8077B879C1B8}" type="datetime4">
               <a:rPr lang="en-US" smtClean="0"/>
-              <a:t>December 29, 2015</a:t>
+              <a:t>January 7, 2016</a:t>
             </a:fld>
             <a:endParaRPr/>
           </a:p>
@@ -16831,7 +16747,7 @@
           <a:p>
             <a:fld id="{9C259EE5-F25B-4563-AE58-6B042DD986DA}" type="datetime4">
               <a:rPr lang="en-US" smtClean="0"/>
-              <a:t>December 29, 2015</a:t>
+              <a:t>January 7, 2016</a:t>
             </a:fld>
             <a:endParaRPr/>
           </a:p>
@@ -17249,7 +17165,7 @@
           <a:p>
             <a:fld id="{F4CAB0D1-A256-4DFA-8583-35D5EE4CD0DF}" type="datetime4">
               <a:rPr lang="en-US" smtClean="0"/>
-              <a:t>December 29, 2015</a:t>
+              <a:t>January 7, 2016</a:t>
             </a:fld>
             <a:endParaRPr/>
           </a:p>
@@ -17809,7 +17725,7 @@
           <a:p>
             <a:fld id="{B0BBCA58-86AD-4F40-BF66-913A1183EE47}" type="datetime4">
               <a:rPr lang="en-US" smtClean="0"/>
-              <a:t>December 29, 2015</a:t>
+              <a:t>January 7, 2016</a:t>
             </a:fld>
             <a:endParaRPr/>
           </a:p>
@@ -22915,7 +22831,7 @@
           <a:p>
             <a:fld id="{FB395617-A7D9-4AE8-82B6-3D0A191CDCBE}" type="datetime4">
               <a:rPr lang="en-US" smtClean="0"/>
-              <a:t>December 29, 2015</a:t>
+              <a:t>January 7, 2016</a:t>
             </a:fld>
             <a:endParaRPr/>
           </a:p>
@@ -25497,7 +25413,7 @@
           <a:p>
             <a:fld id="{77C6BA28-E443-46F5-AE73-D543F89EF748}" type="datetime4">
               <a:rPr lang="en-US" smtClean="0"/>
-              <a:t>December 29, 2015</a:t>
+              <a:t>January 7, 2016</a:t>
             </a:fld>
             <a:endParaRPr/>
           </a:p>
@@ -25695,7 +25611,7 @@
           <a:p>
             <a:fld id="{1452EE1A-1BE0-474E-808D-00D5A7797660}" type="datetime4">
               <a:rPr lang="en-US" smtClean="0"/>
-              <a:t>December 29, 2015</a:t>
+              <a:t>January 7, 2016</a:t>
             </a:fld>
             <a:endParaRPr/>
           </a:p>
@@ -25964,7 +25880,7 @@
           <a:p>
             <a:fld id="{1D654495-4BF5-4727-99D4-DFD1D0597350}" type="datetime4">
               <a:rPr lang="en-US" smtClean="0"/>
-              <a:t>December 29, 2015</a:t>
+              <a:t>January 7, 2016</a:t>
             </a:fld>
             <a:endParaRPr/>
           </a:p>
@@ -26294,7 +26210,7 @@
           <a:p>
             <a:fld id="{74A90477-F864-462B-BF44-00D67B14D858}" type="datetime4">
               <a:rPr lang="en-US" smtClean="0"/>
-              <a:t>December 29, 2015</a:t>
+              <a:t>January 7, 2016</a:t>
             </a:fld>
             <a:endParaRPr/>
           </a:p>
@@ -26548,7 +26464,7 @@
           <a:p>
             <a:fld id="{16E08157-2DC9-4745-A7A9-7046A8583708}" type="datetime4">
               <a:rPr lang="en-US" smtClean="0"/>
-              <a:t>December 29, 2015</a:t>
+              <a:t>January 7, 2016</a:t>
             </a:fld>
             <a:endParaRPr/>
           </a:p>
@@ -29228,7 +29144,7 @@
           <a:p>
             <a:fld id="{FDD7D378-E709-4062-9715-39E79557A063}" type="datetime4">
               <a:rPr lang="en-US" smtClean="0"/>
-              <a:t>December 29, 2015</a:t>
+              <a:t>January 7, 2016</a:t>
             </a:fld>
             <a:endParaRPr/>
           </a:p>
@@ -34144,7 +34060,7 @@
           <a:p>
             <a:fld id="{C07C5E14-300D-4720-B5FE-54C7D96D4160}" type="datetime4">
               <a:rPr lang="en-US" smtClean="0"/>
-              <a:t>December 29, 2015</a:t>
+              <a:t>January 7, 2016</a:t>
             </a:fld>
             <a:endParaRPr/>
           </a:p>
@@ -36836,7 +36752,7 @@
           <a:p>
             <a:fld id="{BC7BE07D-E945-4DDF-8452-20009392BF2F}" type="datetime4">
               <a:rPr lang="en-US" smtClean="0"/>
-              <a:t>December 29, 2015</a:t>
+              <a:t>January 7, 2016</a:t>
             </a:fld>
             <a:endParaRPr/>
           </a:p>
@@ -37319,7 +37235,7 @@
           <a:p>
             <a:fld id="{65FD8143-BFA3-46F8-9B90-B0E5CFAF7F7C}" type="datetime4">
               <a:rPr lang="en-US" smtClean="0"/>
-              <a:t>December 29, 2015</a:t>
+              <a:t>January 7, 2016</a:t>
             </a:fld>
             <a:endParaRPr/>
           </a:p>
@@ -40057,7 +39973,11 @@
           <a:p>
             <a:r>
               <a:rPr lang="en-US" dirty="0" smtClean="0"/>
-              <a:t>HPE PM 2.0 Design</a:t>
+              <a:t>HPE PM </a:t>
+            </a:r>
+            <a:r>
+              <a:rPr lang="en-US" dirty="0" smtClean="0"/>
+              <a:t>2.0</a:t>
             </a:r>
             <a:endParaRPr lang="en-US" dirty="0"/>
           </a:p>
@@ -40161,6 +40081,3451 @@
       </p:par>
     </p:tnLst>
   </p:timing>
+</p:sld>
+</file>
+
+<file path=ppt/slides/slide10.xml><?xml version="1.0" encoding="utf-8"?>
+<p:sld xmlns:a="http://schemas.openxmlformats.org/drawingml/2006/main" xmlns:r="http://schemas.openxmlformats.org/officeDocument/2006/relationships" xmlns:p="http://schemas.openxmlformats.org/presentationml/2006/main">
+  <p:cSld>
+    <p:spTree>
+      <p:nvGrpSpPr>
+        <p:cNvPr id="1" name=""/>
+        <p:cNvGrpSpPr/>
+        <p:nvPr/>
+      </p:nvGrpSpPr>
+      <p:grpSpPr>
+        <a:xfrm>
+          <a:off x="0" y="0"/>
+          <a:ext cx="0" cy="0"/>
+          <a:chOff x="0" y="0"/>
+          <a:chExt cx="0" cy="0"/>
+        </a:xfrm>
+      </p:grpSpPr>
+      <p:sp>
+        <p:nvSpPr>
+          <p:cNvPr id="2" name="Title 1"/>
+          <p:cNvSpPr>
+            <a:spLocks noGrp="1"/>
+          </p:cNvSpPr>
+          <p:nvPr>
+            <p:ph type="title"/>
+          </p:nvPr>
+        </p:nvSpPr>
+        <p:spPr/>
+        <p:txBody>
+          <a:bodyPr/>
+          <a:lstStyle/>
+          <a:p>
+            <a:r>
+              <a:rPr lang="en-US" dirty="0" smtClean="0"/>
+              <a:t>E2E Scenario</a:t>
+            </a:r>
+            <a:br>
+              <a:rPr lang="en-US" dirty="0" smtClean="0"/>
+            </a:br>
+            <a:r>
+              <a:rPr lang="en-US" dirty="0"/>
+              <a:t> </a:t>
+            </a:r>
+            <a:r>
+              <a:rPr lang="en-US" dirty="0" smtClean="0"/>
+              <a:t>   definitions</a:t>
+            </a:r>
+            <a:endParaRPr lang="en-US" dirty="0"/>
+          </a:p>
+        </p:txBody>
+      </p:sp>
+      <p:pic>
+        <p:nvPicPr>
+          <p:cNvPr id="5" name="Content Placeholder 4"/>
+          <p:cNvPicPr>
+            <a:picLocks noGrp="1" noChangeAspect="1"/>
+          </p:cNvPicPr>
+          <p:nvPr>
+            <p:ph idx="1"/>
+          </p:nvPr>
+        </p:nvPicPr>
+        <p:blipFill>
+          <a:blip r:embed="rId2"/>
+          <a:stretch>
+            <a:fillRect/>
+          </a:stretch>
+        </p:blipFill>
+        <p:spPr>
+          <a:xfrm>
+            <a:off x="3488435" y="645926"/>
+            <a:ext cx="7848600" cy="5901015"/>
+          </a:xfrm>
+          <a:prstGeom prst="rect">
+            <a:avLst/>
+          </a:prstGeom>
+        </p:spPr>
+      </p:pic>
+      <p:sp>
+        <p:nvSpPr>
+          <p:cNvPr id="4" name="Slide Number Placeholder 3"/>
+          <p:cNvSpPr>
+            <a:spLocks noGrp="1"/>
+          </p:cNvSpPr>
+          <p:nvPr>
+            <p:ph type="sldNum" sz="quarter" idx="12"/>
+          </p:nvPr>
+        </p:nvSpPr>
+        <p:spPr/>
+        <p:txBody>
+          <a:bodyPr/>
+          <a:lstStyle/>
+          <a:p>
+            <a:fld id="{B016F8AB-BCEA-4347-8BA6-BE776009BC89}" type="slidenum">
+              <a:rPr lang="en-US" smtClean="0"/>
+              <a:pPr/>
+              <a:t>10</a:t>
+            </a:fld>
+            <a:endParaRPr lang="en-US"/>
+          </a:p>
+        </p:txBody>
+      </p:sp>
+    </p:spTree>
+    <p:extLst>
+      <p:ext uri="{BB962C8B-B14F-4D97-AF65-F5344CB8AC3E}">
+        <p14:creationId xmlns:p14="http://schemas.microsoft.com/office/powerpoint/2010/main" val="1508661686"/>
+      </p:ext>
+    </p:extLst>
+  </p:cSld>
+  <p:clrMapOvr>
+    <a:masterClrMapping/>
+  </p:clrMapOvr>
+  <mc:AlternateContent xmlns:mc="http://schemas.openxmlformats.org/markup-compatibility/2006" xmlns:p14="http://schemas.microsoft.com/office/powerpoint/2010/main">
+    <mc:Choice Requires="p14">
+      <p:transition spd="med" p14:dur="700">
+        <p:fade/>
+      </p:transition>
+    </mc:Choice>
+    <mc:Fallback xmlns="">
+      <p:transition spd="med">
+        <p:fade/>
+      </p:transition>
+    </mc:Fallback>
+  </mc:AlternateContent>
+  <p:timing>
+    <p:tnLst>
+      <p:par>
+        <p:cTn id="1" dur="indefinite" restart="never" nodeType="tmRoot"/>
+      </p:par>
+    </p:tnLst>
+  </p:timing>
+</p:sld>
+</file>
+
+<file path=ppt/slides/slide11.xml><?xml version="1.0" encoding="utf-8"?>
+<p:sld xmlns:a="http://schemas.openxmlformats.org/drawingml/2006/main" xmlns:r="http://schemas.openxmlformats.org/officeDocument/2006/relationships" xmlns:p="http://schemas.openxmlformats.org/presentationml/2006/main">
+  <p:cSld>
+    <p:spTree>
+      <p:nvGrpSpPr>
+        <p:cNvPr id="1" name=""/>
+        <p:cNvGrpSpPr/>
+        <p:nvPr/>
+      </p:nvGrpSpPr>
+      <p:grpSpPr>
+        <a:xfrm>
+          <a:off x="0" y="0"/>
+          <a:ext cx="0" cy="0"/>
+          <a:chOff x="0" y="0"/>
+          <a:chExt cx="0" cy="0"/>
+        </a:xfrm>
+      </p:grpSpPr>
+      <p:sp>
+        <p:nvSpPr>
+          <p:cNvPr id="3" name="Rectangle 1"/>
+          <p:cNvSpPr>
+            <a:spLocks noChangeArrowheads="1"/>
+          </p:cNvSpPr>
+          <p:nvPr/>
+        </p:nvSpPr>
+        <p:spPr bwMode="auto">
+          <a:xfrm>
+            <a:off x="2895600" y="2472750"/>
+            <a:ext cx="4553871" cy="1477328"/>
+          </a:xfrm>
+          <a:prstGeom prst="rect">
+            <a:avLst/>
+          </a:prstGeom>
+          <a:ln/>
+        </p:spPr>
+        <p:style>
+          <a:lnRef idx="2">
+            <a:schemeClr val="accent6"/>
+          </a:lnRef>
+          <a:fillRef idx="1">
+            <a:schemeClr val="lt1"/>
+          </a:fillRef>
+          <a:effectRef idx="0">
+            <a:schemeClr val="accent6"/>
+          </a:effectRef>
+          <a:fontRef idx="minor">
+            <a:schemeClr val="dk1"/>
+          </a:fontRef>
+        </p:style>
+        <p:txBody>
+          <a:bodyPr vert="horz" wrap="square" lIns="91440" tIns="45720" rIns="91440" bIns="45720" numCol="1" anchor="ctr" anchorCtr="0" compatLnSpc="1">
+            <a:prstTxWarp prst="textNoShape">
+              <a:avLst/>
+            </a:prstTxWarp>
+            <a:spAutoFit/>
+          </a:bodyPr>
+          <a:lstStyle/>
+          <a:p>
+            <a:pPr marL="0" marR="0" lvl="0" indent="0" algn="l" defTabSz="914400" rtl="0" eaLnBrk="0" fontAlgn="base" latinLnBrk="0" hangingPunct="0">
+              <a:lnSpc>
+                <a:spcPct val="100000"/>
+              </a:lnSpc>
+              <a:spcBef>
+                <a:spcPct val="0"/>
+              </a:spcBef>
+              <a:spcAft>
+                <a:spcPct val="0"/>
+              </a:spcAft>
+              <a:buClrTx/>
+              <a:buSzTx/>
+              <a:buFontTx/>
+              <a:buNone/>
+              <a:tabLst/>
+            </a:pPr>
+            <a:r>
+              <a:rPr kumimoji="0" lang="en-US" altLang="en-US" sz="1000" b="0" i="0" u="none" strike="noStrike" cap="none" normalizeH="0" baseline="0" dirty="0" err="1" smtClean="0">
+                <a:ln>
+                  <a:noFill/>
+                </a:ln>
+                <a:solidFill>
+                  <a:srgbClr val="00B050"/>
+                </a:solidFill>
+                <a:effectLst/>
+                <a:latin typeface="Consolas" panose="020B0609020204030204" pitchFamily="49" charset="0"/>
+                <a:cs typeface="Consolas" panose="020B0609020204030204" pitchFamily="49" charset="0"/>
+              </a:rPr>
+              <a:t>BSC,BTS,TS,GRANULARITY,nbr_call_request,nbr_call_response</a:t>
+            </a:r>
+            <a:r>
+              <a:rPr kumimoji="0" lang="en-US" altLang="en-US" sz="1000" b="0" i="0" u="none" strike="noStrike" cap="none" normalizeH="0" baseline="0" dirty="0" smtClean="0">
+                <a:ln>
+                  <a:noFill/>
+                </a:ln>
+                <a:solidFill>
+                  <a:srgbClr val="000000"/>
+                </a:solidFill>
+                <a:effectLst/>
+                <a:latin typeface="Consolas" panose="020B0609020204030204" pitchFamily="49" charset="0"/>
+                <a:cs typeface="Consolas" panose="020B0609020204030204" pitchFamily="49" charset="0"/>
+              </a:rPr>
+              <a:t/>
+            </a:r>
+            <a:br>
+              <a:rPr kumimoji="0" lang="en-US" altLang="en-US" sz="1000" b="0" i="0" u="none" strike="noStrike" cap="none" normalizeH="0" baseline="0" dirty="0" smtClean="0">
+                <a:ln>
+                  <a:noFill/>
+                </a:ln>
+                <a:solidFill>
+                  <a:srgbClr val="000000"/>
+                </a:solidFill>
+                <a:effectLst/>
+                <a:latin typeface="Consolas" panose="020B0609020204030204" pitchFamily="49" charset="0"/>
+                <a:cs typeface="Consolas" panose="020B0609020204030204" pitchFamily="49" charset="0"/>
+              </a:rPr>
+            </a:br>
+            <a:r>
+              <a:rPr kumimoji="0" lang="en-US" altLang="en-US" sz="1000" b="0" i="0" u="none" strike="noStrike" cap="none" normalizeH="0" baseline="0" dirty="0" smtClean="0">
+                <a:ln>
+                  <a:noFill/>
+                </a:ln>
+                <a:solidFill>
+                  <a:srgbClr val="000000"/>
+                </a:solidFill>
+                <a:effectLst/>
+                <a:latin typeface="Consolas" panose="020B0609020204030204" pitchFamily="49" charset="0"/>
+                <a:cs typeface="Consolas" panose="020B0609020204030204" pitchFamily="49" charset="0"/>
+              </a:rPr>
+              <a:t>BSC1,BTS1,100000000000,900,1,2</a:t>
+            </a:r>
+            <a:br>
+              <a:rPr kumimoji="0" lang="en-US" altLang="en-US" sz="1000" b="0" i="0" u="none" strike="noStrike" cap="none" normalizeH="0" baseline="0" dirty="0" smtClean="0">
+                <a:ln>
+                  <a:noFill/>
+                </a:ln>
+                <a:solidFill>
+                  <a:srgbClr val="000000"/>
+                </a:solidFill>
+                <a:effectLst/>
+                <a:latin typeface="Consolas" panose="020B0609020204030204" pitchFamily="49" charset="0"/>
+                <a:cs typeface="Consolas" panose="020B0609020204030204" pitchFamily="49" charset="0"/>
+              </a:rPr>
+            </a:br>
+            <a:r>
+              <a:rPr kumimoji="0" lang="en-US" altLang="en-US" sz="1000" b="0" i="0" u="none" strike="noStrike" cap="none" normalizeH="0" baseline="0" dirty="0" smtClean="0">
+                <a:ln>
+                  <a:noFill/>
+                </a:ln>
+                <a:solidFill>
+                  <a:srgbClr val="000000"/>
+                </a:solidFill>
+                <a:effectLst/>
+                <a:latin typeface="Consolas" panose="020B0609020204030204" pitchFamily="49" charset="0"/>
+                <a:cs typeface="Consolas" panose="020B0609020204030204" pitchFamily="49" charset="0"/>
+              </a:rPr>
+              <a:t>BSC1,BTS1,100000900000,900,1,2</a:t>
+            </a:r>
+            <a:br>
+              <a:rPr kumimoji="0" lang="en-US" altLang="en-US" sz="1000" b="0" i="0" u="none" strike="noStrike" cap="none" normalizeH="0" baseline="0" dirty="0" smtClean="0">
+                <a:ln>
+                  <a:noFill/>
+                </a:ln>
+                <a:solidFill>
+                  <a:srgbClr val="000000"/>
+                </a:solidFill>
+                <a:effectLst/>
+                <a:latin typeface="Consolas" panose="020B0609020204030204" pitchFamily="49" charset="0"/>
+                <a:cs typeface="Consolas" panose="020B0609020204030204" pitchFamily="49" charset="0"/>
+              </a:rPr>
+            </a:br>
+            <a:r>
+              <a:rPr kumimoji="0" lang="en-US" altLang="en-US" sz="1000" b="0" i="0" u="none" strike="noStrike" cap="none" normalizeH="0" baseline="0" dirty="0" smtClean="0">
+                <a:ln>
+                  <a:noFill/>
+                </a:ln>
+                <a:solidFill>
+                  <a:srgbClr val="000000"/>
+                </a:solidFill>
+                <a:effectLst/>
+                <a:latin typeface="Consolas" panose="020B0609020204030204" pitchFamily="49" charset="0"/>
+                <a:cs typeface="Consolas" panose="020B0609020204030204" pitchFamily="49" charset="0"/>
+              </a:rPr>
+              <a:t>BSC1,BTS1,100001800000,900,1,2</a:t>
+            </a:r>
+            <a:br>
+              <a:rPr kumimoji="0" lang="en-US" altLang="en-US" sz="1000" b="0" i="0" u="none" strike="noStrike" cap="none" normalizeH="0" baseline="0" dirty="0" smtClean="0">
+                <a:ln>
+                  <a:noFill/>
+                </a:ln>
+                <a:solidFill>
+                  <a:srgbClr val="000000"/>
+                </a:solidFill>
+                <a:effectLst/>
+                <a:latin typeface="Consolas" panose="020B0609020204030204" pitchFamily="49" charset="0"/>
+                <a:cs typeface="Consolas" panose="020B0609020204030204" pitchFamily="49" charset="0"/>
+              </a:rPr>
+            </a:br>
+            <a:r>
+              <a:rPr kumimoji="0" lang="en-US" altLang="en-US" sz="1000" b="0" i="0" u="none" strike="noStrike" cap="none" normalizeH="0" baseline="0" dirty="0" smtClean="0">
+                <a:ln>
+                  <a:noFill/>
+                </a:ln>
+                <a:solidFill>
+                  <a:srgbClr val="000000"/>
+                </a:solidFill>
+                <a:effectLst/>
+                <a:latin typeface="Consolas" panose="020B0609020204030204" pitchFamily="49" charset="0"/>
+                <a:cs typeface="Consolas" panose="020B0609020204030204" pitchFamily="49" charset="0"/>
+              </a:rPr>
+              <a:t>BSC1,BTS1,100002700000,900,1,2</a:t>
+            </a:r>
+            <a:br>
+              <a:rPr kumimoji="0" lang="en-US" altLang="en-US" sz="1000" b="0" i="0" u="none" strike="noStrike" cap="none" normalizeH="0" baseline="0" dirty="0" smtClean="0">
+                <a:ln>
+                  <a:noFill/>
+                </a:ln>
+                <a:solidFill>
+                  <a:srgbClr val="000000"/>
+                </a:solidFill>
+                <a:effectLst/>
+                <a:latin typeface="Consolas" panose="020B0609020204030204" pitchFamily="49" charset="0"/>
+                <a:cs typeface="Consolas" panose="020B0609020204030204" pitchFamily="49" charset="0"/>
+              </a:rPr>
+            </a:br>
+            <a:r>
+              <a:rPr kumimoji="0" lang="en-US" altLang="en-US" sz="1000" b="0" i="0" u="none" strike="noStrike" cap="none" normalizeH="0" baseline="0" dirty="0" smtClean="0">
+                <a:ln>
+                  <a:noFill/>
+                </a:ln>
+                <a:solidFill>
+                  <a:srgbClr val="000000"/>
+                </a:solidFill>
+                <a:effectLst/>
+                <a:latin typeface="Consolas" panose="020B0609020204030204" pitchFamily="49" charset="0"/>
+                <a:cs typeface="Consolas" panose="020B0609020204030204" pitchFamily="49" charset="0"/>
+              </a:rPr>
+              <a:t>BSC1,BTS2,100000000000,900,1,2</a:t>
+            </a:r>
+            <a:br>
+              <a:rPr kumimoji="0" lang="en-US" altLang="en-US" sz="1000" b="0" i="0" u="none" strike="noStrike" cap="none" normalizeH="0" baseline="0" dirty="0" smtClean="0">
+                <a:ln>
+                  <a:noFill/>
+                </a:ln>
+                <a:solidFill>
+                  <a:srgbClr val="000000"/>
+                </a:solidFill>
+                <a:effectLst/>
+                <a:latin typeface="Consolas" panose="020B0609020204030204" pitchFamily="49" charset="0"/>
+                <a:cs typeface="Consolas" panose="020B0609020204030204" pitchFamily="49" charset="0"/>
+              </a:rPr>
+            </a:br>
+            <a:r>
+              <a:rPr kumimoji="0" lang="en-US" altLang="en-US" sz="1000" b="0" i="0" u="none" strike="noStrike" cap="none" normalizeH="0" baseline="0" dirty="0" smtClean="0">
+                <a:ln>
+                  <a:noFill/>
+                </a:ln>
+                <a:solidFill>
+                  <a:srgbClr val="000000"/>
+                </a:solidFill>
+                <a:effectLst/>
+                <a:latin typeface="Consolas" panose="020B0609020204030204" pitchFamily="49" charset="0"/>
+                <a:cs typeface="Consolas" panose="020B0609020204030204" pitchFamily="49" charset="0"/>
+              </a:rPr>
+              <a:t>BSC1,BTS2,100000900000,900,1,2</a:t>
+            </a:r>
+            <a:br>
+              <a:rPr kumimoji="0" lang="en-US" altLang="en-US" sz="1000" b="0" i="0" u="none" strike="noStrike" cap="none" normalizeH="0" baseline="0" dirty="0" smtClean="0">
+                <a:ln>
+                  <a:noFill/>
+                </a:ln>
+                <a:solidFill>
+                  <a:srgbClr val="000000"/>
+                </a:solidFill>
+                <a:effectLst/>
+                <a:latin typeface="Consolas" panose="020B0609020204030204" pitchFamily="49" charset="0"/>
+                <a:cs typeface="Consolas" panose="020B0609020204030204" pitchFamily="49" charset="0"/>
+              </a:rPr>
+            </a:br>
+            <a:r>
+              <a:rPr kumimoji="0" lang="en-US" altLang="en-US" sz="1000" b="0" i="0" u="none" strike="noStrike" cap="none" normalizeH="0" baseline="0" dirty="0" smtClean="0">
+                <a:ln>
+                  <a:noFill/>
+                </a:ln>
+                <a:solidFill>
+                  <a:srgbClr val="000000"/>
+                </a:solidFill>
+                <a:effectLst/>
+                <a:latin typeface="Consolas" panose="020B0609020204030204" pitchFamily="49" charset="0"/>
+                <a:cs typeface="Consolas" panose="020B0609020204030204" pitchFamily="49" charset="0"/>
+              </a:rPr>
+              <a:t>BSC1,BTS2,100001800000,900,1,2</a:t>
+            </a:r>
+            <a:br>
+              <a:rPr kumimoji="0" lang="en-US" altLang="en-US" sz="1000" b="0" i="0" u="none" strike="noStrike" cap="none" normalizeH="0" baseline="0" dirty="0" smtClean="0">
+                <a:ln>
+                  <a:noFill/>
+                </a:ln>
+                <a:solidFill>
+                  <a:srgbClr val="000000"/>
+                </a:solidFill>
+                <a:effectLst/>
+                <a:latin typeface="Consolas" panose="020B0609020204030204" pitchFamily="49" charset="0"/>
+                <a:cs typeface="Consolas" panose="020B0609020204030204" pitchFamily="49" charset="0"/>
+              </a:rPr>
+            </a:br>
+            <a:r>
+              <a:rPr kumimoji="0" lang="en-US" altLang="en-US" sz="1000" b="0" i="0" u="none" strike="noStrike" cap="none" normalizeH="0" baseline="0" dirty="0" smtClean="0">
+                <a:ln>
+                  <a:noFill/>
+                </a:ln>
+                <a:solidFill>
+                  <a:srgbClr val="000000"/>
+                </a:solidFill>
+                <a:effectLst/>
+                <a:latin typeface="Consolas" panose="020B0609020204030204" pitchFamily="49" charset="0"/>
+                <a:cs typeface="Consolas" panose="020B0609020204030204" pitchFamily="49" charset="0"/>
+              </a:rPr>
+              <a:t>BSC1,BTS2,100002700000,900,1,2</a:t>
+            </a:r>
+            <a:endParaRPr kumimoji="0" lang="en-US" altLang="en-US" sz="1800" b="0" i="0" u="none" strike="noStrike" cap="none" normalizeH="0" baseline="0" dirty="0" smtClean="0">
+              <a:ln>
+                <a:noFill/>
+              </a:ln>
+              <a:solidFill>
+                <a:schemeClr val="tx1"/>
+              </a:solidFill>
+              <a:effectLst/>
+              <a:latin typeface="Arial" panose="020B0604020202020204" pitchFamily="34" charset="0"/>
+            </a:endParaRPr>
+          </a:p>
+        </p:txBody>
+      </p:sp>
+      <p:sp>
+        <p:nvSpPr>
+          <p:cNvPr id="2" name="Title 1"/>
+          <p:cNvSpPr>
+            <a:spLocks noGrp="1"/>
+          </p:cNvSpPr>
+          <p:nvPr>
+            <p:ph type="title"/>
+          </p:nvPr>
+        </p:nvSpPr>
+        <p:spPr/>
+        <p:txBody>
+          <a:bodyPr/>
+          <a:lstStyle/>
+          <a:p>
+            <a:r>
+              <a:rPr lang="en-US" dirty="0" smtClean="0"/>
+              <a:t>Source file</a:t>
+            </a:r>
+            <a:endParaRPr lang="en-US" dirty="0"/>
+          </a:p>
+        </p:txBody>
+      </p:sp>
+      <p:sp>
+        <p:nvSpPr>
+          <p:cNvPr id="4" name="Slide Number Placeholder 3"/>
+          <p:cNvSpPr>
+            <a:spLocks noGrp="1"/>
+          </p:cNvSpPr>
+          <p:nvPr>
+            <p:ph type="sldNum" sz="quarter" idx="12"/>
+          </p:nvPr>
+        </p:nvSpPr>
+        <p:spPr/>
+        <p:txBody>
+          <a:bodyPr/>
+          <a:lstStyle/>
+          <a:p>
+            <a:fld id="{B016F8AB-BCEA-4347-8BA6-BE776009BC89}" type="slidenum">
+              <a:rPr lang="en-US" smtClean="0"/>
+              <a:pPr/>
+              <a:t>11</a:t>
+            </a:fld>
+            <a:endParaRPr lang="en-US"/>
+          </a:p>
+        </p:txBody>
+      </p:sp>
+      <p:sp>
+        <p:nvSpPr>
+          <p:cNvPr id="6" name="TextBox 5"/>
+          <p:cNvSpPr txBox="1"/>
+          <p:nvPr/>
+        </p:nvSpPr>
+        <p:spPr>
+          <a:xfrm>
+            <a:off x="1970547" y="3092733"/>
+            <a:ext cx="685800" cy="167743"/>
+          </a:xfrm>
+          <a:prstGeom prst="rect">
+            <a:avLst/>
+          </a:prstGeom>
+          <a:noFill/>
+        </p:spPr>
+        <p:txBody>
+          <a:bodyPr wrap="none" lIns="0" tIns="0" rIns="0" bIns="0" rtlCol="0">
+            <a:noAutofit/>
+          </a:bodyPr>
+          <a:lstStyle/>
+          <a:p>
+            <a:pPr>
+              <a:lnSpc>
+                <a:spcPct val="90000"/>
+              </a:lnSpc>
+            </a:pPr>
+            <a:r>
+              <a:rPr lang="en-US" sz="1400" dirty="0" smtClean="0"/>
+              <a:t>CSV file</a:t>
+            </a:r>
+            <a:endParaRPr lang="en-US" sz="1400" dirty="0"/>
+          </a:p>
+        </p:txBody>
+      </p:sp>
+      <p:sp>
+        <p:nvSpPr>
+          <p:cNvPr id="7" name="Rectangle 1"/>
+          <p:cNvSpPr>
+            <a:spLocks noChangeArrowheads="1"/>
+          </p:cNvSpPr>
+          <p:nvPr/>
+        </p:nvSpPr>
+        <p:spPr bwMode="auto">
+          <a:xfrm>
+            <a:off x="762000" y="1699677"/>
+            <a:ext cx="3429000" cy="400110"/>
+          </a:xfrm>
+          <a:prstGeom prst="rect">
+            <a:avLst/>
+          </a:prstGeom>
+          <a:solidFill>
+            <a:srgbClr val="FFFFFF"/>
+          </a:solidFill>
+          <a:ln>
+            <a:noFill/>
+          </a:ln>
+          <a:effectLst/>
+          <a:extLst>
+            <a:ext uri="{91240B29-F687-4F45-9708-019B960494DF}">
+              <a14:hiddenLine xmlns:a14="http://schemas.microsoft.com/office/drawing/2010/main" w="9525">
+                <a:solidFill>
+                  <a:schemeClr val="tx1"/>
+                </a:solidFill>
+                <a:miter lim="800000"/>
+                <a:headEnd/>
+                <a:tailEnd/>
+              </a14:hiddenLine>
+            </a:ext>
+            <a:ext uri="{AF507438-7753-43E0-B8FC-AC1667EBCBE1}">
+              <a14:hiddenEffects xmlns:a14="http://schemas.microsoft.com/office/drawing/2010/main">
+                <a:effectLst>
+                  <a:outerShdw dist="35921" dir="2700000" algn="ctr" rotWithShape="0">
+                    <a:schemeClr val="bg2"/>
+                  </a:outerShdw>
+                </a:effectLst>
+              </a14:hiddenEffects>
+            </a:ext>
+          </a:extLst>
+        </p:spPr>
+        <p:txBody>
+          <a:bodyPr vert="horz" wrap="square" lIns="91440" tIns="45720" rIns="91440" bIns="45720" numCol="1" anchor="ctr" anchorCtr="0" compatLnSpc="1">
+            <a:prstTxWarp prst="textNoShape">
+              <a:avLst/>
+            </a:prstTxWarp>
+            <a:spAutoFit/>
+          </a:bodyPr>
+          <a:lstStyle/>
+          <a:p>
+            <a:pPr marL="0" marR="0" lvl="0" indent="0" algn="l" defTabSz="914400" rtl="0" eaLnBrk="0" fontAlgn="base" latinLnBrk="0" hangingPunct="0">
+              <a:lnSpc>
+                <a:spcPct val="100000"/>
+              </a:lnSpc>
+              <a:spcBef>
+                <a:spcPct val="0"/>
+              </a:spcBef>
+              <a:spcAft>
+                <a:spcPct val="0"/>
+              </a:spcAft>
+              <a:buClrTx/>
+              <a:buSzTx/>
+              <a:buFontTx/>
+              <a:buNone/>
+              <a:tabLst/>
+            </a:pPr>
+            <a:r>
+              <a:rPr kumimoji="0" lang="en-US" altLang="en-US" sz="1000" b="0" i="0" u="none" strike="noStrike" cap="none" normalizeH="0" baseline="0" dirty="0" smtClean="0">
+                <a:ln>
+                  <a:noFill/>
+                </a:ln>
+                <a:solidFill>
+                  <a:srgbClr val="000000"/>
+                </a:solidFill>
+                <a:effectLst/>
+                <a:latin typeface="Consolas" panose="020B0609020204030204" pitchFamily="49" charset="0"/>
+                <a:cs typeface="Consolas" panose="020B0609020204030204" pitchFamily="49" charset="0"/>
+              </a:rPr>
+              <a:t>merge (:TEMPLATE:BSC {type:"BSC",</a:t>
+            </a:r>
+            <a:r>
+              <a:rPr kumimoji="0" lang="en-US" altLang="en-US" sz="1000" b="0" i="0" u="none" strike="noStrike" cap="none" normalizeH="0" baseline="0" dirty="0" err="1" smtClean="0">
+                <a:ln>
+                  <a:noFill/>
+                </a:ln>
+                <a:solidFill>
+                  <a:srgbClr val="000000"/>
+                </a:solidFill>
+                <a:effectLst/>
+                <a:latin typeface="Consolas" panose="020B0609020204030204" pitchFamily="49" charset="0"/>
+                <a:cs typeface="Consolas" panose="020B0609020204030204" pitchFamily="49" charset="0"/>
+              </a:rPr>
+              <a:t>desc</a:t>
+            </a:r>
+            <a:r>
+              <a:rPr kumimoji="0" lang="en-US" altLang="en-US" sz="1000" b="0" i="0" u="none" strike="noStrike" cap="none" normalizeH="0" baseline="0" dirty="0" smtClean="0">
+                <a:ln>
+                  <a:noFill/>
+                </a:ln>
+                <a:solidFill>
+                  <a:srgbClr val="000000"/>
+                </a:solidFill>
+                <a:effectLst/>
+                <a:latin typeface="Consolas" panose="020B0609020204030204" pitchFamily="49" charset="0"/>
+                <a:cs typeface="Consolas" panose="020B0609020204030204" pitchFamily="49" charset="0"/>
+              </a:rPr>
+              <a:t>:""});</a:t>
+            </a:r>
+            <a:br>
+              <a:rPr kumimoji="0" lang="en-US" altLang="en-US" sz="1000" b="0" i="0" u="none" strike="noStrike" cap="none" normalizeH="0" baseline="0" dirty="0" smtClean="0">
+                <a:ln>
+                  <a:noFill/>
+                </a:ln>
+                <a:solidFill>
+                  <a:srgbClr val="000000"/>
+                </a:solidFill>
+                <a:effectLst/>
+                <a:latin typeface="Consolas" panose="020B0609020204030204" pitchFamily="49" charset="0"/>
+                <a:cs typeface="Consolas" panose="020B0609020204030204" pitchFamily="49" charset="0"/>
+              </a:rPr>
+            </a:br>
+            <a:r>
+              <a:rPr kumimoji="0" lang="en-US" altLang="en-US" sz="1000" b="0" i="0" u="none" strike="noStrike" cap="none" normalizeH="0" baseline="0" dirty="0" smtClean="0">
+                <a:ln>
+                  <a:noFill/>
+                </a:ln>
+                <a:solidFill>
+                  <a:srgbClr val="000000"/>
+                </a:solidFill>
+                <a:effectLst/>
+                <a:latin typeface="Consolas" panose="020B0609020204030204" pitchFamily="49" charset="0"/>
+                <a:cs typeface="Consolas" panose="020B0609020204030204" pitchFamily="49" charset="0"/>
+              </a:rPr>
+              <a:t>merge (:TEMPLATE:BTS {type:"BTS",</a:t>
+            </a:r>
+            <a:r>
+              <a:rPr kumimoji="0" lang="en-US" altLang="en-US" sz="1000" b="0" i="0" u="none" strike="noStrike" cap="none" normalizeH="0" baseline="0" dirty="0" err="1" smtClean="0">
+                <a:ln>
+                  <a:noFill/>
+                </a:ln>
+                <a:solidFill>
+                  <a:srgbClr val="000000"/>
+                </a:solidFill>
+                <a:effectLst/>
+                <a:latin typeface="Consolas" panose="020B0609020204030204" pitchFamily="49" charset="0"/>
+                <a:cs typeface="Consolas" panose="020B0609020204030204" pitchFamily="49" charset="0"/>
+              </a:rPr>
+              <a:t>desc</a:t>
+            </a:r>
+            <a:r>
+              <a:rPr kumimoji="0" lang="en-US" altLang="en-US" sz="1000" b="0" i="0" u="none" strike="noStrike" cap="none" normalizeH="0" baseline="0" dirty="0" smtClean="0">
+                <a:ln>
+                  <a:noFill/>
+                </a:ln>
+                <a:solidFill>
+                  <a:srgbClr val="000000"/>
+                </a:solidFill>
+                <a:effectLst/>
+                <a:latin typeface="Consolas" panose="020B0609020204030204" pitchFamily="49" charset="0"/>
+                <a:cs typeface="Consolas" panose="020B0609020204030204" pitchFamily="49" charset="0"/>
+              </a:rPr>
+              <a:t>:""});</a:t>
+            </a:r>
+            <a:endParaRPr kumimoji="0" lang="en-US" altLang="en-US" sz="1800" b="0" i="0" u="none" strike="noStrike" cap="none" normalizeH="0" baseline="0" dirty="0" smtClean="0">
+              <a:ln>
+                <a:noFill/>
+              </a:ln>
+              <a:solidFill>
+                <a:schemeClr val="tx1"/>
+              </a:solidFill>
+              <a:effectLst/>
+              <a:latin typeface="Arial" panose="020B0604020202020204" pitchFamily="34" charset="0"/>
+            </a:endParaRPr>
+          </a:p>
+        </p:txBody>
+      </p:sp>
+      <p:cxnSp>
+        <p:nvCxnSpPr>
+          <p:cNvPr id="9" name="Straight Arrow Connector 8"/>
+          <p:cNvCxnSpPr/>
+          <p:nvPr/>
+        </p:nvCxnSpPr>
+        <p:spPr>
+          <a:xfrm>
+            <a:off x="2933700" y="2042154"/>
+            <a:ext cx="419100" cy="534373"/>
+          </a:xfrm>
+          <a:prstGeom prst="straightConnector1">
+            <a:avLst/>
+          </a:prstGeom>
+          <a:ln w="19050">
+            <a:solidFill>
+              <a:schemeClr val="tx1"/>
+            </a:solidFill>
+            <a:tailEnd type="triangle"/>
+          </a:ln>
+        </p:spPr>
+        <p:style>
+          <a:lnRef idx="1">
+            <a:schemeClr val="accent1"/>
+          </a:lnRef>
+          <a:fillRef idx="0">
+            <a:schemeClr val="accent1"/>
+          </a:fillRef>
+          <a:effectRef idx="0">
+            <a:schemeClr val="accent1"/>
+          </a:effectRef>
+          <a:fontRef idx="minor">
+            <a:schemeClr val="tx1"/>
+          </a:fontRef>
+        </p:style>
+      </p:cxnSp>
+      <p:cxnSp>
+        <p:nvCxnSpPr>
+          <p:cNvPr id="11" name="Straight Arrow Connector 10"/>
+          <p:cNvCxnSpPr/>
+          <p:nvPr/>
+        </p:nvCxnSpPr>
+        <p:spPr>
+          <a:xfrm>
+            <a:off x="2819400" y="1866412"/>
+            <a:ext cx="228600" cy="710115"/>
+          </a:xfrm>
+          <a:prstGeom prst="straightConnector1">
+            <a:avLst/>
+          </a:prstGeom>
+          <a:ln w="19050">
+            <a:solidFill>
+              <a:schemeClr val="tx1"/>
+            </a:solidFill>
+            <a:tailEnd type="triangle"/>
+          </a:ln>
+        </p:spPr>
+        <p:style>
+          <a:lnRef idx="1">
+            <a:schemeClr val="accent1"/>
+          </a:lnRef>
+          <a:fillRef idx="0">
+            <a:schemeClr val="accent1"/>
+          </a:fillRef>
+          <a:effectRef idx="0">
+            <a:schemeClr val="accent1"/>
+          </a:effectRef>
+          <a:fontRef idx="minor">
+            <a:schemeClr val="tx1"/>
+          </a:fontRef>
+        </p:style>
+      </p:cxnSp>
+      <p:sp>
+        <p:nvSpPr>
+          <p:cNvPr id="13" name="Rectangle 2"/>
+          <p:cNvSpPr>
+            <a:spLocks noChangeArrowheads="1"/>
+          </p:cNvSpPr>
+          <p:nvPr/>
+        </p:nvSpPr>
+        <p:spPr bwMode="auto">
+          <a:xfrm>
+            <a:off x="4264152" y="1676960"/>
+            <a:ext cx="3352800" cy="400110"/>
+          </a:xfrm>
+          <a:prstGeom prst="rect">
+            <a:avLst/>
+          </a:prstGeom>
+          <a:solidFill>
+            <a:srgbClr val="FFFFFF"/>
+          </a:solidFill>
+          <a:ln>
+            <a:noFill/>
+          </a:ln>
+          <a:effectLst/>
+          <a:extLst>
+            <a:ext uri="{91240B29-F687-4F45-9708-019B960494DF}">
+              <a14:hiddenLine xmlns:a14="http://schemas.microsoft.com/office/drawing/2010/main" w="9525">
+                <a:solidFill>
+                  <a:schemeClr val="tx1"/>
+                </a:solidFill>
+                <a:miter lim="800000"/>
+                <a:headEnd/>
+                <a:tailEnd/>
+              </a14:hiddenLine>
+            </a:ext>
+            <a:ext uri="{AF507438-7753-43E0-B8FC-AC1667EBCBE1}">
+              <a14:hiddenEffects xmlns:a14="http://schemas.microsoft.com/office/drawing/2010/main">
+                <a:effectLst>
+                  <a:outerShdw dist="35921" dir="2700000" algn="ctr" rotWithShape="0">
+                    <a:schemeClr val="bg2"/>
+                  </a:outerShdw>
+                </a:effectLst>
+              </a14:hiddenEffects>
+            </a:ext>
+          </a:extLst>
+        </p:spPr>
+        <p:txBody>
+          <a:bodyPr vert="horz" wrap="square" lIns="91440" tIns="45720" rIns="91440" bIns="45720" numCol="1" anchor="ctr" anchorCtr="0" compatLnSpc="1">
+            <a:prstTxWarp prst="textNoShape">
+              <a:avLst/>
+            </a:prstTxWarp>
+            <a:spAutoFit/>
+          </a:bodyPr>
+          <a:lstStyle/>
+          <a:p>
+            <a:pPr marL="0" marR="0" lvl="0" indent="0" algn="l" defTabSz="914400" rtl="0" eaLnBrk="0" fontAlgn="base" latinLnBrk="0" hangingPunct="0">
+              <a:lnSpc>
+                <a:spcPct val="100000"/>
+              </a:lnSpc>
+              <a:spcBef>
+                <a:spcPct val="0"/>
+              </a:spcBef>
+              <a:spcAft>
+                <a:spcPct val="0"/>
+              </a:spcAft>
+              <a:buClrTx/>
+              <a:buSzTx/>
+              <a:buFontTx/>
+              <a:buNone/>
+              <a:tabLst/>
+            </a:pPr>
+            <a:r>
+              <a:rPr kumimoji="0" lang="en-US" altLang="en-US" sz="1000" b="0" i="0" u="none" strike="noStrike" cap="none" normalizeH="0" baseline="0" dirty="0" smtClean="0">
+                <a:ln>
+                  <a:noFill/>
+                </a:ln>
+                <a:solidFill>
+                  <a:srgbClr val="000000"/>
+                </a:solidFill>
+                <a:effectLst/>
+                <a:latin typeface="Consolas" panose="020B0609020204030204" pitchFamily="49" charset="0"/>
+                <a:cs typeface="Consolas" panose="020B0609020204030204" pitchFamily="49" charset="0"/>
+              </a:rPr>
+              <a:t>merge (:KPI_DEF {id:0,name:"number of service request",type:0,formula:"nbr_call_request"});</a:t>
+            </a:r>
+            <a:endParaRPr kumimoji="0" lang="en-US" altLang="en-US" sz="1800" b="0" i="0" u="none" strike="noStrike" cap="none" normalizeH="0" baseline="0" dirty="0" smtClean="0">
+              <a:ln>
+                <a:noFill/>
+              </a:ln>
+              <a:solidFill>
+                <a:schemeClr val="tx1"/>
+              </a:solidFill>
+              <a:effectLst/>
+              <a:latin typeface="Arial" panose="020B0604020202020204" pitchFamily="34" charset="0"/>
+            </a:endParaRPr>
+          </a:p>
+        </p:txBody>
+      </p:sp>
+      <p:cxnSp>
+        <p:nvCxnSpPr>
+          <p:cNvPr id="15" name="Straight Arrow Connector 14"/>
+          <p:cNvCxnSpPr/>
+          <p:nvPr/>
+        </p:nvCxnSpPr>
+        <p:spPr>
+          <a:xfrm flipH="1">
+            <a:off x="5275929" y="1952924"/>
+            <a:ext cx="1124871" cy="636478"/>
+          </a:xfrm>
+          <a:prstGeom prst="straightConnector1">
+            <a:avLst/>
+          </a:prstGeom>
+          <a:ln w="19050">
+            <a:solidFill>
+              <a:schemeClr val="tx1"/>
+            </a:solidFill>
+            <a:tailEnd type="triangle"/>
+          </a:ln>
+        </p:spPr>
+        <p:style>
+          <a:lnRef idx="1">
+            <a:schemeClr val="accent1"/>
+          </a:lnRef>
+          <a:fillRef idx="0">
+            <a:schemeClr val="accent1"/>
+          </a:fillRef>
+          <a:effectRef idx="0">
+            <a:schemeClr val="accent1"/>
+          </a:effectRef>
+          <a:fontRef idx="minor">
+            <a:schemeClr val="tx1"/>
+          </a:fontRef>
+        </p:style>
+      </p:cxnSp>
+      <p:sp>
+        <p:nvSpPr>
+          <p:cNvPr id="16" name="Rectangle 3"/>
+          <p:cNvSpPr>
+            <a:spLocks noChangeArrowheads="1"/>
+          </p:cNvSpPr>
+          <p:nvPr/>
+        </p:nvSpPr>
+        <p:spPr bwMode="auto">
+          <a:xfrm>
+            <a:off x="7772400" y="1821359"/>
+            <a:ext cx="3886200" cy="400110"/>
+          </a:xfrm>
+          <a:prstGeom prst="rect">
+            <a:avLst/>
+          </a:prstGeom>
+          <a:solidFill>
+            <a:srgbClr val="FFFFFF"/>
+          </a:solidFill>
+          <a:ln>
+            <a:noFill/>
+          </a:ln>
+          <a:effectLst/>
+          <a:extLst>
+            <a:ext uri="{91240B29-F687-4F45-9708-019B960494DF}">
+              <a14:hiddenLine xmlns:a14="http://schemas.microsoft.com/office/drawing/2010/main" w="9525">
+                <a:solidFill>
+                  <a:schemeClr val="tx1"/>
+                </a:solidFill>
+                <a:miter lim="800000"/>
+                <a:headEnd/>
+                <a:tailEnd/>
+              </a14:hiddenLine>
+            </a:ext>
+            <a:ext uri="{AF507438-7753-43E0-B8FC-AC1667EBCBE1}">
+              <a14:hiddenEffects xmlns:a14="http://schemas.microsoft.com/office/drawing/2010/main">
+                <a:effectLst>
+                  <a:outerShdw dist="35921" dir="2700000" algn="ctr" rotWithShape="0">
+                    <a:schemeClr val="bg2"/>
+                  </a:outerShdw>
+                </a:effectLst>
+              </a14:hiddenEffects>
+            </a:ext>
+          </a:extLst>
+        </p:spPr>
+        <p:txBody>
+          <a:bodyPr vert="horz" wrap="square" lIns="91440" tIns="45720" rIns="91440" bIns="45720" numCol="1" anchor="ctr" anchorCtr="0" compatLnSpc="1">
+            <a:prstTxWarp prst="textNoShape">
+              <a:avLst/>
+            </a:prstTxWarp>
+            <a:spAutoFit/>
+          </a:bodyPr>
+          <a:lstStyle/>
+          <a:p>
+            <a:pPr marL="0" marR="0" lvl="0" indent="0" algn="l" defTabSz="914400" rtl="0" eaLnBrk="0" fontAlgn="base" latinLnBrk="0" hangingPunct="0">
+              <a:lnSpc>
+                <a:spcPct val="100000"/>
+              </a:lnSpc>
+              <a:spcBef>
+                <a:spcPct val="0"/>
+              </a:spcBef>
+              <a:spcAft>
+                <a:spcPct val="0"/>
+              </a:spcAft>
+              <a:buClrTx/>
+              <a:buSzTx/>
+              <a:buFontTx/>
+              <a:buNone/>
+              <a:tabLst/>
+            </a:pPr>
+            <a:r>
+              <a:rPr kumimoji="0" lang="en-US" altLang="en-US" sz="1000" b="0" i="0" u="none" strike="noStrike" cap="none" normalizeH="0" baseline="0" smtClean="0">
+                <a:ln>
+                  <a:noFill/>
+                </a:ln>
+                <a:solidFill>
+                  <a:srgbClr val="000000"/>
+                </a:solidFill>
+                <a:effectLst/>
+                <a:latin typeface="Consolas" panose="020B0609020204030204" pitchFamily="49" charset="0"/>
+                <a:cs typeface="Consolas" panose="020B0609020204030204" pitchFamily="49" charset="0"/>
+              </a:rPr>
+              <a:t>merge (:KPI_DEF {id:1,name:"number of success service request",type:0,formula:"nbr_call_response"});</a:t>
+            </a:r>
+            <a:endParaRPr kumimoji="0" lang="en-US" altLang="en-US" sz="1800" b="0" i="0" u="none" strike="noStrike" cap="none" normalizeH="0" baseline="0" smtClean="0">
+              <a:ln>
+                <a:noFill/>
+              </a:ln>
+              <a:solidFill>
+                <a:schemeClr val="tx1"/>
+              </a:solidFill>
+              <a:effectLst/>
+              <a:latin typeface="Arial" panose="020B0604020202020204" pitchFamily="34" charset="0"/>
+            </a:endParaRPr>
+          </a:p>
+        </p:txBody>
+      </p:sp>
+      <p:cxnSp>
+        <p:nvCxnSpPr>
+          <p:cNvPr id="18" name="Straight Arrow Connector 17"/>
+          <p:cNvCxnSpPr/>
+          <p:nvPr/>
+        </p:nvCxnSpPr>
+        <p:spPr>
+          <a:xfrm flipH="1">
+            <a:off x="6839871" y="2180818"/>
+            <a:ext cx="3294729" cy="395709"/>
+          </a:xfrm>
+          <a:prstGeom prst="straightConnector1">
+            <a:avLst/>
+          </a:prstGeom>
+          <a:ln w="19050">
+            <a:solidFill>
+              <a:schemeClr val="tx1"/>
+            </a:solidFill>
+            <a:tailEnd type="triangle"/>
+          </a:ln>
+        </p:spPr>
+        <p:style>
+          <a:lnRef idx="1">
+            <a:schemeClr val="accent1"/>
+          </a:lnRef>
+          <a:fillRef idx="0">
+            <a:schemeClr val="accent1"/>
+          </a:fillRef>
+          <a:effectRef idx="0">
+            <a:schemeClr val="accent1"/>
+          </a:effectRef>
+          <a:fontRef idx="minor">
+            <a:schemeClr val="tx1"/>
+          </a:fontRef>
+        </p:style>
+      </p:cxnSp>
+      <p:sp>
+        <p:nvSpPr>
+          <p:cNvPr id="19" name="Rectangle 4"/>
+          <p:cNvSpPr>
+            <a:spLocks noChangeArrowheads="1"/>
+          </p:cNvSpPr>
+          <p:nvPr/>
+        </p:nvSpPr>
+        <p:spPr bwMode="auto">
+          <a:xfrm>
+            <a:off x="2313447" y="4323041"/>
+            <a:ext cx="3733800" cy="246221"/>
+          </a:xfrm>
+          <a:prstGeom prst="rect">
+            <a:avLst/>
+          </a:prstGeom>
+          <a:solidFill>
+            <a:srgbClr val="FFFFFF"/>
+          </a:solidFill>
+          <a:ln>
+            <a:noFill/>
+          </a:ln>
+          <a:effectLst/>
+          <a:extLst>
+            <a:ext uri="{91240B29-F687-4F45-9708-019B960494DF}">
+              <a14:hiddenLine xmlns:a14="http://schemas.microsoft.com/office/drawing/2010/main" w="9525">
+                <a:solidFill>
+                  <a:schemeClr val="tx1"/>
+                </a:solidFill>
+                <a:miter lim="800000"/>
+                <a:headEnd/>
+                <a:tailEnd/>
+              </a14:hiddenLine>
+            </a:ext>
+            <a:ext uri="{AF507438-7753-43E0-B8FC-AC1667EBCBE1}">
+              <a14:hiddenEffects xmlns:a14="http://schemas.microsoft.com/office/drawing/2010/main">
+                <a:effectLst>
+                  <a:outerShdw dist="35921" dir="2700000" algn="ctr" rotWithShape="0">
+                    <a:schemeClr val="bg2"/>
+                  </a:outerShdw>
+                </a:effectLst>
+              </a14:hiddenEffects>
+            </a:ext>
+          </a:extLst>
+        </p:spPr>
+        <p:txBody>
+          <a:bodyPr vert="horz" wrap="square" lIns="91440" tIns="45720" rIns="91440" bIns="45720" numCol="1" anchor="ctr" anchorCtr="0" compatLnSpc="1">
+            <a:prstTxWarp prst="textNoShape">
+              <a:avLst/>
+            </a:prstTxWarp>
+            <a:spAutoFit/>
+          </a:bodyPr>
+          <a:lstStyle/>
+          <a:p>
+            <a:pPr marL="0" marR="0" lvl="0" indent="0" algn="l" defTabSz="914400" rtl="0" eaLnBrk="0" fontAlgn="base" latinLnBrk="0" hangingPunct="0">
+              <a:lnSpc>
+                <a:spcPct val="100000"/>
+              </a:lnSpc>
+              <a:spcBef>
+                <a:spcPct val="0"/>
+              </a:spcBef>
+              <a:spcAft>
+                <a:spcPct val="0"/>
+              </a:spcAft>
+              <a:buClrTx/>
+              <a:buSzTx/>
+              <a:buFontTx/>
+              <a:buNone/>
+              <a:tabLst/>
+            </a:pPr>
+            <a:r>
+              <a:rPr kumimoji="0" lang="en-US" altLang="en-US" sz="1000" b="0" i="0" u="none" strike="noStrike" cap="none" normalizeH="0" baseline="0" smtClean="0">
+                <a:ln>
+                  <a:noFill/>
+                </a:ln>
+                <a:solidFill>
+                  <a:srgbClr val="000000"/>
+                </a:solidFill>
+                <a:effectLst/>
+                <a:latin typeface="Consolas" panose="020B0609020204030204" pitchFamily="49" charset="0"/>
+                <a:cs typeface="Consolas" panose="020B0609020204030204" pitchFamily="49" charset="0"/>
+              </a:rPr>
+              <a:t>merge (:GRANULARITY {id:0,type:"15mins",num:900});</a:t>
+            </a:r>
+            <a:endParaRPr kumimoji="0" lang="en-US" altLang="en-US" sz="1800" b="0" i="0" u="none" strike="noStrike" cap="none" normalizeH="0" baseline="0" smtClean="0">
+              <a:ln>
+                <a:noFill/>
+              </a:ln>
+              <a:solidFill>
+                <a:schemeClr val="tx1"/>
+              </a:solidFill>
+              <a:effectLst/>
+              <a:latin typeface="Arial" panose="020B0604020202020204" pitchFamily="34" charset="0"/>
+            </a:endParaRPr>
+          </a:p>
+        </p:txBody>
+      </p:sp>
+      <p:cxnSp>
+        <p:nvCxnSpPr>
+          <p:cNvPr id="21" name="Straight Arrow Connector 20"/>
+          <p:cNvCxnSpPr/>
+          <p:nvPr/>
+        </p:nvCxnSpPr>
+        <p:spPr>
+          <a:xfrm flipH="1" flipV="1">
+            <a:off x="4724400" y="3886200"/>
+            <a:ext cx="838200" cy="567062"/>
+          </a:xfrm>
+          <a:prstGeom prst="straightConnector1">
+            <a:avLst/>
+          </a:prstGeom>
+          <a:ln w="19050">
+            <a:solidFill>
+              <a:schemeClr val="tx1"/>
+            </a:solidFill>
+            <a:tailEnd type="triangle"/>
+          </a:ln>
+        </p:spPr>
+        <p:style>
+          <a:lnRef idx="1">
+            <a:schemeClr val="accent1"/>
+          </a:lnRef>
+          <a:fillRef idx="0">
+            <a:schemeClr val="accent1"/>
+          </a:fillRef>
+          <a:effectRef idx="0">
+            <a:schemeClr val="accent1"/>
+          </a:effectRef>
+          <a:fontRef idx="minor">
+            <a:schemeClr val="tx1"/>
+          </a:fontRef>
+        </p:style>
+      </p:cxnSp>
+    </p:spTree>
+    <p:extLst>
+      <p:ext uri="{BB962C8B-B14F-4D97-AF65-F5344CB8AC3E}">
+        <p14:creationId xmlns:p14="http://schemas.microsoft.com/office/powerpoint/2010/main" val="1429119907"/>
+      </p:ext>
+    </p:extLst>
+  </p:cSld>
+  <p:clrMapOvr>
+    <a:masterClrMapping/>
+  </p:clrMapOvr>
+  <mc:AlternateContent xmlns:mc="http://schemas.openxmlformats.org/markup-compatibility/2006" xmlns:p14="http://schemas.microsoft.com/office/powerpoint/2010/main">
+    <mc:Choice Requires="p14">
+      <p:transition spd="med" p14:dur="700">
+        <p:fade/>
+      </p:transition>
+    </mc:Choice>
+    <mc:Fallback xmlns="">
+      <p:transition spd="med">
+        <p:fade/>
+      </p:transition>
+    </mc:Fallback>
+  </mc:AlternateContent>
+  <p:timing>
+    <p:tnLst>
+      <p:par>
+        <p:cTn id="1" dur="indefinite" restart="never" nodeType="tmRoot"/>
+      </p:par>
+    </p:tnLst>
+  </p:timing>
+</p:sld>
+</file>
+
+<file path=ppt/slides/slide12.xml><?xml version="1.0" encoding="utf-8"?>
+<p:sld xmlns:a="http://schemas.openxmlformats.org/drawingml/2006/main" xmlns:r="http://schemas.openxmlformats.org/officeDocument/2006/relationships" xmlns:p="http://schemas.openxmlformats.org/presentationml/2006/main">
+  <p:cSld>
+    <p:spTree>
+      <p:nvGrpSpPr>
+        <p:cNvPr id="1" name=""/>
+        <p:cNvGrpSpPr/>
+        <p:nvPr/>
+      </p:nvGrpSpPr>
+      <p:grpSpPr>
+        <a:xfrm>
+          <a:off x="0" y="0"/>
+          <a:ext cx="0" cy="0"/>
+          <a:chOff x="0" y="0"/>
+          <a:chExt cx="0" cy="0"/>
+        </a:xfrm>
+      </p:grpSpPr>
+      <p:sp>
+        <p:nvSpPr>
+          <p:cNvPr id="2" name="Title 1"/>
+          <p:cNvSpPr>
+            <a:spLocks noGrp="1"/>
+          </p:cNvSpPr>
+          <p:nvPr>
+            <p:ph type="title"/>
+          </p:nvPr>
+        </p:nvSpPr>
+        <p:spPr/>
+        <p:txBody>
+          <a:bodyPr/>
+          <a:lstStyle/>
+          <a:p>
+            <a:r>
+              <a:rPr lang="en-US" dirty="0" smtClean="0"/>
+              <a:t>After collect</a:t>
+            </a:r>
+            <a:endParaRPr lang="en-US" dirty="0"/>
+          </a:p>
+        </p:txBody>
+      </p:sp>
+      <p:sp>
+        <p:nvSpPr>
+          <p:cNvPr id="4" name="Slide Number Placeholder 3"/>
+          <p:cNvSpPr>
+            <a:spLocks noGrp="1"/>
+          </p:cNvSpPr>
+          <p:nvPr>
+            <p:ph type="sldNum" sz="quarter" idx="12"/>
+          </p:nvPr>
+        </p:nvSpPr>
+        <p:spPr/>
+        <p:txBody>
+          <a:bodyPr/>
+          <a:lstStyle/>
+          <a:p>
+            <a:fld id="{B016F8AB-BCEA-4347-8BA6-BE776009BC89}" type="slidenum">
+              <a:rPr lang="en-US" smtClean="0"/>
+              <a:pPr/>
+              <a:t>12</a:t>
+            </a:fld>
+            <a:endParaRPr lang="en-US"/>
+          </a:p>
+        </p:txBody>
+      </p:sp>
+      <p:pic>
+        <p:nvPicPr>
+          <p:cNvPr id="5" name="Picture 4"/>
+          <p:cNvPicPr>
+            <a:picLocks noChangeAspect="1"/>
+          </p:cNvPicPr>
+          <p:nvPr/>
+        </p:nvPicPr>
+        <p:blipFill>
+          <a:blip r:embed="rId2"/>
+          <a:stretch>
+            <a:fillRect/>
+          </a:stretch>
+        </p:blipFill>
+        <p:spPr>
+          <a:xfrm>
+            <a:off x="1066800" y="945418"/>
+            <a:ext cx="9381114" cy="5180419"/>
+          </a:xfrm>
+          <a:prstGeom prst="rect">
+            <a:avLst/>
+          </a:prstGeom>
+        </p:spPr>
+      </p:pic>
+    </p:spTree>
+    <p:extLst>
+      <p:ext uri="{BB962C8B-B14F-4D97-AF65-F5344CB8AC3E}">
+        <p14:creationId xmlns:p14="http://schemas.microsoft.com/office/powerpoint/2010/main" val="117764727"/>
+      </p:ext>
+    </p:extLst>
+  </p:cSld>
+  <p:clrMapOvr>
+    <a:masterClrMapping/>
+  </p:clrMapOvr>
+  <mc:AlternateContent xmlns:mc="http://schemas.openxmlformats.org/markup-compatibility/2006" xmlns:p14="http://schemas.microsoft.com/office/powerpoint/2010/main">
+    <mc:Choice Requires="p14">
+      <p:transition spd="med" p14:dur="700">
+        <p:fade/>
+      </p:transition>
+    </mc:Choice>
+    <mc:Fallback xmlns="">
+      <p:transition spd="med">
+        <p:fade/>
+      </p:transition>
+    </mc:Fallback>
+  </mc:AlternateContent>
+  <p:timing>
+    <p:tnLst>
+      <p:par>
+        <p:cTn id="1" dur="indefinite" restart="never" nodeType="tmRoot"/>
+      </p:par>
+    </p:tnLst>
+  </p:timing>
+</p:sld>
+</file>
+
+<file path=ppt/slides/slide13.xml><?xml version="1.0" encoding="utf-8"?>
+<p:sld xmlns:a="http://schemas.openxmlformats.org/drawingml/2006/main" xmlns:r="http://schemas.openxmlformats.org/officeDocument/2006/relationships" xmlns:p="http://schemas.openxmlformats.org/presentationml/2006/main">
+  <p:cSld>
+    <p:spTree>
+      <p:nvGrpSpPr>
+        <p:cNvPr id="1" name=""/>
+        <p:cNvGrpSpPr/>
+        <p:nvPr/>
+      </p:nvGrpSpPr>
+      <p:grpSpPr>
+        <a:xfrm>
+          <a:off x="0" y="0"/>
+          <a:ext cx="0" cy="0"/>
+          <a:chOff x="0" y="0"/>
+          <a:chExt cx="0" cy="0"/>
+        </a:xfrm>
+      </p:grpSpPr>
+      <p:sp>
+        <p:nvSpPr>
+          <p:cNvPr id="2" name="Title 1"/>
+          <p:cNvSpPr>
+            <a:spLocks noGrp="1"/>
+          </p:cNvSpPr>
+          <p:nvPr>
+            <p:ph type="title"/>
+          </p:nvPr>
+        </p:nvSpPr>
+        <p:spPr/>
+        <p:txBody>
+          <a:bodyPr/>
+          <a:lstStyle/>
+          <a:p>
+            <a:r>
+              <a:rPr lang="en-US" dirty="0" smtClean="0"/>
+              <a:t>SNMP Collector</a:t>
+            </a:r>
+            <a:endParaRPr lang="en-US" dirty="0"/>
+          </a:p>
+        </p:txBody>
+      </p:sp>
+      <p:sp>
+        <p:nvSpPr>
+          <p:cNvPr id="3" name="Content Placeholder 2"/>
+          <p:cNvSpPr>
+            <a:spLocks noGrp="1"/>
+          </p:cNvSpPr>
+          <p:nvPr>
+            <p:ph idx="1"/>
+          </p:nvPr>
+        </p:nvSpPr>
+        <p:spPr/>
+        <p:txBody>
+          <a:bodyPr/>
+          <a:lstStyle/>
+          <a:p>
+            <a:r>
+              <a:rPr lang="en-US" dirty="0" smtClean="0"/>
+              <a:t>SNMP can collect data by snmpget or </a:t>
+            </a:r>
+            <a:r>
+              <a:rPr lang="en-US" dirty="0" err="1" smtClean="0"/>
+              <a:t>snmpwalk</a:t>
+            </a:r>
+            <a:r>
+              <a:rPr lang="en-US" dirty="0" smtClean="0"/>
+              <a:t>.</a:t>
+            </a:r>
+          </a:p>
+          <a:p>
+            <a:r>
+              <a:rPr lang="en-US" dirty="0" smtClean="0"/>
+              <a:t>The SNMP collector has a configuration file which define the host and collection OIDs.</a:t>
+            </a:r>
+          </a:p>
+          <a:p>
+            <a:r>
+              <a:rPr lang="en-US" dirty="0" smtClean="0"/>
+              <a:t> Different with CSV collector:</a:t>
+            </a:r>
+          </a:p>
+          <a:p>
+            <a:pPr lvl="1"/>
+            <a:r>
+              <a:rPr lang="en-US" dirty="0" smtClean="0"/>
+              <a:t>The SNMP collector will register the KPIs in by itself</a:t>
+            </a:r>
+          </a:p>
+          <a:p>
+            <a:pPr lvl="1"/>
+            <a:r>
+              <a:rPr lang="en-US" dirty="0" smtClean="0"/>
+              <a:t>The KPI could be calculated or aggregated before ingestion.</a:t>
+            </a:r>
+            <a:endParaRPr lang="en-US" dirty="0"/>
+          </a:p>
+        </p:txBody>
+      </p:sp>
+      <p:sp>
+        <p:nvSpPr>
+          <p:cNvPr id="4" name="Slide Number Placeholder 3"/>
+          <p:cNvSpPr>
+            <a:spLocks noGrp="1"/>
+          </p:cNvSpPr>
+          <p:nvPr>
+            <p:ph type="sldNum" sz="quarter" idx="12"/>
+          </p:nvPr>
+        </p:nvSpPr>
+        <p:spPr/>
+        <p:txBody>
+          <a:bodyPr/>
+          <a:lstStyle/>
+          <a:p>
+            <a:fld id="{B016F8AB-BCEA-4347-8BA6-BE776009BC89}" type="slidenum">
+              <a:rPr lang="en-US" smtClean="0"/>
+              <a:pPr/>
+              <a:t>13</a:t>
+            </a:fld>
+            <a:endParaRPr lang="en-US"/>
+          </a:p>
+        </p:txBody>
+      </p:sp>
+      <p:sp>
+        <p:nvSpPr>
+          <p:cNvPr id="5" name="Rectangle 1"/>
+          <p:cNvSpPr>
+            <a:spLocks noChangeArrowheads="1"/>
+          </p:cNvSpPr>
+          <p:nvPr/>
+        </p:nvSpPr>
+        <p:spPr bwMode="auto">
+          <a:xfrm>
+            <a:off x="7962899" y="2183551"/>
+            <a:ext cx="3352800" cy="4247317"/>
+          </a:xfrm>
+          <a:prstGeom prst="rect">
+            <a:avLst/>
+          </a:prstGeom>
+          <a:ln/>
+        </p:spPr>
+        <p:style>
+          <a:lnRef idx="2">
+            <a:schemeClr val="accent1"/>
+          </a:lnRef>
+          <a:fillRef idx="1">
+            <a:schemeClr val="lt1"/>
+          </a:fillRef>
+          <a:effectRef idx="0">
+            <a:schemeClr val="accent1"/>
+          </a:effectRef>
+          <a:fontRef idx="minor">
+            <a:schemeClr val="dk1"/>
+          </a:fontRef>
+        </p:style>
+        <p:txBody>
+          <a:bodyPr vert="horz" wrap="square" lIns="91440" tIns="45720" rIns="91440" bIns="45720" numCol="1" anchor="ctr" anchorCtr="0" compatLnSpc="1">
+            <a:prstTxWarp prst="textNoShape">
+              <a:avLst/>
+            </a:prstTxWarp>
+            <a:spAutoFit/>
+          </a:bodyPr>
+          <a:lstStyle/>
+          <a:p>
+            <a:pPr marL="0" marR="0" lvl="0" indent="0" algn="l" defTabSz="914400" rtl="0" eaLnBrk="0" fontAlgn="base" latinLnBrk="0" hangingPunct="0">
+              <a:lnSpc>
+                <a:spcPct val="100000"/>
+              </a:lnSpc>
+              <a:spcBef>
+                <a:spcPct val="0"/>
+              </a:spcBef>
+              <a:spcAft>
+                <a:spcPct val="0"/>
+              </a:spcAft>
+              <a:buClrTx/>
+              <a:buSzTx/>
+              <a:buFontTx/>
+              <a:buNone/>
+              <a:tabLst/>
+            </a:pPr>
+            <a:r>
+              <a:rPr kumimoji="0" lang="en-US" altLang="en-US" sz="1000" b="1" i="0" u="none" strike="noStrike" cap="none" normalizeH="0" baseline="0" dirty="0" smtClean="0">
+                <a:ln>
+                  <a:noFill/>
+                </a:ln>
+                <a:solidFill>
+                  <a:srgbClr val="660E7A"/>
+                </a:solidFill>
+                <a:effectLst/>
+                <a:latin typeface="Consolas" panose="020B0609020204030204" pitchFamily="49" charset="0"/>
+                <a:cs typeface="Consolas" panose="020B0609020204030204" pitchFamily="49" charset="0"/>
+              </a:rPr>
+              <a:t>"</a:t>
+            </a:r>
+            <a:r>
+              <a:rPr kumimoji="0" lang="en-US" altLang="en-US" sz="1000" b="1" i="0" u="none" strike="noStrike" cap="none" normalizeH="0" baseline="0" dirty="0" err="1" smtClean="0">
+                <a:ln>
+                  <a:noFill/>
+                </a:ln>
+                <a:solidFill>
+                  <a:srgbClr val="660E7A"/>
+                </a:solidFill>
+                <a:effectLst/>
+                <a:latin typeface="Consolas" panose="020B0609020204030204" pitchFamily="49" charset="0"/>
+                <a:cs typeface="Consolas" panose="020B0609020204030204" pitchFamily="49" charset="0"/>
+              </a:rPr>
+              <a:t>device_info</a:t>
+            </a:r>
+            <a:r>
+              <a:rPr kumimoji="0" lang="en-US" altLang="en-US" sz="1000" b="1" i="0" u="none" strike="noStrike" cap="none" normalizeH="0" baseline="0" dirty="0" smtClean="0">
+                <a:ln>
+                  <a:noFill/>
+                </a:ln>
+                <a:solidFill>
+                  <a:srgbClr val="660E7A"/>
+                </a:solidFill>
+                <a:effectLst/>
+                <a:latin typeface="Consolas" panose="020B0609020204030204" pitchFamily="49" charset="0"/>
+                <a:cs typeface="Consolas" panose="020B0609020204030204" pitchFamily="49" charset="0"/>
+              </a:rPr>
+              <a:t>"</a:t>
+            </a:r>
+            <a:r>
+              <a:rPr kumimoji="0" lang="en-US" altLang="en-US" sz="1000" b="0" i="0" u="none" strike="noStrike" cap="none" normalizeH="0" baseline="0" dirty="0" smtClean="0">
+                <a:ln>
+                  <a:noFill/>
+                </a:ln>
+                <a:solidFill>
+                  <a:srgbClr val="000000"/>
+                </a:solidFill>
+                <a:effectLst/>
+                <a:latin typeface="Consolas" panose="020B0609020204030204" pitchFamily="49" charset="0"/>
+                <a:cs typeface="Consolas" panose="020B0609020204030204" pitchFamily="49" charset="0"/>
+              </a:rPr>
+              <a:t>: {</a:t>
+            </a:r>
+            <a:br>
+              <a:rPr kumimoji="0" lang="en-US" altLang="en-US" sz="1000" b="0" i="0" u="none" strike="noStrike" cap="none" normalizeH="0" baseline="0" dirty="0" smtClean="0">
+                <a:ln>
+                  <a:noFill/>
+                </a:ln>
+                <a:solidFill>
+                  <a:srgbClr val="000000"/>
+                </a:solidFill>
+                <a:effectLst/>
+                <a:latin typeface="Consolas" panose="020B0609020204030204" pitchFamily="49" charset="0"/>
+                <a:cs typeface="Consolas" panose="020B0609020204030204" pitchFamily="49" charset="0"/>
+              </a:rPr>
+            </a:br>
+            <a:r>
+              <a:rPr kumimoji="0" lang="en-US" altLang="en-US" sz="1000" b="0" i="0" u="none" strike="noStrike" cap="none" normalizeH="0" baseline="0" dirty="0" smtClean="0">
+                <a:ln>
+                  <a:noFill/>
+                </a:ln>
+                <a:solidFill>
+                  <a:srgbClr val="000000"/>
+                </a:solidFill>
+                <a:effectLst/>
+                <a:latin typeface="Consolas" panose="020B0609020204030204" pitchFamily="49" charset="0"/>
+                <a:cs typeface="Consolas" panose="020B0609020204030204" pitchFamily="49" charset="0"/>
+              </a:rPr>
+              <a:t>  </a:t>
+            </a:r>
+            <a:r>
+              <a:rPr kumimoji="0" lang="en-US" altLang="en-US" sz="1000" b="1" i="0" u="none" strike="noStrike" cap="none" normalizeH="0" baseline="0" dirty="0" smtClean="0">
+                <a:ln>
+                  <a:noFill/>
+                </a:ln>
+                <a:solidFill>
+                  <a:srgbClr val="660E7A"/>
+                </a:solidFill>
+                <a:effectLst/>
+                <a:latin typeface="Consolas" panose="020B0609020204030204" pitchFamily="49" charset="0"/>
+                <a:cs typeface="Consolas" panose="020B0609020204030204" pitchFamily="49" charset="0"/>
+              </a:rPr>
+              <a:t>"type"</a:t>
+            </a:r>
+            <a:r>
+              <a:rPr kumimoji="0" lang="en-US" altLang="en-US" sz="1000" b="0" i="0" u="none" strike="noStrike" cap="none" normalizeH="0" baseline="0" dirty="0" smtClean="0">
+                <a:ln>
+                  <a:noFill/>
+                </a:ln>
+                <a:solidFill>
+                  <a:srgbClr val="000000"/>
+                </a:solidFill>
+                <a:effectLst/>
+                <a:latin typeface="Consolas" panose="020B0609020204030204" pitchFamily="49" charset="0"/>
+                <a:cs typeface="Consolas" panose="020B0609020204030204" pitchFamily="49" charset="0"/>
+              </a:rPr>
+              <a:t>: </a:t>
+            </a:r>
+            <a:r>
+              <a:rPr kumimoji="0" lang="en-US" altLang="en-US" sz="1000" b="1" i="0" u="none" strike="noStrike" cap="none" normalizeH="0" baseline="0" dirty="0" smtClean="0">
+                <a:ln>
+                  <a:noFill/>
+                </a:ln>
+                <a:solidFill>
+                  <a:srgbClr val="008000"/>
+                </a:solidFill>
+                <a:effectLst/>
+                <a:latin typeface="Consolas" panose="020B0609020204030204" pitchFamily="49" charset="0"/>
+                <a:cs typeface="Consolas" panose="020B0609020204030204" pitchFamily="49" charset="0"/>
+              </a:rPr>
+              <a:t>"</a:t>
+            </a:r>
+            <a:r>
+              <a:rPr kumimoji="0" lang="en-US" altLang="en-US" sz="1000" b="1" i="0" u="none" strike="noStrike" cap="none" normalizeH="0" baseline="0" dirty="0" err="1" smtClean="0">
+                <a:ln>
+                  <a:noFill/>
+                </a:ln>
+                <a:solidFill>
+                  <a:srgbClr val="008000"/>
+                </a:solidFill>
+                <a:effectLst/>
+                <a:latin typeface="Consolas" panose="020B0609020204030204" pitchFamily="49" charset="0"/>
+                <a:cs typeface="Consolas" panose="020B0609020204030204" pitchFamily="49" charset="0"/>
+              </a:rPr>
+              <a:t>Windows_Host</a:t>
+            </a:r>
+            <a:r>
+              <a:rPr kumimoji="0" lang="en-US" altLang="en-US" sz="1000" b="1" i="0" u="none" strike="noStrike" cap="none" normalizeH="0" baseline="0" dirty="0" smtClean="0">
+                <a:ln>
+                  <a:noFill/>
+                </a:ln>
+                <a:solidFill>
+                  <a:srgbClr val="008000"/>
+                </a:solidFill>
+                <a:effectLst/>
+                <a:latin typeface="Consolas" panose="020B0609020204030204" pitchFamily="49" charset="0"/>
+                <a:cs typeface="Consolas" panose="020B0609020204030204" pitchFamily="49" charset="0"/>
+              </a:rPr>
+              <a:t>"</a:t>
+            </a:r>
+            <a:r>
+              <a:rPr kumimoji="0" lang="en-US" altLang="en-US" sz="1000" b="0" i="0" u="none" strike="noStrike" cap="none" normalizeH="0" baseline="0" dirty="0" smtClean="0">
+                <a:ln>
+                  <a:noFill/>
+                </a:ln>
+                <a:solidFill>
+                  <a:srgbClr val="000000"/>
+                </a:solidFill>
+                <a:effectLst/>
+                <a:latin typeface="Consolas" panose="020B0609020204030204" pitchFamily="49" charset="0"/>
+                <a:cs typeface="Consolas" panose="020B0609020204030204" pitchFamily="49" charset="0"/>
+              </a:rPr>
+              <a:t>,</a:t>
+            </a:r>
+            <a:br>
+              <a:rPr kumimoji="0" lang="en-US" altLang="en-US" sz="1000" b="0" i="0" u="none" strike="noStrike" cap="none" normalizeH="0" baseline="0" dirty="0" smtClean="0">
+                <a:ln>
+                  <a:noFill/>
+                </a:ln>
+                <a:solidFill>
+                  <a:srgbClr val="000000"/>
+                </a:solidFill>
+                <a:effectLst/>
+                <a:latin typeface="Consolas" panose="020B0609020204030204" pitchFamily="49" charset="0"/>
+                <a:cs typeface="Consolas" panose="020B0609020204030204" pitchFamily="49" charset="0"/>
+              </a:rPr>
+            </a:br>
+            <a:r>
+              <a:rPr kumimoji="0" lang="en-US" altLang="en-US" sz="1000" b="0" i="0" u="none" strike="noStrike" cap="none" normalizeH="0" baseline="0" dirty="0" smtClean="0">
+                <a:ln>
+                  <a:noFill/>
+                </a:ln>
+                <a:solidFill>
+                  <a:srgbClr val="000000"/>
+                </a:solidFill>
+                <a:effectLst/>
+                <a:latin typeface="Consolas" panose="020B0609020204030204" pitchFamily="49" charset="0"/>
+                <a:cs typeface="Consolas" panose="020B0609020204030204" pitchFamily="49" charset="0"/>
+              </a:rPr>
+              <a:t>  </a:t>
+            </a:r>
+            <a:r>
+              <a:rPr kumimoji="0" lang="en-US" altLang="en-US" sz="1000" b="1" i="0" u="none" strike="noStrike" cap="none" normalizeH="0" baseline="0" dirty="0" smtClean="0">
+                <a:ln>
+                  <a:noFill/>
+                </a:ln>
+                <a:solidFill>
+                  <a:srgbClr val="660E7A"/>
+                </a:solidFill>
+                <a:effectLst/>
+                <a:latin typeface="Consolas" panose="020B0609020204030204" pitchFamily="49" charset="0"/>
+                <a:cs typeface="Consolas" panose="020B0609020204030204" pitchFamily="49" charset="0"/>
+              </a:rPr>
+              <a:t>"name"</a:t>
+            </a:r>
+            <a:r>
+              <a:rPr kumimoji="0" lang="en-US" altLang="en-US" sz="1000" b="0" i="0" u="none" strike="noStrike" cap="none" normalizeH="0" baseline="0" dirty="0" smtClean="0">
+                <a:ln>
+                  <a:noFill/>
+                </a:ln>
+                <a:solidFill>
+                  <a:srgbClr val="000000"/>
+                </a:solidFill>
+                <a:effectLst/>
+                <a:latin typeface="Consolas" panose="020B0609020204030204" pitchFamily="49" charset="0"/>
+                <a:cs typeface="Consolas" panose="020B0609020204030204" pitchFamily="49" charset="0"/>
+              </a:rPr>
+              <a:t>: </a:t>
+            </a:r>
+            <a:r>
+              <a:rPr kumimoji="0" lang="en-US" altLang="en-US" sz="1000" b="1" i="0" u="none" strike="noStrike" cap="none" normalizeH="0" baseline="0" dirty="0" smtClean="0">
+                <a:ln>
+                  <a:noFill/>
+                </a:ln>
+                <a:solidFill>
+                  <a:srgbClr val="008000"/>
+                </a:solidFill>
+                <a:effectLst/>
+                <a:latin typeface="Consolas" panose="020B0609020204030204" pitchFamily="49" charset="0"/>
+                <a:cs typeface="Consolas" panose="020B0609020204030204" pitchFamily="49" charset="0"/>
+              </a:rPr>
+              <a:t>"localhost"</a:t>
+            </a:r>
+            <a:r>
+              <a:rPr kumimoji="0" lang="en-US" altLang="en-US" sz="1000" b="0" i="0" u="none" strike="noStrike" cap="none" normalizeH="0" baseline="0" dirty="0" smtClean="0">
+                <a:ln>
+                  <a:noFill/>
+                </a:ln>
+                <a:solidFill>
+                  <a:srgbClr val="000000"/>
+                </a:solidFill>
+                <a:effectLst/>
+                <a:latin typeface="Consolas" panose="020B0609020204030204" pitchFamily="49" charset="0"/>
+                <a:cs typeface="Consolas" panose="020B0609020204030204" pitchFamily="49" charset="0"/>
+              </a:rPr>
+              <a:t>,</a:t>
+            </a:r>
+            <a:br>
+              <a:rPr kumimoji="0" lang="en-US" altLang="en-US" sz="1000" b="0" i="0" u="none" strike="noStrike" cap="none" normalizeH="0" baseline="0" dirty="0" smtClean="0">
+                <a:ln>
+                  <a:noFill/>
+                </a:ln>
+                <a:solidFill>
+                  <a:srgbClr val="000000"/>
+                </a:solidFill>
+                <a:effectLst/>
+                <a:latin typeface="Consolas" panose="020B0609020204030204" pitchFamily="49" charset="0"/>
+                <a:cs typeface="Consolas" panose="020B0609020204030204" pitchFamily="49" charset="0"/>
+              </a:rPr>
+            </a:br>
+            <a:r>
+              <a:rPr kumimoji="0" lang="en-US" altLang="en-US" sz="1000" b="0" i="0" u="none" strike="noStrike" cap="none" normalizeH="0" baseline="0" dirty="0" smtClean="0">
+                <a:ln>
+                  <a:noFill/>
+                </a:ln>
+                <a:solidFill>
+                  <a:srgbClr val="000000"/>
+                </a:solidFill>
+                <a:effectLst/>
+                <a:latin typeface="Consolas" panose="020B0609020204030204" pitchFamily="49" charset="0"/>
+                <a:cs typeface="Consolas" panose="020B0609020204030204" pitchFamily="49" charset="0"/>
+              </a:rPr>
+              <a:t>  </a:t>
+            </a:r>
+            <a:r>
+              <a:rPr kumimoji="0" lang="en-US" altLang="en-US" sz="1000" b="1" i="0" u="none" strike="noStrike" cap="none" normalizeH="0" baseline="0" dirty="0" smtClean="0">
+                <a:ln>
+                  <a:noFill/>
+                </a:ln>
+                <a:solidFill>
+                  <a:srgbClr val="660E7A"/>
+                </a:solidFill>
+                <a:effectLst/>
+                <a:latin typeface="Consolas" panose="020B0609020204030204" pitchFamily="49" charset="0"/>
+                <a:cs typeface="Consolas" panose="020B0609020204030204" pitchFamily="49" charset="0"/>
+              </a:rPr>
+              <a:t>"IP"</a:t>
+            </a:r>
+            <a:r>
+              <a:rPr kumimoji="0" lang="en-US" altLang="en-US" sz="1000" b="0" i="0" u="none" strike="noStrike" cap="none" normalizeH="0" baseline="0" dirty="0" smtClean="0">
+                <a:ln>
+                  <a:noFill/>
+                </a:ln>
+                <a:solidFill>
+                  <a:srgbClr val="000000"/>
+                </a:solidFill>
+                <a:effectLst/>
+                <a:latin typeface="Consolas" panose="020B0609020204030204" pitchFamily="49" charset="0"/>
+                <a:cs typeface="Consolas" panose="020B0609020204030204" pitchFamily="49" charset="0"/>
+              </a:rPr>
+              <a:t>: </a:t>
+            </a:r>
+            <a:r>
+              <a:rPr kumimoji="0" lang="en-US" altLang="en-US" sz="1000" b="1" i="0" u="none" strike="noStrike" cap="none" normalizeH="0" baseline="0" dirty="0" smtClean="0">
+                <a:ln>
+                  <a:noFill/>
+                </a:ln>
+                <a:solidFill>
+                  <a:srgbClr val="008000"/>
+                </a:solidFill>
+                <a:effectLst/>
+                <a:latin typeface="Consolas" panose="020B0609020204030204" pitchFamily="49" charset="0"/>
+                <a:cs typeface="Consolas" panose="020B0609020204030204" pitchFamily="49" charset="0"/>
+              </a:rPr>
+              <a:t>"127.0.0.1"</a:t>
+            </a:r>
+            <a:r>
+              <a:rPr kumimoji="0" lang="en-US" altLang="en-US" sz="1000" b="0" i="0" u="none" strike="noStrike" cap="none" normalizeH="0" baseline="0" dirty="0" smtClean="0">
+                <a:ln>
+                  <a:noFill/>
+                </a:ln>
+                <a:solidFill>
+                  <a:srgbClr val="000000"/>
+                </a:solidFill>
+                <a:effectLst/>
+                <a:latin typeface="Consolas" panose="020B0609020204030204" pitchFamily="49" charset="0"/>
+                <a:cs typeface="Consolas" panose="020B0609020204030204" pitchFamily="49" charset="0"/>
+              </a:rPr>
+              <a:t>,</a:t>
+            </a:r>
+            <a:br>
+              <a:rPr kumimoji="0" lang="en-US" altLang="en-US" sz="1000" b="0" i="0" u="none" strike="noStrike" cap="none" normalizeH="0" baseline="0" dirty="0" smtClean="0">
+                <a:ln>
+                  <a:noFill/>
+                </a:ln>
+                <a:solidFill>
+                  <a:srgbClr val="000000"/>
+                </a:solidFill>
+                <a:effectLst/>
+                <a:latin typeface="Consolas" panose="020B0609020204030204" pitchFamily="49" charset="0"/>
+                <a:cs typeface="Consolas" panose="020B0609020204030204" pitchFamily="49" charset="0"/>
+              </a:rPr>
+            </a:br>
+            <a:r>
+              <a:rPr kumimoji="0" lang="en-US" altLang="en-US" sz="1000" b="0" i="0" u="none" strike="noStrike" cap="none" normalizeH="0" baseline="0" dirty="0" smtClean="0">
+                <a:ln>
+                  <a:noFill/>
+                </a:ln>
+                <a:solidFill>
+                  <a:srgbClr val="000000"/>
+                </a:solidFill>
+                <a:effectLst/>
+                <a:latin typeface="Consolas" panose="020B0609020204030204" pitchFamily="49" charset="0"/>
+                <a:cs typeface="Consolas" panose="020B0609020204030204" pitchFamily="49" charset="0"/>
+              </a:rPr>
+              <a:t>  </a:t>
+            </a:r>
+            <a:r>
+              <a:rPr kumimoji="0" lang="en-US" altLang="en-US" sz="1000" b="1" i="0" u="none" strike="noStrike" cap="none" normalizeH="0" baseline="0" dirty="0" smtClean="0">
+                <a:ln>
+                  <a:noFill/>
+                </a:ln>
+                <a:solidFill>
+                  <a:srgbClr val="660E7A"/>
+                </a:solidFill>
+                <a:effectLst/>
+                <a:latin typeface="Consolas" panose="020B0609020204030204" pitchFamily="49" charset="0"/>
+                <a:cs typeface="Consolas" panose="020B0609020204030204" pitchFamily="49" charset="0"/>
+              </a:rPr>
+              <a:t>"community"</a:t>
+            </a:r>
+            <a:r>
+              <a:rPr kumimoji="0" lang="en-US" altLang="en-US" sz="1000" b="0" i="0" u="none" strike="noStrike" cap="none" normalizeH="0" baseline="0" dirty="0" smtClean="0">
+                <a:ln>
+                  <a:noFill/>
+                </a:ln>
+                <a:solidFill>
+                  <a:srgbClr val="000000"/>
+                </a:solidFill>
+                <a:effectLst/>
+                <a:latin typeface="Consolas" panose="020B0609020204030204" pitchFamily="49" charset="0"/>
+                <a:cs typeface="Consolas" panose="020B0609020204030204" pitchFamily="49" charset="0"/>
+              </a:rPr>
+              <a:t>: </a:t>
+            </a:r>
+            <a:r>
+              <a:rPr kumimoji="0" lang="en-US" altLang="en-US" sz="1000" b="1" i="0" u="none" strike="noStrike" cap="none" normalizeH="0" baseline="0" dirty="0" smtClean="0">
+                <a:ln>
+                  <a:noFill/>
+                </a:ln>
+                <a:solidFill>
+                  <a:srgbClr val="008000"/>
+                </a:solidFill>
+                <a:effectLst/>
+                <a:latin typeface="Consolas" panose="020B0609020204030204" pitchFamily="49" charset="0"/>
+                <a:cs typeface="Consolas" panose="020B0609020204030204" pitchFamily="49" charset="0"/>
+              </a:rPr>
+              <a:t>"public"</a:t>
+            </a:r>
+            <a:r>
+              <a:rPr kumimoji="0" lang="en-US" altLang="en-US" sz="1000" b="0" i="0" u="none" strike="noStrike" cap="none" normalizeH="0" baseline="0" dirty="0" smtClean="0">
+                <a:ln>
+                  <a:noFill/>
+                </a:ln>
+                <a:solidFill>
+                  <a:srgbClr val="000000"/>
+                </a:solidFill>
+                <a:effectLst/>
+                <a:latin typeface="Consolas" panose="020B0609020204030204" pitchFamily="49" charset="0"/>
+                <a:cs typeface="Consolas" panose="020B0609020204030204" pitchFamily="49" charset="0"/>
+              </a:rPr>
+              <a:t>,</a:t>
+            </a:r>
+            <a:br>
+              <a:rPr kumimoji="0" lang="en-US" altLang="en-US" sz="1000" b="0" i="0" u="none" strike="noStrike" cap="none" normalizeH="0" baseline="0" dirty="0" smtClean="0">
+                <a:ln>
+                  <a:noFill/>
+                </a:ln>
+                <a:solidFill>
+                  <a:srgbClr val="000000"/>
+                </a:solidFill>
+                <a:effectLst/>
+                <a:latin typeface="Consolas" panose="020B0609020204030204" pitchFamily="49" charset="0"/>
+                <a:cs typeface="Consolas" panose="020B0609020204030204" pitchFamily="49" charset="0"/>
+              </a:rPr>
+            </a:br>
+            <a:r>
+              <a:rPr kumimoji="0" lang="en-US" altLang="en-US" sz="1000" b="0" i="0" u="none" strike="noStrike" cap="none" normalizeH="0" baseline="0" dirty="0" smtClean="0">
+                <a:ln>
+                  <a:noFill/>
+                </a:ln>
+                <a:solidFill>
+                  <a:srgbClr val="000000"/>
+                </a:solidFill>
+                <a:effectLst/>
+                <a:latin typeface="Consolas" panose="020B0609020204030204" pitchFamily="49" charset="0"/>
+                <a:cs typeface="Consolas" panose="020B0609020204030204" pitchFamily="49" charset="0"/>
+              </a:rPr>
+              <a:t>  </a:t>
+            </a:r>
+            <a:r>
+              <a:rPr kumimoji="0" lang="en-US" altLang="en-US" sz="1000" b="1" i="0" u="none" strike="noStrike" cap="none" normalizeH="0" baseline="0" dirty="0" smtClean="0">
+                <a:ln>
+                  <a:noFill/>
+                </a:ln>
+                <a:solidFill>
+                  <a:srgbClr val="660E7A"/>
+                </a:solidFill>
+                <a:effectLst/>
+                <a:latin typeface="Consolas" panose="020B0609020204030204" pitchFamily="49" charset="0"/>
+                <a:cs typeface="Consolas" panose="020B0609020204030204" pitchFamily="49" charset="0"/>
+              </a:rPr>
+              <a:t>"version"</a:t>
+            </a:r>
+            <a:r>
+              <a:rPr kumimoji="0" lang="en-US" altLang="en-US" sz="1000" b="0" i="0" u="none" strike="noStrike" cap="none" normalizeH="0" baseline="0" dirty="0" smtClean="0">
+                <a:ln>
+                  <a:noFill/>
+                </a:ln>
+                <a:solidFill>
+                  <a:srgbClr val="000000"/>
+                </a:solidFill>
+                <a:effectLst/>
+                <a:latin typeface="Consolas" panose="020B0609020204030204" pitchFamily="49" charset="0"/>
+                <a:cs typeface="Consolas" panose="020B0609020204030204" pitchFamily="49" charset="0"/>
+              </a:rPr>
+              <a:t>: </a:t>
+            </a:r>
+            <a:r>
+              <a:rPr kumimoji="0" lang="en-US" altLang="en-US" sz="1000" b="1" i="0" u="none" strike="noStrike" cap="none" normalizeH="0" baseline="0" dirty="0" smtClean="0">
+                <a:ln>
+                  <a:noFill/>
+                </a:ln>
+                <a:solidFill>
+                  <a:srgbClr val="008000"/>
+                </a:solidFill>
+                <a:effectLst/>
+                <a:latin typeface="Consolas" panose="020B0609020204030204" pitchFamily="49" charset="0"/>
+                <a:cs typeface="Consolas" panose="020B0609020204030204" pitchFamily="49" charset="0"/>
+              </a:rPr>
+              <a:t>"2c"</a:t>
+            </a:r>
+            <a:br>
+              <a:rPr kumimoji="0" lang="en-US" altLang="en-US" sz="1000" b="1" i="0" u="none" strike="noStrike" cap="none" normalizeH="0" baseline="0" dirty="0" smtClean="0">
+                <a:ln>
+                  <a:noFill/>
+                </a:ln>
+                <a:solidFill>
+                  <a:srgbClr val="008000"/>
+                </a:solidFill>
+                <a:effectLst/>
+                <a:latin typeface="Consolas" panose="020B0609020204030204" pitchFamily="49" charset="0"/>
+                <a:cs typeface="Consolas" panose="020B0609020204030204" pitchFamily="49" charset="0"/>
+              </a:rPr>
+            </a:br>
+            <a:r>
+              <a:rPr kumimoji="0" lang="en-US" altLang="en-US" sz="1000" b="0" i="0" u="none" strike="noStrike" cap="none" normalizeH="0" baseline="0" dirty="0" smtClean="0">
+                <a:ln>
+                  <a:noFill/>
+                </a:ln>
+                <a:solidFill>
+                  <a:srgbClr val="000000"/>
+                </a:solidFill>
+                <a:effectLst/>
+                <a:latin typeface="Consolas" panose="020B0609020204030204" pitchFamily="49" charset="0"/>
+                <a:cs typeface="Consolas" panose="020B0609020204030204" pitchFamily="49" charset="0"/>
+              </a:rPr>
+              <a:t>},</a:t>
+            </a:r>
+            <a:br>
+              <a:rPr kumimoji="0" lang="en-US" altLang="en-US" sz="1000" b="0" i="0" u="none" strike="noStrike" cap="none" normalizeH="0" baseline="0" dirty="0" smtClean="0">
+                <a:ln>
+                  <a:noFill/>
+                </a:ln>
+                <a:solidFill>
+                  <a:srgbClr val="000000"/>
+                </a:solidFill>
+                <a:effectLst/>
+                <a:latin typeface="Consolas" panose="020B0609020204030204" pitchFamily="49" charset="0"/>
+                <a:cs typeface="Consolas" panose="020B0609020204030204" pitchFamily="49" charset="0"/>
+              </a:rPr>
+            </a:br>
+            <a:r>
+              <a:rPr kumimoji="0" lang="en-US" altLang="en-US" sz="1000" b="1" i="0" u="none" strike="noStrike" cap="none" normalizeH="0" baseline="0" dirty="0" smtClean="0">
+                <a:ln>
+                  <a:noFill/>
+                </a:ln>
+                <a:solidFill>
+                  <a:srgbClr val="660E7A"/>
+                </a:solidFill>
+                <a:effectLst/>
+                <a:latin typeface="Consolas" panose="020B0609020204030204" pitchFamily="49" charset="0"/>
+                <a:cs typeface="Consolas" panose="020B0609020204030204" pitchFamily="49" charset="0"/>
+              </a:rPr>
+              <a:t>"OIDs"</a:t>
+            </a:r>
+            <a:r>
+              <a:rPr kumimoji="0" lang="en-US" altLang="en-US" sz="1000" b="0" i="0" u="none" strike="noStrike" cap="none" normalizeH="0" baseline="0" dirty="0" smtClean="0">
+                <a:ln>
+                  <a:noFill/>
+                </a:ln>
+                <a:solidFill>
+                  <a:srgbClr val="000000"/>
+                </a:solidFill>
+                <a:effectLst/>
+                <a:latin typeface="Consolas" panose="020B0609020204030204" pitchFamily="49" charset="0"/>
+                <a:cs typeface="Consolas" panose="020B0609020204030204" pitchFamily="49" charset="0"/>
+              </a:rPr>
+              <a:t>: [</a:t>
+            </a:r>
+            <a:br>
+              <a:rPr kumimoji="0" lang="en-US" altLang="en-US" sz="1000" b="0" i="0" u="none" strike="noStrike" cap="none" normalizeH="0" baseline="0" dirty="0" smtClean="0">
+                <a:ln>
+                  <a:noFill/>
+                </a:ln>
+                <a:solidFill>
+                  <a:srgbClr val="000000"/>
+                </a:solidFill>
+                <a:effectLst/>
+                <a:latin typeface="Consolas" panose="020B0609020204030204" pitchFamily="49" charset="0"/>
+                <a:cs typeface="Consolas" panose="020B0609020204030204" pitchFamily="49" charset="0"/>
+              </a:rPr>
+            </a:br>
+            <a:r>
+              <a:rPr kumimoji="0" lang="en-US" altLang="en-US" sz="1000" b="0" i="0" u="none" strike="noStrike" cap="none" normalizeH="0" baseline="0" dirty="0" smtClean="0">
+                <a:ln>
+                  <a:noFill/>
+                </a:ln>
+                <a:solidFill>
+                  <a:srgbClr val="000000"/>
+                </a:solidFill>
+                <a:effectLst/>
+                <a:latin typeface="Consolas" panose="020B0609020204030204" pitchFamily="49" charset="0"/>
+                <a:cs typeface="Consolas" panose="020B0609020204030204" pitchFamily="49" charset="0"/>
+              </a:rPr>
+              <a:t>  {</a:t>
+            </a:r>
+            <a:br>
+              <a:rPr kumimoji="0" lang="en-US" altLang="en-US" sz="1000" b="0" i="0" u="none" strike="noStrike" cap="none" normalizeH="0" baseline="0" dirty="0" smtClean="0">
+                <a:ln>
+                  <a:noFill/>
+                </a:ln>
+                <a:solidFill>
+                  <a:srgbClr val="000000"/>
+                </a:solidFill>
+                <a:effectLst/>
+                <a:latin typeface="Consolas" panose="020B0609020204030204" pitchFamily="49" charset="0"/>
+                <a:cs typeface="Consolas" panose="020B0609020204030204" pitchFamily="49" charset="0"/>
+              </a:rPr>
+            </a:br>
+            <a:r>
+              <a:rPr kumimoji="0" lang="en-US" altLang="en-US" sz="1000" b="0" i="0" u="none" strike="noStrike" cap="none" normalizeH="0" baseline="0" dirty="0" smtClean="0">
+                <a:ln>
+                  <a:noFill/>
+                </a:ln>
+                <a:solidFill>
+                  <a:srgbClr val="000000"/>
+                </a:solidFill>
+                <a:effectLst/>
+                <a:latin typeface="Consolas" panose="020B0609020204030204" pitchFamily="49" charset="0"/>
+                <a:cs typeface="Consolas" panose="020B0609020204030204" pitchFamily="49" charset="0"/>
+              </a:rPr>
+              <a:t>    </a:t>
+            </a:r>
+            <a:r>
+              <a:rPr kumimoji="0" lang="en-US" altLang="en-US" sz="1000" b="1" i="0" u="none" strike="noStrike" cap="none" normalizeH="0" baseline="0" dirty="0" smtClean="0">
+                <a:ln>
+                  <a:noFill/>
+                </a:ln>
+                <a:solidFill>
+                  <a:srgbClr val="660E7A"/>
+                </a:solidFill>
+                <a:effectLst/>
+                <a:latin typeface="Consolas" panose="020B0609020204030204" pitchFamily="49" charset="0"/>
+                <a:cs typeface="Consolas" panose="020B0609020204030204" pitchFamily="49" charset="0"/>
+              </a:rPr>
+              <a:t>"method"</a:t>
+            </a:r>
+            <a:r>
+              <a:rPr kumimoji="0" lang="en-US" altLang="en-US" sz="1000" b="0" i="0" u="none" strike="noStrike" cap="none" normalizeH="0" baseline="0" dirty="0" smtClean="0">
+                <a:ln>
+                  <a:noFill/>
+                </a:ln>
+                <a:solidFill>
+                  <a:srgbClr val="000000"/>
+                </a:solidFill>
+                <a:effectLst/>
+                <a:latin typeface="Consolas" panose="020B0609020204030204" pitchFamily="49" charset="0"/>
+                <a:cs typeface="Consolas" panose="020B0609020204030204" pitchFamily="49" charset="0"/>
+              </a:rPr>
+              <a:t>: </a:t>
+            </a:r>
+            <a:r>
+              <a:rPr kumimoji="0" lang="en-US" altLang="en-US" sz="1000" b="1" i="0" u="none" strike="noStrike" cap="none" normalizeH="0" baseline="0" dirty="0" smtClean="0">
+                <a:ln>
+                  <a:noFill/>
+                </a:ln>
+                <a:solidFill>
+                  <a:srgbClr val="008000"/>
+                </a:solidFill>
+                <a:effectLst/>
+                <a:latin typeface="Consolas" panose="020B0609020204030204" pitchFamily="49" charset="0"/>
+                <a:cs typeface="Consolas" panose="020B0609020204030204" pitchFamily="49" charset="0"/>
+              </a:rPr>
+              <a:t>"get"</a:t>
+            </a:r>
+            <a:r>
+              <a:rPr kumimoji="0" lang="en-US" altLang="en-US" sz="1000" b="0" i="0" u="none" strike="noStrike" cap="none" normalizeH="0" baseline="0" dirty="0" smtClean="0">
+                <a:ln>
+                  <a:noFill/>
+                </a:ln>
+                <a:solidFill>
+                  <a:srgbClr val="000000"/>
+                </a:solidFill>
+                <a:effectLst/>
+                <a:latin typeface="Consolas" panose="020B0609020204030204" pitchFamily="49" charset="0"/>
+                <a:cs typeface="Consolas" panose="020B0609020204030204" pitchFamily="49" charset="0"/>
+              </a:rPr>
+              <a:t>,</a:t>
+            </a:r>
+            <a:br>
+              <a:rPr kumimoji="0" lang="en-US" altLang="en-US" sz="1000" b="0" i="0" u="none" strike="noStrike" cap="none" normalizeH="0" baseline="0" dirty="0" smtClean="0">
+                <a:ln>
+                  <a:noFill/>
+                </a:ln>
+                <a:solidFill>
+                  <a:srgbClr val="000000"/>
+                </a:solidFill>
+                <a:effectLst/>
+                <a:latin typeface="Consolas" panose="020B0609020204030204" pitchFamily="49" charset="0"/>
+                <a:cs typeface="Consolas" panose="020B0609020204030204" pitchFamily="49" charset="0"/>
+              </a:rPr>
+            </a:br>
+            <a:r>
+              <a:rPr kumimoji="0" lang="en-US" altLang="en-US" sz="1000" b="0" i="0" u="none" strike="noStrike" cap="none" normalizeH="0" baseline="0" dirty="0" smtClean="0">
+                <a:ln>
+                  <a:noFill/>
+                </a:ln>
+                <a:solidFill>
+                  <a:srgbClr val="000000"/>
+                </a:solidFill>
+                <a:effectLst/>
+                <a:latin typeface="Consolas" panose="020B0609020204030204" pitchFamily="49" charset="0"/>
+                <a:cs typeface="Consolas" panose="020B0609020204030204" pitchFamily="49" charset="0"/>
+              </a:rPr>
+              <a:t>    </a:t>
+            </a:r>
+            <a:r>
+              <a:rPr kumimoji="0" lang="en-US" altLang="en-US" sz="1000" b="1" i="0" u="none" strike="noStrike" cap="none" normalizeH="0" baseline="0" dirty="0" smtClean="0">
+                <a:ln>
+                  <a:noFill/>
+                </a:ln>
+                <a:solidFill>
+                  <a:srgbClr val="660E7A"/>
+                </a:solidFill>
+                <a:effectLst/>
+                <a:latin typeface="Consolas" panose="020B0609020204030204" pitchFamily="49" charset="0"/>
+                <a:cs typeface="Consolas" panose="020B0609020204030204" pitchFamily="49" charset="0"/>
+              </a:rPr>
+              <a:t>"name"</a:t>
+            </a:r>
+            <a:r>
+              <a:rPr kumimoji="0" lang="en-US" altLang="en-US" sz="1000" b="0" i="0" u="none" strike="noStrike" cap="none" normalizeH="0" baseline="0" dirty="0" smtClean="0">
+                <a:ln>
+                  <a:noFill/>
+                </a:ln>
+                <a:solidFill>
+                  <a:srgbClr val="000000"/>
+                </a:solidFill>
+                <a:effectLst/>
+                <a:latin typeface="Consolas" panose="020B0609020204030204" pitchFamily="49" charset="0"/>
+                <a:cs typeface="Consolas" panose="020B0609020204030204" pitchFamily="49" charset="0"/>
+              </a:rPr>
+              <a:t>: </a:t>
+            </a:r>
+            <a:r>
+              <a:rPr kumimoji="0" lang="en-US" altLang="en-US" sz="1000" b="1" i="0" u="none" strike="noStrike" cap="none" normalizeH="0" baseline="0" dirty="0" smtClean="0">
+                <a:ln>
+                  <a:noFill/>
+                </a:ln>
+                <a:solidFill>
+                  <a:srgbClr val="008000"/>
+                </a:solidFill>
+                <a:effectLst/>
+                <a:latin typeface="Consolas" panose="020B0609020204030204" pitchFamily="49" charset="0"/>
+                <a:cs typeface="Consolas" panose="020B0609020204030204" pitchFamily="49" charset="0"/>
+              </a:rPr>
+              <a:t>"Physical memory utilization"</a:t>
+            </a:r>
+            <a:r>
+              <a:rPr kumimoji="0" lang="en-US" altLang="en-US" sz="1000" b="0" i="0" u="none" strike="noStrike" cap="none" normalizeH="0" baseline="0" dirty="0" smtClean="0">
+                <a:ln>
+                  <a:noFill/>
+                </a:ln>
+                <a:solidFill>
+                  <a:srgbClr val="000000"/>
+                </a:solidFill>
+                <a:effectLst/>
+                <a:latin typeface="Consolas" panose="020B0609020204030204" pitchFamily="49" charset="0"/>
+                <a:cs typeface="Consolas" panose="020B0609020204030204" pitchFamily="49" charset="0"/>
+              </a:rPr>
+              <a:t>,</a:t>
+            </a:r>
+            <a:br>
+              <a:rPr kumimoji="0" lang="en-US" altLang="en-US" sz="1000" b="0" i="0" u="none" strike="noStrike" cap="none" normalizeH="0" baseline="0" dirty="0" smtClean="0">
+                <a:ln>
+                  <a:noFill/>
+                </a:ln>
+                <a:solidFill>
+                  <a:srgbClr val="000000"/>
+                </a:solidFill>
+                <a:effectLst/>
+                <a:latin typeface="Consolas" panose="020B0609020204030204" pitchFamily="49" charset="0"/>
+                <a:cs typeface="Consolas" panose="020B0609020204030204" pitchFamily="49" charset="0"/>
+              </a:rPr>
+            </a:br>
+            <a:r>
+              <a:rPr kumimoji="0" lang="en-US" altLang="en-US" sz="1000" b="0" i="0" u="none" strike="noStrike" cap="none" normalizeH="0" baseline="0" dirty="0" smtClean="0">
+                <a:ln>
+                  <a:noFill/>
+                </a:ln>
+                <a:solidFill>
+                  <a:srgbClr val="000000"/>
+                </a:solidFill>
+                <a:effectLst/>
+                <a:latin typeface="Consolas" panose="020B0609020204030204" pitchFamily="49" charset="0"/>
+                <a:cs typeface="Consolas" panose="020B0609020204030204" pitchFamily="49" charset="0"/>
+              </a:rPr>
+              <a:t>    </a:t>
+            </a:r>
+            <a:r>
+              <a:rPr kumimoji="0" lang="en-US" altLang="en-US" sz="1000" b="1" i="0" u="none" strike="noStrike" cap="none" normalizeH="0" baseline="0" dirty="0" smtClean="0">
+                <a:ln>
+                  <a:noFill/>
+                </a:ln>
+                <a:solidFill>
+                  <a:srgbClr val="660E7A"/>
+                </a:solidFill>
+                <a:effectLst/>
+                <a:latin typeface="Consolas" panose="020B0609020204030204" pitchFamily="49" charset="0"/>
+                <a:cs typeface="Consolas" panose="020B0609020204030204" pitchFamily="49" charset="0"/>
+              </a:rPr>
+              <a:t>"formula"</a:t>
+            </a:r>
+            <a:r>
+              <a:rPr kumimoji="0" lang="en-US" altLang="en-US" sz="1000" b="0" i="0" u="none" strike="noStrike" cap="none" normalizeH="0" baseline="0" dirty="0" smtClean="0">
+                <a:ln>
+                  <a:noFill/>
+                </a:ln>
+                <a:solidFill>
+                  <a:srgbClr val="000000"/>
+                </a:solidFill>
+                <a:effectLst/>
+                <a:latin typeface="Consolas" panose="020B0609020204030204" pitchFamily="49" charset="0"/>
+                <a:cs typeface="Consolas" panose="020B0609020204030204" pitchFamily="49" charset="0"/>
+              </a:rPr>
+              <a:t>: </a:t>
+            </a:r>
+            <a:r>
+              <a:rPr kumimoji="0" lang="en-US" altLang="en-US" sz="1000" b="1" i="0" u="none" strike="noStrike" cap="none" normalizeH="0" baseline="0" dirty="0" smtClean="0">
+                <a:ln>
+                  <a:noFill/>
+                </a:ln>
+                <a:solidFill>
+                  <a:srgbClr val="008000"/>
+                </a:solidFill>
+                <a:effectLst/>
+                <a:latin typeface="Consolas" panose="020B0609020204030204" pitchFamily="49" charset="0"/>
+                <a:cs typeface="Consolas" panose="020B0609020204030204" pitchFamily="49" charset="0"/>
+              </a:rPr>
+              <a:t>"[.1.3.6.1.2.1.25.2.3.1.6.4]/[.1.3.6.1.2.1.25.2.3.1.5.4]*100"</a:t>
+            </a:r>
+            <a:r>
+              <a:rPr kumimoji="0" lang="en-US" altLang="en-US" sz="1000" b="0" i="0" u="none" strike="noStrike" cap="none" normalizeH="0" baseline="0" dirty="0" smtClean="0">
+                <a:ln>
+                  <a:noFill/>
+                </a:ln>
+                <a:solidFill>
+                  <a:srgbClr val="000000"/>
+                </a:solidFill>
+                <a:effectLst/>
+                <a:latin typeface="Consolas" panose="020B0609020204030204" pitchFamily="49" charset="0"/>
+                <a:cs typeface="Consolas" panose="020B0609020204030204" pitchFamily="49" charset="0"/>
+              </a:rPr>
+              <a:t>,</a:t>
+            </a:r>
+            <a:br>
+              <a:rPr kumimoji="0" lang="en-US" altLang="en-US" sz="1000" b="0" i="0" u="none" strike="noStrike" cap="none" normalizeH="0" baseline="0" dirty="0" smtClean="0">
+                <a:ln>
+                  <a:noFill/>
+                </a:ln>
+                <a:solidFill>
+                  <a:srgbClr val="000000"/>
+                </a:solidFill>
+                <a:effectLst/>
+                <a:latin typeface="Consolas" panose="020B0609020204030204" pitchFamily="49" charset="0"/>
+                <a:cs typeface="Consolas" panose="020B0609020204030204" pitchFamily="49" charset="0"/>
+              </a:rPr>
+            </a:br>
+            <a:r>
+              <a:rPr kumimoji="0" lang="en-US" altLang="en-US" sz="1000" b="0" i="0" u="none" strike="noStrike" cap="none" normalizeH="0" baseline="0" dirty="0" smtClean="0">
+                <a:ln>
+                  <a:noFill/>
+                </a:ln>
+                <a:solidFill>
+                  <a:srgbClr val="000000"/>
+                </a:solidFill>
+                <a:effectLst/>
+                <a:latin typeface="Consolas" panose="020B0609020204030204" pitchFamily="49" charset="0"/>
+                <a:cs typeface="Consolas" panose="020B0609020204030204" pitchFamily="49" charset="0"/>
+              </a:rPr>
+              <a:t>    </a:t>
+            </a:r>
+            <a:r>
+              <a:rPr kumimoji="0" lang="en-US" altLang="en-US" sz="1000" b="1" i="0" u="none" strike="noStrike" cap="none" normalizeH="0" baseline="0" dirty="0" smtClean="0">
+                <a:ln>
+                  <a:noFill/>
+                </a:ln>
+                <a:solidFill>
+                  <a:srgbClr val="660E7A"/>
+                </a:solidFill>
+                <a:effectLst/>
+                <a:latin typeface="Consolas" panose="020B0609020204030204" pitchFamily="49" charset="0"/>
+                <a:cs typeface="Consolas" panose="020B0609020204030204" pitchFamily="49" charset="0"/>
+              </a:rPr>
+              <a:t>"unit"</a:t>
+            </a:r>
+            <a:r>
+              <a:rPr kumimoji="0" lang="en-US" altLang="en-US" sz="1000" b="0" i="0" u="none" strike="noStrike" cap="none" normalizeH="0" baseline="0" dirty="0" smtClean="0">
+                <a:ln>
+                  <a:noFill/>
+                </a:ln>
+                <a:solidFill>
+                  <a:srgbClr val="000000"/>
+                </a:solidFill>
+                <a:effectLst/>
+                <a:latin typeface="Consolas" panose="020B0609020204030204" pitchFamily="49" charset="0"/>
+                <a:cs typeface="Consolas" panose="020B0609020204030204" pitchFamily="49" charset="0"/>
+              </a:rPr>
+              <a:t>:</a:t>
+            </a:r>
+            <a:r>
+              <a:rPr kumimoji="0" lang="en-US" altLang="en-US" sz="1000" b="1" i="0" u="none" strike="noStrike" cap="none" normalizeH="0" baseline="0" dirty="0" smtClean="0">
+                <a:ln>
+                  <a:noFill/>
+                </a:ln>
+                <a:solidFill>
+                  <a:srgbClr val="008000"/>
+                </a:solidFill>
+                <a:effectLst/>
+                <a:latin typeface="Consolas" panose="020B0609020204030204" pitchFamily="49" charset="0"/>
+                <a:cs typeface="Consolas" panose="020B0609020204030204" pitchFamily="49" charset="0"/>
+              </a:rPr>
+              <a:t>"%"</a:t>
+            </a:r>
+            <a:r>
+              <a:rPr kumimoji="0" lang="en-US" altLang="en-US" sz="1000" b="0" i="0" u="none" strike="noStrike" cap="none" normalizeH="0" baseline="0" dirty="0" smtClean="0">
+                <a:ln>
+                  <a:noFill/>
+                </a:ln>
+                <a:solidFill>
+                  <a:srgbClr val="000000"/>
+                </a:solidFill>
+                <a:effectLst/>
+                <a:latin typeface="Consolas" panose="020B0609020204030204" pitchFamily="49" charset="0"/>
+                <a:cs typeface="Consolas" panose="020B0609020204030204" pitchFamily="49" charset="0"/>
+              </a:rPr>
+              <a:t>,</a:t>
+            </a:r>
+            <a:br>
+              <a:rPr kumimoji="0" lang="en-US" altLang="en-US" sz="1000" b="0" i="0" u="none" strike="noStrike" cap="none" normalizeH="0" baseline="0" dirty="0" smtClean="0">
+                <a:ln>
+                  <a:noFill/>
+                </a:ln>
+                <a:solidFill>
+                  <a:srgbClr val="000000"/>
+                </a:solidFill>
+                <a:effectLst/>
+                <a:latin typeface="Consolas" panose="020B0609020204030204" pitchFamily="49" charset="0"/>
+                <a:cs typeface="Consolas" panose="020B0609020204030204" pitchFamily="49" charset="0"/>
+              </a:rPr>
+            </a:br>
+            <a:r>
+              <a:rPr kumimoji="0" lang="en-US" altLang="en-US" sz="1000" b="0" i="0" u="none" strike="noStrike" cap="none" normalizeH="0" baseline="0" dirty="0" smtClean="0">
+                <a:ln>
+                  <a:noFill/>
+                </a:ln>
+                <a:solidFill>
+                  <a:srgbClr val="000000"/>
+                </a:solidFill>
+                <a:effectLst/>
+                <a:latin typeface="Consolas" panose="020B0609020204030204" pitchFamily="49" charset="0"/>
+                <a:cs typeface="Consolas" panose="020B0609020204030204" pitchFamily="49" charset="0"/>
+              </a:rPr>
+              <a:t>    </a:t>
+            </a:r>
+            <a:r>
+              <a:rPr kumimoji="0" lang="en-US" altLang="en-US" sz="1000" b="1" i="0" u="none" strike="noStrike" cap="none" normalizeH="0" baseline="0" dirty="0" smtClean="0">
+                <a:ln>
+                  <a:noFill/>
+                </a:ln>
+                <a:solidFill>
+                  <a:srgbClr val="660E7A"/>
+                </a:solidFill>
+                <a:effectLst/>
+                <a:latin typeface="Consolas" panose="020B0609020204030204" pitchFamily="49" charset="0"/>
+                <a:cs typeface="Consolas" panose="020B0609020204030204" pitchFamily="49" charset="0"/>
+              </a:rPr>
+              <a:t>"interval"</a:t>
+            </a:r>
+            <a:r>
+              <a:rPr kumimoji="0" lang="en-US" altLang="en-US" sz="1000" b="0" i="0" u="none" strike="noStrike" cap="none" normalizeH="0" baseline="0" dirty="0" smtClean="0">
+                <a:ln>
+                  <a:noFill/>
+                </a:ln>
+                <a:solidFill>
+                  <a:srgbClr val="000000"/>
+                </a:solidFill>
+                <a:effectLst/>
+                <a:latin typeface="Consolas" panose="020B0609020204030204" pitchFamily="49" charset="0"/>
+                <a:cs typeface="Consolas" panose="020B0609020204030204" pitchFamily="49" charset="0"/>
+              </a:rPr>
+              <a:t>: </a:t>
+            </a:r>
+            <a:r>
+              <a:rPr kumimoji="0" lang="en-US" altLang="en-US" sz="1000" b="0" i="0" u="none" strike="noStrike" cap="none" normalizeH="0" baseline="0" dirty="0" smtClean="0">
+                <a:ln>
+                  <a:noFill/>
+                </a:ln>
+                <a:solidFill>
+                  <a:srgbClr val="0000FF"/>
+                </a:solidFill>
+                <a:effectLst/>
+                <a:latin typeface="Consolas" panose="020B0609020204030204" pitchFamily="49" charset="0"/>
+                <a:cs typeface="Consolas" panose="020B0609020204030204" pitchFamily="49" charset="0"/>
+              </a:rPr>
+              <a:t>300</a:t>
+            </a:r>
+            <a:br>
+              <a:rPr kumimoji="0" lang="en-US" altLang="en-US" sz="1000" b="0" i="0" u="none" strike="noStrike" cap="none" normalizeH="0" baseline="0" dirty="0" smtClean="0">
+                <a:ln>
+                  <a:noFill/>
+                </a:ln>
+                <a:solidFill>
+                  <a:srgbClr val="0000FF"/>
+                </a:solidFill>
+                <a:effectLst/>
+                <a:latin typeface="Consolas" panose="020B0609020204030204" pitchFamily="49" charset="0"/>
+                <a:cs typeface="Consolas" panose="020B0609020204030204" pitchFamily="49" charset="0"/>
+              </a:rPr>
+            </a:br>
+            <a:r>
+              <a:rPr kumimoji="0" lang="en-US" altLang="en-US" sz="1000" b="0" i="0" u="none" strike="noStrike" cap="none" normalizeH="0" baseline="0" dirty="0" smtClean="0">
+                <a:ln>
+                  <a:noFill/>
+                </a:ln>
+                <a:solidFill>
+                  <a:srgbClr val="0000FF"/>
+                </a:solidFill>
+                <a:effectLst/>
+                <a:latin typeface="Consolas" panose="020B0609020204030204" pitchFamily="49" charset="0"/>
+                <a:cs typeface="Consolas" panose="020B0609020204030204" pitchFamily="49" charset="0"/>
+              </a:rPr>
+              <a:t>  </a:t>
+            </a:r>
+            <a:r>
+              <a:rPr kumimoji="0" lang="en-US" altLang="en-US" sz="1000" b="0" i="0" u="none" strike="noStrike" cap="none" normalizeH="0" baseline="0" dirty="0" smtClean="0">
+                <a:ln>
+                  <a:noFill/>
+                </a:ln>
+                <a:solidFill>
+                  <a:srgbClr val="000000"/>
+                </a:solidFill>
+                <a:effectLst/>
+                <a:latin typeface="Consolas" panose="020B0609020204030204" pitchFamily="49" charset="0"/>
+                <a:cs typeface="Consolas" panose="020B0609020204030204" pitchFamily="49" charset="0"/>
+              </a:rPr>
+              <a:t>},</a:t>
+            </a:r>
+            <a:br>
+              <a:rPr kumimoji="0" lang="en-US" altLang="en-US" sz="1000" b="0" i="0" u="none" strike="noStrike" cap="none" normalizeH="0" baseline="0" dirty="0" smtClean="0">
+                <a:ln>
+                  <a:noFill/>
+                </a:ln>
+                <a:solidFill>
+                  <a:srgbClr val="000000"/>
+                </a:solidFill>
+                <a:effectLst/>
+                <a:latin typeface="Consolas" panose="020B0609020204030204" pitchFamily="49" charset="0"/>
+                <a:cs typeface="Consolas" panose="020B0609020204030204" pitchFamily="49" charset="0"/>
+              </a:rPr>
+            </a:br>
+            <a:r>
+              <a:rPr kumimoji="0" lang="en-US" altLang="en-US" sz="1000" b="0" i="0" u="none" strike="noStrike" cap="none" normalizeH="0" baseline="0" dirty="0" smtClean="0">
+                <a:ln>
+                  <a:noFill/>
+                </a:ln>
+                <a:solidFill>
+                  <a:srgbClr val="000000"/>
+                </a:solidFill>
+                <a:effectLst/>
+                <a:latin typeface="Consolas" panose="020B0609020204030204" pitchFamily="49" charset="0"/>
+                <a:cs typeface="Consolas" panose="020B0609020204030204" pitchFamily="49" charset="0"/>
+              </a:rPr>
+              <a:t>  {</a:t>
+            </a:r>
+            <a:br>
+              <a:rPr kumimoji="0" lang="en-US" altLang="en-US" sz="1000" b="0" i="0" u="none" strike="noStrike" cap="none" normalizeH="0" baseline="0" dirty="0" smtClean="0">
+                <a:ln>
+                  <a:noFill/>
+                </a:ln>
+                <a:solidFill>
+                  <a:srgbClr val="000000"/>
+                </a:solidFill>
+                <a:effectLst/>
+                <a:latin typeface="Consolas" panose="020B0609020204030204" pitchFamily="49" charset="0"/>
+                <a:cs typeface="Consolas" panose="020B0609020204030204" pitchFamily="49" charset="0"/>
+              </a:rPr>
+            </a:br>
+            <a:r>
+              <a:rPr kumimoji="0" lang="en-US" altLang="en-US" sz="1000" b="0" i="0" u="none" strike="noStrike" cap="none" normalizeH="0" baseline="0" dirty="0" smtClean="0">
+                <a:ln>
+                  <a:noFill/>
+                </a:ln>
+                <a:solidFill>
+                  <a:srgbClr val="000000"/>
+                </a:solidFill>
+                <a:effectLst/>
+                <a:latin typeface="Consolas" panose="020B0609020204030204" pitchFamily="49" charset="0"/>
+                <a:cs typeface="Consolas" panose="020B0609020204030204" pitchFamily="49" charset="0"/>
+              </a:rPr>
+              <a:t>    </a:t>
+            </a:r>
+            <a:r>
+              <a:rPr kumimoji="0" lang="en-US" altLang="en-US" sz="1000" b="1" i="0" u="none" strike="noStrike" cap="none" normalizeH="0" baseline="0" dirty="0" smtClean="0">
+                <a:ln>
+                  <a:noFill/>
+                </a:ln>
+                <a:solidFill>
+                  <a:srgbClr val="660E7A"/>
+                </a:solidFill>
+                <a:effectLst/>
+                <a:latin typeface="Consolas" panose="020B0609020204030204" pitchFamily="49" charset="0"/>
+                <a:cs typeface="Consolas" panose="020B0609020204030204" pitchFamily="49" charset="0"/>
+              </a:rPr>
+              <a:t>"method"</a:t>
+            </a:r>
+            <a:r>
+              <a:rPr kumimoji="0" lang="en-US" altLang="en-US" sz="1000" b="0" i="0" u="none" strike="noStrike" cap="none" normalizeH="0" baseline="0" dirty="0" smtClean="0">
+                <a:ln>
+                  <a:noFill/>
+                </a:ln>
+                <a:solidFill>
+                  <a:srgbClr val="000000"/>
+                </a:solidFill>
+                <a:effectLst/>
+                <a:latin typeface="Consolas" panose="020B0609020204030204" pitchFamily="49" charset="0"/>
+                <a:cs typeface="Consolas" panose="020B0609020204030204" pitchFamily="49" charset="0"/>
+              </a:rPr>
+              <a:t>: </a:t>
+            </a:r>
+            <a:r>
+              <a:rPr kumimoji="0" lang="en-US" altLang="en-US" sz="1000" b="1" i="0" u="none" strike="noStrike" cap="none" normalizeH="0" baseline="0" dirty="0" smtClean="0">
+                <a:ln>
+                  <a:noFill/>
+                </a:ln>
+                <a:solidFill>
+                  <a:srgbClr val="008000"/>
+                </a:solidFill>
+                <a:effectLst/>
+                <a:latin typeface="Consolas" panose="020B0609020204030204" pitchFamily="49" charset="0"/>
+                <a:cs typeface="Consolas" panose="020B0609020204030204" pitchFamily="49" charset="0"/>
+              </a:rPr>
+              <a:t>"walk"</a:t>
+            </a:r>
+            <a:r>
+              <a:rPr kumimoji="0" lang="en-US" altLang="en-US" sz="1000" b="0" i="0" u="none" strike="noStrike" cap="none" normalizeH="0" baseline="0" dirty="0" smtClean="0">
+                <a:ln>
+                  <a:noFill/>
+                </a:ln>
+                <a:solidFill>
+                  <a:srgbClr val="000000"/>
+                </a:solidFill>
+                <a:effectLst/>
+                <a:latin typeface="Consolas" panose="020B0609020204030204" pitchFamily="49" charset="0"/>
+                <a:cs typeface="Consolas" panose="020B0609020204030204" pitchFamily="49" charset="0"/>
+              </a:rPr>
+              <a:t>,</a:t>
+            </a:r>
+            <a:br>
+              <a:rPr kumimoji="0" lang="en-US" altLang="en-US" sz="1000" b="0" i="0" u="none" strike="noStrike" cap="none" normalizeH="0" baseline="0" dirty="0" smtClean="0">
+                <a:ln>
+                  <a:noFill/>
+                </a:ln>
+                <a:solidFill>
+                  <a:srgbClr val="000000"/>
+                </a:solidFill>
+                <a:effectLst/>
+                <a:latin typeface="Consolas" panose="020B0609020204030204" pitchFamily="49" charset="0"/>
+                <a:cs typeface="Consolas" panose="020B0609020204030204" pitchFamily="49" charset="0"/>
+              </a:rPr>
+            </a:br>
+            <a:r>
+              <a:rPr kumimoji="0" lang="en-US" altLang="en-US" sz="1000" b="0" i="0" u="none" strike="noStrike" cap="none" normalizeH="0" baseline="0" dirty="0" smtClean="0">
+                <a:ln>
+                  <a:noFill/>
+                </a:ln>
+                <a:solidFill>
+                  <a:srgbClr val="000000"/>
+                </a:solidFill>
+                <a:effectLst/>
+                <a:latin typeface="Consolas" panose="020B0609020204030204" pitchFamily="49" charset="0"/>
+                <a:cs typeface="Consolas" panose="020B0609020204030204" pitchFamily="49" charset="0"/>
+              </a:rPr>
+              <a:t>    </a:t>
+            </a:r>
+            <a:r>
+              <a:rPr kumimoji="0" lang="en-US" altLang="en-US" sz="1000" b="1" i="0" u="none" strike="noStrike" cap="none" normalizeH="0" baseline="0" dirty="0" smtClean="0">
+                <a:ln>
+                  <a:noFill/>
+                </a:ln>
+                <a:solidFill>
+                  <a:srgbClr val="660E7A"/>
+                </a:solidFill>
+                <a:effectLst/>
+                <a:latin typeface="Consolas" panose="020B0609020204030204" pitchFamily="49" charset="0"/>
+                <a:cs typeface="Consolas" panose="020B0609020204030204" pitchFamily="49" charset="0"/>
+              </a:rPr>
+              <a:t>"aggregation"</a:t>
+            </a:r>
+            <a:r>
+              <a:rPr kumimoji="0" lang="en-US" altLang="en-US" sz="1000" b="0" i="0" u="none" strike="noStrike" cap="none" normalizeH="0" baseline="0" dirty="0" smtClean="0">
+                <a:ln>
+                  <a:noFill/>
+                </a:ln>
+                <a:solidFill>
+                  <a:srgbClr val="000000"/>
+                </a:solidFill>
+                <a:effectLst/>
+                <a:latin typeface="Consolas" panose="020B0609020204030204" pitchFamily="49" charset="0"/>
+                <a:cs typeface="Consolas" panose="020B0609020204030204" pitchFamily="49" charset="0"/>
+              </a:rPr>
+              <a:t>: </a:t>
+            </a:r>
+            <a:r>
+              <a:rPr kumimoji="0" lang="en-US" altLang="en-US" sz="1000" b="1" i="0" u="none" strike="noStrike" cap="none" normalizeH="0" baseline="0" dirty="0" smtClean="0">
+                <a:ln>
+                  <a:noFill/>
+                </a:ln>
+                <a:solidFill>
+                  <a:srgbClr val="008000"/>
+                </a:solidFill>
+                <a:effectLst/>
+                <a:latin typeface="Consolas" panose="020B0609020204030204" pitchFamily="49" charset="0"/>
+                <a:cs typeface="Consolas" panose="020B0609020204030204" pitchFamily="49" charset="0"/>
+              </a:rPr>
+              <a:t>"</a:t>
+            </a:r>
+            <a:r>
+              <a:rPr kumimoji="0" lang="en-US" altLang="en-US" sz="1000" b="1" i="0" u="none" strike="noStrike" cap="none" normalizeH="0" baseline="0" dirty="0" err="1" smtClean="0">
+                <a:ln>
+                  <a:noFill/>
+                </a:ln>
+                <a:solidFill>
+                  <a:srgbClr val="008000"/>
+                </a:solidFill>
+                <a:effectLst/>
+                <a:latin typeface="Consolas" panose="020B0609020204030204" pitchFamily="49" charset="0"/>
+                <a:cs typeface="Consolas" panose="020B0609020204030204" pitchFamily="49" charset="0"/>
+              </a:rPr>
+              <a:t>avg</a:t>
+            </a:r>
+            <a:r>
+              <a:rPr kumimoji="0" lang="en-US" altLang="en-US" sz="1000" b="1" i="0" u="none" strike="noStrike" cap="none" normalizeH="0" baseline="0" dirty="0" smtClean="0">
+                <a:ln>
+                  <a:noFill/>
+                </a:ln>
+                <a:solidFill>
+                  <a:srgbClr val="008000"/>
+                </a:solidFill>
+                <a:effectLst/>
+                <a:latin typeface="Consolas" panose="020B0609020204030204" pitchFamily="49" charset="0"/>
+                <a:cs typeface="Consolas" panose="020B0609020204030204" pitchFamily="49" charset="0"/>
+              </a:rPr>
+              <a:t>"</a:t>
+            </a:r>
+            <a:r>
+              <a:rPr kumimoji="0" lang="en-US" altLang="en-US" sz="1000" b="0" i="0" u="none" strike="noStrike" cap="none" normalizeH="0" baseline="0" dirty="0" smtClean="0">
+                <a:ln>
+                  <a:noFill/>
+                </a:ln>
+                <a:solidFill>
+                  <a:srgbClr val="000000"/>
+                </a:solidFill>
+                <a:effectLst/>
+                <a:latin typeface="Consolas" panose="020B0609020204030204" pitchFamily="49" charset="0"/>
+                <a:cs typeface="Consolas" panose="020B0609020204030204" pitchFamily="49" charset="0"/>
+              </a:rPr>
+              <a:t>,</a:t>
+            </a:r>
+            <a:br>
+              <a:rPr kumimoji="0" lang="en-US" altLang="en-US" sz="1000" b="0" i="0" u="none" strike="noStrike" cap="none" normalizeH="0" baseline="0" dirty="0" smtClean="0">
+                <a:ln>
+                  <a:noFill/>
+                </a:ln>
+                <a:solidFill>
+                  <a:srgbClr val="000000"/>
+                </a:solidFill>
+                <a:effectLst/>
+                <a:latin typeface="Consolas" panose="020B0609020204030204" pitchFamily="49" charset="0"/>
+                <a:cs typeface="Consolas" panose="020B0609020204030204" pitchFamily="49" charset="0"/>
+              </a:rPr>
+            </a:br>
+            <a:r>
+              <a:rPr kumimoji="0" lang="en-US" altLang="en-US" sz="1000" b="0" i="0" u="none" strike="noStrike" cap="none" normalizeH="0" baseline="0" dirty="0" smtClean="0">
+                <a:ln>
+                  <a:noFill/>
+                </a:ln>
+                <a:solidFill>
+                  <a:srgbClr val="000000"/>
+                </a:solidFill>
+                <a:effectLst/>
+                <a:latin typeface="Consolas" panose="020B0609020204030204" pitchFamily="49" charset="0"/>
+                <a:cs typeface="Consolas" panose="020B0609020204030204" pitchFamily="49" charset="0"/>
+              </a:rPr>
+              <a:t>    </a:t>
+            </a:r>
+            <a:r>
+              <a:rPr kumimoji="0" lang="en-US" altLang="en-US" sz="1000" b="1" i="0" u="none" strike="noStrike" cap="none" normalizeH="0" baseline="0" dirty="0" smtClean="0">
+                <a:ln>
+                  <a:noFill/>
+                </a:ln>
+                <a:solidFill>
+                  <a:srgbClr val="660E7A"/>
+                </a:solidFill>
+                <a:effectLst/>
+                <a:latin typeface="Consolas" panose="020B0609020204030204" pitchFamily="49" charset="0"/>
+                <a:cs typeface="Consolas" panose="020B0609020204030204" pitchFamily="49" charset="0"/>
+              </a:rPr>
+              <a:t>"name"</a:t>
+            </a:r>
+            <a:r>
+              <a:rPr kumimoji="0" lang="en-US" altLang="en-US" sz="1000" b="0" i="0" u="none" strike="noStrike" cap="none" normalizeH="0" baseline="0" dirty="0" smtClean="0">
+                <a:ln>
+                  <a:noFill/>
+                </a:ln>
+                <a:solidFill>
+                  <a:srgbClr val="000000"/>
+                </a:solidFill>
+                <a:effectLst/>
+                <a:latin typeface="Consolas" panose="020B0609020204030204" pitchFamily="49" charset="0"/>
+                <a:cs typeface="Consolas" panose="020B0609020204030204" pitchFamily="49" charset="0"/>
+              </a:rPr>
+              <a:t>: </a:t>
+            </a:r>
+            <a:r>
+              <a:rPr kumimoji="0" lang="en-US" altLang="en-US" sz="1000" b="1" i="0" u="none" strike="noStrike" cap="none" normalizeH="0" baseline="0" dirty="0" smtClean="0">
+                <a:ln>
+                  <a:noFill/>
+                </a:ln>
+                <a:solidFill>
+                  <a:srgbClr val="008000"/>
+                </a:solidFill>
+                <a:effectLst/>
+                <a:latin typeface="Consolas" panose="020B0609020204030204" pitchFamily="49" charset="0"/>
+                <a:cs typeface="Consolas" panose="020B0609020204030204" pitchFamily="49" charset="0"/>
+              </a:rPr>
+              <a:t>"</a:t>
+            </a:r>
+            <a:r>
+              <a:rPr kumimoji="0" lang="en-US" altLang="en-US" sz="1000" b="1" i="0" u="none" strike="noStrike" cap="none" normalizeH="0" baseline="0" dirty="0" err="1" smtClean="0">
+                <a:ln>
+                  <a:noFill/>
+                </a:ln>
+                <a:solidFill>
+                  <a:srgbClr val="008000"/>
+                </a:solidFill>
+                <a:effectLst/>
+                <a:latin typeface="Consolas" panose="020B0609020204030204" pitchFamily="49" charset="0"/>
+                <a:cs typeface="Consolas" panose="020B0609020204030204" pitchFamily="49" charset="0"/>
+              </a:rPr>
+              <a:t>Avg</a:t>
+            </a:r>
+            <a:r>
+              <a:rPr kumimoji="0" lang="en-US" altLang="en-US" sz="1000" b="1" i="0" u="none" strike="noStrike" cap="none" normalizeH="0" baseline="0" dirty="0" smtClean="0">
+                <a:ln>
+                  <a:noFill/>
+                </a:ln>
+                <a:solidFill>
+                  <a:srgbClr val="008000"/>
+                </a:solidFill>
+                <a:effectLst/>
+                <a:latin typeface="Consolas" panose="020B0609020204030204" pitchFamily="49" charset="0"/>
+                <a:cs typeface="Consolas" panose="020B0609020204030204" pitchFamily="49" charset="0"/>
+              </a:rPr>
+              <a:t> CPU Utilization"</a:t>
+            </a:r>
+            <a:r>
+              <a:rPr kumimoji="0" lang="en-US" altLang="en-US" sz="1000" b="0" i="0" u="none" strike="noStrike" cap="none" normalizeH="0" baseline="0" dirty="0" smtClean="0">
+                <a:ln>
+                  <a:noFill/>
+                </a:ln>
+                <a:solidFill>
+                  <a:srgbClr val="000000"/>
+                </a:solidFill>
+                <a:effectLst/>
+                <a:latin typeface="Consolas" panose="020B0609020204030204" pitchFamily="49" charset="0"/>
+                <a:cs typeface="Consolas" panose="020B0609020204030204" pitchFamily="49" charset="0"/>
+              </a:rPr>
+              <a:t>,</a:t>
+            </a:r>
+            <a:br>
+              <a:rPr kumimoji="0" lang="en-US" altLang="en-US" sz="1000" b="0" i="0" u="none" strike="noStrike" cap="none" normalizeH="0" baseline="0" dirty="0" smtClean="0">
+                <a:ln>
+                  <a:noFill/>
+                </a:ln>
+                <a:solidFill>
+                  <a:srgbClr val="000000"/>
+                </a:solidFill>
+                <a:effectLst/>
+                <a:latin typeface="Consolas" panose="020B0609020204030204" pitchFamily="49" charset="0"/>
+                <a:cs typeface="Consolas" panose="020B0609020204030204" pitchFamily="49" charset="0"/>
+              </a:rPr>
+            </a:br>
+            <a:r>
+              <a:rPr kumimoji="0" lang="en-US" altLang="en-US" sz="1000" b="0" i="0" u="none" strike="noStrike" cap="none" normalizeH="0" baseline="0" dirty="0" smtClean="0">
+                <a:ln>
+                  <a:noFill/>
+                </a:ln>
+                <a:solidFill>
+                  <a:srgbClr val="000000"/>
+                </a:solidFill>
+                <a:effectLst/>
+                <a:latin typeface="Consolas" panose="020B0609020204030204" pitchFamily="49" charset="0"/>
+                <a:cs typeface="Consolas" panose="020B0609020204030204" pitchFamily="49" charset="0"/>
+              </a:rPr>
+              <a:t>    </a:t>
+            </a:r>
+            <a:r>
+              <a:rPr kumimoji="0" lang="en-US" altLang="en-US" sz="1000" b="1" i="0" u="none" strike="noStrike" cap="none" normalizeH="0" baseline="0" dirty="0" smtClean="0">
+                <a:ln>
+                  <a:noFill/>
+                </a:ln>
+                <a:solidFill>
+                  <a:srgbClr val="660E7A"/>
+                </a:solidFill>
+                <a:effectLst/>
+                <a:latin typeface="Consolas" panose="020B0609020204030204" pitchFamily="49" charset="0"/>
+                <a:cs typeface="Consolas" panose="020B0609020204030204" pitchFamily="49" charset="0"/>
+              </a:rPr>
+              <a:t>"formula"</a:t>
+            </a:r>
+            <a:r>
+              <a:rPr kumimoji="0" lang="en-US" altLang="en-US" sz="1000" b="0" i="0" u="none" strike="noStrike" cap="none" normalizeH="0" baseline="0" dirty="0" smtClean="0">
+                <a:ln>
+                  <a:noFill/>
+                </a:ln>
+                <a:solidFill>
+                  <a:srgbClr val="000000"/>
+                </a:solidFill>
+                <a:effectLst/>
+                <a:latin typeface="Consolas" panose="020B0609020204030204" pitchFamily="49" charset="0"/>
+                <a:cs typeface="Consolas" panose="020B0609020204030204" pitchFamily="49" charset="0"/>
+              </a:rPr>
+              <a:t>: </a:t>
+            </a:r>
+            <a:r>
+              <a:rPr kumimoji="0" lang="en-US" altLang="en-US" sz="1000" b="1" i="0" u="none" strike="noStrike" cap="none" normalizeH="0" baseline="0" dirty="0" smtClean="0">
+                <a:ln>
+                  <a:noFill/>
+                </a:ln>
+                <a:solidFill>
+                  <a:srgbClr val="008000"/>
+                </a:solidFill>
+                <a:effectLst/>
+                <a:latin typeface="Consolas" panose="020B0609020204030204" pitchFamily="49" charset="0"/>
+                <a:cs typeface="Consolas" panose="020B0609020204030204" pitchFamily="49" charset="0"/>
+              </a:rPr>
+              <a:t>"[.1.3.6.1.2.1.25.3.3.1.2]"</a:t>
+            </a:r>
+            <a:r>
+              <a:rPr kumimoji="0" lang="en-US" altLang="en-US" sz="1000" b="0" i="0" u="none" strike="noStrike" cap="none" normalizeH="0" baseline="0" dirty="0" smtClean="0">
+                <a:ln>
+                  <a:noFill/>
+                </a:ln>
+                <a:solidFill>
+                  <a:srgbClr val="000000"/>
+                </a:solidFill>
+                <a:effectLst/>
+                <a:latin typeface="Consolas" panose="020B0609020204030204" pitchFamily="49" charset="0"/>
+                <a:cs typeface="Consolas" panose="020B0609020204030204" pitchFamily="49" charset="0"/>
+              </a:rPr>
+              <a:t>,</a:t>
+            </a:r>
+            <a:br>
+              <a:rPr kumimoji="0" lang="en-US" altLang="en-US" sz="1000" b="0" i="0" u="none" strike="noStrike" cap="none" normalizeH="0" baseline="0" dirty="0" smtClean="0">
+                <a:ln>
+                  <a:noFill/>
+                </a:ln>
+                <a:solidFill>
+                  <a:srgbClr val="000000"/>
+                </a:solidFill>
+                <a:effectLst/>
+                <a:latin typeface="Consolas" panose="020B0609020204030204" pitchFamily="49" charset="0"/>
+                <a:cs typeface="Consolas" panose="020B0609020204030204" pitchFamily="49" charset="0"/>
+              </a:rPr>
+            </a:br>
+            <a:r>
+              <a:rPr kumimoji="0" lang="en-US" altLang="en-US" sz="1000" b="0" i="0" u="none" strike="noStrike" cap="none" normalizeH="0" baseline="0" dirty="0" smtClean="0">
+                <a:ln>
+                  <a:noFill/>
+                </a:ln>
+                <a:solidFill>
+                  <a:srgbClr val="000000"/>
+                </a:solidFill>
+                <a:effectLst/>
+                <a:latin typeface="Consolas" panose="020B0609020204030204" pitchFamily="49" charset="0"/>
+                <a:cs typeface="Consolas" panose="020B0609020204030204" pitchFamily="49" charset="0"/>
+              </a:rPr>
+              <a:t>    </a:t>
+            </a:r>
+            <a:r>
+              <a:rPr kumimoji="0" lang="en-US" altLang="en-US" sz="1000" b="1" i="0" u="none" strike="noStrike" cap="none" normalizeH="0" baseline="0" dirty="0" smtClean="0">
+                <a:ln>
+                  <a:noFill/>
+                </a:ln>
+                <a:solidFill>
+                  <a:srgbClr val="660E7A"/>
+                </a:solidFill>
+                <a:effectLst/>
+                <a:latin typeface="Consolas" panose="020B0609020204030204" pitchFamily="49" charset="0"/>
+                <a:cs typeface="Consolas" panose="020B0609020204030204" pitchFamily="49" charset="0"/>
+              </a:rPr>
+              <a:t>"</a:t>
+            </a:r>
+            <a:r>
+              <a:rPr kumimoji="0" lang="en-US" altLang="en-US" sz="1000" b="1" i="0" u="none" strike="noStrike" cap="none" normalizeH="0" baseline="0" dirty="0" err="1" smtClean="0">
+                <a:ln>
+                  <a:noFill/>
+                </a:ln>
+                <a:solidFill>
+                  <a:srgbClr val="660E7A"/>
+                </a:solidFill>
+                <a:effectLst/>
+                <a:latin typeface="Consolas" panose="020B0609020204030204" pitchFamily="49" charset="0"/>
+                <a:cs typeface="Consolas" panose="020B0609020204030204" pitchFamily="49" charset="0"/>
+              </a:rPr>
+              <a:t>description"</a:t>
+            </a:r>
+            <a:r>
+              <a:rPr kumimoji="0" lang="en-US" altLang="en-US" sz="1000" b="0" i="0" u="none" strike="noStrike" cap="none" normalizeH="0" baseline="0" dirty="0" err="1" smtClean="0">
+                <a:ln>
+                  <a:noFill/>
+                </a:ln>
+                <a:solidFill>
+                  <a:srgbClr val="000000"/>
+                </a:solidFill>
+                <a:effectLst/>
+                <a:latin typeface="Consolas" panose="020B0609020204030204" pitchFamily="49" charset="0"/>
+                <a:cs typeface="Consolas" panose="020B0609020204030204" pitchFamily="49" charset="0"/>
+              </a:rPr>
+              <a:t>:</a:t>
+            </a:r>
+            <a:r>
+              <a:rPr kumimoji="0" lang="en-US" altLang="en-US" sz="1000" b="1" i="0" u="none" strike="noStrike" cap="none" normalizeH="0" baseline="0" dirty="0" err="1" smtClean="0">
+                <a:ln>
+                  <a:noFill/>
+                </a:ln>
+                <a:solidFill>
+                  <a:srgbClr val="008000"/>
+                </a:solidFill>
+                <a:effectLst/>
+                <a:latin typeface="Consolas" panose="020B0609020204030204" pitchFamily="49" charset="0"/>
+                <a:cs typeface="Consolas" panose="020B0609020204030204" pitchFamily="49" charset="0"/>
+              </a:rPr>
+              <a:t>"Average</a:t>
+            </a:r>
+            <a:r>
+              <a:rPr kumimoji="0" lang="en-US" altLang="en-US" sz="1000" b="1" i="0" u="none" strike="noStrike" cap="none" normalizeH="0" baseline="0" dirty="0" smtClean="0">
+                <a:ln>
+                  <a:noFill/>
+                </a:ln>
+                <a:solidFill>
+                  <a:srgbClr val="008000"/>
+                </a:solidFill>
+                <a:effectLst/>
+                <a:latin typeface="Consolas" panose="020B0609020204030204" pitchFamily="49" charset="0"/>
+                <a:cs typeface="Consolas" panose="020B0609020204030204" pitchFamily="49" charset="0"/>
+              </a:rPr>
+              <a:t> CPU Utilization in 5 minutes"</a:t>
+            </a:r>
+            <a:r>
+              <a:rPr kumimoji="0" lang="en-US" altLang="en-US" sz="1000" b="0" i="0" u="none" strike="noStrike" cap="none" normalizeH="0" baseline="0" dirty="0" smtClean="0">
+                <a:ln>
+                  <a:noFill/>
+                </a:ln>
+                <a:solidFill>
+                  <a:srgbClr val="000000"/>
+                </a:solidFill>
+                <a:effectLst/>
+                <a:latin typeface="Consolas" panose="020B0609020204030204" pitchFamily="49" charset="0"/>
+                <a:cs typeface="Consolas" panose="020B0609020204030204" pitchFamily="49" charset="0"/>
+              </a:rPr>
+              <a:t>,</a:t>
+            </a:r>
+            <a:br>
+              <a:rPr kumimoji="0" lang="en-US" altLang="en-US" sz="1000" b="0" i="0" u="none" strike="noStrike" cap="none" normalizeH="0" baseline="0" dirty="0" smtClean="0">
+                <a:ln>
+                  <a:noFill/>
+                </a:ln>
+                <a:solidFill>
+                  <a:srgbClr val="000000"/>
+                </a:solidFill>
+                <a:effectLst/>
+                <a:latin typeface="Consolas" panose="020B0609020204030204" pitchFamily="49" charset="0"/>
+                <a:cs typeface="Consolas" panose="020B0609020204030204" pitchFamily="49" charset="0"/>
+              </a:rPr>
+            </a:br>
+            <a:r>
+              <a:rPr kumimoji="0" lang="en-US" altLang="en-US" sz="1000" b="0" i="0" u="none" strike="noStrike" cap="none" normalizeH="0" baseline="0" dirty="0" smtClean="0">
+                <a:ln>
+                  <a:noFill/>
+                </a:ln>
+                <a:solidFill>
+                  <a:srgbClr val="000000"/>
+                </a:solidFill>
+                <a:effectLst/>
+                <a:latin typeface="Consolas" panose="020B0609020204030204" pitchFamily="49" charset="0"/>
+                <a:cs typeface="Consolas" panose="020B0609020204030204" pitchFamily="49" charset="0"/>
+              </a:rPr>
+              <a:t>    </a:t>
+            </a:r>
+            <a:r>
+              <a:rPr kumimoji="0" lang="en-US" altLang="en-US" sz="1000" b="1" i="0" u="none" strike="noStrike" cap="none" normalizeH="0" baseline="0" dirty="0" smtClean="0">
+                <a:ln>
+                  <a:noFill/>
+                </a:ln>
+                <a:solidFill>
+                  <a:srgbClr val="660E7A"/>
+                </a:solidFill>
+                <a:effectLst/>
+                <a:latin typeface="Consolas" panose="020B0609020204030204" pitchFamily="49" charset="0"/>
+                <a:cs typeface="Consolas" panose="020B0609020204030204" pitchFamily="49" charset="0"/>
+              </a:rPr>
+              <a:t>"unit"</a:t>
+            </a:r>
+            <a:r>
+              <a:rPr kumimoji="0" lang="en-US" altLang="en-US" sz="1000" b="0" i="0" u="none" strike="noStrike" cap="none" normalizeH="0" baseline="0" dirty="0" smtClean="0">
+                <a:ln>
+                  <a:noFill/>
+                </a:ln>
+                <a:solidFill>
+                  <a:srgbClr val="000000"/>
+                </a:solidFill>
+                <a:effectLst/>
+                <a:latin typeface="Consolas" panose="020B0609020204030204" pitchFamily="49" charset="0"/>
+                <a:cs typeface="Consolas" panose="020B0609020204030204" pitchFamily="49" charset="0"/>
+              </a:rPr>
+              <a:t>:</a:t>
+            </a:r>
+            <a:r>
+              <a:rPr kumimoji="0" lang="en-US" altLang="en-US" sz="1000" b="1" i="0" u="none" strike="noStrike" cap="none" normalizeH="0" baseline="0" dirty="0" smtClean="0">
+                <a:ln>
+                  <a:noFill/>
+                </a:ln>
+                <a:solidFill>
+                  <a:srgbClr val="008000"/>
+                </a:solidFill>
+                <a:effectLst/>
+                <a:latin typeface="Consolas" panose="020B0609020204030204" pitchFamily="49" charset="0"/>
+                <a:cs typeface="Consolas" panose="020B0609020204030204" pitchFamily="49" charset="0"/>
+              </a:rPr>
+              <a:t>"%"</a:t>
+            </a:r>
+            <a:r>
+              <a:rPr kumimoji="0" lang="en-US" altLang="en-US" sz="1000" b="0" i="0" u="none" strike="noStrike" cap="none" normalizeH="0" baseline="0" dirty="0" smtClean="0">
+                <a:ln>
+                  <a:noFill/>
+                </a:ln>
+                <a:solidFill>
+                  <a:srgbClr val="000000"/>
+                </a:solidFill>
+                <a:effectLst/>
+                <a:latin typeface="Consolas" panose="020B0609020204030204" pitchFamily="49" charset="0"/>
+                <a:cs typeface="Consolas" panose="020B0609020204030204" pitchFamily="49" charset="0"/>
+              </a:rPr>
+              <a:t>,</a:t>
+            </a:r>
+            <a:br>
+              <a:rPr kumimoji="0" lang="en-US" altLang="en-US" sz="1000" b="0" i="0" u="none" strike="noStrike" cap="none" normalizeH="0" baseline="0" dirty="0" smtClean="0">
+                <a:ln>
+                  <a:noFill/>
+                </a:ln>
+                <a:solidFill>
+                  <a:srgbClr val="000000"/>
+                </a:solidFill>
+                <a:effectLst/>
+                <a:latin typeface="Consolas" panose="020B0609020204030204" pitchFamily="49" charset="0"/>
+                <a:cs typeface="Consolas" panose="020B0609020204030204" pitchFamily="49" charset="0"/>
+              </a:rPr>
+            </a:br>
+            <a:r>
+              <a:rPr kumimoji="0" lang="en-US" altLang="en-US" sz="1000" b="0" i="0" u="none" strike="noStrike" cap="none" normalizeH="0" baseline="0" dirty="0" smtClean="0">
+                <a:ln>
+                  <a:noFill/>
+                </a:ln>
+                <a:solidFill>
+                  <a:srgbClr val="000000"/>
+                </a:solidFill>
+                <a:effectLst/>
+                <a:latin typeface="Consolas" panose="020B0609020204030204" pitchFamily="49" charset="0"/>
+                <a:cs typeface="Consolas" panose="020B0609020204030204" pitchFamily="49" charset="0"/>
+              </a:rPr>
+              <a:t>    </a:t>
+            </a:r>
+            <a:r>
+              <a:rPr kumimoji="0" lang="en-US" altLang="en-US" sz="1000" b="1" i="0" u="none" strike="noStrike" cap="none" normalizeH="0" baseline="0" dirty="0" smtClean="0">
+                <a:ln>
+                  <a:noFill/>
+                </a:ln>
+                <a:solidFill>
+                  <a:srgbClr val="660E7A"/>
+                </a:solidFill>
+                <a:effectLst/>
+                <a:latin typeface="Consolas" panose="020B0609020204030204" pitchFamily="49" charset="0"/>
+                <a:cs typeface="Consolas" panose="020B0609020204030204" pitchFamily="49" charset="0"/>
+              </a:rPr>
+              <a:t>"interval"</a:t>
+            </a:r>
+            <a:r>
+              <a:rPr kumimoji="0" lang="en-US" altLang="en-US" sz="1000" b="0" i="0" u="none" strike="noStrike" cap="none" normalizeH="0" baseline="0" dirty="0" smtClean="0">
+                <a:ln>
+                  <a:noFill/>
+                </a:ln>
+                <a:solidFill>
+                  <a:srgbClr val="000000"/>
+                </a:solidFill>
+                <a:effectLst/>
+                <a:latin typeface="Consolas" panose="020B0609020204030204" pitchFamily="49" charset="0"/>
+                <a:cs typeface="Consolas" panose="020B0609020204030204" pitchFamily="49" charset="0"/>
+              </a:rPr>
+              <a:t>: </a:t>
+            </a:r>
+            <a:r>
+              <a:rPr kumimoji="0" lang="en-US" altLang="en-US" sz="1000" b="0" i="0" u="none" strike="noStrike" cap="none" normalizeH="0" baseline="0" dirty="0" smtClean="0">
+                <a:ln>
+                  <a:noFill/>
+                </a:ln>
+                <a:solidFill>
+                  <a:srgbClr val="0000FF"/>
+                </a:solidFill>
+                <a:effectLst/>
+                <a:latin typeface="Consolas" panose="020B0609020204030204" pitchFamily="49" charset="0"/>
+                <a:cs typeface="Consolas" panose="020B0609020204030204" pitchFamily="49" charset="0"/>
+              </a:rPr>
+              <a:t>300</a:t>
+            </a:r>
+            <a:br>
+              <a:rPr kumimoji="0" lang="en-US" altLang="en-US" sz="1000" b="0" i="0" u="none" strike="noStrike" cap="none" normalizeH="0" baseline="0" dirty="0" smtClean="0">
+                <a:ln>
+                  <a:noFill/>
+                </a:ln>
+                <a:solidFill>
+                  <a:srgbClr val="0000FF"/>
+                </a:solidFill>
+                <a:effectLst/>
+                <a:latin typeface="Consolas" panose="020B0609020204030204" pitchFamily="49" charset="0"/>
+                <a:cs typeface="Consolas" panose="020B0609020204030204" pitchFamily="49" charset="0"/>
+              </a:rPr>
+            </a:br>
+            <a:r>
+              <a:rPr kumimoji="0" lang="en-US" altLang="en-US" sz="1000" b="0" i="0" u="none" strike="noStrike" cap="none" normalizeH="0" baseline="0" dirty="0" smtClean="0">
+                <a:ln>
+                  <a:noFill/>
+                </a:ln>
+                <a:solidFill>
+                  <a:srgbClr val="0000FF"/>
+                </a:solidFill>
+                <a:effectLst/>
+                <a:latin typeface="Consolas" panose="020B0609020204030204" pitchFamily="49" charset="0"/>
+                <a:cs typeface="Consolas" panose="020B0609020204030204" pitchFamily="49" charset="0"/>
+              </a:rPr>
+              <a:t>  </a:t>
+            </a:r>
+            <a:r>
+              <a:rPr kumimoji="0" lang="en-US" altLang="en-US" sz="1000" b="0" i="0" u="none" strike="noStrike" cap="none" normalizeH="0" baseline="0" dirty="0" smtClean="0">
+                <a:ln>
+                  <a:noFill/>
+                </a:ln>
+                <a:solidFill>
+                  <a:srgbClr val="000000"/>
+                </a:solidFill>
+                <a:effectLst/>
+                <a:latin typeface="Consolas" panose="020B0609020204030204" pitchFamily="49" charset="0"/>
+                <a:cs typeface="Consolas" panose="020B0609020204030204" pitchFamily="49" charset="0"/>
+              </a:rPr>
+              <a:t>},</a:t>
+            </a:r>
+            <a:endParaRPr kumimoji="0" lang="en-US" altLang="en-US" sz="1800" b="0" i="0" u="none" strike="noStrike" cap="none" normalizeH="0" baseline="0" dirty="0" smtClean="0">
+              <a:ln>
+                <a:noFill/>
+              </a:ln>
+              <a:solidFill>
+                <a:schemeClr val="tx1"/>
+              </a:solidFill>
+              <a:effectLst/>
+              <a:latin typeface="Arial" panose="020B0604020202020204" pitchFamily="34" charset="0"/>
+            </a:endParaRPr>
+          </a:p>
+        </p:txBody>
+      </p:sp>
+      <p:pic>
+        <p:nvPicPr>
+          <p:cNvPr id="7" name="Picture 6"/>
+          <p:cNvPicPr>
+            <a:picLocks noChangeAspect="1"/>
+          </p:cNvPicPr>
+          <p:nvPr/>
+        </p:nvPicPr>
+        <p:blipFill>
+          <a:blip r:embed="rId2"/>
+          <a:stretch>
+            <a:fillRect/>
+          </a:stretch>
+        </p:blipFill>
+        <p:spPr>
+          <a:xfrm>
+            <a:off x="1828800" y="3581400"/>
+            <a:ext cx="3810000" cy="2463800"/>
+          </a:xfrm>
+          <a:prstGeom prst="rect">
+            <a:avLst/>
+          </a:prstGeom>
+        </p:spPr>
+      </p:pic>
+    </p:spTree>
+    <p:extLst>
+      <p:ext uri="{BB962C8B-B14F-4D97-AF65-F5344CB8AC3E}">
+        <p14:creationId xmlns:p14="http://schemas.microsoft.com/office/powerpoint/2010/main" val="3037109251"/>
+      </p:ext>
+    </p:extLst>
+  </p:cSld>
+  <p:clrMapOvr>
+    <a:masterClrMapping/>
+  </p:clrMapOvr>
+  <mc:AlternateContent xmlns:mc="http://schemas.openxmlformats.org/markup-compatibility/2006">
+    <mc:Choice xmlns:p14="http://schemas.microsoft.com/office/powerpoint/2010/main" Requires="p14">
+      <p:transition spd="med" p14:dur="700">
+        <p:fade/>
+      </p:transition>
+    </mc:Choice>
+    <mc:Fallback>
+      <p:transition spd="med">
+        <p:fade/>
+      </p:transition>
+    </mc:Fallback>
+  </mc:AlternateContent>
+  <p:timing>
+    <p:tnLst>
+      <p:par>
+        <p:cTn id="1" dur="indefinite" restart="never" nodeType="tmRoot"/>
+      </p:par>
+    </p:tnLst>
+  </p:timing>
+</p:sld>
+</file>
+
+<file path=ppt/slides/slide14.xml><?xml version="1.0" encoding="utf-8"?>
+<p:sld xmlns:a="http://schemas.openxmlformats.org/drawingml/2006/main" xmlns:r="http://schemas.openxmlformats.org/officeDocument/2006/relationships" xmlns:p="http://schemas.openxmlformats.org/presentationml/2006/main">
+  <p:cSld>
+    <p:spTree>
+      <p:nvGrpSpPr>
+        <p:cNvPr id="1" name=""/>
+        <p:cNvGrpSpPr/>
+        <p:nvPr/>
+      </p:nvGrpSpPr>
+      <p:grpSpPr>
+        <a:xfrm>
+          <a:off x="0" y="0"/>
+          <a:ext cx="0" cy="0"/>
+          <a:chOff x="0" y="0"/>
+          <a:chExt cx="0" cy="0"/>
+        </a:xfrm>
+      </p:grpSpPr>
+      <p:sp>
+        <p:nvSpPr>
+          <p:cNvPr id="2" name="Title 1"/>
+          <p:cNvSpPr>
+            <a:spLocks noGrp="1"/>
+          </p:cNvSpPr>
+          <p:nvPr>
+            <p:ph type="title"/>
+          </p:nvPr>
+        </p:nvSpPr>
+        <p:spPr/>
+        <p:txBody>
+          <a:bodyPr/>
+          <a:lstStyle/>
+          <a:p>
+            <a:r>
+              <a:rPr lang="en-US" dirty="0" smtClean="0"/>
+              <a:t>Next Step</a:t>
+            </a:r>
+            <a:endParaRPr lang="en-US" dirty="0"/>
+          </a:p>
+        </p:txBody>
+      </p:sp>
+      <p:sp>
+        <p:nvSpPr>
+          <p:cNvPr id="3" name="Content Placeholder 2"/>
+          <p:cNvSpPr>
+            <a:spLocks noGrp="1"/>
+          </p:cNvSpPr>
+          <p:nvPr>
+            <p:ph idx="1"/>
+          </p:nvPr>
+        </p:nvSpPr>
+        <p:spPr/>
+        <p:txBody>
+          <a:bodyPr/>
+          <a:lstStyle/>
+          <a:p>
+            <a:endParaRPr lang="en-US"/>
+          </a:p>
+        </p:txBody>
+      </p:sp>
+      <p:sp>
+        <p:nvSpPr>
+          <p:cNvPr id="4" name="Slide Number Placeholder 3"/>
+          <p:cNvSpPr>
+            <a:spLocks noGrp="1"/>
+          </p:cNvSpPr>
+          <p:nvPr>
+            <p:ph type="sldNum" sz="quarter" idx="12"/>
+          </p:nvPr>
+        </p:nvSpPr>
+        <p:spPr/>
+        <p:txBody>
+          <a:bodyPr/>
+          <a:lstStyle/>
+          <a:p>
+            <a:fld id="{B016F8AB-BCEA-4347-8BA6-BE776009BC89}" type="slidenum">
+              <a:rPr lang="en-US" smtClean="0"/>
+              <a:pPr/>
+              <a:t>14</a:t>
+            </a:fld>
+            <a:endParaRPr lang="en-US"/>
+          </a:p>
+        </p:txBody>
+      </p:sp>
+    </p:spTree>
+    <p:extLst>
+      <p:ext uri="{BB962C8B-B14F-4D97-AF65-F5344CB8AC3E}">
+        <p14:creationId xmlns:p14="http://schemas.microsoft.com/office/powerpoint/2010/main" val="3738965273"/>
+      </p:ext>
+    </p:extLst>
+  </p:cSld>
+  <p:clrMapOvr>
+    <a:masterClrMapping/>
+  </p:clrMapOvr>
+  <mc:AlternateContent xmlns:mc="http://schemas.openxmlformats.org/markup-compatibility/2006">
+    <mc:Choice xmlns:p14="http://schemas.microsoft.com/office/powerpoint/2010/main" Requires="p14">
+      <p:transition spd="med" p14:dur="700">
+        <p:fade/>
+      </p:transition>
+    </mc:Choice>
+    <mc:Fallback>
+      <p:transition spd="med">
+        <p:fade/>
+      </p:transition>
+    </mc:Fallback>
+  </mc:AlternateContent>
 </p:sld>
 </file>
 
@@ -40290,7 +43655,7 @@
           <a:p>
             <a:r>
               <a:rPr lang="en-US" dirty="0" smtClean="0"/>
-              <a:t>Architecture</a:t>
+              <a:t>Architecture – Function View</a:t>
             </a:r>
             <a:endParaRPr lang="en-US" dirty="0"/>
           </a:p>
@@ -40893,8 +44258,9 @@
             </a:pPr>
             <a:r>
               <a:rPr lang="en-US" dirty="0" smtClean="0"/>
-              <a:t>User Management</a:t>
-            </a:r>
+              <a:t>KPI Engine</a:t>
+            </a:r>
+            <a:endParaRPr lang="en-US" dirty="0" smtClean="0"/>
           </a:p>
         </p:txBody>
       </p:sp>
@@ -40948,11 +44314,19 @@
             </a:pPr>
             <a:r>
               <a:rPr lang="en-US" dirty="0" smtClean="0"/>
-              <a:t>Threshold Management(</a:t>
+              <a:t>Threshold </a:t>
             </a:r>
             <a:r>
               <a:rPr lang="en-US" dirty="0" smtClean="0"/>
-              <a:t>Condition/</a:t>
+              <a:t>Engine</a:t>
+            </a:r>
+            <a:r>
+              <a:rPr lang="en-US" dirty="0" smtClean="0"/>
+              <a:t>(Condition</a:t>
+            </a:r>
+            <a:r>
+              <a:rPr lang="en-US" dirty="0" smtClean="0"/>
+              <a:t>/</a:t>
             </a:r>
           </a:p>
           <a:p>
@@ -40965,7 +44339,6 @@
               <a:rPr lang="en-US" dirty="0" smtClean="0"/>
               <a:t>Action)</a:t>
             </a:r>
-            <a:endParaRPr lang="en-US" dirty="0" smtClean="0"/>
           </a:p>
         </p:txBody>
       </p:sp>
@@ -41023,123 +44396,13 @@
       </p:sp>
       <p:sp>
         <p:nvSpPr>
-          <p:cNvPr id="35" name="Rounded Rectangle 34"/>
-          <p:cNvSpPr/>
-          <p:nvPr/>
-        </p:nvSpPr>
-        <p:spPr bwMode="ltGray">
-          <a:xfrm>
-            <a:off x="1445870" y="1395318"/>
-            <a:ext cx="1752600" cy="740595"/>
-          </a:xfrm>
-          <a:prstGeom prst="roundRect">
-            <a:avLst/>
-          </a:prstGeom>
-          <a:solidFill>
-            <a:schemeClr val="accent1"/>
-          </a:solidFill>
-          <a:ln w="19050">
-            <a:solidFill>
-              <a:schemeClr val="accent1"/>
-            </a:solidFill>
-          </a:ln>
-        </p:spPr>
-        <p:style>
-          <a:lnRef idx="2">
-            <a:schemeClr val="accent1">
-              <a:shade val="50000"/>
-            </a:schemeClr>
-          </a:lnRef>
-          <a:fillRef idx="1">
-            <a:schemeClr val="accent1"/>
-          </a:fillRef>
-          <a:effectRef idx="0">
-            <a:schemeClr val="accent1"/>
-          </a:effectRef>
-          <a:fontRef idx="minor">
-            <a:schemeClr val="lt1"/>
-          </a:fontRef>
-        </p:style>
-        <p:txBody>
-          <a:bodyPr rtlCol="0" anchor="ctr"/>
-          <a:lstStyle/>
-          <a:p>
-            <a:pPr algn="ctr">
-              <a:lnSpc>
-                <a:spcPct val="90000"/>
-              </a:lnSpc>
-            </a:pPr>
-            <a:r>
-              <a:rPr lang="en-US" dirty="0" smtClean="0"/>
-              <a:t>User Management</a:t>
-            </a:r>
-          </a:p>
-        </p:txBody>
-      </p:sp>
-      <p:sp>
-        <p:nvSpPr>
-          <p:cNvPr id="36" name="Rounded Rectangle 35"/>
-          <p:cNvSpPr/>
-          <p:nvPr/>
-        </p:nvSpPr>
-        <p:spPr bwMode="ltGray">
-          <a:xfrm>
-            <a:off x="3310857" y="1387126"/>
-            <a:ext cx="1752600" cy="756978"/>
-          </a:xfrm>
-          <a:prstGeom prst="roundRect">
-            <a:avLst/>
-          </a:prstGeom>
-          <a:solidFill>
-            <a:schemeClr val="accent1"/>
-          </a:solidFill>
-          <a:ln w="19050">
-            <a:solidFill>
-              <a:schemeClr val="accent1"/>
-            </a:solidFill>
-          </a:ln>
-        </p:spPr>
-        <p:style>
-          <a:lnRef idx="2">
-            <a:schemeClr val="accent1">
-              <a:shade val="50000"/>
-            </a:schemeClr>
-          </a:lnRef>
-          <a:fillRef idx="1">
-            <a:schemeClr val="accent1"/>
-          </a:fillRef>
-          <a:effectRef idx="0">
-            <a:schemeClr val="accent1"/>
-          </a:effectRef>
-          <a:fontRef idx="minor">
-            <a:schemeClr val="lt1"/>
-          </a:fontRef>
-        </p:style>
-        <p:txBody>
-          <a:bodyPr rtlCol="0" anchor="ctr"/>
-          <a:lstStyle/>
-          <a:p>
-            <a:pPr algn="ctr">
-              <a:lnSpc>
-                <a:spcPct val="90000"/>
-              </a:lnSpc>
-            </a:pPr>
-            <a:r>
-              <a:rPr lang="en-US" dirty="0" smtClean="0"/>
-              <a:t>Ad-hoc Report/Chart</a:t>
-            </a:r>
-          </a:p>
-        </p:txBody>
-      </p:sp>
-      <p:sp>
-        <p:nvSpPr>
           <p:cNvPr id="37" name="Rounded Rectangle 36"/>
           <p:cNvSpPr/>
           <p:nvPr/>
         </p:nvSpPr>
         <p:spPr bwMode="ltGray">
           <a:xfrm>
-            <a:off x="5218112" y="1397344"/>
+            <a:off x="4648200" y="1379056"/>
             <a:ext cx="1752600" cy="754998"/>
           </a:xfrm>
           <a:prstGeom prst="roundRect">
@@ -41181,8 +44444,9 @@
             </a:pPr>
             <a:r>
               <a:rPr lang="en-US" dirty="0" smtClean="0"/>
-              <a:t>System Management  and Monitor</a:t>
-            </a:r>
+              <a:t>Collector Monitor and Management</a:t>
+            </a:r>
+            <a:endParaRPr lang="en-US" dirty="0" smtClean="0"/>
           </a:p>
         </p:txBody>
       </p:sp>
@@ -41246,7 +44510,7 @@
         </p:nvSpPr>
         <p:spPr bwMode="ltGray">
           <a:xfrm>
-            <a:off x="7125367" y="1387126"/>
+            <a:off x="2476500" y="1373886"/>
             <a:ext cx="1752600" cy="756978"/>
           </a:xfrm>
           <a:prstGeom prst="roundRect">
@@ -41301,7 +44565,7 @@
         </p:nvSpPr>
         <p:spPr bwMode="ltGray">
           <a:xfrm>
-            <a:off x="9011968" y="1387126"/>
+            <a:off x="6729221" y="1380816"/>
             <a:ext cx="1752600" cy="756978"/>
           </a:xfrm>
           <a:prstGeom prst="roundRect">
@@ -41391,7 +44655,6 @@
               <a:rPr lang="en-US" dirty="0" smtClean="0"/>
               <a:t>Achieve</a:t>
             </a:r>
-            <a:endParaRPr lang="en-US" dirty="0" smtClean="0"/>
           </a:p>
         </p:txBody>
       </p:sp>
@@ -41563,8 +44826,9 @@
           <a:p>
             <a:r>
               <a:rPr lang="en-US" sz="1600" dirty="0" smtClean="0"/>
-              <a:t>The GUI only provide simple ad-hoc KPI reports/charts. To build complex reports can use reporting tools, like HPE UOC, Pentaho…</a:t>
-            </a:r>
+              <a:t>Retention, it’s could calculate the history KPI values (for all types of KPI) into an achieve DB.</a:t>
+            </a:r>
+            <a:endParaRPr lang="en-US" sz="1600" dirty="0" smtClean="0"/>
           </a:p>
           <a:p>
             <a:endParaRPr lang="en-US" sz="1600" dirty="0"/>
@@ -41660,7 +44924,97 @@
       </p:grpSpPr>
       <p:sp>
         <p:nvSpPr>
-          <p:cNvPr id="3" name="Title 2"/>
+          <p:cNvPr id="42" name="Rectangle 41"/>
+          <p:cNvSpPr/>
+          <p:nvPr/>
+        </p:nvSpPr>
+        <p:spPr bwMode="ltGray">
+          <a:xfrm>
+            <a:off x="1207166" y="2280912"/>
+            <a:ext cx="9296561" cy="889177"/>
+          </a:xfrm>
+          <a:prstGeom prst="rect">
+            <a:avLst/>
+          </a:prstGeom>
+          <a:ln/>
+        </p:spPr>
+        <p:style>
+          <a:lnRef idx="2">
+            <a:schemeClr val="accent5"/>
+          </a:lnRef>
+          <a:fillRef idx="1">
+            <a:schemeClr val="lt1"/>
+          </a:fillRef>
+          <a:effectRef idx="0">
+            <a:schemeClr val="accent5"/>
+          </a:effectRef>
+          <a:fontRef idx="minor">
+            <a:schemeClr val="dk1"/>
+          </a:fontRef>
+        </p:style>
+        <p:txBody>
+          <a:bodyPr rtlCol="0" anchor="ctr"/>
+          <a:lstStyle/>
+          <a:p>
+            <a:pPr>
+              <a:lnSpc>
+                <a:spcPct val="90000"/>
+              </a:lnSpc>
+            </a:pPr>
+            <a:r>
+              <a:rPr lang="en-US" dirty="0" smtClean="0"/>
+              <a:t>Web GUI Server</a:t>
+            </a:r>
+            <a:endParaRPr lang="en-US" dirty="0" smtClean="0"/>
+          </a:p>
+        </p:txBody>
+      </p:sp>
+      <p:sp>
+        <p:nvSpPr>
+          <p:cNvPr id="33" name="Rectangle 32"/>
+          <p:cNvSpPr/>
+          <p:nvPr/>
+        </p:nvSpPr>
+        <p:spPr bwMode="ltGray">
+          <a:xfrm>
+            <a:off x="1237198" y="3291775"/>
+            <a:ext cx="2725362" cy="2888492"/>
+          </a:xfrm>
+          <a:prstGeom prst="rect">
+            <a:avLst/>
+          </a:prstGeom>
+          <a:ln/>
+        </p:spPr>
+        <p:style>
+          <a:lnRef idx="2">
+            <a:schemeClr val="accent5"/>
+          </a:lnRef>
+          <a:fillRef idx="1">
+            <a:schemeClr val="lt1"/>
+          </a:fillRef>
+          <a:effectRef idx="0">
+            <a:schemeClr val="accent5"/>
+          </a:effectRef>
+          <a:fontRef idx="minor">
+            <a:schemeClr val="dk1"/>
+          </a:fontRef>
+        </p:style>
+        <p:txBody>
+          <a:bodyPr rtlCol="0" anchor="ctr"/>
+          <a:lstStyle/>
+          <a:p>
+            <a:pPr>
+              <a:lnSpc>
+                <a:spcPct val="90000"/>
+              </a:lnSpc>
+            </a:pPr>
+            <a:endParaRPr lang="en-US" dirty="0" smtClean="0"/>
+          </a:p>
+        </p:txBody>
+      </p:sp>
+      <p:sp>
+        <p:nvSpPr>
+          <p:cNvPr id="2" name="Title 1"/>
           <p:cNvSpPr>
             <a:spLocks noGrp="1"/>
           </p:cNvSpPr>
@@ -41675,7 +45029,7 @@
           <a:p>
             <a:r>
               <a:rPr lang="en-US" dirty="0" smtClean="0"/>
-              <a:t>Neo4J Model</a:t>
+              <a:t>Architecture – Service View (prototype)</a:t>
             </a:r>
             <a:endParaRPr lang="en-US" dirty="0"/>
           </a:p>
@@ -41691,18 +45045,14 @@
             <p:ph type="sldNum" sz="quarter" idx="12"/>
           </p:nvPr>
         </p:nvSpPr>
-        <p:spPr>
-          <a:xfrm>
-            <a:off x="11049000" y="6430868"/>
-            <a:ext cx="533399" cy="232147"/>
-          </a:xfrm>
-        </p:spPr>
+        <p:spPr/>
         <p:txBody>
           <a:bodyPr/>
           <a:lstStyle/>
           <a:p>
             <a:fld id="{B016F8AB-BCEA-4347-8BA6-BE776009BC89}" type="slidenum">
               <a:rPr lang="en-US" smtClean="0"/>
+              <a:pPr/>
               <a:t>4</a:t>
             </a:fld>
             <a:endParaRPr lang="en-US"/>
@@ -41711,18 +45061,115 @@
       </p:sp>
       <p:sp>
         <p:nvSpPr>
-          <p:cNvPr id="42" name="Rounded Rectangle 41"/>
+          <p:cNvPr id="5" name="Rectangle 4"/>
           <p:cNvSpPr/>
           <p:nvPr/>
         </p:nvSpPr>
-        <p:spPr>
+        <p:spPr bwMode="ltGray">
           <a:xfrm>
-            <a:off x="2521015" y="1564770"/>
-            <a:ext cx="1147313" cy="1604513"/>
+            <a:off x="4572161" y="3291775"/>
+            <a:ext cx="5943600" cy="2918527"/>
+          </a:xfrm>
+          <a:prstGeom prst="rect">
+            <a:avLst/>
+          </a:prstGeom>
+          <a:ln/>
+        </p:spPr>
+        <p:style>
+          <a:lnRef idx="2">
+            <a:schemeClr val="accent5"/>
+          </a:lnRef>
+          <a:fillRef idx="1">
+            <a:schemeClr val="lt1"/>
+          </a:fillRef>
+          <a:effectRef idx="0">
+            <a:schemeClr val="accent5"/>
+          </a:effectRef>
+          <a:fontRef idx="minor">
+            <a:schemeClr val="dk1"/>
+          </a:fontRef>
+        </p:style>
+        <p:txBody>
+          <a:bodyPr rtlCol="0" anchor="ctr"/>
+          <a:lstStyle/>
+          <a:p>
+            <a:pPr>
+              <a:lnSpc>
+                <a:spcPct val="90000"/>
+              </a:lnSpc>
+            </a:pPr>
+            <a:endParaRPr lang="en-US" dirty="0" smtClean="0"/>
+          </a:p>
+        </p:txBody>
+      </p:sp>
+      <p:sp>
+        <p:nvSpPr>
+          <p:cNvPr id="7" name="Can 6"/>
+          <p:cNvSpPr/>
+          <p:nvPr/>
+        </p:nvSpPr>
+        <p:spPr bwMode="ltGray">
+          <a:xfrm>
+            <a:off x="1609700" y="4342639"/>
+            <a:ext cx="1876350" cy="648463"/>
+          </a:xfrm>
+          <a:prstGeom prst="can">
+            <a:avLst/>
+          </a:prstGeom>
+          <a:ln/>
+        </p:spPr>
+        <p:style>
+          <a:lnRef idx="1">
+            <a:schemeClr val="accent2"/>
+          </a:lnRef>
+          <a:fillRef idx="3">
+            <a:schemeClr val="accent2"/>
+          </a:fillRef>
+          <a:effectRef idx="2">
+            <a:schemeClr val="accent2"/>
+          </a:effectRef>
+          <a:fontRef idx="minor">
+            <a:schemeClr val="lt1"/>
+          </a:fontRef>
+        </p:style>
+        <p:txBody>
+          <a:bodyPr rtlCol="0" anchor="ctr"/>
+          <a:lstStyle/>
+          <a:p>
+            <a:pPr algn="ctr">
+              <a:lnSpc>
+                <a:spcPct val="90000"/>
+              </a:lnSpc>
+            </a:pPr>
+            <a:r>
+              <a:rPr lang="en-US" dirty="0" smtClean="0"/>
+              <a:t>NEO4J</a:t>
+            </a:r>
+          </a:p>
+        </p:txBody>
+      </p:sp>
+      <p:sp>
+        <p:nvSpPr>
+          <p:cNvPr id="8" name="Rounded Rectangle 7"/>
+          <p:cNvSpPr/>
+          <p:nvPr/>
+        </p:nvSpPr>
+        <p:spPr bwMode="ltGray">
+          <a:xfrm>
+            <a:off x="5632196" y="5173110"/>
+            <a:ext cx="1752600" cy="533400"/>
           </a:xfrm>
           <a:prstGeom prst="roundRect">
             <a:avLst/>
           </a:prstGeom>
+          <a:solidFill>
+            <a:schemeClr val="accent1"/>
+          </a:solidFill>
+          <a:ln w="19050">
+            <a:solidFill>
+              <a:schemeClr val="accent1"/>
+            </a:solidFill>
+          </a:ln>
         </p:spPr>
         <p:style>
           <a:lnRef idx="2">
@@ -41744,52 +45191,40 @@
           <a:bodyPr rtlCol="0" anchor="ctr"/>
           <a:lstStyle/>
           <a:p>
-            <a:pPr algn="ctr"/>
-            <a:r>
-              <a:rPr lang="en-US" dirty="0" smtClean="0"/>
-              <a:t>:NE_DEF</a:t>
-            </a:r>
-          </a:p>
-          <a:p>
-            <a:pPr algn="ctr"/>
-            <a:r>
-              <a:rPr lang="en-US" dirty="0" smtClean="0"/>
-              <a:t>{</a:t>
-            </a:r>
-            <a:r>
-              <a:rPr lang="en-US" altLang="zh-CN" dirty="0" smtClean="0"/>
-              <a:t>ID</a:t>
-            </a:r>
-            <a:r>
-              <a:rPr lang="zh-CN" altLang="en-US" dirty="0" smtClean="0"/>
-              <a:t>： </a:t>
-            </a:r>
-            <a:r>
-              <a:rPr lang="en-US" dirty="0" err="1" smtClean="0"/>
-              <a:t>name:a</a:t>
-            </a:r>
-            <a:r>
-              <a:rPr lang="en-US" dirty="0" smtClean="0"/>
-              <a:t>}</a:t>
-            </a:r>
-            <a:endParaRPr lang="en-US" dirty="0"/>
+            <a:pPr algn="ctr">
+              <a:lnSpc>
+                <a:spcPct val="90000"/>
+              </a:lnSpc>
+            </a:pPr>
+            <a:r>
+              <a:rPr lang="en-US" sz="1600" dirty="0" smtClean="0"/>
+              <a:t>SNMP Collector</a:t>
+            </a:r>
           </a:p>
         </p:txBody>
       </p:sp>
       <p:sp>
         <p:nvSpPr>
-          <p:cNvPr id="43" name="Rounded Rectangle 42"/>
+          <p:cNvPr id="9" name="Rounded Rectangle 8"/>
           <p:cNvSpPr/>
           <p:nvPr/>
         </p:nvSpPr>
-        <p:spPr>
+        <p:spPr bwMode="ltGray">
           <a:xfrm>
-            <a:off x="4020093" y="1555626"/>
-            <a:ext cx="2099097" cy="1604513"/>
+            <a:off x="7735984" y="5156914"/>
+            <a:ext cx="1600200" cy="533400"/>
           </a:xfrm>
           <a:prstGeom prst="roundRect">
             <a:avLst/>
           </a:prstGeom>
+          <a:solidFill>
+            <a:schemeClr val="accent1"/>
+          </a:solidFill>
+          <a:ln w="19050">
+            <a:solidFill>
+              <a:schemeClr val="accent1"/>
+            </a:solidFill>
+          </a:ln>
         </p:spPr>
         <p:style>
           <a:lnRef idx="2">
@@ -41811,74 +45246,94 @@
           <a:bodyPr rtlCol="0" anchor="ctr"/>
           <a:lstStyle/>
           <a:p>
-            <a:pPr algn="ctr"/>
-            <a:r>
-              <a:rPr lang="en-US" dirty="0" smtClean="0"/>
-              <a:t>:KPI_DEF</a:t>
-            </a:r>
-          </a:p>
-          <a:p>
-            <a:pPr algn="ctr"/>
-            <a:r>
-              <a:rPr lang="en-US" dirty="0" smtClean="0"/>
-              <a:t>{</a:t>
-            </a:r>
-          </a:p>
-          <a:p>
-            <a:pPr algn="ctr"/>
-            <a:r>
-              <a:rPr lang="en-US" altLang="zh-CN" dirty="0"/>
-              <a:t>ID</a:t>
-            </a:r>
-            <a:r>
-              <a:rPr lang="zh-CN" altLang="en-US" dirty="0"/>
-              <a:t>：</a:t>
-            </a:r>
-            <a:endParaRPr lang="en-US" dirty="0" smtClean="0"/>
-          </a:p>
-          <a:p>
-            <a:pPr algn="ctr"/>
-            <a:r>
-              <a:rPr lang="en-US" dirty="0" smtClean="0"/>
-              <a:t>name:</a:t>
-            </a:r>
-          </a:p>
-          <a:p>
-            <a:pPr algn="ctr"/>
-            <a:r>
-              <a:rPr lang="en-US" dirty="0" smtClean="0"/>
-              <a:t>Agg:0/1/2</a:t>
-            </a:r>
-          </a:p>
-          <a:p>
-            <a:pPr algn="ctr"/>
-            <a:r>
-              <a:rPr lang="en-US" dirty="0" smtClean="0"/>
-              <a:t>formula}</a:t>
-            </a:r>
-            <a:endParaRPr lang="en-US" dirty="0"/>
+            <a:pPr algn="ctr">
+              <a:lnSpc>
+                <a:spcPct val="90000"/>
+              </a:lnSpc>
+            </a:pPr>
+            <a:r>
+              <a:rPr lang="en-US" sz="1400" dirty="0" smtClean="0"/>
+              <a:t>Standard CSV </a:t>
+            </a:r>
+            <a:r>
+              <a:rPr lang="en-US" sz="1400" dirty="0" smtClean="0"/>
+              <a:t>Collector</a:t>
+            </a:r>
           </a:p>
         </p:txBody>
       </p:sp>
       <p:sp>
         <p:nvSpPr>
-          <p:cNvPr id="44" name="Rounded Rectangle 43"/>
+          <p:cNvPr id="12" name="Rectangle 11"/>
           <p:cNvSpPr/>
           <p:nvPr/>
         </p:nvSpPr>
-        <p:spPr>
+        <p:spPr bwMode="ltGray">
           <a:xfrm>
-            <a:off x="4155919" y="3402319"/>
-            <a:ext cx="2218425" cy="1604513"/>
+            <a:off x="1219039" y="1143000"/>
+            <a:ext cx="9296561" cy="1036490"/>
+          </a:xfrm>
+          <a:prstGeom prst="rect">
+            <a:avLst/>
+          </a:prstGeom>
+          <a:ln/>
+        </p:spPr>
+        <p:style>
+          <a:lnRef idx="2">
+            <a:schemeClr val="accent5"/>
+          </a:lnRef>
+          <a:fillRef idx="1">
+            <a:schemeClr val="lt1"/>
+          </a:fillRef>
+          <a:effectRef idx="0">
+            <a:schemeClr val="accent5"/>
+          </a:effectRef>
+          <a:fontRef idx="minor">
+            <a:schemeClr val="dk1"/>
+          </a:fontRef>
+        </p:style>
+        <p:txBody>
+          <a:bodyPr rtlCol="0" anchor="ctr"/>
+          <a:lstStyle/>
+          <a:p>
+            <a:pPr>
+              <a:lnSpc>
+                <a:spcPct val="90000"/>
+              </a:lnSpc>
+            </a:pPr>
+            <a:r>
+              <a:rPr lang="en-US" dirty="0" smtClean="0"/>
+              <a:t>Web GUI Client</a:t>
+            </a:r>
+            <a:endParaRPr lang="en-US" dirty="0" smtClean="0"/>
+          </a:p>
+        </p:txBody>
+      </p:sp>
+      <p:sp>
+        <p:nvSpPr>
+          <p:cNvPr id="15" name="Rounded Rectangle 14"/>
+          <p:cNvSpPr/>
+          <p:nvPr/>
+        </p:nvSpPr>
+        <p:spPr bwMode="ltGray">
+          <a:xfrm>
+            <a:off x="5618966" y="4400170"/>
+            <a:ext cx="1752600" cy="533400"/>
           </a:xfrm>
           <a:prstGeom prst="roundRect">
             <a:avLst/>
           </a:prstGeom>
           <a:solidFill>
             <a:schemeClr val="accent4">
-              <a:lumMod val="75000"/>
+              <a:lumMod val="20000"/>
+              <a:lumOff val="80000"/>
             </a:schemeClr>
           </a:solidFill>
+          <a:ln w="19050">
+            <a:solidFill>
+              <a:schemeClr val="accent1"/>
+            </a:solidFill>
+          </a:ln>
         </p:spPr>
         <p:style>
           <a:lnRef idx="2">
@@ -41900,60 +45355,40 @@
           <a:bodyPr rtlCol="0" anchor="ctr"/>
           <a:lstStyle/>
           <a:p>
-            <a:pPr algn="ctr"/>
-            <a:r>
-              <a:rPr lang="en-US" dirty="0" smtClean="0"/>
-              <a:t>:</a:t>
-            </a:r>
-            <a:r>
-              <a:rPr lang="en-US" dirty="0" err="1" smtClean="0"/>
-              <a:t>KPI_Value</a:t>
-            </a:r>
-            <a:endParaRPr lang="en-US" dirty="0" smtClean="0"/>
-          </a:p>
-          <a:p>
-            <a:pPr algn="ctr"/>
-            <a:r>
-              <a:rPr lang="en-US" dirty="0" smtClean="0"/>
-              <a:t>{</a:t>
-            </a:r>
-            <a:endParaRPr lang="en-US" altLang="zh-CN" dirty="0" smtClean="0"/>
-          </a:p>
-          <a:p>
-            <a:pPr algn="ctr"/>
-            <a:r>
-              <a:rPr lang="en-US" dirty="0" smtClean="0"/>
-              <a:t>value:</a:t>
-            </a:r>
-          </a:p>
-          <a:p>
-            <a:pPr algn="ctr"/>
-            <a:r>
-              <a:rPr lang="en-US" dirty="0" err="1" smtClean="0"/>
-              <a:t>Ts</a:t>
-            </a:r>
-            <a:r>
-              <a:rPr lang="en-US" dirty="0" smtClean="0"/>
-              <a:t>:}</a:t>
-            </a:r>
-            <a:endParaRPr lang="en-US" dirty="0"/>
+            <a:pPr algn="ctr">
+              <a:lnSpc>
+                <a:spcPct val="90000"/>
+              </a:lnSpc>
+            </a:pPr>
+            <a:r>
+              <a:rPr lang="en-US" dirty="0"/>
+              <a:t>JOB Management</a:t>
+            </a:r>
           </a:p>
         </p:txBody>
       </p:sp>
       <p:sp>
         <p:nvSpPr>
-          <p:cNvPr id="45" name="Rounded Rectangle 44"/>
+          <p:cNvPr id="17" name="Rounded Rectangle 16"/>
           <p:cNvSpPr/>
           <p:nvPr/>
         </p:nvSpPr>
-        <p:spPr>
+        <p:spPr bwMode="ltGray">
           <a:xfrm>
-            <a:off x="7266503" y="919024"/>
-            <a:ext cx="1986951" cy="1604513"/>
+            <a:off x="5600859" y="3627230"/>
+            <a:ext cx="1752600" cy="533400"/>
           </a:xfrm>
           <a:prstGeom prst="roundRect">
             <a:avLst/>
           </a:prstGeom>
+          <a:solidFill>
+            <a:schemeClr val="accent1"/>
+          </a:solidFill>
+          <a:ln w="19050">
+            <a:solidFill>
+              <a:schemeClr val="accent1"/>
+            </a:solidFill>
+          </a:ln>
         </p:spPr>
         <p:style>
           <a:lnRef idx="2">
@@ -41975,268 +45410,41 @@
           <a:bodyPr rtlCol="0" anchor="ctr"/>
           <a:lstStyle/>
           <a:p>
-            <a:pPr algn="ctr"/>
+            <a:pPr algn="ctr">
+              <a:lnSpc>
+                <a:spcPct val="90000"/>
+              </a:lnSpc>
+            </a:pPr>
             <a:r>
               <a:rPr lang="en-US" dirty="0" smtClean="0"/>
-              <a:t>:GRANULARITY</a:t>
-            </a:r>
-          </a:p>
-          <a:p>
-            <a:pPr algn="ctr"/>
-            <a:r>
-              <a:rPr lang="en-US" dirty="0" smtClean="0"/>
-              <a:t>{</a:t>
-            </a:r>
-            <a:r>
-              <a:rPr lang="en-US" altLang="zh-CN" dirty="0" smtClean="0"/>
-              <a:t>ID</a:t>
-            </a:r>
-            <a:r>
-              <a:rPr lang="zh-CN" altLang="en-US" dirty="0" smtClean="0"/>
-              <a:t>：</a:t>
-            </a:r>
-            <a:r>
-              <a:rPr lang="en-US" dirty="0" smtClean="0"/>
-              <a:t>type:}</a:t>
-            </a:r>
-            <a:endParaRPr lang="en-US" dirty="0"/>
-          </a:p>
-        </p:txBody>
-      </p:sp>
-      <p:cxnSp>
-        <p:nvCxnSpPr>
-          <p:cNvPr id="46" name="Straight Arrow Connector 45"/>
-          <p:cNvCxnSpPr>
-            <a:stCxn id="43" idx="2"/>
-            <a:endCxn id="44" idx="0"/>
-          </p:cNvCxnSpPr>
-          <p:nvPr/>
-        </p:nvCxnSpPr>
-        <p:spPr>
-          <a:xfrm>
-            <a:off x="5069642" y="3160139"/>
-            <a:ext cx="195490" cy="242180"/>
-          </a:xfrm>
-          <a:prstGeom prst="straightConnector1">
-            <a:avLst/>
-          </a:prstGeom>
-          <a:ln>
-            <a:tailEnd type="triangle"/>
-          </a:ln>
-        </p:spPr>
-        <p:style>
-          <a:lnRef idx="1">
-            <a:schemeClr val="accent1"/>
-          </a:lnRef>
-          <a:fillRef idx="0">
-            <a:schemeClr val="accent1"/>
-          </a:fillRef>
-          <a:effectRef idx="0">
-            <a:schemeClr val="accent1"/>
-          </a:effectRef>
-          <a:fontRef idx="minor">
-            <a:schemeClr val="tx1"/>
-          </a:fontRef>
-        </p:style>
-      </p:cxnSp>
-      <p:sp>
-        <p:nvSpPr>
-          <p:cNvPr id="47" name="TextBox 46"/>
-          <p:cNvSpPr txBox="1"/>
-          <p:nvPr/>
-        </p:nvSpPr>
-        <p:spPr>
-          <a:xfrm>
-            <a:off x="741872" y="4822166"/>
-            <a:ext cx="237566" cy="369332"/>
-          </a:xfrm>
-          <a:prstGeom prst="rect">
-            <a:avLst/>
-          </a:prstGeom>
-          <a:noFill/>
-        </p:spPr>
-        <p:txBody>
-          <a:bodyPr wrap="none" rtlCol="0">
-            <a:spAutoFit/>
-          </a:bodyPr>
-          <a:lstStyle/>
-          <a:p>
-            <a:r>
-              <a:rPr lang="en-US" dirty="0"/>
-              <a:t> </a:t>
-            </a:r>
+              <a:t>KPI Engine</a:t>
+            </a:r>
+            <a:endParaRPr lang="en-US" dirty="0" smtClean="0"/>
           </a:p>
         </p:txBody>
       </p:sp>
       <p:sp>
         <p:nvSpPr>
-          <p:cNvPr id="48" name="TextBox 47"/>
-          <p:cNvSpPr txBox="1"/>
-          <p:nvPr/>
-        </p:nvSpPr>
-        <p:spPr>
-          <a:xfrm>
-            <a:off x="487157" y="4700343"/>
-            <a:ext cx="2526141" cy="1477328"/>
-          </a:xfrm>
-          <a:prstGeom prst="rect">
-            <a:avLst/>
-          </a:prstGeom>
-          <a:noFill/>
-        </p:spPr>
-        <p:txBody>
-          <a:bodyPr wrap="none" rtlCol="0">
-            <a:spAutoFit/>
-          </a:bodyPr>
-          <a:lstStyle/>
-          <a:p>
-            <a:r>
-              <a:rPr lang="en-US" dirty="0" smtClean="0"/>
-              <a:t>Formula: </a:t>
-            </a:r>
-          </a:p>
-          <a:p>
-            <a:r>
-              <a:rPr lang="en-US" dirty="0" smtClean="0"/>
-              <a:t>0: counter</a:t>
-            </a:r>
-          </a:p>
-          <a:p>
-            <a:r>
-              <a:rPr lang="en-US" dirty="0" smtClean="0"/>
-              <a:t>1: entity </a:t>
-            </a:r>
-            <a:r>
-              <a:rPr lang="en-US" dirty="0" err="1" smtClean="0"/>
-              <a:t>kpi</a:t>
-            </a:r>
-            <a:r>
-              <a:rPr lang="en-US" dirty="0" smtClean="0"/>
-              <a:t>– (k1+k2 )/k3</a:t>
-            </a:r>
-          </a:p>
-          <a:p>
-            <a:r>
-              <a:rPr lang="en-US" dirty="0" smtClean="0"/>
-              <a:t>2. Entity </a:t>
-            </a:r>
-            <a:r>
-              <a:rPr lang="en-US" dirty="0" err="1" smtClean="0"/>
-              <a:t>agg</a:t>
-            </a:r>
-            <a:r>
-              <a:rPr lang="en-US" dirty="0" smtClean="0"/>
-              <a:t> – sum(b.k1)</a:t>
-            </a:r>
-          </a:p>
-          <a:p>
-            <a:r>
-              <a:rPr lang="en-US" dirty="0" smtClean="0"/>
-              <a:t>3. Time </a:t>
-            </a:r>
-            <a:r>
-              <a:rPr lang="en-US" dirty="0" err="1" smtClean="0"/>
-              <a:t>agg</a:t>
-            </a:r>
-            <a:r>
-              <a:rPr lang="en-US" dirty="0" smtClean="0"/>
-              <a:t> – sum (a.k1) </a:t>
-            </a:r>
-            <a:endParaRPr lang="en-US" dirty="0"/>
-          </a:p>
-        </p:txBody>
-      </p:sp>
-      <p:cxnSp>
-        <p:nvCxnSpPr>
-          <p:cNvPr id="49" name="Straight Arrow Connector 48"/>
-          <p:cNvCxnSpPr>
-            <a:stCxn id="42" idx="3"/>
-            <a:endCxn id="43" idx="1"/>
-          </p:cNvCxnSpPr>
-          <p:nvPr/>
-        </p:nvCxnSpPr>
-        <p:spPr>
-          <a:xfrm flipV="1">
-            <a:off x="3668328" y="2357883"/>
-            <a:ext cx="351765" cy="9144"/>
-          </a:xfrm>
-          <a:prstGeom prst="straightConnector1">
-            <a:avLst/>
-          </a:prstGeom>
-          <a:ln>
-            <a:tailEnd type="triangle"/>
-          </a:ln>
-        </p:spPr>
-        <p:style>
-          <a:lnRef idx="1">
-            <a:schemeClr val="accent1"/>
-          </a:lnRef>
-          <a:fillRef idx="0">
-            <a:schemeClr val="accent1"/>
-          </a:fillRef>
-          <a:effectRef idx="0">
-            <a:schemeClr val="accent1"/>
-          </a:effectRef>
-          <a:fontRef idx="minor">
-            <a:schemeClr val="tx1"/>
-          </a:fontRef>
-        </p:style>
-      </p:cxnSp>
-      <p:cxnSp>
-        <p:nvCxnSpPr>
-          <p:cNvPr id="50" name="Straight Arrow Connector 49"/>
-          <p:cNvCxnSpPr>
-            <a:stCxn id="45" idx="1"/>
-            <a:endCxn id="43" idx="3"/>
-          </p:cNvCxnSpPr>
-          <p:nvPr/>
-        </p:nvCxnSpPr>
-        <p:spPr>
-          <a:xfrm flipH="1">
-            <a:off x="6119190" y="1721281"/>
-            <a:ext cx="1147313" cy="636602"/>
-          </a:xfrm>
-          <a:prstGeom prst="straightConnector1">
-            <a:avLst/>
-          </a:prstGeom>
-          <a:ln>
-            <a:tailEnd type="triangle"/>
-          </a:ln>
-        </p:spPr>
-        <p:style>
-          <a:lnRef idx="1">
-            <a:schemeClr val="accent1"/>
-          </a:lnRef>
-          <a:fillRef idx="0">
-            <a:schemeClr val="accent1"/>
-          </a:fillRef>
-          <a:effectRef idx="0">
-            <a:schemeClr val="accent1"/>
-          </a:effectRef>
-          <a:fontRef idx="minor">
-            <a:schemeClr val="tx1"/>
-          </a:fontRef>
-        </p:style>
-      </p:cxnSp>
-      <p:sp>
-        <p:nvSpPr>
-          <p:cNvPr id="51" name="Rounded Rectangle 50"/>
+          <p:cNvPr id="18" name="Rounded Rectangle 17"/>
           <p:cNvSpPr/>
           <p:nvPr/>
         </p:nvSpPr>
-        <p:spPr>
+        <p:spPr bwMode="ltGray">
           <a:xfrm>
-            <a:off x="2521016" y="3433366"/>
-            <a:ext cx="1147313" cy="1604513"/>
+            <a:off x="7620160" y="3627230"/>
+            <a:ext cx="1752600" cy="1161287"/>
           </a:xfrm>
           <a:prstGeom prst="roundRect">
             <a:avLst/>
           </a:prstGeom>
           <a:solidFill>
-            <a:schemeClr val="accent4">
-              <a:lumMod val="75000"/>
-            </a:schemeClr>
+            <a:schemeClr val="accent1"/>
           </a:solidFill>
+          <a:ln w="19050">
+            <a:solidFill>
+              <a:schemeClr val="accent1"/>
+            </a:solidFill>
+          </a:ln>
         </p:spPr>
         <p:style>
           <a:lnRef idx="2">
@@ -42258,85 +45466,63 @@
           <a:bodyPr rtlCol="0" anchor="ctr"/>
           <a:lstStyle/>
           <a:p>
-            <a:pPr algn="ctr"/>
+            <a:pPr algn="ctr">
+              <a:lnSpc>
+                <a:spcPct val="90000"/>
+              </a:lnSpc>
+            </a:pPr>
             <a:r>
               <a:rPr lang="en-US" dirty="0" smtClean="0"/>
-              <a:t>:NE{</a:t>
+              <a:t>Threshold </a:t>
+            </a:r>
+            <a:r>
+              <a:rPr lang="en-US" dirty="0" smtClean="0"/>
+              <a:t>Engine</a:t>
+            </a:r>
+            <a:r>
+              <a:rPr lang="en-US" dirty="0" smtClean="0"/>
+              <a:t>(Condition</a:t>
+            </a:r>
+            <a:r>
+              <a:rPr lang="en-US" dirty="0" smtClean="0"/>
+              <a:t>/</a:t>
             </a:r>
           </a:p>
           <a:p>
-            <a:pPr algn="ctr"/>
-            <a:r>
-              <a:rPr lang="en-US" altLang="zh-CN" dirty="0" smtClean="0"/>
-              <a:t>ID</a:t>
-            </a:r>
-            <a:r>
-              <a:rPr lang="zh-CN" altLang="en-US" dirty="0" smtClean="0"/>
-              <a:t>： </a:t>
-            </a:r>
+            <a:pPr algn="ctr">
+              <a:lnSpc>
+                <a:spcPct val="90000"/>
+              </a:lnSpc>
+            </a:pPr>
             <a:r>
               <a:rPr lang="en-US" dirty="0" smtClean="0"/>
-              <a:t>name:a1}</a:t>
-            </a:r>
-            <a:endParaRPr lang="en-US" dirty="0"/>
+              <a:t>Action)</a:t>
+            </a:r>
           </a:p>
         </p:txBody>
       </p:sp>
-      <p:cxnSp>
-        <p:nvCxnSpPr>
-          <p:cNvPr id="52" name="Straight Arrow Connector 51"/>
-          <p:cNvCxnSpPr>
-            <a:stCxn id="42" idx="2"/>
-            <a:endCxn id="51" idx="0"/>
-          </p:cNvCxnSpPr>
-          <p:nvPr/>
-        </p:nvCxnSpPr>
-        <p:spPr>
-          <a:xfrm>
-            <a:off x="3094672" y="3169283"/>
-            <a:ext cx="1" cy="264083"/>
-          </a:xfrm>
-          <a:prstGeom prst="straightConnector1">
-            <a:avLst/>
-          </a:prstGeom>
-          <a:ln>
-            <a:tailEnd type="triangle"/>
-          </a:ln>
-        </p:spPr>
-        <p:style>
-          <a:lnRef idx="1">
-            <a:schemeClr val="accent1"/>
-          </a:lnRef>
-          <a:fillRef idx="0">
-            <a:schemeClr val="accent1"/>
-          </a:fillRef>
-          <a:effectRef idx="0">
-            <a:schemeClr val="accent1"/>
-          </a:effectRef>
-          <a:fontRef idx="minor">
-            <a:schemeClr val="tx1"/>
-          </a:fontRef>
-        </p:style>
-      </p:cxnSp>
       <p:sp>
         <p:nvSpPr>
-          <p:cNvPr id="53" name="Rounded Rectangle 52"/>
+          <p:cNvPr id="19" name="Left-Right Arrow 18"/>
           <p:cNvSpPr/>
           <p:nvPr/>
         </p:nvSpPr>
-        <p:spPr>
+        <p:spPr bwMode="ltGray">
           <a:xfrm>
-            <a:off x="703526" y="2953448"/>
-            <a:ext cx="1147313" cy="1604513"/>
+            <a:off x="3528220" y="4552132"/>
+            <a:ext cx="1653540" cy="196950"/>
           </a:xfrm>
-          <a:prstGeom prst="roundRect">
+          <a:prstGeom prst="leftRightArrow">
             <a:avLst/>
           </a:prstGeom>
           <a:solidFill>
-            <a:schemeClr val="accent4">
-              <a:lumMod val="75000"/>
-            </a:schemeClr>
+            <a:schemeClr val="tx1"/>
           </a:solidFill>
+          <a:ln w="19050">
+            <a:solidFill>
+              <a:schemeClr val="accent1"/>
+            </a:solidFill>
+          </a:ln>
         </p:spPr>
         <p:style>
           <a:lnRef idx="2">
@@ -42358,44 +45544,37 @@
           <a:bodyPr rtlCol="0" anchor="ctr"/>
           <a:lstStyle/>
           <a:p>
-            <a:pPr algn="ctr"/>
-            <a:r>
-              <a:rPr lang="en-US" dirty="0" smtClean="0"/>
-              <a:t>:NE{</a:t>
-            </a:r>
-          </a:p>
-          <a:p>
-            <a:pPr algn="ctr"/>
-            <a:r>
-              <a:rPr lang="en-US" altLang="zh-CN" dirty="0" smtClean="0"/>
-              <a:t>ID</a:t>
-            </a:r>
-            <a:r>
-              <a:rPr lang="zh-CN" altLang="en-US" dirty="0" smtClean="0"/>
-              <a:t>： </a:t>
-            </a:r>
-            <a:r>
-              <a:rPr lang="en-US" dirty="0" smtClean="0"/>
-              <a:t>name:b1}</a:t>
-            </a:r>
-            <a:endParaRPr lang="en-US" dirty="0"/>
+            <a:pPr algn="ctr">
+              <a:lnSpc>
+                <a:spcPct val="90000"/>
+              </a:lnSpc>
+            </a:pPr>
+            <a:endParaRPr lang="en-US" dirty="0" err="1" smtClean="0"/>
           </a:p>
         </p:txBody>
       </p:sp>
       <p:sp>
         <p:nvSpPr>
-          <p:cNvPr id="54" name="Rounded Rectangle 53"/>
+          <p:cNvPr id="20" name="Rounded Rectangle 19"/>
           <p:cNvSpPr/>
           <p:nvPr/>
         </p:nvSpPr>
-        <p:spPr>
+        <p:spPr bwMode="ltGray">
           <a:xfrm>
-            <a:off x="741872" y="1102550"/>
-            <a:ext cx="1147313" cy="1604513"/>
+            <a:off x="4805150" y="1301573"/>
+            <a:ext cx="1654093" cy="612923"/>
           </a:xfrm>
           <a:prstGeom prst="roundRect">
             <a:avLst/>
           </a:prstGeom>
+          <a:solidFill>
+            <a:schemeClr val="accent1"/>
+          </a:solidFill>
+          <a:ln w="19050">
+            <a:solidFill>
+              <a:schemeClr val="accent1"/>
+            </a:solidFill>
+          </a:ln>
         </p:spPr>
         <p:style>
           <a:lnRef idx="2">
@@ -42417,218 +45596,41 @@
           <a:bodyPr rtlCol="0" anchor="ctr"/>
           <a:lstStyle/>
           <a:p>
-            <a:pPr algn="ctr"/>
-            <a:r>
-              <a:rPr lang="en-US" dirty="0" smtClean="0"/>
-              <a:t>:NE_DEF</a:t>
-            </a:r>
-          </a:p>
-          <a:p>
-            <a:pPr algn="ctr"/>
-            <a:r>
-              <a:rPr lang="en-US" dirty="0" smtClean="0"/>
-              <a:t>{</a:t>
-            </a:r>
-            <a:r>
-              <a:rPr lang="en-US" altLang="zh-CN" dirty="0" smtClean="0"/>
-              <a:t>ID</a:t>
-            </a:r>
-            <a:r>
-              <a:rPr lang="zh-CN" altLang="en-US" dirty="0" smtClean="0"/>
-              <a:t>： </a:t>
-            </a:r>
-            <a:r>
-              <a:rPr lang="en-US" dirty="0" err="1" smtClean="0"/>
-              <a:t>name:b</a:t>
-            </a:r>
-            <a:r>
-              <a:rPr lang="en-US" dirty="0" smtClean="0"/>
-              <a:t>}</a:t>
-            </a:r>
-            <a:endParaRPr lang="en-US" dirty="0"/>
-          </a:p>
-        </p:txBody>
-      </p:sp>
-      <p:cxnSp>
-        <p:nvCxnSpPr>
-          <p:cNvPr id="55" name="Straight Arrow Connector 54"/>
-          <p:cNvCxnSpPr>
-            <a:stCxn id="54" idx="3"/>
-            <a:endCxn id="42" idx="1"/>
-          </p:cNvCxnSpPr>
-          <p:nvPr/>
-        </p:nvCxnSpPr>
-        <p:spPr>
-          <a:xfrm>
-            <a:off x="1889185" y="1904807"/>
-            <a:ext cx="631830" cy="462220"/>
-          </a:xfrm>
-          <a:prstGeom prst="straightConnector1">
-            <a:avLst/>
-          </a:prstGeom>
-          <a:ln>
-            <a:tailEnd type="triangle"/>
-          </a:ln>
-        </p:spPr>
-        <p:style>
-          <a:lnRef idx="1">
-            <a:schemeClr val="accent1"/>
-          </a:lnRef>
-          <a:fillRef idx="0">
-            <a:schemeClr val="accent1"/>
-          </a:fillRef>
-          <a:effectRef idx="0">
-            <a:schemeClr val="accent1"/>
-          </a:effectRef>
-          <a:fontRef idx="minor">
-            <a:schemeClr val="tx1"/>
-          </a:fontRef>
-        </p:style>
-      </p:cxnSp>
-      <p:cxnSp>
-        <p:nvCxnSpPr>
-          <p:cNvPr id="56" name="Straight Arrow Connector 55"/>
-          <p:cNvCxnSpPr>
-            <a:stCxn id="53" idx="3"/>
-            <a:endCxn id="51" idx="1"/>
-          </p:cNvCxnSpPr>
-          <p:nvPr/>
-        </p:nvCxnSpPr>
-        <p:spPr>
-          <a:xfrm>
-            <a:off x="1850839" y="3755705"/>
-            <a:ext cx="670177" cy="479918"/>
-          </a:xfrm>
-          <a:prstGeom prst="straightConnector1">
-            <a:avLst/>
-          </a:prstGeom>
-          <a:ln>
-            <a:tailEnd type="triangle"/>
-          </a:ln>
-        </p:spPr>
-        <p:style>
-          <a:lnRef idx="1">
-            <a:schemeClr val="accent1"/>
-          </a:lnRef>
-          <a:fillRef idx="0">
-            <a:schemeClr val="accent1"/>
-          </a:fillRef>
-          <a:effectRef idx="0">
-            <a:schemeClr val="accent1"/>
-          </a:effectRef>
-          <a:fontRef idx="minor">
-            <a:schemeClr val="tx1"/>
-          </a:fontRef>
-        </p:style>
-      </p:cxnSp>
-      <p:cxnSp>
-        <p:nvCxnSpPr>
-          <p:cNvPr id="57" name="Straight Arrow Connector 56"/>
-          <p:cNvCxnSpPr>
-            <a:stCxn id="51" idx="3"/>
-            <a:endCxn id="44" idx="1"/>
-          </p:cNvCxnSpPr>
-          <p:nvPr/>
-        </p:nvCxnSpPr>
-        <p:spPr>
-          <a:xfrm flipV="1">
-            <a:off x="3668329" y="4204576"/>
-            <a:ext cx="487590" cy="31047"/>
-          </a:xfrm>
-          <a:prstGeom prst="straightConnector1">
-            <a:avLst/>
-          </a:prstGeom>
-          <a:ln>
-            <a:tailEnd type="triangle"/>
-          </a:ln>
-        </p:spPr>
-        <p:style>
-          <a:lnRef idx="1">
-            <a:schemeClr val="accent1"/>
-          </a:lnRef>
-          <a:fillRef idx="0">
-            <a:schemeClr val="accent1"/>
-          </a:fillRef>
-          <a:effectRef idx="0">
-            <a:schemeClr val="accent1"/>
-          </a:effectRef>
-          <a:fontRef idx="minor">
-            <a:schemeClr val="tx1"/>
-          </a:fontRef>
-        </p:style>
-      </p:cxnSp>
-      <p:sp>
-        <p:nvSpPr>
-          <p:cNvPr id="58" name="TextBox 57"/>
-          <p:cNvSpPr txBox="1"/>
-          <p:nvPr/>
-        </p:nvSpPr>
-        <p:spPr>
-          <a:xfrm>
-            <a:off x="5115464" y="5030637"/>
-            <a:ext cx="3544560" cy="923330"/>
-          </a:xfrm>
-          <a:prstGeom prst="rect">
-            <a:avLst/>
-          </a:prstGeom>
-          <a:noFill/>
-        </p:spPr>
-        <p:txBody>
-          <a:bodyPr wrap="none" rtlCol="0">
-            <a:spAutoFit/>
-          </a:bodyPr>
-          <a:lstStyle/>
-          <a:p>
-            <a:r>
-              <a:rPr lang="en-US" dirty="0" smtClean="0"/>
-              <a:t>How to trigger calculation:?</a:t>
-            </a:r>
-          </a:p>
-          <a:p>
-            <a:r>
-              <a:rPr lang="en-US" dirty="0" smtClean="0"/>
-              <a:t>JOB management:  { id, </a:t>
-            </a:r>
-            <a:r>
-              <a:rPr lang="en-US" dirty="0" err="1" smtClean="0"/>
-              <a:t>kpiid</a:t>
-            </a:r>
-            <a:r>
-              <a:rPr lang="en-US" dirty="0" smtClean="0"/>
-              <a:t>, </a:t>
-            </a:r>
-            <a:r>
-              <a:rPr lang="en-US" dirty="0" err="1" smtClean="0"/>
-              <a:t>ts</a:t>
-            </a:r>
-            <a:r>
-              <a:rPr lang="en-US" dirty="0"/>
-              <a:t>}</a:t>
-            </a:r>
-            <a:endParaRPr lang="en-US" dirty="0" smtClean="0"/>
-          </a:p>
-          <a:p>
-            <a:r>
-              <a:rPr lang="en-US" dirty="0" smtClean="0"/>
-              <a:t>Threshold:</a:t>
-            </a:r>
+            <a:pPr algn="ctr">
+              <a:lnSpc>
+                <a:spcPct val="90000"/>
+              </a:lnSpc>
+            </a:pPr>
+            <a:r>
+              <a:rPr lang="en-US" sz="1600" dirty="0" smtClean="0"/>
+              <a:t>Collector Manage Widget</a:t>
+            </a:r>
+            <a:endParaRPr lang="en-US" sz="1600" dirty="0" smtClean="0"/>
           </a:p>
         </p:txBody>
       </p:sp>
       <p:sp>
         <p:nvSpPr>
-          <p:cNvPr id="59" name="Rounded Rectangle 58"/>
+          <p:cNvPr id="22" name="Rounded Rectangle 21"/>
           <p:cNvSpPr/>
           <p:nvPr/>
         </p:nvSpPr>
-        <p:spPr>
+        <p:spPr bwMode="ltGray">
           <a:xfrm>
-            <a:off x="9112370" y="2921476"/>
-            <a:ext cx="1986951" cy="1604513"/>
+            <a:off x="3034122" y="1299768"/>
+            <a:ext cx="1585743" cy="649188"/>
           </a:xfrm>
           <a:prstGeom prst="roundRect">
             <a:avLst/>
           </a:prstGeom>
+          <a:solidFill>
+            <a:schemeClr val="accent1"/>
+          </a:solidFill>
+          <a:ln w="19050">
+            <a:solidFill>
+              <a:schemeClr val="accent1"/>
+            </a:solidFill>
+          </a:ln>
         </p:spPr>
         <p:style>
           <a:lnRef idx="2">
@@ -42650,138 +45652,782 @@
           <a:bodyPr rtlCol="0" anchor="ctr"/>
           <a:lstStyle/>
           <a:p>
-            <a:pPr algn="ctr"/>
-            <a:r>
-              <a:rPr lang="en-US" dirty="0" smtClean="0"/>
-              <a:t>:THRESTHOLD</a:t>
-            </a:r>
-          </a:p>
-          <a:p>
-            <a:pPr algn="ctr"/>
-            <a:r>
-              <a:rPr lang="en-US" dirty="0" smtClean="0"/>
-              <a:t>{</a:t>
-            </a:r>
-            <a:r>
-              <a:rPr lang="en-US" altLang="zh-CN" dirty="0" smtClean="0"/>
-              <a:t>ID</a:t>
-            </a:r>
-            <a:r>
-              <a:rPr lang="zh-CN" altLang="en-US" dirty="0" smtClean="0"/>
-              <a:t>：</a:t>
-            </a:r>
-            <a:r>
-              <a:rPr lang="en-US" dirty="0" smtClean="0"/>
-              <a:t>type: filter}</a:t>
-            </a:r>
-            <a:endParaRPr lang="en-US" dirty="0"/>
+            <a:pPr algn="ctr">
+              <a:lnSpc>
+                <a:spcPct val="90000"/>
+              </a:lnSpc>
+            </a:pPr>
+            <a:r>
+              <a:rPr lang="en-US" sz="1600" dirty="0" smtClean="0"/>
+              <a:t>KPI Manage Widgets</a:t>
+            </a:r>
+            <a:endParaRPr lang="en-US" sz="1600" dirty="0" smtClean="0"/>
           </a:p>
         </p:txBody>
       </p:sp>
-      <p:cxnSp>
-        <p:nvCxnSpPr>
-          <p:cNvPr id="60" name="Straight Arrow Connector 59"/>
-          <p:cNvCxnSpPr>
-            <a:stCxn id="59" idx="1"/>
-            <a:endCxn id="43" idx="3"/>
-          </p:cNvCxnSpPr>
+      <p:sp>
+        <p:nvSpPr>
+          <p:cNvPr id="23" name="Rounded Rectangle 22"/>
+          <p:cNvSpPr/>
           <p:nvPr/>
-        </p:nvCxnSpPr>
-        <p:spPr>
-          <a:xfrm flipH="1" flipV="1">
-            <a:off x="6119190" y="2357883"/>
-            <a:ext cx="2993180" cy="1365850"/>
+        </p:nvSpPr>
+        <p:spPr bwMode="ltGray">
+          <a:xfrm>
+            <a:off x="8656551" y="1244100"/>
+            <a:ext cx="1752600" cy="756978"/>
           </a:xfrm>
-          <a:prstGeom prst="straightConnector1">
+          <a:prstGeom prst="roundRect">
             <a:avLst/>
           </a:prstGeom>
-          <a:ln>
-            <a:tailEnd type="triangle"/>
+          <a:solidFill>
+            <a:schemeClr val="accent4">
+              <a:lumMod val="20000"/>
+              <a:lumOff val="80000"/>
+            </a:schemeClr>
+          </a:solidFill>
+          <a:ln w="19050">
+            <a:solidFill>
+              <a:schemeClr val="accent1"/>
+            </a:solidFill>
           </a:ln>
         </p:spPr>
         <p:style>
-          <a:lnRef idx="1">
-            <a:schemeClr val="accent1"/>
+          <a:lnRef idx="2">
+            <a:schemeClr val="accent1">
+              <a:shade val="50000"/>
+            </a:schemeClr>
           </a:lnRef>
-          <a:fillRef idx="0">
+          <a:fillRef idx="1">
             <a:schemeClr val="accent1"/>
           </a:fillRef>
           <a:effectRef idx="0">
             <a:schemeClr val="accent1"/>
           </a:effectRef>
           <a:fontRef idx="minor">
-            <a:schemeClr val="tx1"/>
+            <a:schemeClr val="lt1"/>
           </a:fontRef>
         </p:style>
-      </p:cxnSp>
-      <p:cxnSp>
-        <p:nvCxnSpPr>
-          <p:cNvPr id="63" name="Straight Arrow Connector 62"/>
-          <p:cNvCxnSpPr>
-            <a:stCxn id="54" idx="2"/>
-            <a:endCxn id="53" idx="0"/>
-          </p:cNvCxnSpPr>
+        <p:txBody>
+          <a:bodyPr rtlCol="0" anchor="ctr"/>
+          <a:lstStyle/>
+          <a:p>
+            <a:pPr algn="ctr">
+              <a:lnSpc>
+                <a:spcPct val="90000"/>
+              </a:lnSpc>
+            </a:pPr>
+            <a:r>
+              <a:rPr lang="en-US" dirty="0" smtClean="0"/>
+              <a:t>Model Designer</a:t>
+            </a:r>
+          </a:p>
+        </p:txBody>
+      </p:sp>
+      <p:sp>
+        <p:nvSpPr>
+          <p:cNvPr id="38" name="TextBox 37"/>
+          <p:cNvSpPr txBox="1"/>
           <p:nvPr/>
-        </p:nvCxnSpPr>
+        </p:nvSpPr>
         <p:spPr>
-          <a:xfrm flipH="1">
-            <a:off x="1277183" y="2707063"/>
-            <a:ext cx="38346" cy="246385"/>
+          <a:xfrm>
+            <a:off x="4066173" y="4429045"/>
+            <a:ext cx="439353" cy="181057"/>
           </a:xfrm>
-          <a:prstGeom prst="straightConnector1">
+          <a:prstGeom prst="rect">
             <a:avLst/>
           </a:prstGeom>
+          <a:noFill/>
+        </p:spPr>
+        <p:txBody>
+          <a:bodyPr wrap="none" lIns="0" tIns="0" rIns="0" bIns="0" rtlCol="0">
+            <a:noAutofit/>
+          </a:bodyPr>
+          <a:lstStyle/>
+          <a:p>
+            <a:pPr>
+              <a:lnSpc>
+                <a:spcPct val="90000"/>
+              </a:lnSpc>
+            </a:pPr>
+            <a:r>
+              <a:rPr lang="en-US" sz="1200" b="1" dirty="0" smtClean="0">
+                <a:ln w="12700">
+                  <a:solidFill>
+                    <a:schemeClr val="accent3">
+                      <a:lumMod val="50000"/>
+                    </a:schemeClr>
+                  </a:solidFill>
+                  <a:prstDash val="solid"/>
+                </a:ln>
+                <a:pattFill prst="narHorz">
+                  <a:fgClr>
+                    <a:schemeClr val="accent3"/>
+                  </a:fgClr>
+                  <a:bgClr>
+                    <a:schemeClr val="accent3">
+                      <a:lumMod val="40000"/>
+                      <a:lumOff val="60000"/>
+                    </a:schemeClr>
+                  </a:bgClr>
+                </a:pattFill>
+                <a:effectLst>
+                  <a:innerShdw blurRad="177800">
+                    <a:schemeClr val="accent3">
+                      <a:lumMod val="50000"/>
+                    </a:schemeClr>
+                  </a:innerShdw>
+                </a:effectLst>
+              </a:rPr>
+              <a:t>REST</a:t>
+            </a:r>
+            <a:endParaRPr lang="en-US" sz="1200" b="1" dirty="0">
+              <a:ln w="12700">
+                <a:solidFill>
+                  <a:schemeClr val="accent3">
+                    <a:lumMod val="50000"/>
+                  </a:schemeClr>
+                </a:solidFill>
+                <a:prstDash val="solid"/>
+              </a:ln>
+              <a:pattFill prst="narHorz">
+                <a:fgClr>
+                  <a:schemeClr val="accent3"/>
+                </a:fgClr>
+                <a:bgClr>
+                  <a:schemeClr val="accent3">
+                    <a:lumMod val="40000"/>
+                    <a:lumOff val="60000"/>
+                  </a:schemeClr>
+                </a:bgClr>
+              </a:pattFill>
+              <a:effectLst>
+                <a:innerShdw blurRad="177800">
+                  <a:schemeClr val="accent3">
+                    <a:lumMod val="50000"/>
+                  </a:schemeClr>
+                </a:innerShdw>
+              </a:effectLst>
+            </a:endParaRPr>
+          </a:p>
+        </p:txBody>
+      </p:sp>
+      <p:sp>
+        <p:nvSpPr>
+          <p:cNvPr id="40" name="Up-Down Arrow 39"/>
+          <p:cNvSpPr/>
+          <p:nvPr/>
+        </p:nvSpPr>
+        <p:spPr bwMode="ltGray">
+          <a:xfrm>
+            <a:off x="6495266" y="2910611"/>
+            <a:ext cx="244513" cy="602842"/>
+          </a:xfrm>
+          <a:prstGeom prst="upDownArrow">
+            <a:avLst/>
+          </a:prstGeom>
+          <a:solidFill>
+            <a:schemeClr val="accent1"/>
+          </a:solidFill>
           <a:ln w="19050">
             <a:solidFill>
-              <a:schemeClr val="tx1"/>
+              <a:schemeClr val="accent1"/>
             </a:solidFill>
-            <a:tailEnd type="triangle"/>
           </a:ln>
         </p:spPr>
         <p:style>
-          <a:lnRef idx="1">
-            <a:schemeClr val="accent1"/>
+          <a:lnRef idx="2">
+            <a:schemeClr val="accent1">
+              <a:shade val="50000"/>
+            </a:schemeClr>
           </a:lnRef>
-          <a:fillRef idx="0">
+          <a:fillRef idx="1">
             <a:schemeClr val="accent1"/>
           </a:fillRef>
           <a:effectRef idx="0">
             <a:schemeClr val="accent1"/>
           </a:effectRef>
           <a:fontRef idx="minor">
-            <a:schemeClr val="tx1"/>
+            <a:schemeClr val="lt1"/>
           </a:fontRef>
         </p:style>
-      </p:cxnSp>
+        <p:txBody>
+          <a:bodyPr rtlCol="0" anchor="ctr"/>
+          <a:lstStyle/>
+          <a:p>
+            <a:pPr algn="ctr">
+              <a:lnSpc>
+                <a:spcPct val="90000"/>
+              </a:lnSpc>
+            </a:pPr>
+            <a:endParaRPr lang="en-US" dirty="0" err="1" smtClean="0"/>
+          </a:p>
+        </p:txBody>
+      </p:sp>
+      <p:sp>
+        <p:nvSpPr>
+          <p:cNvPr id="41" name="TextBox 40"/>
+          <p:cNvSpPr txBox="1"/>
+          <p:nvPr/>
+        </p:nvSpPr>
+        <p:spPr>
+          <a:xfrm>
+            <a:off x="6739779" y="3154129"/>
+            <a:ext cx="439353" cy="181057"/>
+          </a:xfrm>
+          <a:prstGeom prst="rect">
+            <a:avLst/>
+          </a:prstGeom>
+          <a:noFill/>
+        </p:spPr>
+        <p:txBody>
+          <a:bodyPr wrap="none" lIns="0" tIns="0" rIns="0" bIns="0" rtlCol="0">
+            <a:noAutofit/>
+          </a:bodyPr>
+          <a:lstStyle/>
+          <a:p>
+            <a:pPr>
+              <a:lnSpc>
+                <a:spcPct val="90000"/>
+              </a:lnSpc>
+            </a:pPr>
+            <a:r>
+              <a:rPr lang="en-US" sz="1200" b="1" dirty="0" smtClean="0">
+                <a:ln w="12700">
+                  <a:solidFill>
+                    <a:schemeClr val="accent3">
+                      <a:lumMod val="50000"/>
+                    </a:schemeClr>
+                  </a:solidFill>
+                  <a:prstDash val="solid"/>
+                </a:ln>
+                <a:pattFill prst="narHorz">
+                  <a:fgClr>
+                    <a:schemeClr val="accent3"/>
+                  </a:fgClr>
+                  <a:bgClr>
+                    <a:schemeClr val="accent3">
+                      <a:lumMod val="40000"/>
+                      <a:lumOff val="60000"/>
+                    </a:schemeClr>
+                  </a:bgClr>
+                </a:pattFill>
+                <a:effectLst>
+                  <a:innerShdw blurRad="177800">
+                    <a:schemeClr val="accent3">
+                      <a:lumMod val="50000"/>
+                    </a:schemeClr>
+                  </a:innerShdw>
+                </a:effectLst>
+              </a:rPr>
+              <a:t>REST</a:t>
+            </a:r>
+            <a:endParaRPr lang="en-US" sz="1200" b="1" dirty="0">
+              <a:ln w="12700">
+                <a:solidFill>
+                  <a:schemeClr val="accent3">
+                    <a:lumMod val="50000"/>
+                  </a:schemeClr>
+                </a:solidFill>
+                <a:prstDash val="solid"/>
+              </a:ln>
+              <a:pattFill prst="narHorz">
+                <a:fgClr>
+                  <a:schemeClr val="accent3"/>
+                </a:fgClr>
+                <a:bgClr>
+                  <a:schemeClr val="accent3">
+                    <a:lumMod val="40000"/>
+                    <a:lumOff val="60000"/>
+                  </a:schemeClr>
+                </a:bgClr>
+              </a:pattFill>
+              <a:effectLst>
+                <a:innerShdw blurRad="177800">
+                  <a:schemeClr val="accent3">
+                    <a:lumMod val="50000"/>
+                  </a:schemeClr>
+                </a:innerShdw>
+              </a:effectLst>
+            </a:endParaRPr>
+          </a:p>
+        </p:txBody>
+      </p:sp>
+      <p:sp>
+        <p:nvSpPr>
+          <p:cNvPr id="43" name="Up-Down Arrow 42"/>
+          <p:cNvSpPr/>
+          <p:nvPr/>
+        </p:nvSpPr>
+        <p:spPr bwMode="ltGray">
+          <a:xfrm>
+            <a:off x="5040018" y="1956781"/>
+            <a:ext cx="218373" cy="457962"/>
+          </a:xfrm>
+          <a:prstGeom prst="upDownArrow">
+            <a:avLst/>
+          </a:prstGeom>
+          <a:solidFill>
+            <a:schemeClr val="accent1"/>
+          </a:solidFill>
+          <a:ln w="19050">
+            <a:solidFill>
+              <a:schemeClr val="accent1"/>
+            </a:solidFill>
+          </a:ln>
+        </p:spPr>
+        <p:style>
+          <a:lnRef idx="2">
+            <a:schemeClr val="accent1">
+              <a:shade val="50000"/>
+            </a:schemeClr>
+          </a:lnRef>
+          <a:fillRef idx="1">
+            <a:schemeClr val="accent1"/>
+          </a:fillRef>
+          <a:effectRef idx="0">
+            <a:schemeClr val="accent1"/>
+          </a:effectRef>
+          <a:fontRef idx="minor">
+            <a:schemeClr val="lt1"/>
+          </a:fontRef>
+        </p:style>
+        <p:txBody>
+          <a:bodyPr rtlCol="0" anchor="ctr"/>
+          <a:lstStyle/>
+          <a:p>
+            <a:pPr algn="ctr">
+              <a:lnSpc>
+                <a:spcPct val="90000"/>
+              </a:lnSpc>
+            </a:pPr>
+            <a:endParaRPr lang="en-US" dirty="0" err="1" smtClean="0"/>
+          </a:p>
+        </p:txBody>
+      </p:sp>
+      <p:sp>
+        <p:nvSpPr>
+          <p:cNvPr id="44" name="TextBox 43"/>
+          <p:cNvSpPr txBox="1"/>
+          <p:nvPr/>
+        </p:nvSpPr>
+        <p:spPr>
+          <a:xfrm>
+            <a:off x="5258391" y="2105795"/>
+            <a:ext cx="439353" cy="181057"/>
+          </a:xfrm>
+          <a:prstGeom prst="rect">
+            <a:avLst/>
+          </a:prstGeom>
+          <a:noFill/>
+        </p:spPr>
+        <p:txBody>
+          <a:bodyPr wrap="none" lIns="0" tIns="0" rIns="0" bIns="0" rtlCol="0">
+            <a:noAutofit/>
+          </a:bodyPr>
+          <a:lstStyle/>
+          <a:p>
+            <a:pPr>
+              <a:lnSpc>
+                <a:spcPct val="90000"/>
+              </a:lnSpc>
+            </a:pPr>
+            <a:r>
+              <a:rPr lang="en-US" sz="1200" b="1" dirty="0" smtClean="0">
+                <a:ln w="12700">
+                  <a:solidFill>
+                    <a:schemeClr val="accent3">
+                      <a:lumMod val="50000"/>
+                    </a:schemeClr>
+                  </a:solidFill>
+                  <a:prstDash val="solid"/>
+                </a:ln>
+                <a:pattFill prst="narHorz">
+                  <a:fgClr>
+                    <a:schemeClr val="accent3"/>
+                  </a:fgClr>
+                  <a:bgClr>
+                    <a:schemeClr val="accent3">
+                      <a:lumMod val="40000"/>
+                      <a:lumOff val="60000"/>
+                    </a:schemeClr>
+                  </a:bgClr>
+                </a:pattFill>
+                <a:effectLst>
+                  <a:innerShdw blurRad="177800">
+                    <a:schemeClr val="accent3">
+                      <a:lumMod val="50000"/>
+                    </a:schemeClr>
+                  </a:innerShdw>
+                </a:effectLst>
+              </a:rPr>
+              <a:t>REST</a:t>
+            </a:r>
+            <a:endParaRPr lang="en-US" sz="1200" b="1" dirty="0">
+              <a:ln w="12700">
+                <a:solidFill>
+                  <a:schemeClr val="accent3">
+                    <a:lumMod val="50000"/>
+                  </a:schemeClr>
+                </a:solidFill>
+                <a:prstDash val="solid"/>
+              </a:ln>
+              <a:pattFill prst="narHorz">
+                <a:fgClr>
+                  <a:schemeClr val="accent3"/>
+                </a:fgClr>
+                <a:bgClr>
+                  <a:schemeClr val="accent3">
+                    <a:lumMod val="40000"/>
+                    <a:lumOff val="60000"/>
+                  </a:schemeClr>
+                </a:bgClr>
+              </a:pattFill>
+              <a:effectLst>
+                <a:innerShdw blurRad="177800">
+                  <a:schemeClr val="accent3">
+                    <a:lumMod val="50000"/>
+                  </a:schemeClr>
+                </a:innerShdw>
+              </a:effectLst>
+            </a:endParaRPr>
+          </a:p>
+        </p:txBody>
+      </p:sp>
+      <p:sp>
+        <p:nvSpPr>
+          <p:cNvPr id="45" name="Up-Down Arrow 44"/>
+          <p:cNvSpPr/>
+          <p:nvPr/>
+        </p:nvSpPr>
+        <p:spPr bwMode="ltGray">
+          <a:xfrm>
+            <a:off x="2253228" y="2926525"/>
+            <a:ext cx="244513" cy="602842"/>
+          </a:xfrm>
+          <a:prstGeom prst="upDownArrow">
+            <a:avLst/>
+          </a:prstGeom>
+          <a:solidFill>
+            <a:schemeClr val="accent1"/>
+          </a:solidFill>
+          <a:ln w="19050">
+            <a:solidFill>
+              <a:schemeClr val="accent1"/>
+            </a:solidFill>
+          </a:ln>
+        </p:spPr>
+        <p:style>
+          <a:lnRef idx="2">
+            <a:schemeClr val="accent1">
+              <a:shade val="50000"/>
+            </a:schemeClr>
+          </a:lnRef>
+          <a:fillRef idx="1">
+            <a:schemeClr val="accent1"/>
+          </a:fillRef>
+          <a:effectRef idx="0">
+            <a:schemeClr val="accent1"/>
+          </a:effectRef>
+          <a:fontRef idx="minor">
+            <a:schemeClr val="lt1"/>
+          </a:fontRef>
+        </p:style>
+        <p:txBody>
+          <a:bodyPr rtlCol="0" anchor="ctr"/>
+          <a:lstStyle/>
+          <a:p>
+            <a:pPr algn="ctr">
+              <a:lnSpc>
+                <a:spcPct val="90000"/>
+              </a:lnSpc>
+            </a:pPr>
+            <a:endParaRPr lang="en-US" dirty="0" err="1" smtClean="0"/>
+          </a:p>
+        </p:txBody>
+      </p:sp>
+      <p:sp>
+        <p:nvSpPr>
+          <p:cNvPr id="46" name="TextBox 45"/>
+          <p:cNvSpPr txBox="1"/>
+          <p:nvPr/>
+        </p:nvSpPr>
+        <p:spPr>
+          <a:xfrm>
+            <a:off x="2497741" y="3170043"/>
+            <a:ext cx="439353" cy="181057"/>
+          </a:xfrm>
+          <a:prstGeom prst="rect">
+            <a:avLst/>
+          </a:prstGeom>
+          <a:noFill/>
+        </p:spPr>
+        <p:txBody>
+          <a:bodyPr wrap="none" lIns="0" tIns="0" rIns="0" bIns="0" rtlCol="0">
+            <a:noAutofit/>
+          </a:bodyPr>
+          <a:lstStyle/>
+          <a:p>
+            <a:pPr>
+              <a:lnSpc>
+                <a:spcPct val="90000"/>
+              </a:lnSpc>
+            </a:pPr>
+            <a:r>
+              <a:rPr lang="en-US" sz="1200" b="1" dirty="0" smtClean="0">
+                <a:ln w="12700">
+                  <a:solidFill>
+                    <a:schemeClr val="accent3">
+                      <a:lumMod val="50000"/>
+                    </a:schemeClr>
+                  </a:solidFill>
+                  <a:prstDash val="solid"/>
+                </a:ln>
+                <a:pattFill prst="narHorz">
+                  <a:fgClr>
+                    <a:schemeClr val="accent3"/>
+                  </a:fgClr>
+                  <a:bgClr>
+                    <a:schemeClr val="accent3">
+                      <a:lumMod val="40000"/>
+                      <a:lumOff val="60000"/>
+                    </a:schemeClr>
+                  </a:bgClr>
+                </a:pattFill>
+                <a:effectLst>
+                  <a:innerShdw blurRad="177800">
+                    <a:schemeClr val="accent3">
+                      <a:lumMod val="50000"/>
+                    </a:schemeClr>
+                  </a:innerShdw>
+                </a:effectLst>
+              </a:rPr>
+              <a:t>REST</a:t>
+            </a:r>
+            <a:endParaRPr lang="en-US" sz="1200" b="1" dirty="0">
+              <a:ln w="12700">
+                <a:solidFill>
+                  <a:schemeClr val="accent3">
+                    <a:lumMod val="50000"/>
+                  </a:schemeClr>
+                </a:solidFill>
+                <a:prstDash val="solid"/>
+              </a:ln>
+              <a:pattFill prst="narHorz">
+                <a:fgClr>
+                  <a:schemeClr val="accent3"/>
+                </a:fgClr>
+                <a:bgClr>
+                  <a:schemeClr val="accent3">
+                    <a:lumMod val="40000"/>
+                    <a:lumOff val="60000"/>
+                  </a:schemeClr>
+                </a:bgClr>
+              </a:pattFill>
+              <a:effectLst>
+                <a:innerShdw blurRad="177800">
+                  <a:schemeClr val="accent3">
+                    <a:lumMod val="50000"/>
+                  </a:schemeClr>
+                </a:innerShdw>
+              </a:effectLst>
+            </a:endParaRPr>
+          </a:p>
+        </p:txBody>
+      </p:sp>
+      <p:sp>
+        <p:nvSpPr>
+          <p:cNvPr id="47" name="Rounded Rectangle 46"/>
+          <p:cNvSpPr/>
+          <p:nvPr/>
+        </p:nvSpPr>
+        <p:spPr bwMode="ltGray">
+          <a:xfrm>
+            <a:off x="6716467" y="1308840"/>
+            <a:ext cx="1724377" cy="647941"/>
+          </a:xfrm>
+          <a:prstGeom prst="roundRect">
+            <a:avLst/>
+          </a:prstGeom>
+          <a:solidFill>
+            <a:schemeClr val="accent1"/>
+          </a:solidFill>
+          <a:ln w="19050">
+            <a:solidFill>
+              <a:schemeClr val="accent1"/>
+            </a:solidFill>
+          </a:ln>
+        </p:spPr>
+        <p:style>
+          <a:lnRef idx="2">
+            <a:schemeClr val="accent1">
+              <a:shade val="50000"/>
+            </a:schemeClr>
+          </a:lnRef>
+          <a:fillRef idx="1">
+            <a:schemeClr val="accent1"/>
+          </a:fillRef>
+          <a:effectRef idx="0">
+            <a:schemeClr val="accent1"/>
+          </a:effectRef>
+          <a:fontRef idx="minor">
+            <a:schemeClr val="lt1"/>
+          </a:fontRef>
+        </p:style>
+        <p:txBody>
+          <a:bodyPr rtlCol="0" anchor="ctr"/>
+          <a:lstStyle/>
+          <a:p>
+            <a:pPr algn="ctr">
+              <a:lnSpc>
+                <a:spcPct val="90000"/>
+              </a:lnSpc>
+            </a:pPr>
+            <a:r>
+              <a:rPr lang="en-US" sz="1600" dirty="0" smtClean="0"/>
+              <a:t>Threshold Manage Widget</a:t>
+            </a:r>
+            <a:endParaRPr lang="en-US" sz="1600" dirty="0" smtClean="0"/>
+          </a:p>
+        </p:txBody>
+      </p:sp>
+      <p:sp>
+        <p:nvSpPr>
+          <p:cNvPr id="48" name="Rounded Rectangle 47"/>
+          <p:cNvSpPr/>
+          <p:nvPr/>
+        </p:nvSpPr>
+        <p:spPr bwMode="ltGray">
+          <a:xfrm>
+            <a:off x="4572161" y="2467822"/>
+            <a:ext cx="1585743" cy="649188"/>
+          </a:xfrm>
+          <a:prstGeom prst="roundRect">
+            <a:avLst/>
+          </a:prstGeom>
+          <a:solidFill>
+            <a:schemeClr val="accent1"/>
+          </a:solidFill>
+          <a:ln w="19050">
+            <a:solidFill>
+              <a:schemeClr val="accent1"/>
+            </a:solidFill>
+          </a:ln>
+        </p:spPr>
+        <p:style>
+          <a:lnRef idx="2">
+            <a:schemeClr val="accent1">
+              <a:shade val="50000"/>
+            </a:schemeClr>
+          </a:lnRef>
+          <a:fillRef idx="1">
+            <a:schemeClr val="accent1"/>
+          </a:fillRef>
+          <a:effectRef idx="0">
+            <a:schemeClr val="accent1"/>
+          </a:effectRef>
+          <a:fontRef idx="minor">
+            <a:schemeClr val="lt1"/>
+          </a:fontRef>
+        </p:style>
+        <p:txBody>
+          <a:bodyPr rtlCol="0" anchor="ctr"/>
+          <a:lstStyle/>
+          <a:p>
+            <a:pPr algn="ctr">
+              <a:lnSpc>
+                <a:spcPct val="90000"/>
+              </a:lnSpc>
+            </a:pPr>
+            <a:r>
+              <a:rPr lang="en-US" sz="1600" dirty="0" smtClean="0"/>
+              <a:t>MPM Plugin</a:t>
+            </a:r>
+            <a:endParaRPr lang="en-US" sz="1600" dirty="0" smtClean="0"/>
+          </a:p>
+        </p:txBody>
+      </p:sp>
+      <p:sp>
+        <p:nvSpPr>
+          <p:cNvPr id="49" name="Rounded Rectangle 48"/>
+          <p:cNvSpPr/>
+          <p:nvPr/>
+        </p:nvSpPr>
+        <p:spPr bwMode="ltGray">
+          <a:xfrm>
+            <a:off x="10924893" y="5439810"/>
+            <a:ext cx="858033" cy="533400"/>
+          </a:xfrm>
+          <a:prstGeom prst="roundRect">
+            <a:avLst/>
+          </a:prstGeom>
+          <a:solidFill>
+            <a:schemeClr val="accent4">
+              <a:lumMod val="20000"/>
+              <a:lumOff val="80000"/>
+            </a:schemeClr>
+          </a:solidFill>
+          <a:ln w="19050">
+            <a:solidFill>
+              <a:schemeClr val="accent1"/>
+            </a:solidFill>
+          </a:ln>
+        </p:spPr>
+        <p:style>
+          <a:lnRef idx="2">
+            <a:schemeClr val="accent1">
+              <a:shade val="50000"/>
+            </a:schemeClr>
+          </a:lnRef>
+          <a:fillRef idx="1">
+            <a:schemeClr val="accent1"/>
+          </a:fillRef>
+          <a:effectRef idx="0">
+            <a:schemeClr val="accent1"/>
+          </a:effectRef>
+          <a:fontRef idx="minor">
+            <a:schemeClr val="lt1"/>
+          </a:fontRef>
+        </p:style>
+        <p:txBody>
+          <a:bodyPr rtlCol="0" anchor="ctr"/>
+          <a:lstStyle/>
+          <a:p>
+            <a:pPr algn="ctr">
+              <a:lnSpc>
+                <a:spcPct val="90000"/>
+              </a:lnSpc>
+            </a:pPr>
+            <a:r>
+              <a:rPr lang="en-US" sz="1050" dirty="0" smtClean="0"/>
+              <a:t>Not in the prototype</a:t>
+            </a:r>
+            <a:endParaRPr lang="en-US" sz="1050" dirty="0"/>
+          </a:p>
+        </p:txBody>
+      </p:sp>
     </p:spTree>
     <p:extLst>
       <p:ext uri="{BB962C8B-B14F-4D97-AF65-F5344CB8AC3E}">
-        <p14:creationId xmlns:p14="http://schemas.microsoft.com/office/powerpoint/2010/main" val="2225370224"/>
+        <p14:creationId xmlns:p14="http://schemas.microsoft.com/office/powerpoint/2010/main" val="685882633"/>
       </p:ext>
     </p:extLst>
   </p:cSld>
   <p:clrMapOvr>
     <a:masterClrMapping/>
   </p:clrMapOvr>
-  <mc:AlternateContent xmlns:mc="http://schemas.openxmlformats.org/markup-compatibility/2006" xmlns:p14="http://schemas.microsoft.com/office/powerpoint/2010/main">
-    <mc:Choice Requires="p14">
+  <mc:AlternateContent xmlns:mc="http://schemas.openxmlformats.org/markup-compatibility/2006">
+    <mc:Choice xmlns:p14="http://schemas.microsoft.com/office/powerpoint/2010/main" Requires="p14">
       <p:transition spd="med" p14:dur="700">
         <p:fade/>
       </p:transition>
     </mc:Choice>
-    <mc:Fallback xmlns="">
+    <mc:Fallback>
       <p:transition spd="med">
         <p:fade/>
       </p:transition>
     </mc:Fallback>
   </mc:AlternateContent>
-  <p:timing>
-    <p:tnLst>
-      <p:par>
-        <p:cTn id="1" dur="indefinite" restart="never" nodeType="tmRoot"/>
-      </p:par>
-    </p:tnLst>
-  </p:timing>
 </p:sld>
 </file>
 
@@ -42819,6 +46465,993 @@
           <a:p>
             <a:r>
               <a:rPr lang="en-US" dirty="0" smtClean="0"/>
+              <a:t>Design Model</a:t>
+            </a:r>
+            <a:endParaRPr lang="en-US" dirty="0"/>
+          </a:p>
+        </p:txBody>
+      </p:sp>
+      <p:sp>
+        <p:nvSpPr>
+          <p:cNvPr id="4" name="Slide Number Placeholder 3"/>
+          <p:cNvSpPr>
+            <a:spLocks noGrp="1"/>
+          </p:cNvSpPr>
+          <p:nvPr>
+            <p:ph type="sldNum" sz="quarter" idx="12"/>
+          </p:nvPr>
+        </p:nvSpPr>
+        <p:spPr/>
+        <p:txBody>
+          <a:bodyPr/>
+          <a:lstStyle/>
+          <a:p>
+            <a:fld id="{B016F8AB-BCEA-4347-8BA6-BE776009BC89}" type="slidenum">
+              <a:rPr lang="en-US" smtClean="0"/>
+              <a:pPr/>
+              <a:t>5</a:t>
+            </a:fld>
+            <a:endParaRPr lang="en-US"/>
+          </a:p>
+        </p:txBody>
+      </p:sp>
+      <p:pic>
+        <p:nvPicPr>
+          <p:cNvPr id="5" name="Picture 4"/>
+          <p:cNvPicPr>
+            <a:picLocks noChangeAspect="1"/>
+          </p:cNvPicPr>
+          <p:nvPr/>
+        </p:nvPicPr>
+        <p:blipFill>
+          <a:blip r:embed="rId2"/>
+          <a:stretch>
+            <a:fillRect/>
+          </a:stretch>
+        </p:blipFill>
+        <p:spPr>
+          <a:xfrm>
+            <a:off x="609441" y="1600200"/>
+            <a:ext cx="5562600" cy="2854109"/>
+          </a:xfrm>
+          <a:prstGeom prst="rect">
+            <a:avLst/>
+          </a:prstGeom>
+        </p:spPr>
+      </p:pic>
+      <p:pic>
+        <p:nvPicPr>
+          <p:cNvPr id="6" name="Picture 5"/>
+          <p:cNvPicPr>
+            <a:picLocks noChangeAspect="1"/>
+          </p:cNvPicPr>
+          <p:nvPr/>
+        </p:nvPicPr>
+        <p:blipFill>
+          <a:blip r:embed="rId3"/>
+          <a:stretch>
+            <a:fillRect/>
+          </a:stretch>
+        </p:blipFill>
+        <p:spPr>
+          <a:xfrm>
+            <a:off x="6566919" y="3279388"/>
+            <a:ext cx="5009417" cy="3130144"/>
+          </a:xfrm>
+          <a:prstGeom prst="rect">
+            <a:avLst/>
+          </a:prstGeom>
+        </p:spPr>
+      </p:pic>
+      <p:sp>
+        <p:nvSpPr>
+          <p:cNvPr id="7" name="Curved Down Arrow 6"/>
+          <p:cNvSpPr/>
+          <p:nvPr/>
+        </p:nvSpPr>
+        <p:spPr bwMode="ltGray">
+          <a:xfrm rot="1939759">
+            <a:off x="6304877" y="2318220"/>
+            <a:ext cx="2286000" cy="588854"/>
+          </a:xfrm>
+          <a:prstGeom prst="curvedDownArrow">
+            <a:avLst/>
+          </a:prstGeom>
+          <a:solidFill>
+            <a:schemeClr val="accent1"/>
+          </a:solidFill>
+          <a:ln w="19050">
+            <a:solidFill>
+              <a:schemeClr val="accent1"/>
+            </a:solidFill>
+          </a:ln>
+        </p:spPr>
+        <p:style>
+          <a:lnRef idx="2">
+            <a:schemeClr val="accent1">
+              <a:shade val="50000"/>
+            </a:schemeClr>
+          </a:lnRef>
+          <a:fillRef idx="1">
+            <a:schemeClr val="accent1"/>
+          </a:fillRef>
+          <a:effectRef idx="0">
+            <a:schemeClr val="accent1"/>
+          </a:effectRef>
+          <a:fontRef idx="minor">
+            <a:schemeClr val="lt1"/>
+          </a:fontRef>
+        </p:style>
+        <p:txBody>
+          <a:bodyPr rtlCol="0" anchor="ctr"/>
+          <a:lstStyle/>
+          <a:p>
+            <a:pPr algn="ctr">
+              <a:lnSpc>
+                <a:spcPct val="90000"/>
+              </a:lnSpc>
+            </a:pPr>
+            <a:endParaRPr lang="en-US" dirty="0" err="1" smtClean="0">
+              <a:solidFill>
+                <a:schemeClr val="tx1"/>
+              </a:solidFill>
+            </a:endParaRPr>
+          </a:p>
+        </p:txBody>
+      </p:sp>
+      <p:sp>
+        <p:nvSpPr>
+          <p:cNvPr id="8" name="TextBox 7"/>
+          <p:cNvSpPr txBox="1"/>
+          <p:nvPr/>
+        </p:nvSpPr>
+        <p:spPr>
+          <a:xfrm>
+            <a:off x="2209800" y="3770764"/>
+            <a:ext cx="1752600" cy="260940"/>
+          </a:xfrm>
+          <a:prstGeom prst="rect">
+            <a:avLst/>
+          </a:prstGeom>
+          <a:noFill/>
+        </p:spPr>
+        <p:txBody>
+          <a:bodyPr wrap="none" lIns="0" tIns="0" rIns="0" bIns="0" rtlCol="0">
+            <a:noAutofit/>
+          </a:bodyPr>
+          <a:lstStyle/>
+          <a:p>
+            <a:pPr>
+              <a:lnSpc>
+                <a:spcPct val="90000"/>
+              </a:lnSpc>
+            </a:pPr>
+            <a:r>
+              <a:rPr lang="en-US" dirty="0" smtClean="0"/>
+              <a:t>Model Designer</a:t>
+            </a:r>
+            <a:endParaRPr lang="en-US" dirty="0"/>
+          </a:p>
+        </p:txBody>
+      </p:sp>
+      <p:sp>
+        <p:nvSpPr>
+          <p:cNvPr id="9" name="TextBox 8"/>
+          <p:cNvSpPr txBox="1"/>
+          <p:nvPr/>
+        </p:nvSpPr>
+        <p:spPr>
+          <a:xfrm>
+            <a:off x="8305800" y="5715000"/>
+            <a:ext cx="1752600" cy="260940"/>
+          </a:xfrm>
+          <a:prstGeom prst="rect">
+            <a:avLst/>
+          </a:prstGeom>
+          <a:noFill/>
+        </p:spPr>
+        <p:txBody>
+          <a:bodyPr wrap="none" lIns="0" tIns="0" rIns="0" bIns="0" rtlCol="0">
+            <a:noAutofit/>
+          </a:bodyPr>
+          <a:lstStyle/>
+          <a:p>
+            <a:pPr>
+              <a:lnSpc>
+                <a:spcPct val="90000"/>
+              </a:lnSpc>
+            </a:pPr>
+            <a:r>
+              <a:rPr lang="en-US" dirty="0" smtClean="0"/>
+              <a:t>Model in DB</a:t>
+            </a:r>
+            <a:endParaRPr lang="en-US" dirty="0"/>
+          </a:p>
+        </p:txBody>
+      </p:sp>
+      <p:sp>
+        <p:nvSpPr>
+          <p:cNvPr id="12" name="Content Placeholder 2"/>
+          <p:cNvSpPr>
+            <a:spLocks noGrp="1"/>
+          </p:cNvSpPr>
+          <p:nvPr>
+            <p:ph idx="1"/>
+          </p:nvPr>
+        </p:nvSpPr>
+        <p:spPr>
+          <a:xfrm>
+            <a:off x="609600" y="4844460"/>
+            <a:ext cx="5562441" cy="1131479"/>
+          </a:xfrm>
+        </p:spPr>
+        <p:txBody>
+          <a:bodyPr/>
+          <a:lstStyle/>
+          <a:p>
+            <a:pPr marL="0" indent="0">
+              <a:buNone/>
+            </a:pPr>
+            <a:r>
+              <a:rPr lang="en-US" dirty="0" smtClean="0"/>
+              <a:t>Build a visualized designer to define the model of network based on RAPPID library. </a:t>
+            </a:r>
+            <a:endParaRPr lang="en-US" dirty="0"/>
+          </a:p>
+          <a:p>
+            <a:pPr marL="0" indent="0">
+              <a:buNone/>
+            </a:pPr>
+            <a:r>
+              <a:rPr lang="en-US" dirty="0" smtClean="0"/>
+              <a:t>Granularity objects are defined in the designer as well.</a:t>
+            </a:r>
+            <a:endParaRPr lang="en-US" dirty="0"/>
+          </a:p>
+        </p:txBody>
+      </p:sp>
+    </p:spTree>
+    <p:extLst>
+      <p:ext uri="{BB962C8B-B14F-4D97-AF65-F5344CB8AC3E}">
+        <p14:creationId xmlns:p14="http://schemas.microsoft.com/office/powerpoint/2010/main" val="2946371024"/>
+      </p:ext>
+    </p:extLst>
+  </p:cSld>
+  <p:clrMapOvr>
+    <a:masterClrMapping/>
+  </p:clrMapOvr>
+  <mc:AlternateContent xmlns:mc="http://schemas.openxmlformats.org/markup-compatibility/2006">
+    <mc:Choice xmlns:p14="http://schemas.microsoft.com/office/powerpoint/2010/main" Requires="p14">
+      <p:transition spd="med" p14:dur="700">
+        <p:fade/>
+      </p:transition>
+    </mc:Choice>
+    <mc:Fallback>
+      <p:transition spd="med">
+        <p:fade/>
+      </p:transition>
+    </mc:Fallback>
+  </mc:AlternateContent>
+</p:sld>
+</file>
+
+<file path=ppt/slides/slide6.xml><?xml version="1.0" encoding="utf-8"?>
+<p:sld xmlns:a="http://schemas.openxmlformats.org/drawingml/2006/main" xmlns:r="http://schemas.openxmlformats.org/officeDocument/2006/relationships" xmlns:p="http://schemas.openxmlformats.org/presentationml/2006/main">
+  <p:cSld>
+    <p:spTree>
+      <p:nvGrpSpPr>
+        <p:cNvPr id="1" name=""/>
+        <p:cNvGrpSpPr/>
+        <p:nvPr/>
+      </p:nvGrpSpPr>
+      <p:grpSpPr>
+        <a:xfrm>
+          <a:off x="0" y="0"/>
+          <a:ext cx="0" cy="0"/>
+          <a:chOff x="0" y="0"/>
+          <a:chExt cx="0" cy="0"/>
+        </a:xfrm>
+      </p:grpSpPr>
+      <p:sp>
+        <p:nvSpPr>
+          <p:cNvPr id="2" name="Title 1"/>
+          <p:cNvSpPr>
+            <a:spLocks noGrp="1"/>
+          </p:cNvSpPr>
+          <p:nvPr>
+            <p:ph type="title"/>
+          </p:nvPr>
+        </p:nvSpPr>
+        <p:spPr/>
+        <p:txBody>
+          <a:bodyPr/>
+          <a:lstStyle/>
+          <a:p>
+            <a:r>
+              <a:rPr lang="en-US" dirty="0" smtClean="0"/>
+              <a:t>KPI Management</a:t>
+            </a:r>
+            <a:endParaRPr lang="en-US" dirty="0"/>
+          </a:p>
+        </p:txBody>
+      </p:sp>
+      <p:sp>
+        <p:nvSpPr>
+          <p:cNvPr id="3" name="Content Placeholder 2"/>
+          <p:cNvSpPr>
+            <a:spLocks noGrp="1"/>
+          </p:cNvSpPr>
+          <p:nvPr>
+            <p:ph idx="1"/>
+          </p:nvPr>
+        </p:nvSpPr>
+        <p:spPr>
+          <a:xfrm>
+            <a:off x="609600" y="1524000"/>
+            <a:ext cx="5486400" cy="4571999"/>
+          </a:xfrm>
+        </p:spPr>
+        <p:txBody>
+          <a:bodyPr>
+            <a:normAutofit/>
+          </a:bodyPr>
+          <a:lstStyle/>
+          <a:p>
+            <a:r>
+              <a:rPr lang="en-US" sz="1600" dirty="0" smtClean="0"/>
+              <a:t>Each KPI has a unique ID assigned by the system.</a:t>
+            </a:r>
+          </a:p>
+          <a:p>
+            <a:r>
+              <a:rPr lang="en-US" sz="1600" dirty="0" smtClean="0"/>
+              <a:t>There are 4 types of KPI</a:t>
+            </a:r>
+          </a:p>
+          <a:p>
+            <a:pPr lvl="1">
+              <a:buFont typeface="Wingdings" panose="05000000000000000000" pitchFamily="2" charset="2"/>
+              <a:buChar char="ü"/>
+            </a:pPr>
+            <a:r>
+              <a:rPr lang="en-US" sz="1400" dirty="0" smtClean="0"/>
+              <a:t>Raw: collect by the collectors.</a:t>
+            </a:r>
+          </a:p>
+          <a:p>
+            <a:pPr lvl="1">
+              <a:buFont typeface="Wingdings" panose="05000000000000000000" pitchFamily="2" charset="2"/>
+              <a:buChar char="ü"/>
+            </a:pPr>
+            <a:r>
+              <a:rPr lang="en-US" sz="1400" dirty="0" smtClean="0"/>
+              <a:t>Calculation: The KPI is calculated based on the KPIs of the same NE and have the same granularity.</a:t>
+            </a:r>
+          </a:p>
+          <a:p>
+            <a:pPr lvl="1">
+              <a:buFont typeface="Wingdings" panose="05000000000000000000" pitchFamily="2" charset="2"/>
+              <a:buChar char="ü"/>
+            </a:pPr>
+            <a:r>
+              <a:rPr lang="en-US" sz="1400" dirty="0" smtClean="0"/>
+              <a:t>Time Aggregation: The KPI is aggregated by the KPI of the same NE type but from smaller granularity.</a:t>
+            </a:r>
+          </a:p>
+          <a:p>
+            <a:pPr lvl="1">
+              <a:buFont typeface="Wingdings" panose="05000000000000000000" pitchFamily="2" charset="2"/>
+              <a:buChar char="ü"/>
+            </a:pPr>
+            <a:r>
+              <a:rPr lang="en-US" sz="1400" dirty="0" smtClean="0"/>
+              <a:t>Entity Aggregation: The KPI is aggregated by the KPI of the sub NE (defined in the model) and have same granularity.</a:t>
+            </a:r>
+          </a:p>
+          <a:p>
+            <a:pPr marL="228600" lvl="1" indent="0">
+              <a:buNone/>
+            </a:pPr>
+            <a:r>
+              <a:rPr lang="en-US" sz="1400" dirty="0" smtClean="0"/>
+              <a:t>These 4 types shall meet all the KPI requirements, but we still able to enhance it to simplify the types and support more complex formula and support more aggregation functions.</a:t>
+            </a:r>
+            <a:endParaRPr lang="en-US" sz="1400" dirty="0"/>
+          </a:p>
+          <a:p>
+            <a:pPr marL="228600" lvl="1" indent="0">
+              <a:buNone/>
+            </a:pPr>
+            <a:endParaRPr lang="en-US" sz="1400" dirty="0" smtClean="0"/>
+          </a:p>
+        </p:txBody>
+      </p:sp>
+      <p:sp>
+        <p:nvSpPr>
+          <p:cNvPr id="4" name="Slide Number Placeholder 3"/>
+          <p:cNvSpPr>
+            <a:spLocks noGrp="1"/>
+          </p:cNvSpPr>
+          <p:nvPr>
+            <p:ph type="sldNum" sz="quarter" idx="12"/>
+          </p:nvPr>
+        </p:nvSpPr>
+        <p:spPr/>
+        <p:txBody>
+          <a:bodyPr/>
+          <a:lstStyle/>
+          <a:p>
+            <a:fld id="{B016F8AB-BCEA-4347-8BA6-BE776009BC89}" type="slidenum">
+              <a:rPr lang="en-US" smtClean="0"/>
+              <a:pPr/>
+              <a:t>6</a:t>
+            </a:fld>
+            <a:endParaRPr lang="en-US"/>
+          </a:p>
+        </p:txBody>
+      </p:sp>
+      <p:pic>
+        <p:nvPicPr>
+          <p:cNvPr id="5" name="Picture 4"/>
+          <p:cNvPicPr>
+            <a:picLocks noChangeAspect="1"/>
+          </p:cNvPicPr>
+          <p:nvPr/>
+        </p:nvPicPr>
+        <p:blipFill>
+          <a:blip r:embed="rId2"/>
+          <a:stretch>
+            <a:fillRect/>
+          </a:stretch>
+        </p:blipFill>
+        <p:spPr>
+          <a:xfrm>
+            <a:off x="6096000" y="1752600"/>
+            <a:ext cx="5684964" cy="3537828"/>
+          </a:xfrm>
+          <a:prstGeom prst="rect">
+            <a:avLst/>
+          </a:prstGeom>
+          <a:solidFill>
+            <a:srgbClr val="FFFFFF">
+              <a:shade val="85000"/>
+            </a:srgbClr>
+          </a:solidFill>
+          <a:ln w="88900" cap="sq">
+            <a:solidFill>
+              <a:srgbClr val="FFFFFF"/>
+            </a:solidFill>
+            <a:miter lim="800000"/>
+          </a:ln>
+          <a:effectLst>
+            <a:outerShdw blurRad="55000" dist="18000" dir="5400000" algn="tl" rotWithShape="0">
+              <a:srgbClr val="000000">
+                <a:alpha val="40000"/>
+              </a:srgbClr>
+            </a:outerShdw>
+          </a:effectLst>
+          <a:scene3d>
+            <a:camera prst="orthographicFront"/>
+            <a:lightRig rig="twoPt" dir="t">
+              <a:rot lat="0" lon="0" rev="7200000"/>
+            </a:lightRig>
+          </a:scene3d>
+          <a:sp3d>
+            <a:bevelT w="25400" h="19050"/>
+            <a:contourClr>
+              <a:srgbClr val="FFFFFF"/>
+            </a:contourClr>
+          </a:sp3d>
+        </p:spPr>
+      </p:pic>
+      <p:pic>
+        <p:nvPicPr>
+          <p:cNvPr id="6" name="Picture 5"/>
+          <p:cNvPicPr>
+            <a:picLocks noChangeAspect="1"/>
+          </p:cNvPicPr>
+          <p:nvPr/>
+        </p:nvPicPr>
+        <p:blipFill>
+          <a:blip r:embed="rId3"/>
+          <a:stretch>
+            <a:fillRect/>
+          </a:stretch>
+        </p:blipFill>
+        <p:spPr>
+          <a:xfrm>
+            <a:off x="1905000" y="4784733"/>
+            <a:ext cx="3076315" cy="1011391"/>
+          </a:xfrm>
+          <a:prstGeom prst="rect">
+            <a:avLst/>
+          </a:prstGeom>
+        </p:spPr>
+      </p:pic>
+    </p:spTree>
+    <p:extLst>
+      <p:ext uri="{BB962C8B-B14F-4D97-AF65-F5344CB8AC3E}">
+        <p14:creationId xmlns:p14="http://schemas.microsoft.com/office/powerpoint/2010/main" val="768885437"/>
+      </p:ext>
+    </p:extLst>
+  </p:cSld>
+  <p:clrMapOvr>
+    <a:masterClrMapping/>
+  </p:clrMapOvr>
+  <mc:AlternateContent xmlns:mc="http://schemas.openxmlformats.org/markup-compatibility/2006">
+    <mc:Choice xmlns:p14="http://schemas.microsoft.com/office/powerpoint/2010/main" Requires="p14">
+      <p:transition spd="med" p14:dur="700">
+        <p:fade/>
+      </p:transition>
+    </mc:Choice>
+    <mc:Fallback>
+      <p:transition spd="med">
+        <p:fade/>
+      </p:transition>
+    </mc:Fallback>
+  </mc:AlternateContent>
+</p:sld>
+</file>
+
+<file path=ppt/slides/slide7.xml><?xml version="1.0" encoding="utf-8"?>
+<p:sld xmlns:a="http://schemas.openxmlformats.org/drawingml/2006/main" xmlns:r="http://schemas.openxmlformats.org/officeDocument/2006/relationships" xmlns:p="http://schemas.openxmlformats.org/presentationml/2006/main">
+  <p:cSld>
+    <p:spTree>
+      <p:nvGrpSpPr>
+        <p:cNvPr id="1" name=""/>
+        <p:cNvGrpSpPr/>
+        <p:nvPr/>
+      </p:nvGrpSpPr>
+      <p:grpSpPr>
+        <a:xfrm>
+          <a:off x="0" y="0"/>
+          <a:ext cx="0" cy="0"/>
+          <a:chOff x="0" y="0"/>
+          <a:chExt cx="0" cy="0"/>
+        </a:xfrm>
+      </p:grpSpPr>
+      <p:sp>
+        <p:nvSpPr>
+          <p:cNvPr id="2" name="Title 1"/>
+          <p:cNvSpPr>
+            <a:spLocks noGrp="1"/>
+          </p:cNvSpPr>
+          <p:nvPr>
+            <p:ph type="title"/>
+          </p:nvPr>
+        </p:nvSpPr>
+        <p:spPr/>
+        <p:txBody>
+          <a:bodyPr/>
+          <a:lstStyle/>
+          <a:p>
+            <a:r>
+              <a:rPr lang="en-US" dirty="0" smtClean="0"/>
+              <a:t>KPI Definition in Database</a:t>
+            </a:r>
+            <a:endParaRPr lang="en-US" dirty="0"/>
+          </a:p>
+        </p:txBody>
+      </p:sp>
+      <p:sp>
+        <p:nvSpPr>
+          <p:cNvPr id="4" name="Slide Number Placeholder 3"/>
+          <p:cNvSpPr>
+            <a:spLocks noGrp="1"/>
+          </p:cNvSpPr>
+          <p:nvPr>
+            <p:ph type="sldNum" sz="quarter" idx="12"/>
+          </p:nvPr>
+        </p:nvSpPr>
+        <p:spPr/>
+        <p:txBody>
+          <a:bodyPr/>
+          <a:lstStyle/>
+          <a:p>
+            <a:fld id="{B016F8AB-BCEA-4347-8BA6-BE776009BC89}" type="slidenum">
+              <a:rPr lang="en-US" smtClean="0"/>
+              <a:pPr/>
+              <a:t>7</a:t>
+            </a:fld>
+            <a:endParaRPr lang="en-US"/>
+          </a:p>
+        </p:txBody>
+      </p:sp>
+      <p:pic>
+        <p:nvPicPr>
+          <p:cNvPr id="5" name="Picture 4"/>
+          <p:cNvPicPr>
+            <a:picLocks noChangeAspect="1"/>
+          </p:cNvPicPr>
+          <p:nvPr/>
+        </p:nvPicPr>
+        <p:blipFill>
+          <a:blip r:embed="rId2"/>
+          <a:stretch>
+            <a:fillRect/>
+          </a:stretch>
+        </p:blipFill>
+        <p:spPr>
+          <a:xfrm>
+            <a:off x="624681" y="1676400"/>
+            <a:ext cx="6809093" cy="2842972"/>
+          </a:xfrm>
+          <a:prstGeom prst="rect">
+            <a:avLst/>
+          </a:prstGeom>
+          <a:solidFill>
+            <a:srgbClr val="FFFFFF">
+              <a:shade val="85000"/>
+            </a:srgbClr>
+          </a:solidFill>
+          <a:ln w="88900" cap="sq">
+            <a:solidFill>
+              <a:srgbClr val="FFFFFF"/>
+            </a:solidFill>
+            <a:miter lim="800000"/>
+          </a:ln>
+          <a:effectLst>
+            <a:outerShdw blurRad="55000" dist="18000" dir="5400000" algn="tl" rotWithShape="0">
+              <a:srgbClr val="000000">
+                <a:alpha val="40000"/>
+              </a:srgbClr>
+            </a:outerShdw>
+          </a:effectLst>
+          <a:scene3d>
+            <a:camera prst="orthographicFront"/>
+            <a:lightRig rig="twoPt" dir="t">
+              <a:rot lat="0" lon="0" rev="7200000"/>
+            </a:lightRig>
+          </a:scene3d>
+          <a:sp3d>
+            <a:bevelT w="25400" h="19050"/>
+            <a:contourClr>
+              <a:srgbClr val="FFFFFF"/>
+            </a:contourClr>
+          </a:sp3d>
+        </p:spPr>
+      </p:pic>
+      <p:pic>
+        <p:nvPicPr>
+          <p:cNvPr id="6" name="Picture 5"/>
+          <p:cNvPicPr>
+            <a:picLocks noChangeAspect="1"/>
+          </p:cNvPicPr>
+          <p:nvPr/>
+        </p:nvPicPr>
+        <p:blipFill>
+          <a:blip r:embed="rId3"/>
+          <a:stretch>
+            <a:fillRect/>
+          </a:stretch>
+        </p:blipFill>
+        <p:spPr>
+          <a:xfrm>
+            <a:off x="6324600" y="2929682"/>
+            <a:ext cx="5380952" cy="3733333"/>
+          </a:xfrm>
+          <a:prstGeom prst="rect">
+            <a:avLst/>
+          </a:prstGeom>
+        </p:spPr>
+      </p:pic>
+      <p:sp>
+        <p:nvSpPr>
+          <p:cNvPr id="7" name="Curved Down Arrow 6"/>
+          <p:cNvSpPr/>
+          <p:nvPr/>
+        </p:nvSpPr>
+        <p:spPr bwMode="ltGray">
+          <a:xfrm rot="1939759">
+            <a:off x="6990676" y="2546820"/>
+            <a:ext cx="2286000" cy="588854"/>
+          </a:xfrm>
+          <a:prstGeom prst="curvedDownArrow">
+            <a:avLst/>
+          </a:prstGeom>
+          <a:solidFill>
+            <a:schemeClr val="accent1"/>
+          </a:solidFill>
+          <a:ln w="19050">
+            <a:solidFill>
+              <a:schemeClr val="accent1"/>
+            </a:solidFill>
+          </a:ln>
+        </p:spPr>
+        <p:style>
+          <a:lnRef idx="2">
+            <a:schemeClr val="accent1">
+              <a:shade val="50000"/>
+            </a:schemeClr>
+          </a:lnRef>
+          <a:fillRef idx="1">
+            <a:schemeClr val="accent1"/>
+          </a:fillRef>
+          <a:effectRef idx="0">
+            <a:schemeClr val="accent1"/>
+          </a:effectRef>
+          <a:fontRef idx="minor">
+            <a:schemeClr val="lt1"/>
+          </a:fontRef>
+        </p:style>
+        <p:txBody>
+          <a:bodyPr rtlCol="0" anchor="ctr"/>
+          <a:lstStyle/>
+          <a:p>
+            <a:pPr algn="ctr">
+              <a:lnSpc>
+                <a:spcPct val="90000"/>
+              </a:lnSpc>
+            </a:pPr>
+            <a:endParaRPr lang="en-US" dirty="0" err="1" smtClean="0">
+              <a:solidFill>
+                <a:schemeClr val="tx1"/>
+              </a:solidFill>
+            </a:endParaRPr>
+          </a:p>
+        </p:txBody>
+      </p:sp>
+      <p:sp>
+        <p:nvSpPr>
+          <p:cNvPr id="8" name="Content Placeholder 2"/>
+          <p:cNvSpPr>
+            <a:spLocks noGrp="1"/>
+          </p:cNvSpPr>
+          <p:nvPr>
+            <p:ph idx="1"/>
+          </p:nvPr>
+        </p:nvSpPr>
+        <p:spPr>
+          <a:xfrm>
+            <a:off x="609600" y="4844460"/>
+            <a:ext cx="5562441" cy="1131479"/>
+          </a:xfrm>
+        </p:spPr>
+        <p:txBody>
+          <a:bodyPr/>
+          <a:lstStyle/>
+          <a:p>
+            <a:pPr marL="0" indent="0">
+              <a:buNone/>
+            </a:pPr>
+            <a:r>
+              <a:rPr lang="en-US" dirty="0" smtClean="0"/>
+              <a:t>Each KPI_DEF node must connect to one NE template node and one Granularity definition node.</a:t>
+            </a:r>
+            <a:endParaRPr lang="en-US" dirty="0"/>
+          </a:p>
+        </p:txBody>
+      </p:sp>
+    </p:spTree>
+    <p:extLst>
+      <p:ext uri="{BB962C8B-B14F-4D97-AF65-F5344CB8AC3E}">
+        <p14:creationId xmlns:p14="http://schemas.microsoft.com/office/powerpoint/2010/main" val="3043690924"/>
+      </p:ext>
+    </p:extLst>
+  </p:cSld>
+  <p:clrMapOvr>
+    <a:masterClrMapping/>
+  </p:clrMapOvr>
+  <mc:AlternateContent xmlns:mc="http://schemas.openxmlformats.org/markup-compatibility/2006">
+    <mc:Choice xmlns:p14="http://schemas.microsoft.com/office/powerpoint/2010/main" Requires="p14">
+      <p:transition spd="med" p14:dur="700">
+        <p:fade/>
+      </p:transition>
+    </mc:Choice>
+    <mc:Fallback>
+      <p:transition spd="med">
+        <p:fade/>
+      </p:transition>
+    </mc:Fallback>
+  </mc:AlternateContent>
+</p:sld>
+</file>
+
+<file path=ppt/slides/slide8.xml><?xml version="1.0" encoding="utf-8"?>
+<p:sld xmlns:a="http://schemas.openxmlformats.org/drawingml/2006/main" xmlns:r="http://schemas.openxmlformats.org/officeDocument/2006/relationships" xmlns:p="http://schemas.openxmlformats.org/presentationml/2006/main">
+  <p:cSld>
+    <p:spTree>
+      <p:nvGrpSpPr>
+        <p:cNvPr id="1" name=""/>
+        <p:cNvGrpSpPr/>
+        <p:nvPr/>
+      </p:nvGrpSpPr>
+      <p:grpSpPr>
+        <a:xfrm>
+          <a:off x="0" y="0"/>
+          <a:ext cx="0" cy="0"/>
+          <a:chOff x="0" y="0"/>
+          <a:chExt cx="0" cy="0"/>
+        </a:xfrm>
+      </p:grpSpPr>
+      <p:sp>
+        <p:nvSpPr>
+          <p:cNvPr id="2" name="Title 1"/>
+          <p:cNvSpPr>
+            <a:spLocks noGrp="1"/>
+          </p:cNvSpPr>
+          <p:nvPr>
+            <p:ph type="title"/>
+          </p:nvPr>
+        </p:nvSpPr>
+        <p:spPr/>
+        <p:txBody>
+          <a:bodyPr/>
+          <a:lstStyle/>
+          <a:p>
+            <a:r>
+              <a:rPr lang="en-US" dirty="0" smtClean="0"/>
+              <a:t>Threshold Management</a:t>
+            </a:r>
+            <a:endParaRPr lang="en-US" dirty="0"/>
+          </a:p>
+        </p:txBody>
+      </p:sp>
+      <p:sp>
+        <p:nvSpPr>
+          <p:cNvPr id="3" name="Content Placeholder 2"/>
+          <p:cNvSpPr>
+            <a:spLocks noGrp="1"/>
+          </p:cNvSpPr>
+          <p:nvPr>
+            <p:ph idx="1"/>
+          </p:nvPr>
+        </p:nvSpPr>
+        <p:spPr>
+          <a:xfrm>
+            <a:off x="609600" y="1524001"/>
+            <a:ext cx="5791200" cy="4267200"/>
+          </a:xfrm>
+        </p:spPr>
+        <p:txBody>
+          <a:bodyPr/>
+          <a:lstStyle/>
+          <a:p>
+            <a:r>
+              <a:rPr lang="en-US" dirty="0" smtClean="0"/>
+              <a:t>Each KPI Definition has one or more Threshold definitions. </a:t>
+            </a:r>
+          </a:p>
+          <a:p>
+            <a:r>
+              <a:rPr lang="en-US" dirty="0" smtClean="0"/>
+              <a:t>Each definition has one condition and a Action</a:t>
+            </a:r>
+          </a:p>
+          <a:p>
+            <a:r>
+              <a:rPr lang="en-US" dirty="0" smtClean="0"/>
+              <a:t>The Condition must be a logical expression.</a:t>
+            </a:r>
+          </a:p>
+          <a:p>
+            <a:r>
+              <a:rPr lang="en-US" dirty="0" smtClean="0"/>
+              <a:t>The Action could be various types, but the action module is not develop in the prototype.</a:t>
+            </a:r>
+          </a:p>
+          <a:p>
+            <a:r>
+              <a:rPr lang="en-US" dirty="0" smtClean="0"/>
+              <a:t>Threshold engine will get the KPI values (get from DB if the KPI type is Raw or invoke KPI engine to calculate the KPI values) and check if it’s broke the condition.</a:t>
+            </a:r>
+          </a:p>
+          <a:p>
+            <a:r>
+              <a:rPr lang="en-US" dirty="0" smtClean="0"/>
+              <a:t>The threshold engine shall be invoke by a Job system which is not in the prototype.</a:t>
+            </a:r>
+            <a:endParaRPr lang="en-US" dirty="0"/>
+          </a:p>
+        </p:txBody>
+      </p:sp>
+      <p:sp>
+        <p:nvSpPr>
+          <p:cNvPr id="4" name="Slide Number Placeholder 3"/>
+          <p:cNvSpPr>
+            <a:spLocks noGrp="1"/>
+          </p:cNvSpPr>
+          <p:nvPr>
+            <p:ph type="sldNum" sz="quarter" idx="12"/>
+          </p:nvPr>
+        </p:nvSpPr>
+        <p:spPr/>
+        <p:txBody>
+          <a:bodyPr/>
+          <a:lstStyle/>
+          <a:p>
+            <a:fld id="{B016F8AB-BCEA-4347-8BA6-BE776009BC89}" type="slidenum">
+              <a:rPr lang="en-US" smtClean="0"/>
+              <a:pPr/>
+              <a:t>8</a:t>
+            </a:fld>
+            <a:endParaRPr lang="en-US"/>
+          </a:p>
+        </p:txBody>
+      </p:sp>
+      <p:pic>
+        <p:nvPicPr>
+          <p:cNvPr id="5" name="Picture 4"/>
+          <p:cNvPicPr>
+            <a:picLocks noChangeAspect="1"/>
+          </p:cNvPicPr>
+          <p:nvPr/>
+        </p:nvPicPr>
+        <p:blipFill>
+          <a:blip r:embed="rId2"/>
+          <a:stretch>
+            <a:fillRect/>
+          </a:stretch>
+        </p:blipFill>
+        <p:spPr>
+          <a:xfrm>
+            <a:off x="6710334" y="1524000"/>
+            <a:ext cx="4847714" cy="3810000"/>
+          </a:xfrm>
+          <a:prstGeom prst="rect">
+            <a:avLst/>
+          </a:prstGeom>
+        </p:spPr>
+      </p:pic>
+    </p:spTree>
+    <p:extLst>
+      <p:ext uri="{BB962C8B-B14F-4D97-AF65-F5344CB8AC3E}">
+        <p14:creationId xmlns:p14="http://schemas.microsoft.com/office/powerpoint/2010/main" val="3350680114"/>
+      </p:ext>
+    </p:extLst>
+  </p:cSld>
+  <p:clrMapOvr>
+    <a:masterClrMapping/>
+  </p:clrMapOvr>
+  <mc:AlternateContent xmlns:mc="http://schemas.openxmlformats.org/markup-compatibility/2006">
+    <mc:Choice xmlns:p14="http://schemas.microsoft.com/office/powerpoint/2010/main" Requires="p14">
+      <p:transition spd="med" p14:dur="700">
+        <p:fade/>
+      </p:transition>
+    </mc:Choice>
+    <mc:Fallback>
+      <p:transition spd="med">
+        <p:fade/>
+      </p:transition>
+    </mc:Fallback>
+  </mc:AlternateContent>
+</p:sld>
+</file>
+
+<file path=ppt/slides/slide9.xml><?xml version="1.0" encoding="utf-8"?>
+<p:sld xmlns:a="http://schemas.openxmlformats.org/drawingml/2006/main" xmlns:r="http://schemas.openxmlformats.org/officeDocument/2006/relationships" xmlns:p="http://schemas.openxmlformats.org/presentationml/2006/main">
+  <p:cSld>
+    <p:spTree>
+      <p:nvGrpSpPr>
+        <p:cNvPr id="1" name=""/>
+        <p:cNvGrpSpPr/>
+        <p:nvPr/>
+      </p:nvGrpSpPr>
+      <p:grpSpPr>
+        <a:xfrm>
+          <a:off x="0" y="0"/>
+          <a:ext cx="0" cy="0"/>
+          <a:chOff x="0" y="0"/>
+          <a:chExt cx="0" cy="0"/>
+        </a:xfrm>
+      </p:grpSpPr>
+      <p:sp>
+        <p:nvSpPr>
+          <p:cNvPr id="2" name="Title 1"/>
+          <p:cNvSpPr>
+            <a:spLocks noGrp="1"/>
+          </p:cNvSpPr>
+          <p:nvPr>
+            <p:ph type="title"/>
+          </p:nvPr>
+        </p:nvSpPr>
+        <p:spPr/>
+        <p:txBody>
+          <a:bodyPr/>
+          <a:lstStyle/>
+          <a:p>
+            <a:r>
+              <a:rPr lang="en-US" dirty="0" smtClean="0"/>
               <a:t>Standard CSV Collector</a:t>
             </a:r>
             <a:endParaRPr lang="en-US" dirty="0"/>
@@ -42860,8 +47493,19 @@
           <a:p>
             <a:r>
               <a:rPr lang="en-US" dirty="0" smtClean="0"/>
-              <a:t>After collect successfully, the file will be renamed or removed.</a:t>
-            </a:r>
+              <a:t>After collect successfully, the file will be renamed or removed</a:t>
+            </a:r>
+            <a:r>
+              <a:rPr lang="en-US" dirty="0" smtClean="0"/>
+              <a:t>.</a:t>
+            </a:r>
+          </a:p>
+          <a:p>
+            <a:r>
+              <a:rPr lang="en-US" dirty="0" smtClean="0"/>
+              <a:t>KPI must be defined before collecting</a:t>
+            </a:r>
+            <a:endParaRPr lang="en-US" dirty="0" smtClean="0"/>
           </a:p>
           <a:p>
             <a:r>
@@ -42901,7 +47545,7 @@
             <a:fld id="{B016F8AB-BCEA-4347-8BA6-BE776009BC89}" type="slidenum">
               <a:rPr lang="en-US" smtClean="0"/>
               <a:pPr/>
-              <a:t>5</a:t>
+              <a:t>9</a:t>
             </a:fld>
             <a:endParaRPr lang="en-US"/>
           </a:p>
@@ -43327,1348 +47971,6 @@
       </p:par>
     </p:tnLst>
   </p:timing>
-</p:sld>
-</file>
-
-<file path=ppt/slides/slide6.xml><?xml version="1.0" encoding="utf-8"?>
-<p:sld xmlns:a="http://schemas.openxmlformats.org/drawingml/2006/main" xmlns:r="http://schemas.openxmlformats.org/officeDocument/2006/relationships" xmlns:p="http://schemas.openxmlformats.org/presentationml/2006/main">
-  <p:cSld>
-    <p:spTree>
-      <p:nvGrpSpPr>
-        <p:cNvPr id="1" name=""/>
-        <p:cNvGrpSpPr/>
-        <p:nvPr/>
-      </p:nvGrpSpPr>
-      <p:grpSpPr>
-        <a:xfrm>
-          <a:off x="0" y="0"/>
-          <a:ext cx="0" cy="0"/>
-          <a:chOff x="0" y="0"/>
-          <a:chExt cx="0" cy="0"/>
-        </a:xfrm>
-      </p:grpSpPr>
-      <p:sp>
-        <p:nvSpPr>
-          <p:cNvPr id="2" name="Title 1"/>
-          <p:cNvSpPr>
-            <a:spLocks noGrp="1"/>
-          </p:cNvSpPr>
-          <p:nvPr>
-            <p:ph type="title"/>
-          </p:nvPr>
-        </p:nvSpPr>
-        <p:spPr/>
-        <p:txBody>
-          <a:bodyPr/>
-          <a:lstStyle/>
-          <a:p>
-            <a:r>
-              <a:rPr lang="en-US" dirty="0" smtClean="0"/>
-              <a:t>E2E Scenario</a:t>
-            </a:r>
-            <a:br>
-              <a:rPr lang="en-US" dirty="0" smtClean="0"/>
-            </a:br>
-            <a:r>
-              <a:rPr lang="en-US" dirty="0"/>
-              <a:t> </a:t>
-            </a:r>
-            <a:r>
-              <a:rPr lang="en-US" dirty="0" smtClean="0"/>
-              <a:t>   definitions</a:t>
-            </a:r>
-            <a:endParaRPr lang="en-US" dirty="0"/>
-          </a:p>
-        </p:txBody>
-      </p:sp>
-      <p:pic>
-        <p:nvPicPr>
-          <p:cNvPr id="5" name="Content Placeholder 4"/>
-          <p:cNvPicPr>
-            <a:picLocks noGrp="1" noChangeAspect="1"/>
-          </p:cNvPicPr>
-          <p:nvPr>
-            <p:ph idx="1"/>
-          </p:nvPr>
-        </p:nvPicPr>
-        <p:blipFill>
-          <a:blip r:embed="rId2"/>
-          <a:stretch>
-            <a:fillRect/>
-          </a:stretch>
-        </p:blipFill>
-        <p:spPr>
-          <a:xfrm>
-            <a:off x="3488435" y="645926"/>
-            <a:ext cx="7848600" cy="5901015"/>
-          </a:xfrm>
-          <a:prstGeom prst="rect">
-            <a:avLst/>
-          </a:prstGeom>
-        </p:spPr>
-      </p:pic>
-      <p:sp>
-        <p:nvSpPr>
-          <p:cNvPr id="4" name="Slide Number Placeholder 3"/>
-          <p:cNvSpPr>
-            <a:spLocks noGrp="1"/>
-          </p:cNvSpPr>
-          <p:nvPr>
-            <p:ph type="sldNum" sz="quarter" idx="12"/>
-          </p:nvPr>
-        </p:nvSpPr>
-        <p:spPr/>
-        <p:txBody>
-          <a:bodyPr/>
-          <a:lstStyle/>
-          <a:p>
-            <a:fld id="{B016F8AB-BCEA-4347-8BA6-BE776009BC89}" type="slidenum">
-              <a:rPr lang="en-US" smtClean="0"/>
-              <a:pPr/>
-              <a:t>6</a:t>
-            </a:fld>
-            <a:endParaRPr lang="en-US"/>
-          </a:p>
-        </p:txBody>
-      </p:sp>
-    </p:spTree>
-    <p:extLst>
-      <p:ext uri="{BB962C8B-B14F-4D97-AF65-F5344CB8AC3E}">
-        <p14:creationId xmlns:p14="http://schemas.microsoft.com/office/powerpoint/2010/main" val="1508661686"/>
-      </p:ext>
-    </p:extLst>
-  </p:cSld>
-  <p:clrMapOvr>
-    <a:masterClrMapping/>
-  </p:clrMapOvr>
-  <mc:AlternateContent xmlns:mc="http://schemas.openxmlformats.org/markup-compatibility/2006" xmlns:p14="http://schemas.microsoft.com/office/powerpoint/2010/main">
-    <mc:Choice Requires="p14">
-      <p:transition spd="med" p14:dur="700">
-        <p:fade/>
-      </p:transition>
-    </mc:Choice>
-    <mc:Fallback xmlns="">
-      <p:transition spd="med">
-        <p:fade/>
-      </p:transition>
-    </mc:Fallback>
-  </mc:AlternateContent>
-  <p:timing>
-    <p:tnLst>
-      <p:par>
-        <p:cTn id="1" dur="indefinite" restart="never" nodeType="tmRoot"/>
-      </p:par>
-    </p:tnLst>
-  </p:timing>
-</p:sld>
-</file>
-
-<file path=ppt/slides/slide7.xml><?xml version="1.0" encoding="utf-8"?>
-<p:sld xmlns:a="http://schemas.openxmlformats.org/drawingml/2006/main" xmlns:r="http://schemas.openxmlformats.org/officeDocument/2006/relationships" xmlns:p="http://schemas.openxmlformats.org/presentationml/2006/main">
-  <p:cSld>
-    <p:spTree>
-      <p:nvGrpSpPr>
-        <p:cNvPr id="1" name=""/>
-        <p:cNvGrpSpPr/>
-        <p:nvPr/>
-      </p:nvGrpSpPr>
-      <p:grpSpPr>
-        <a:xfrm>
-          <a:off x="0" y="0"/>
-          <a:ext cx="0" cy="0"/>
-          <a:chOff x="0" y="0"/>
-          <a:chExt cx="0" cy="0"/>
-        </a:xfrm>
-      </p:grpSpPr>
-      <p:sp>
-        <p:nvSpPr>
-          <p:cNvPr id="3" name="Rectangle 1"/>
-          <p:cNvSpPr>
-            <a:spLocks noChangeArrowheads="1"/>
-          </p:cNvSpPr>
-          <p:nvPr/>
-        </p:nvSpPr>
-        <p:spPr bwMode="auto">
-          <a:xfrm>
-            <a:off x="2895600" y="2472750"/>
-            <a:ext cx="4553871" cy="1477328"/>
-          </a:xfrm>
-          <a:prstGeom prst="rect">
-            <a:avLst/>
-          </a:prstGeom>
-          <a:ln/>
-        </p:spPr>
-        <p:style>
-          <a:lnRef idx="2">
-            <a:schemeClr val="accent6"/>
-          </a:lnRef>
-          <a:fillRef idx="1">
-            <a:schemeClr val="lt1"/>
-          </a:fillRef>
-          <a:effectRef idx="0">
-            <a:schemeClr val="accent6"/>
-          </a:effectRef>
-          <a:fontRef idx="minor">
-            <a:schemeClr val="dk1"/>
-          </a:fontRef>
-        </p:style>
-        <p:txBody>
-          <a:bodyPr vert="horz" wrap="square" lIns="91440" tIns="45720" rIns="91440" bIns="45720" numCol="1" anchor="ctr" anchorCtr="0" compatLnSpc="1">
-            <a:prstTxWarp prst="textNoShape">
-              <a:avLst/>
-            </a:prstTxWarp>
-            <a:spAutoFit/>
-          </a:bodyPr>
-          <a:lstStyle/>
-          <a:p>
-            <a:pPr marL="0" marR="0" lvl="0" indent="0" algn="l" defTabSz="914400" rtl="0" eaLnBrk="0" fontAlgn="base" latinLnBrk="0" hangingPunct="0">
-              <a:lnSpc>
-                <a:spcPct val="100000"/>
-              </a:lnSpc>
-              <a:spcBef>
-                <a:spcPct val="0"/>
-              </a:spcBef>
-              <a:spcAft>
-                <a:spcPct val="0"/>
-              </a:spcAft>
-              <a:buClrTx/>
-              <a:buSzTx/>
-              <a:buFontTx/>
-              <a:buNone/>
-              <a:tabLst/>
-            </a:pPr>
-            <a:r>
-              <a:rPr kumimoji="0" lang="en-US" altLang="en-US" sz="1000" b="0" i="0" u="none" strike="noStrike" cap="none" normalizeH="0" baseline="0" dirty="0" err="1" smtClean="0">
-                <a:ln>
-                  <a:noFill/>
-                </a:ln>
-                <a:solidFill>
-                  <a:srgbClr val="00B050"/>
-                </a:solidFill>
-                <a:effectLst/>
-                <a:latin typeface="Consolas" panose="020B0609020204030204" pitchFamily="49" charset="0"/>
-                <a:cs typeface="Consolas" panose="020B0609020204030204" pitchFamily="49" charset="0"/>
-              </a:rPr>
-              <a:t>BSC,BTS,TS,GRANULARITY,nbr_call_request,nbr_call_response</a:t>
-            </a:r>
-            <a:r>
-              <a:rPr kumimoji="0" lang="en-US" altLang="en-US" sz="1000" b="0" i="0" u="none" strike="noStrike" cap="none" normalizeH="0" baseline="0" dirty="0" smtClean="0">
-                <a:ln>
-                  <a:noFill/>
-                </a:ln>
-                <a:solidFill>
-                  <a:srgbClr val="000000"/>
-                </a:solidFill>
-                <a:effectLst/>
-                <a:latin typeface="Consolas" panose="020B0609020204030204" pitchFamily="49" charset="0"/>
-                <a:cs typeface="Consolas" panose="020B0609020204030204" pitchFamily="49" charset="0"/>
-              </a:rPr>
-              <a:t/>
-            </a:r>
-            <a:br>
-              <a:rPr kumimoji="0" lang="en-US" altLang="en-US" sz="1000" b="0" i="0" u="none" strike="noStrike" cap="none" normalizeH="0" baseline="0" dirty="0" smtClean="0">
-                <a:ln>
-                  <a:noFill/>
-                </a:ln>
-                <a:solidFill>
-                  <a:srgbClr val="000000"/>
-                </a:solidFill>
-                <a:effectLst/>
-                <a:latin typeface="Consolas" panose="020B0609020204030204" pitchFamily="49" charset="0"/>
-                <a:cs typeface="Consolas" panose="020B0609020204030204" pitchFamily="49" charset="0"/>
-              </a:rPr>
-            </a:br>
-            <a:r>
-              <a:rPr kumimoji="0" lang="en-US" altLang="en-US" sz="1000" b="0" i="0" u="none" strike="noStrike" cap="none" normalizeH="0" baseline="0" dirty="0" smtClean="0">
-                <a:ln>
-                  <a:noFill/>
-                </a:ln>
-                <a:solidFill>
-                  <a:srgbClr val="000000"/>
-                </a:solidFill>
-                <a:effectLst/>
-                <a:latin typeface="Consolas" panose="020B0609020204030204" pitchFamily="49" charset="0"/>
-                <a:cs typeface="Consolas" panose="020B0609020204030204" pitchFamily="49" charset="0"/>
-              </a:rPr>
-              <a:t>BSC1,BTS1,100000000000,900,1,2</a:t>
-            </a:r>
-            <a:br>
-              <a:rPr kumimoji="0" lang="en-US" altLang="en-US" sz="1000" b="0" i="0" u="none" strike="noStrike" cap="none" normalizeH="0" baseline="0" dirty="0" smtClean="0">
-                <a:ln>
-                  <a:noFill/>
-                </a:ln>
-                <a:solidFill>
-                  <a:srgbClr val="000000"/>
-                </a:solidFill>
-                <a:effectLst/>
-                <a:latin typeface="Consolas" panose="020B0609020204030204" pitchFamily="49" charset="0"/>
-                <a:cs typeface="Consolas" panose="020B0609020204030204" pitchFamily="49" charset="0"/>
-              </a:rPr>
-            </a:br>
-            <a:r>
-              <a:rPr kumimoji="0" lang="en-US" altLang="en-US" sz="1000" b="0" i="0" u="none" strike="noStrike" cap="none" normalizeH="0" baseline="0" dirty="0" smtClean="0">
-                <a:ln>
-                  <a:noFill/>
-                </a:ln>
-                <a:solidFill>
-                  <a:srgbClr val="000000"/>
-                </a:solidFill>
-                <a:effectLst/>
-                <a:latin typeface="Consolas" panose="020B0609020204030204" pitchFamily="49" charset="0"/>
-                <a:cs typeface="Consolas" panose="020B0609020204030204" pitchFamily="49" charset="0"/>
-              </a:rPr>
-              <a:t>BSC1,BTS1,100000900000,900,1,2</a:t>
-            </a:r>
-            <a:br>
-              <a:rPr kumimoji="0" lang="en-US" altLang="en-US" sz="1000" b="0" i="0" u="none" strike="noStrike" cap="none" normalizeH="0" baseline="0" dirty="0" smtClean="0">
-                <a:ln>
-                  <a:noFill/>
-                </a:ln>
-                <a:solidFill>
-                  <a:srgbClr val="000000"/>
-                </a:solidFill>
-                <a:effectLst/>
-                <a:latin typeface="Consolas" panose="020B0609020204030204" pitchFamily="49" charset="0"/>
-                <a:cs typeface="Consolas" panose="020B0609020204030204" pitchFamily="49" charset="0"/>
-              </a:rPr>
-            </a:br>
-            <a:r>
-              <a:rPr kumimoji="0" lang="en-US" altLang="en-US" sz="1000" b="0" i="0" u="none" strike="noStrike" cap="none" normalizeH="0" baseline="0" dirty="0" smtClean="0">
-                <a:ln>
-                  <a:noFill/>
-                </a:ln>
-                <a:solidFill>
-                  <a:srgbClr val="000000"/>
-                </a:solidFill>
-                <a:effectLst/>
-                <a:latin typeface="Consolas" panose="020B0609020204030204" pitchFamily="49" charset="0"/>
-                <a:cs typeface="Consolas" panose="020B0609020204030204" pitchFamily="49" charset="0"/>
-              </a:rPr>
-              <a:t>BSC1,BTS1,100001800000,900,1,2</a:t>
-            </a:r>
-            <a:br>
-              <a:rPr kumimoji="0" lang="en-US" altLang="en-US" sz="1000" b="0" i="0" u="none" strike="noStrike" cap="none" normalizeH="0" baseline="0" dirty="0" smtClean="0">
-                <a:ln>
-                  <a:noFill/>
-                </a:ln>
-                <a:solidFill>
-                  <a:srgbClr val="000000"/>
-                </a:solidFill>
-                <a:effectLst/>
-                <a:latin typeface="Consolas" panose="020B0609020204030204" pitchFamily="49" charset="0"/>
-                <a:cs typeface="Consolas" panose="020B0609020204030204" pitchFamily="49" charset="0"/>
-              </a:rPr>
-            </a:br>
-            <a:r>
-              <a:rPr kumimoji="0" lang="en-US" altLang="en-US" sz="1000" b="0" i="0" u="none" strike="noStrike" cap="none" normalizeH="0" baseline="0" dirty="0" smtClean="0">
-                <a:ln>
-                  <a:noFill/>
-                </a:ln>
-                <a:solidFill>
-                  <a:srgbClr val="000000"/>
-                </a:solidFill>
-                <a:effectLst/>
-                <a:latin typeface="Consolas" panose="020B0609020204030204" pitchFamily="49" charset="0"/>
-                <a:cs typeface="Consolas" panose="020B0609020204030204" pitchFamily="49" charset="0"/>
-              </a:rPr>
-              <a:t>BSC1,BTS1,100002700000,900,1,2</a:t>
-            </a:r>
-            <a:br>
-              <a:rPr kumimoji="0" lang="en-US" altLang="en-US" sz="1000" b="0" i="0" u="none" strike="noStrike" cap="none" normalizeH="0" baseline="0" dirty="0" smtClean="0">
-                <a:ln>
-                  <a:noFill/>
-                </a:ln>
-                <a:solidFill>
-                  <a:srgbClr val="000000"/>
-                </a:solidFill>
-                <a:effectLst/>
-                <a:latin typeface="Consolas" panose="020B0609020204030204" pitchFamily="49" charset="0"/>
-                <a:cs typeface="Consolas" panose="020B0609020204030204" pitchFamily="49" charset="0"/>
-              </a:rPr>
-            </a:br>
-            <a:r>
-              <a:rPr kumimoji="0" lang="en-US" altLang="en-US" sz="1000" b="0" i="0" u="none" strike="noStrike" cap="none" normalizeH="0" baseline="0" dirty="0" smtClean="0">
-                <a:ln>
-                  <a:noFill/>
-                </a:ln>
-                <a:solidFill>
-                  <a:srgbClr val="000000"/>
-                </a:solidFill>
-                <a:effectLst/>
-                <a:latin typeface="Consolas" panose="020B0609020204030204" pitchFamily="49" charset="0"/>
-                <a:cs typeface="Consolas" panose="020B0609020204030204" pitchFamily="49" charset="0"/>
-              </a:rPr>
-              <a:t>BSC1,BTS2,100000000000,900,1,2</a:t>
-            </a:r>
-            <a:br>
-              <a:rPr kumimoji="0" lang="en-US" altLang="en-US" sz="1000" b="0" i="0" u="none" strike="noStrike" cap="none" normalizeH="0" baseline="0" dirty="0" smtClean="0">
-                <a:ln>
-                  <a:noFill/>
-                </a:ln>
-                <a:solidFill>
-                  <a:srgbClr val="000000"/>
-                </a:solidFill>
-                <a:effectLst/>
-                <a:latin typeface="Consolas" panose="020B0609020204030204" pitchFamily="49" charset="0"/>
-                <a:cs typeface="Consolas" panose="020B0609020204030204" pitchFamily="49" charset="0"/>
-              </a:rPr>
-            </a:br>
-            <a:r>
-              <a:rPr kumimoji="0" lang="en-US" altLang="en-US" sz="1000" b="0" i="0" u="none" strike="noStrike" cap="none" normalizeH="0" baseline="0" dirty="0" smtClean="0">
-                <a:ln>
-                  <a:noFill/>
-                </a:ln>
-                <a:solidFill>
-                  <a:srgbClr val="000000"/>
-                </a:solidFill>
-                <a:effectLst/>
-                <a:latin typeface="Consolas" panose="020B0609020204030204" pitchFamily="49" charset="0"/>
-                <a:cs typeface="Consolas" panose="020B0609020204030204" pitchFamily="49" charset="0"/>
-              </a:rPr>
-              <a:t>BSC1,BTS2,100000900000,900,1,2</a:t>
-            </a:r>
-            <a:br>
-              <a:rPr kumimoji="0" lang="en-US" altLang="en-US" sz="1000" b="0" i="0" u="none" strike="noStrike" cap="none" normalizeH="0" baseline="0" dirty="0" smtClean="0">
-                <a:ln>
-                  <a:noFill/>
-                </a:ln>
-                <a:solidFill>
-                  <a:srgbClr val="000000"/>
-                </a:solidFill>
-                <a:effectLst/>
-                <a:latin typeface="Consolas" panose="020B0609020204030204" pitchFamily="49" charset="0"/>
-                <a:cs typeface="Consolas" panose="020B0609020204030204" pitchFamily="49" charset="0"/>
-              </a:rPr>
-            </a:br>
-            <a:r>
-              <a:rPr kumimoji="0" lang="en-US" altLang="en-US" sz="1000" b="0" i="0" u="none" strike="noStrike" cap="none" normalizeH="0" baseline="0" dirty="0" smtClean="0">
-                <a:ln>
-                  <a:noFill/>
-                </a:ln>
-                <a:solidFill>
-                  <a:srgbClr val="000000"/>
-                </a:solidFill>
-                <a:effectLst/>
-                <a:latin typeface="Consolas" panose="020B0609020204030204" pitchFamily="49" charset="0"/>
-                <a:cs typeface="Consolas" panose="020B0609020204030204" pitchFamily="49" charset="0"/>
-              </a:rPr>
-              <a:t>BSC1,BTS2,100001800000,900,1,2</a:t>
-            </a:r>
-            <a:br>
-              <a:rPr kumimoji="0" lang="en-US" altLang="en-US" sz="1000" b="0" i="0" u="none" strike="noStrike" cap="none" normalizeH="0" baseline="0" dirty="0" smtClean="0">
-                <a:ln>
-                  <a:noFill/>
-                </a:ln>
-                <a:solidFill>
-                  <a:srgbClr val="000000"/>
-                </a:solidFill>
-                <a:effectLst/>
-                <a:latin typeface="Consolas" panose="020B0609020204030204" pitchFamily="49" charset="0"/>
-                <a:cs typeface="Consolas" panose="020B0609020204030204" pitchFamily="49" charset="0"/>
-              </a:rPr>
-            </a:br>
-            <a:r>
-              <a:rPr kumimoji="0" lang="en-US" altLang="en-US" sz="1000" b="0" i="0" u="none" strike="noStrike" cap="none" normalizeH="0" baseline="0" dirty="0" smtClean="0">
-                <a:ln>
-                  <a:noFill/>
-                </a:ln>
-                <a:solidFill>
-                  <a:srgbClr val="000000"/>
-                </a:solidFill>
-                <a:effectLst/>
-                <a:latin typeface="Consolas" panose="020B0609020204030204" pitchFamily="49" charset="0"/>
-                <a:cs typeface="Consolas" panose="020B0609020204030204" pitchFamily="49" charset="0"/>
-              </a:rPr>
-              <a:t>BSC1,BTS2,100002700000,900,1,2</a:t>
-            </a:r>
-            <a:endParaRPr kumimoji="0" lang="en-US" altLang="en-US" sz="1800" b="0" i="0" u="none" strike="noStrike" cap="none" normalizeH="0" baseline="0" dirty="0" smtClean="0">
-              <a:ln>
-                <a:noFill/>
-              </a:ln>
-              <a:solidFill>
-                <a:schemeClr val="tx1"/>
-              </a:solidFill>
-              <a:effectLst/>
-              <a:latin typeface="Arial" panose="020B0604020202020204" pitchFamily="34" charset="0"/>
-            </a:endParaRPr>
-          </a:p>
-        </p:txBody>
-      </p:sp>
-      <p:sp>
-        <p:nvSpPr>
-          <p:cNvPr id="2" name="Title 1"/>
-          <p:cNvSpPr>
-            <a:spLocks noGrp="1"/>
-          </p:cNvSpPr>
-          <p:nvPr>
-            <p:ph type="title"/>
-          </p:nvPr>
-        </p:nvSpPr>
-        <p:spPr/>
-        <p:txBody>
-          <a:bodyPr/>
-          <a:lstStyle/>
-          <a:p>
-            <a:r>
-              <a:rPr lang="en-US" dirty="0" smtClean="0"/>
-              <a:t>Modeling</a:t>
-            </a:r>
-            <a:endParaRPr lang="en-US" dirty="0"/>
-          </a:p>
-        </p:txBody>
-      </p:sp>
-      <p:sp>
-        <p:nvSpPr>
-          <p:cNvPr id="4" name="Slide Number Placeholder 3"/>
-          <p:cNvSpPr>
-            <a:spLocks noGrp="1"/>
-          </p:cNvSpPr>
-          <p:nvPr>
-            <p:ph type="sldNum" sz="quarter" idx="12"/>
-          </p:nvPr>
-        </p:nvSpPr>
-        <p:spPr/>
-        <p:txBody>
-          <a:bodyPr/>
-          <a:lstStyle/>
-          <a:p>
-            <a:fld id="{B016F8AB-BCEA-4347-8BA6-BE776009BC89}" type="slidenum">
-              <a:rPr lang="en-US" smtClean="0"/>
-              <a:pPr/>
-              <a:t>7</a:t>
-            </a:fld>
-            <a:endParaRPr lang="en-US"/>
-          </a:p>
-        </p:txBody>
-      </p:sp>
-      <p:sp>
-        <p:nvSpPr>
-          <p:cNvPr id="6" name="TextBox 5"/>
-          <p:cNvSpPr txBox="1"/>
-          <p:nvPr/>
-        </p:nvSpPr>
-        <p:spPr>
-          <a:xfrm>
-            <a:off x="1970547" y="3092733"/>
-            <a:ext cx="685800" cy="167743"/>
-          </a:xfrm>
-          <a:prstGeom prst="rect">
-            <a:avLst/>
-          </a:prstGeom>
-          <a:noFill/>
-        </p:spPr>
-        <p:txBody>
-          <a:bodyPr wrap="none" lIns="0" tIns="0" rIns="0" bIns="0" rtlCol="0">
-            <a:noAutofit/>
-          </a:bodyPr>
-          <a:lstStyle/>
-          <a:p>
-            <a:pPr>
-              <a:lnSpc>
-                <a:spcPct val="90000"/>
-              </a:lnSpc>
-            </a:pPr>
-            <a:r>
-              <a:rPr lang="en-US" sz="1400" dirty="0" smtClean="0"/>
-              <a:t>CSV file</a:t>
-            </a:r>
-            <a:endParaRPr lang="en-US" sz="1400" dirty="0"/>
-          </a:p>
-        </p:txBody>
-      </p:sp>
-      <p:sp>
-        <p:nvSpPr>
-          <p:cNvPr id="7" name="Rectangle 1"/>
-          <p:cNvSpPr>
-            <a:spLocks noChangeArrowheads="1"/>
-          </p:cNvSpPr>
-          <p:nvPr/>
-        </p:nvSpPr>
-        <p:spPr bwMode="auto">
-          <a:xfrm>
-            <a:off x="762000" y="1699677"/>
-            <a:ext cx="3429000" cy="400110"/>
-          </a:xfrm>
-          <a:prstGeom prst="rect">
-            <a:avLst/>
-          </a:prstGeom>
-          <a:solidFill>
-            <a:srgbClr val="FFFFFF"/>
-          </a:solidFill>
-          <a:ln>
-            <a:noFill/>
-          </a:ln>
-          <a:effectLst/>
-          <a:extLst>
-            <a:ext uri="{91240B29-F687-4F45-9708-019B960494DF}">
-              <a14:hiddenLine xmlns:a14="http://schemas.microsoft.com/office/drawing/2010/main" w="9525">
-                <a:solidFill>
-                  <a:schemeClr val="tx1"/>
-                </a:solidFill>
-                <a:miter lim="800000"/>
-                <a:headEnd/>
-                <a:tailEnd/>
-              </a14:hiddenLine>
-            </a:ext>
-            <a:ext uri="{AF507438-7753-43E0-B8FC-AC1667EBCBE1}">
-              <a14:hiddenEffects xmlns:a14="http://schemas.microsoft.com/office/drawing/2010/main">
-                <a:effectLst>
-                  <a:outerShdw dist="35921" dir="2700000" algn="ctr" rotWithShape="0">
-                    <a:schemeClr val="bg2"/>
-                  </a:outerShdw>
-                </a:effectLst>
-              </a14:hiddenEffects>
-            </a:ext>
-          </a:extLst>
-        </p:spPr>
-        <p:txBody>
-          <a:bodyPr vert="horz" wrap="square" lIns="91440" tIns="45720" rIns="91440" bIns="45720" numCol="1" anchor="ctr" anchorCtr="0" compatLnSpc="1">
-            <a:prstTxWarp prst="textNoShape">
-              <a:avLst/>
-            </a:prstTxWarp>
-            <a:spAutoFit/>
-          </a:bodyPr>
-          <a:lstStyle/>
-          <a:p>
-            <a:pPr marL="0" marR="0" lvl="0" indent="0" algn="l" defTabSz="914400" rtl="0" eaLnBrk="0" fontAlgn="base" latinLnBrk="0" hangingPunct="0">
-              <a:lnSpc>
-                <a:spcPct val="100000"/>
-              </a:lnSpc>
-              <a:spcBef>
-                <a:spcPct val="0"/>
-              </a:spcBef>
-              <a:spcAft>
-                <a:spcPct val="0"/>
-              </a:spcAft>
-              <a:buClrTx/>
-              <a:buSzTx/>
-              <a:buFontTx/>
-              <a:buNone/>
-              <a:tabLst/>
-            </a:pPr>
-            <a:r>
-              <a:rPr kumimoji="0" lang="en-US" altLang="en-US" sz="1000" b="0" i="0" u="none" strike="noStrike" cap="none" normalizeH="0" baseline="0" dirty="0" smtClean="0">
-                <a:ln>
-                  <a:noFill/>
-                </a:ln>
-                <a:solidFill>
-                  <a:srgbClr val="000000"/>
-                </a:solidFill>
-                <a:effectLst/>
-                <a:latin typeface="Consolas" panose="020B0609020204030204" pitchFamily="49" charset="0"/>
-                <a:cs typeface="Consolas" panose="020B0609020204030204" pitchFamily="49" charset="0"/>
-              </a:rPr>
-              <a:t>merge (:TEMPLATE:BSC {type:"BSC",</a:t>
-            </a:r>
-            <a:r>
-              <a:rPr kumimoji="0" lang="en-US" altLang="en-US" sz="1000" b="0" i="0" u="none" strike="noStrike" cap="none" normalizeH="0" baseline="0" dirty="0" err="1" smtClean="0">
-                <a:ln>
-                  <a:noFill/>
-                </a:ln>
-                <a:solidFill>
-                  <a:srgbClr val="000000"/>
-                </a:solidFill>
-                <a:effectLst/>
-                <a:latin typeface="Consolas" panose="020B0609020204030204" pitchFamily="49" charset="0"/>
-                <a:cs typeface="Consolas" panose="020B0609020204030204" pitchFamily="49" charset="0"/>
-              </a:rPr>
-              <a:t>desc</a:t>
-            </a:r>
-            <a:r>
-              <a:rPr kumimoji="0" lang="en-US" altLang="en-US" sz="1000" b="0" i="0" u="none" strike="noStrike" cap="none" normalizeH="0" baseline="0" dirty="0" smtClean="0">
-                <a:ln>
-                  <a:noFill/>
-                </a:ln>
-                <a:solidFill>
-                  <a:srgbClr val="000000"/>
-                </a:solidFill>
-                <a:effectLst/>
-                <a:latin typeface="Consolas" panose="020B0609020204030204" pitchFamily="49" charset="0"/>
-                <a:cs typeface="Consolas" panose="020B0609020204030204" pitchFamily="49" charset="0"/>
-              </a:rPr>
-              <a:t>:""});</a:t>
-            </a:r>
-            <a:br>
-              <a:rPr kumimoji="0" lang="en-US" altLang="en-US" sz="1000" b="0" i="0" u="none" strike="noStrike" cap="none" normalizeH="0" baseline="0" dirty="0" smtClean="0">
-                <a:ln>
-                  <a:noFill/>
-                </a:ln>
-                <a:solidFill>
-                  <a:srgbClr val="000000"/>
-                </a:solidFill>
-                <a:effectLst/>
-                <a:latin typeface="Consolas" panose="020B0609020204030204" pitchFamily="49" charset="0"/>
-                <a:cs typeface="Consolas" panose="020B0609020204030204" pitchFamily="49" charset="0"/>
-              </a:rPr>
-            </a:br>
-            <a:r>
-              <a:rPr kumimoji="0" lang="en-US" altLang="en-US" sz="1000" b="0" i="0" u="none" strike="noStrike" cap="none" normalizeH="0" baseline="0" dirty="0" smtClean="0">
-                <a:ln>
-                  <a:noFill/>
-                </a:ln>
-                <a:solidFill>
-                  <a:srgbClr val="000000"/>
-                </a:solidFill>
-                <a:effectLst/>
-                <a:latin typeface="Consolas" panose="020B0609020204030204" pitchFamily="49" charset="0"/>
-                <a:cs typeface="Consolas" panose="020B0609020204030204" pitchFamily="49" charset="0"/>
-              </a:rPr>
-              <a:t>merge (:TEMPLATE:BTS {type:"BTS",</a:t>
-            </a:r>
-            <a:r>
-              <a:rPr kumimoji="0" lang="en-US" altLang="en-US" sz="1000" b="0" i="0" u="none" strike="noStrike" cap="none" normalizeH="0" baseline="0" dirty="0" err="1" smtClean="0">
-                <a:ln>
-                  <a:noFill/>
-                </a:ln>
-                <a:solidFill>
-                  <a:srgbClr val="000000"/>
-                </a:solidFill>
-                <a:effectLst/>
-                <a:latin typeface="Consolas" panose="020B0609020204030204" pitchFamily="49" charset="0"/>
-                <a:cs typeface="Consolas" panose="020B0609020204030204" pitchFamily="49" charset="0"/>
-              </a:rPr>
-              <a:t>desc</a:t>
-            </a:r>
-            <a:r>
-              <a:rPr kumimoji="0" lang="en-US" altLang="en-US" sz="1000" b="0" i="0" u="none" strike="noStrike" cap="none" normalizeH="0" baseline="0" dirty="0" smtClean="0">
-                <a:ln>
-                  <a:noFill/>
-                </a:ln>
-                <a:solidFill>
-                  <a:srgbClr val="000000"/>
-                </a:solidFill>
-                <a:effectLst/>
-                <a:latin typeface="Consolas" panose="020B0609020204030204" pitchFamily="49" charset="0"/>
-                <a:cs typeface="Consolas" panose="020B0609020204030204" pitchFamily="49" charset="0"/>
-              </a:rPr>
-              <a:t>:""});</a:t>
-            </a:r>
-            <a:endParaRPr kumimoji="0" lang="en-US" altLang="en-US" sz="1800" b="0" i="0" u="none" strike="noStrike" cap="none" normalizeH="0" baseline="0" dirty="0" smtClean="0">
-              <a:ln>
-                <a:noFill/>
-              </a:ln>
-              <a:solidFill>
-                <a:schemeClr val="tx1"/>
-              </a:solidFill>
-              <a:effectLst/>
-              <a:latin typeface="Arial" panose="020B0604020202020204" pitchFamily="34" charset="0"/>
-            </a:endParaRPr>
-          </a:p>
-        </p:txBody>
-      </p:sp>
-      <p:cxnSp>
-        <p:nvCxnSpPr>
-          <p:cNvPr id="9" name="Straight Arrow Connector 8"/>
-          <p:cNvCxnSpPr/>
-          <p:nvPr/>
-        </p:nvCxnSpPr>
-        <p:spPr>
-          <a:xfrm>
-            <a:off x="2933700" y="2042154"/>
-            <a:ext cx="419100" cy="534373"/>
-          </a:xfrm>
-          <a:prstGeom prst="straightConnector1">
-            <a:avLst/>
-          </a:prstGeom>
-          <a:ln w="19050">
-            <a:solidFill>
-              <a:schemeClr val="tx1"/>
-            </a:solidFill>
-            <a:tailEnd type="triangle"/>
-          </a:ln>
-        </p:spPr>
-        <p:style>
-          <a:lnRef idx="1">
-            <a:schemeClr val="accent1"/>
-          </a:lnRef>
-          <a:fillRef idx="0">
-            <a:schemeClr val="accent1"/>
-          </a:fillRef>
-          <a:effectRef idx="0">
-            <a:schemeClr val="accent1"/>
-          </a:effectRef>
-          <a:fontRef idx="minor">
-            <a:schemeClr val="tx1"/>
-          </a:fontRef>
-        </p:style>
-      </p:cxnSp>
-      <p:cxnSp>
-        <p:nvCxnSpPr>
-          <p:cNvPr id="11" name="Straight Arrow Connector 10"/>
-          <p:cNvCxnSpPr/>
-          <p:nvPr/>
-        </p:nvCxnSpPr>
-        <p:spPr>
-          <a:xfrm>
-            <a:off x="2819400" y="1866412"/>
-            <a:ext cx="228600" cy="710115"/>
-          </a:xfrm>
-          <a:prstGeom prst="straightConnector1">
-            <a:avLst/>
-          </a:prstGeom>
-          <a:ln w="19050">
-            <a:solidFill>
-              <a:schemeClr val="tx1"/>
-            </a:solidFill>
-            <a:tailEnd type="triangle"/>
-          </a:ln>
-        </p:spPr>
-        <p:style>
-          <a:lnRef idx="1">
-            <a:schemeClr val="accent1"/>
-          </a:lnRef>
-          <a:fillRef idx="0">
-            <a:schemeClr val="accent1"/>
-          </a:fillRef>
-          <a:effectRef idx="0">
-            <a:schemeClr val="accent1"/>
-          </a:effectRef>
-          <a:fontRef idx="minor">
-            <a:schemeClr val="tx1"/>
-          </a:fontRef>
-        </p:style>
-      </p:cxnSp>
-      <p:sp>
-        <p:nvSpPr>
-          <p:cNvPr id="13" name="Rectangle 2"/>
-          <p:cNvSpPr>
-            <a:spLocks noChangeArrowheads="1"/>
-          </p:cNvSpPr>
-          <p:nvPr/>
-        </p:nvSpPr>
-        <p:spPr bwMode="auto">
-          <a:xfrm>
-            <a:off x="4264152" y="1676960"/>
-            <a:ext cx="3352800" cy="400110"/>
-          </a:xfrm>
-          <a:prstGeom prst="rect">
-            <a:avLst/>
-          </a:prstGeom>
-          <a:solidFill>
-            <a:srgbClr val="FFFFFF"/>
-          </a:solidFill>
-          <a:ln>
-            <a:noFill/>
-          </a:ln>
-          <a:effectLst/>
-          <a:extLst>
-            <a:ext uri="{91240B29-F687-4F45-9708-019B960494DF}">
-              <a14:hiddenLine xmlns:a14="http://schemas.microsoft.com/office/drawing/2010/main" w="9525">
-                <a:solidFill>
-                  <a:schemeClr val="tx1"/>
-                </a:solidFill>
-                <a:miter lim="800000"/>
-                <a:headEnd/>
-                <a:tailEnd/>
-              </a14:hiddenLine>
-            </a:ext>
-            <a:ext uri="{AF507438-7753-43E0-B8FC-AC1667EBCBE1}">
-              <a14:hiddenEffects xmlns:a14="http://schemas.microsoft.com/office/drawing/2010/main">
-                <a:effectLst>
-                  <a:outerShdw dist="35921" dir="2700000" algn="ctr" rotWithShape="0">
-                    <a:schemeClr val="bg2"/>
-                  </a:outerShdw>
-                </a:effectLst>
-              </a14:hiddenEffects>
-            </a:ext>
-          </a:extLst>
-        </p:spPr>
-        <p:txBody>
-          <a:bodyPr vert="horz" wrap="square" lIns="91440" tIns="45720" rIns="91440" bIns="45720" numCol="1" anchor="ctr" anchorCtr="0" compatLnSpc="1">
-            <a:prstTxWarp prst="textNoShape">
-              <a:avLst/>
-            </a:prstTxWarp>
-            <a:spAutoFit/>
-          </a:bodyPr>
-          <a:lstStyle/>
-          <a:p>
-            <a:pPr marL="0" marR="0" lvl="0" indent="0" algn="l" defTabSz="914400" rtl="0" eaLnBrk="0" fontAlgn="base" latinLnBrk="0" hangingPunct="0">
-              <a:lnSpc>
-                <a:spcPct val="100000"/>
-              </a:lnSpc>
-              <a:spcBef>
-                <a:spcPct val="0"/>
-              </a:spcBef>
-              <a:spcAft>
-                <a:spcPct val="0"/>
-              </a:spcAft>
-              <a:buClrTx/>
-              <a:buSzTx/>
-              <a:buFontTx/>
-              <a:buNone/>
-              <a:tabLst/>
-            </a:pPr>
-            <a:r>
-              <a:rPr kumimoji="0" lang="en-US" altLang="en-US" sz="1000" b="0" i="0" u="none" strike="noStrike" cap="none" normalizeH="0" baseline="0" dirty="0" smtClean="0">
-                <a:ln>
-                  <a:noFill/>
-                </a:ln>
-                <a:solidFill>
-                  <a:srgbClr val="000000"/>
-                </a:solidFill>
-                <a:effectLst/>
-                <a:latin typeface="Consolas" panose="020B0609020204030204" pitchFamily="49" charset="0"/>
-                <a:cs typeface="Consolas" panose="020B0609020204030204" pitchFamily="49" charset="0"/>
-              </a:rPr>
-              <a:t>merge (:KPI_DEF {id:0,name:"number of service request",type:0,formula:"nbr_call_request"});</a:t>
-            </a:r>
-            <a:endParaRPr kumimoji="0" lang="en-US" altLang="en-US" sz="1800" b="0" i="0" u="none" strike="noStrike" cap="none" normalizeH="0" baseline="0" dirty="0" smtClean="0">
-              <a:ln>
-                <a:noFill/>
-              </a:ln>
-              <a:solidFill>
-                <a:schemeClr val="tx1"/>
-              </a:solidFill>
-              <a:effectLst/>
-              <a:latin typeface="Arial" panose="020B0604020202020204" pitchFamily="34" charset="0"/>
-            </a:endParaRPr>
-          </a:p>
-        </p:txBody>
-      </p:sp>
-      <p:cxnSp>
-        <p:nvCxnSpPr>
-          <p:cNvPr id="15" name="Straight Arrow Connector 14"/>
-          <p:cNvCxnSpPr/>
-          <p:nvPr/>
-        </p:nvCxnSpPr>
-        <p:spPr>
-          <a:xfrm flipH="1">
-            <a:off x="5275929" y="1952924"/>
-            <a:ext cx="1124871" cy="636478"/>
-          </a:xfrm>
-          <a:prstGeom prst="straightConnector1">
-            <a:avLst/>
-          </a:prstGeom>
-          <a:ln w="19050">
-            <a:solidFill>
-              <a:schemeClr val="tx1"/>
-            </a:solidFill>
-            <a:tailEnd type="triangle"/>
-          </a:ln>
-        </p:spPr>
-        <p:style>
-          <a:lnRef idx="1">
-            <a:schemeClr val="accent1"/>
-          </a:lnRef>
-          <a:fillRef idx="0">
-            <a:schemeClr val="accent1"/>
-          </a:fillRef>
-          <a:effectRef idx="0">
-            <a:schemeClr val="accent1"/>
-          </a:effectRef>
-          <a:fontRef idx="minor">
-            <a:schemeClr val="tx1"/>
-          </a:fontRef>
-        </p:style>
-      </p:cxnSp>
-      <p:sp>
-        <p:nvSpPr>
-          <p:cNvPr id="16" name="Rectangle 3"/>
-          <p:cNvSpPr>
-            <a:spLocks noChangeArrowheads="1"/>
-          </p:cNvSpPr>
-          <p:nvPr/>
-        </p:nvSpPr>
-        <p:spPr bwMode="auto">
-          <a:xfrm>
-            <a:off x="7772400" y="1821359"/>
-            <a:ext cx="3886200" cy="400110"/>
-          </a:xfrm>
-          <a:prstGeom prst="rect">
-            <a:avLst/>
-          </a:prstGeom>
-          <a:solidFill>
-            <a:srgbClr val="FFFFFF"/>
-          </a:solidFill>
-          <a:ln>
-            <a:noFill/>
-          </a:ln>
-          <a:effectLst/>
-          <a:extLst>
-            <a:ext uri="{91240B29-F687-4F45-9708-019B960494DF}">
-              <a14:hiddenLine xmlns:a14="http://schemas.microsoft.com/office/drawing/2010/main" w="9525">
-                <a:solidFill>
-                  <a:schemeClr val="tx1"/>
-                </a:solidFill>
-                <a:miter lim="800000"/>
-                <a:headEnd/>
-                <a:tailEnd/>
-              </a14:hiddenLine>
-            </a:ext>
-            <a:ext uri="{AF507438-7753-43E0-B8FC-AC1667EBCBE1}">
-              <a14:hiddenEffects xmlns:a14="http://schemas.microsoft.com/office/drawing/2010/main">
-                <a:effectLst>
-                  <a:outerShdw dist="35921" dir="2700000" algn="ctr" rotWithShape="0">
-                    <a:schemeClr val="bg2"/>
-                  </a:outerShdw>
-                </a:effectLst>
-              </a14:hiddenEffects>
-            </a:ext>
-          </a:extLst>
-        </p:spPr>
-        <p:txBody>
-          <a:bodyPr vert="horz" wrap="square" lIns="91440" tIns="45720" rIns="91440" bIns="45720" numCol="1" anchor="ctr" anchorCtr="0" compatLnSpc="1">
-            <a:prstTxWarp prst="textNoShape">
-              <a:avLst/>
-            </a:prstTxWarp>
-            <a:spAutoFit/>
-          </a:bodyPr>
-          <a:lstStyle/>
-          <a:p>
-            <a:pPr marL="0" marR="0" lvl="0" indent="0" algn="l" defTabSz="914400" rtl="0" eaLnBrk="0" fontAlgn="base" latinLnBrk="0" hangingPunct="0">
-              <a:lnSpc>
-                <a:spcPct val="100000"/>
-              </a:lnSpc>
-              <a:spcBef>
-                <a:spcPct val="0"/>
-              </a:spcBef>
-              <a:spcAft>
-                <a:spcPct val="0"/>
-              </a:spcAft>
-              <a:buClrTx/>
-              <a:buSzTx/>
-              <a:buFontTx/>
-              <a:buNone/>
-              <a:tabLst/>
-            </a:pPr>
-            <a:r>
-              <a:rPr kumimoji="0" lang="en-US" altLang="en-US" sz="1000" b="0" i="0" u="none" strike="noStrike" cap="none" normalizeH="0" baseline="0" smtClean="0">
-                <a:ln>
-                  <a:noFill/>
-                </a:ln>
-                <a:solidFill>
-                  <a:srgbClr val="000000"/>
-                </a:solidFill>
-                <a:effectLst/>
-                <a:latin typeface="Consolas" panose="020B0609020204030204" pitchFamily="49" charset="0"/>
-                <a:cs typeface="Consolas" panose="020B0609020204030204" pitchFamily="49" charset="0"/>
-              </a:rPr>
-              <a:t>merge (:KPI_DEF {id:1,name:"number of success service request",type:0,formula:"nbr_call_response"});</a:t>
-            </a:r>
-            <a:endParaRPr kumimoji="0" lang="en-US" altLang="en-US" sz="1800" b="0" i="0" u="none" strike="noStrike" cap="none" normalizeH="0" baseline="0" smtClean="0">
-              <a:ln>
-                <a:noFill/>
-              </a:ln>
-              <a:solidFill>
-                <a:schemeClr val="tx1"/>
-              </a:solidFill>
-              <a:effectLst/>
-              <a:latin typeface="Arial" panose="020B0604020202020204" pitchFamily="34" charset="0"/>
-            </a:endParaRPr>
-          </a:p>
-        </p:txBody>
-      </p:sp>
-      <p:cxnSp>
-        <p:nvCxnSpPr>
-          <p:cNvPr id="18" name="Straight Arrow Connector 17"/>
-          <p:cNvCxnSpPr/>
-          <p:nvPr/>
-        </p:nvCxnSpPr>
-        <p:spPr>
-          <a:xfrm flipH="1">
-            <a:off x="6839871" y="2180818"/>
-            <a:ext cx="3294729" cy="395709"/>
-          </a:xfrm>
-          <a:prstGeom prst="straightConnector1">
-            <a:avLst/>
-          </a:prstGeom>
-          <a:ln w="19050">
-            <a:solidFill>
-              <a:schemeClr val="tx1"/>
-            </a:solidFill>
-            <a:tailEnd type="triangle"/>
-          </a:ln>
-        </p:spPr>
-        <p:style>
-          <a:lnRef idx="1">
-            <a:schemeClr val="accent1"/>
-          </a:lnRef>
-          <a:fillRef idx="0">
-            <a:schemeClr val="accent1"/>
-          </a:fillRef>
-          <a:effectRef idx="0">
-            <a:schemeClr val="accent1"/>
-          </a:effectRef>
-          <a:fontRef idx="minor">
-            <a:schemeClr val="tx1"/>
-          </a:fontRef>
-        </p:style>
-      </p:cxnSp>
-      <p:sp>
-        <p:nvSpPr>
-          <p:cNvPr id="19" name="Rectangle 4"/>
-          <p:cNvSpPr>
-            <a:spLocks noChangeArrowheads="1"/>
-          </p:cNvSpPr>
-          <p:nvPr/>
-        </p:nvSpPr>
-        <p:spPr bwMode="auto">
-          <a:xfrm>
-            <a:off x="2313447" y="4323041"/>
-            <a:ext cx="3733800" cy="246221"/>
-          </a:xfrm>
-          <a:prstGeom prst="rect">
-            <a:avLst/>
-          </a:prstGeom>
-          <a:solidFill>
-            <a:srgbClr val="FFFFFF"/>
-          </a:solidFill>
-          <a:ln>
-            <a:noFill/>
-          </a:ln>
-          <a:effectLst/>
-          <a:extLst>
-            <a:ext uri="{91240B29-F687-4F45-9708-019B960494DF}">
-              <a14:hiddenLine xmlns:a14="http://schemas.microsoft.com/office/drawing/2010/main" w="9525">
-                <a:solidFill>
-                  <a:schemeClr val="tx1"/>
-                </a:solidFill>
-                <a:miter lim="800000"/>
-                <a:headEnd/>
-                <a:tailEnd/>
-              </a14:hiddenLine>
-            </a:ext>
-            <a:ext uri="{AF507438-7753-43E0-B8FC-AC1667EBCBE1}">
-              <a14:hiddenEffects xmlns:a14="http://schemas.microsoft.com/office/drawing/2010/main">
-                <a:effectLst>
-                  <a:outerShdw dist="35921" dir="2700000" algn="ctr" rotWithShape="0">
-                    <a:schemeClr val="bg2"/>
-                  </a:outerShdw>
-                </a:effectLst>
-              </a14:hiddenEffects>
-            </a:ext>
-          </a:extLst>
-        </p:spPr>
-        <p:txBody>
-          <a:bodyPr vert="horz" wrap="square" lIns="91440" tIns="45720" rIns="91440" bIns="45720" numCol="1" anchor="ctr" anchorCtr="0" compatLnSpc="1">
-            <a:prstTxWarp prst="textNoShape">
-              <a:avLst/>
-            </a:prstTxWarp>
-            <a:spAutoFit/>
-          </a:bodyPr>
-          <a:lstStyle/>
-          <a:p>
-            <a:pPr marL="0" marR="0" lvl="0" indent="0" algn="l" defTabSz="914400" rtl="0" eaLnBrk="0" fontAlgn="base" latinLnBrk="0" hangingPunct="0">
-              <a:lnSpc>
-                <a:spcPct val="100000"/>
-              </a:lnSpc>
-              <a:spcBef>
-                <a:spcPct val="0"/>
-              </a:spcBef>
-              <a:spcAft>
-                <a:spcPct val="0"/>
-              </a:spcAft>
-              <a:buClrTx/>
-              <a:buSzTx/>
-              <a:buFontTx/>
-              <a:buNone/>
-              <a:tabLst/>
-            </a:pPr>
-            <a:r>
-              <a:rPr kumimoji="0" lang="en-US" altLang="en-US" sz="1000" b="0" i="0" u="none" strike="noStrike" cap="none" normalizeH="0" baseline="0" smtClean="0">
-                <a:ln>
-                  <a:noFill/>
-                </a:ln>
-                <a:solidFill>
-                  <a:srgbClr val="000000"/>
-                </a:solidFill>
-                <a:effectLst/>
-                <a:latin typeface="Consolas" panose="020B0609020204030204" pitchFamily="49" charset="0"/>
-                <a:cs typeface="Consolas" panose="020B0609020204030204" pitchFamily="49" charset="0"/>
-              </a:rPr>
-              <a:t>merge (:GRANULARITY {id:0,type:"15mins",num:900});</a:t>
-            </a:r>
-            <a:endParaRPr kumimoji="0" lang="en-US" altLang="en-US" sz="1800" b="0" i="0" u="none" strike="noStrike" cap="none" normalizeH="0" baseline="0" smtClean="0">
-              <a:ln>
-                <a:noFill/>
-              </a:ln>
-              <a:solidFill>
-                <a:schemeClr val="tx1"/>
-              </a:solidFill>
-              <a:effectLst/>
-              <a:latin typeface="Arial" panose="020B0604020202020204" pitchFamily="34" charset="0"/>
-            </a:endParaRPr>
-          </a:p>
-        </p:txBody>
-      </p:sp>
-      <p:cxnSp>
-        <p:nvCxnSpPr>
-          <p:cNvPr id="21" name="Straight Arrow Connector 20"/>
-          <p:cNvCxnSpPr/>
-          <p:nvPr/>
-        </p:nvCxnSpPr>
-        <p:spPr>
-          <a:xfrm flipH="1" flipV="1">
-            <a:off x="4724400" y="3886200"/>
-            <a:ext cx="838200" cy="567062"/>
-          </a:xfrm>
-          <a:prstGeom prst="straightConnector1">
-            <a:avLst/>
-          </a:prstGeom>
-          <a:ln w="19050">
-            <a:solidFill>
-              <a:schemeClr val="tx1"/>
-            </a:solidFill>
-            <a:tailEnd type="triangle"/>
-          </a:ln>
-        </p:spPr>
-        <p:style>
-          <a:lnRef idx="1">
-            <a:schemeClr val="accent1"/>
-          </a:lnRef>
-          <a:fillRef idx="0">
-            <a:schemeClr val="accent1"/>
-          </a:fillRef>
-          <a:effectRef idx="0">
-            <a:schemeClr val="accent1"/>
-          </a:effectRef>
-          <a:fontRef idx="minor">
-            <a:schemeClr val="tx1"/>
-          </a:fontRef>
-        </p:style>
-      </p:cxnSp>
-    </p:spTree>
-    <p:extLst>
-      <p:ext uri="{BB962C8B-B14F-4D97-AF65-F5344CB8AC3E}">
-        <p14:creationId xmlns:p14="http://schemas.microsoft.com/office/powerpoint/2010/main" val="1429119907"/>
-      </p:ext>
-    </p:extLst>
-  </p:cSld>
-  <p:clrMapOvr>
-    <a:masterClrMapping/>
-  </p:clrMapOvr>
-  <mc:AlternateContent xmlns:mc="http://schemas.openxmlformats.org/markup-compatibility/2006" xmlns:p14="http://schemas.microsoft.com/office/powerpoint/2010/main">
-    <mc:Choice Requires="p14">
-      <p:transition spd="med" p14:dur="700">
-        <p:fade/>
-      </p:transition>
-    </mc:Choice>
-    <mc:Fallback xmlns="">
-      <p:transition spd="med">
-        <p:fade/>
-      </p:transition>
-    </mc:Fallback>
-  </mc:AlternateContent>
-  <p:timing>
-    <p:tnLst>
-      <p:par>
-        <p:cTn id="1" dur="indefinite" restart="never" nodeType="tmRoot"/>
-      </p:par>
-    </p:tnLst>
-  </p:timing>
-</p:sld>
-</file>
-
-<file path=ppt/slides/slide8.xml><?xml version="1.0" encoding="utf-8"?>
-<p:sld xmlns:a="http://schemas.openxmlformats.org/drawingml/2006/main" xmlns:r="http://schemas.openxmlformats.org/officeDocument/2006/relationships" xmlns:p="http://schemas.openxmlformats.org/presentationml/2006/main">
-  <p:cSld>
-    <p:spTree>
-      <p:nvGrpSpPr>
-        <p:cNvPr id="1" name=""/>
-        <p:cNvGrpSpPr/>
-        <p:nvPr/>
-      </p:nvGrpSpPr>
-      <p:grpSpPr>
-        <a:xfrm>
-          <a:off x="0" y="0"/>
-          <a:ext cx="0" cy="0"/>
-          <a:chOff x="0" y="0"/>
-          <a:chExt cx="0" cy="0"/>
-        </a:xfrm>
-      </p:grpSpPr>
-      <p:sp>
-        <p:nvSpPr>
-          <p:cNvPr id="2" name="Title 1"/>
-          <p:cNvSpPr>
-            <a:spLocks noGrp="1"/>
-          </p:cNvSpPr>
-          <p:nvPr>
-            <p:ph type="title"/>
-          </p:nvPr>
-        </p:nvSpPr>
-        <p:spPr/>
-        <p:txBody>
-          <a:bodyPr/>
-          <a:lstStyle/>
-          <a:p>
-            <a:r>
-              <a:rPr lang="en-US" dirty="0" smtClean="0"/>
-              <a:t>After collect</a:t>
-            </a:r>
-            <a:endParaRPr lang="en-US" dirty="0"/>
-          </a:p>
-        </p:txBody>
-      </p:sp>
-      <p:sp>
-        <p:nvSpPr>
-          <p:cNvPr id="4" name="Slide Number Placeholder 3"/>
-          <p:cNvSpPr>
-            <a:spLocks noGrp="1"/>
-          </p:cNvSpPr>
-          <p:nvPr>
-            <p:ph type="sldNum" sz="quarter" idx="12"/>
-          </p:nvPr>
-        </p:nvSpPr>
-        <p:spPr/>
-        <p:txBody>
-          <a:bodyPr/>
-          <a:lstStyle/>
-          <a:p>
-            <a:fld id="{B016F8AB-BCEA-4347-8BA6-BE776009BC89}" type="slidenum">
-              <a:rPr lang="en-US" smtClean="0"/>
-              <a:pPr/>
-              <a:t>8</a:t>
-            </a:fld>
-            <a:endParaRPr lang="en-US"/>
-          </a:p>
-        </p:txBody>
-      </p:sp>
-      <p:pic>
-        <p:nvPicPr>
-          <p:cNvPr id="5" name="Picture 4"/>
-          <p:cNvPicPr>
-            <a:picLocks noChangeAspect="1"/>
-          </p:cNvPicPr>
-          <p:nvPr/>
-        </p:nvPicPr>
-        <p:blipFill>
-          <a:blip r:embed="rId2"/>
-          <a:stretch>
-            <a:fillRect/>
-          </a:stretch>
-        </p:blipFill>
-        <p:spPr>
-          <a:xfrm>
-            <a:off x="1066800" y="945418"/>
-            <a:ext cx="9381114" cy="5180419"/>
-          </a:xfrm>
-          <a:prstGeom prst="rect">
-            <a:avLst/>
-          </a:prstGeom>
-        </p:spPr>
-      </p:pic>
-    </p:spTree>
-    <p:extLst>
-      <p:ext uri="{BB962C8B-B14F-4D97-AF65-F5344CB8AC3E}">
-        <p14:creationId xmlns:p14="http://schemas.microsoft.com/office/powerpoint/2010/main" val="117764727"/>
-      </p:ext>
-    </p:extLst>
-  </p:cSld>
-  <p:clrMapOvr>
-    <a:masterClrMapping/>
-  </p:clrMapOvr>
-  <mc:AlternateContent xmlns:mc="http://schemas.openxmlformats.org/markup-compatibility/2006" xmlns:p14="http://schemas.microsoft.com/office/powerpoint/2010/main">
-    <mc:Choice Requires="p14">
-      <p:transition spd="med" p14:dur="700">
-        <p:fade/>
-      </p:transition>
-    </mc:Choice>
-    <mc:Fallback xmlns="">
-      <p:transition spd="med">
-        <p:fade/>
-      </p:transition>
-    </mc:Fallback>
-  </mc:AlternateContent>
 </p:sld>
 </file>
 

--- a/doc/MPM idea.pptx
+++ b/doc/MPM idea.pptx
@@ -5,10 +5,10 @@
     <p:sldMasterId id="2147483648" r:id="rId1"/>
   </p:sldMasterIdLst>
   <p:notesMasterIdLst>
-    <p:notesMasterId r:id="rId17"/>
+    <p:notesMasterId r:id="rId18"/>
   </p:notesMasterIdLst>
   <p:handoutMasterIdLst>
-    <p:handoutMasterId r:id="rId18"/>
+    <p:handoutMasterId r:id="rId19"/>
   </p:handoutMasterIdLst>
   <p:sldIdLst>
     <p:sldId id="256" r:id="rId2"/>
@@ -24,13 +24,14 @@
     <p:sldId id="267" r:id="rId12"/>
     <p:sldId id="268" r:id="rId13"/>
     <p:sldId id="269" r:id="rId14"/>
-    <p:sldId id="277" r:id="rId15"/>
-    <p:sldId id="275" r:id="rId16"/>
+    <p:sldId id="279" r:id="rId15"/>
+    <p:sldId id="277" r:id="rId16"/>
+    <p:sldId id="275" r:id="rId17"/>
   </p:sldIdLst>
   <p:sldSz cx="12192000" cy="6858000"/>
   <p:notesSz cx="6858000" cy="9144000"/>
   <p:custDataLst>
-    <p:tags r:id="rId19"/>
+    <p:tags r:id="rId20"/>
   </p:custDataLst>
   <p:defaultTextStyle>
     <a:defPPr>
@@ -274,7 +275,7 @@
           <a:p>
             <a:fld id="{3CA61830-C416-483F-955E-54203C65B711}" type="datetimeFigureOut">
               <a:rPr lang="en-US"/>
-              <a:t>1/8/2016</a:t>
+              <a:t>1/9/2016</a:t>
             </a:fld>
             <a:endParaRPr/>
           </a:p>
@@ -6124,7 +6125,7 @@
           <a:p>
             <a:fld id="{EFA54ACD-BEB7-4258-A5F3-653792456C00}" type="datetime4">
               <a:rPr lang="en-US" smtClean="0"/>
-              <a:t>January 8, 2016</a:t>
+              <a:t>January 9, 2016</a:t>
             </a:fld>
             <a:endParaRPr/>
           </a:p>
@@ -8620,7 +8621,7 @@
           <a:p>
             <a:fld id="{2399C1EB-F401-4F7B-BD9C-AAA165C9F3D7}" type="datetime4">
               <a:rPr lang="en-US" smtClean="0"/>
-              <a:t>January 8, 2016</a:t>
+              <a:t>January 9, 2016</a:t>
             </a:fld>
             <a:endParaRPr/>
           </a:p>
@@ -8813,7 +8814,7 @@
           <a:p>
             <a:fld id="{ECF1CC87-9C4B-4D13-B529-5EAF641302E2}" type="datetime4">
               <a:rPr lang="en-US" smtClean="0"/>
-              <a:t>January 8, 2016</a:t>
+              <a:t>January 9, 2016</a:t>
             </a:fld>
             <a:endParaRPr/>
           </a:p>
@@ -9115,7 +9116,7 @@
           <a:p>
             <a:fld id="{AEFA413A-E630-4377-B30C-3545E98CC867}" type="datetime4">
               <a:rPr lang="en-US" smtClean="0"/>
-              <a:t>January 8, 2016</a:t>
+              <a:t>January 9, 2016</a:t>
             </a:fld>
             <a:endParaRPr/>
           </a:p>
@@ -9503,7 +9504,7 @@
           <a:p>
             <a:fld id="{2D33DC54-2A66-493A-80B5-8303FBA5D0AD}" type="datetime4">
               <a:rPr lang="en-US" smtClean="0"/>
-              <a:t>January 8, 2016</a:t>
+              <a:t>January 9, 2016</a:t>
             </a:fld>
             <a:endParaRPr/>
           </a:p>
@@ -9647,7 +9648,7 @@
           <a:p>
             <a:fld id="{26B45FFC-9EEF-4E69-85F5-C8F54747804D}" type="datetime4">
               <a:rPr lang="en-US" smtClean="0"/>
-              <a:t>January 8, 2016</a:t>
+              <a:t>January 9, 2016</a:t>
             </a:fld>
             <a:endParaRPr/>
           </a:p>
@@ -9890,7 +9891,7 @@
           <a:p>
             <a:fld id="{684E3265-88A3-4C30-AE11-BFDF645909E9}" type="datetime4">
               <a:rPr lang="en-US" smtClean="0"/>
-              <a:t>January 8, 2016</a:t>
+              <a:t>January 9, 2016</a:t>
             </a:fld>
             <a:endParaRPr/>
           </a:p>
@@ -10008,7 +10009,7 @@
           <a:p>
             <a:fld id="{E9F763D2-AF56-4C60-80C7-7D8FC051005C}" type="datetime4">
               <a:rPr lang="en-US" smtClean="0"/>
-              <a:t>January 8, 2016</a:t>
+              <a:t>January 9, 2016</a:t>
             </a:fld>
             <a:endParaRPr/>
           </a:p>
@@ -10335,7 +10336,7 @@
           <a:p>
             <a:fld id="{905039DC-98B3-47E6-AD46-BA5B72AD8B4A}" type="datetime4">
               <a:rPr lang="en-US" smtClean="0"/>
-              <a:t>January 8, 2016</a:t>
+              <a:t>January 9, 2016</a:t>
             </a:fld>
             <a:endParaRPr/>
           </a:p>
@@ -10795,7 +10796,7 @@
           <a:p>
             <a:fld id="{A48AA38D-5CBD-4E44-A2EB-B3F38A5B8051}" type="datetime4">
               <a:rPr lang="en-US" smtClean="0"/>
-              <a:t>January 8, 2016</a:t>
+              <a:t>January 9, 2016</a:t>
             </a:fld>
             <a:endParaRPr/>
           </a:p>
@@ -13846,7 +13847,7 @@
           <a:p>
             <a:fld id="{8F030E74-B79E-47A7-AA1C-BA3D00CC0B4A}" type="datetime4">
               <a:rPr lang="en-US" smtClean="0"/>
-              <a:t>January 8, 2016</a:t>
+              <a:t>January 9, 2016</a:t>
             </a:fld>
             <a:endParaRPr/>
           </a:p>
@@ -14257,7 +14258,7 @@
           <a:p>
             <a:fld id="{00FDD7F1-9FB6-4CB9-BA1F-25B205B879F3}" type="datetime4">
               <a:rPr lang="en-US" smtClean="0"/>
-              <a:t>January 8, 2016</a:t>
+              <a:t>January 9, 2016</a:t>
             </a:fld>
             <a:endParaRPr/>
           </a:p>
@@ -14878,7 +14879,7 @@
           <a:p>
             <a:fld id="{027D5831-B468-414C-94B5-F04EB43FC0AE}" type="datetime4">
               <a:rPr lang="en-US" smtClean="0"/>
-              <a:t>January 8, 2016</a:t>
+              <a:t>January 9, 2016</a:t>
             </a:fld>
             <a:endParaRPr/>
           </a:p>
@@ -15597,7 +15598,7 @@
           <a:p>
             <a:fld id="{727A18C6-3F10-4266-96C9-5D014F3025B2}" type="datetime4">
               <a:rPr lang="en-US" smtClean="0"/>
-              <a:t>January 8, 2016</a:t>
+              <a:t>January 9, 2016</a:t>
             </a:fld>
             <a:endParaRPr/>
           </a:p>
@@ -15894,7 +15895,7 @@
           <a:p>
             <a:fld id="{A6CB1722-4B46-4353-B583-721651D61489}" type="datetime4">
               <a:rPr lang="en-US" smtClean="0"/>
-              <a:t>January 8, 2016</a:t>
+              <a:t>January 9, 2016</a:t>
             </a:fld>
             <a:endParaRPr/>
           </a:p>
@@ -16188,7 +16189,7 @@
           <a:p>
             <a:fld id="{8B8B1958-F972-48E2-B30C-3D9C71EE7ED1}" type="datetime4">
               <a:rPr lang="en-US" smtClean="0"/>
-              <a:t>January 8, 2016</a:t>
+              <a:t>January 9, 2016</a:t>
             </a:fld>
             <a:endParaRPr/>
           </a:p>
@@ -16461,7 +16462,7 @@
           <a:p>
             <a:fld id="{BF2CF142-9C82-4C83-9B6A-8077B879C1B8}" type="datetime4">
               <a:rPr lang="en-US" smtClean="0"/>
-              <a:t>January 8, 2016</a:t>
+              <a:t>January 9, 2016</a:t>
             </a:fld>
             <a:endParaRPr/>
           </a:p>
@@ -16748,7 +16749,7 @@
           <a:p>
             <a:fld id="{9C259EE5-F25B-4563-AE58-6B042DD986DA}" type="datetime4">
               <a:rPr lang="en-US" smtClean="0"/>
-              <a:t>January 8, 2016</a:t>
+              <a:t>January 9, 2016</a:t>
             </a:fld>
             <a:endParaRPr/>
           </a:p>
@@ -17166,7 +17167,7 @@
           <a:p>
             <a:fld id="{F4CAB0D1-A256-4DFA-8583-35D5EE4CD0DF}" type="datetime4">
               <a:rPr lang="en-US" smtClean="0"/>
-              <a:t>January 8, 2016</a:t>
+              <a:t>January 9, 2016</a:t>
             </a:fld>
             <a:endParaRPr/>
           </a:p>
@@ -17726,7 +17727,7 @@
           <a:p>
             <a:fld id="{B0BBCA58-86AD-4F40-BF66-913A1183EE47}" type="datetime4">
               <a:rPr lang="en-US" smtClean="0"/>
-              <a:t>January 8, 2016</a:t>
+              <a:t>January 9, 2016</a:t>
             </a:fld>
             <a:endParaRPr/>
           </a:p>
@@ -22832,7 +22833,7 @@
           <a:p>
             <a:fld id="{FB395617-A7D9-4AE8-82B6-3D0A191CDCBE}" type="datetime4">
               <a:rPr lang="en-US" smtClean="0"/>
-              <a:t>January 8, 2016</a:t>
+              <a:t>January 9, 2016</a:t>
             </a:fld>
             <a:endParaRPr/>
           </a:p>
@@ -25414,7 +25415,7 @@
           <a:p>
             <a:fld id="{77C6BA28-E443-46F5-AE73-D543F89EF748}" type="datetime4">
               <a:rPr lang="en-US" smtClean="0"/>
-              <a:t>January 8, 2016</a:t>
+              <a:t>January 9, 2016</a:t>
             </a:fld>
             <a:endParaRPr/>
           </a:p>
@@ -25612,7 +25613,7 @@
           <a:p>
             <a:fld id="{1452EE1A-1BE0-474E-808D-00D5A7797660}" type="datetime4">
               <a:rPr lang="en-US" smtClean="0"/>
-              <a:t>January 8, 2016</a:t>
+              <a:t>January 9, 2016</a:t>
             </a:fld>
             <a:endParaRPr/>
           </a:p>
@@ -25881,7 +25882,7 @@
           <a:p>
             <a:fld id="{1D654495-4BF5-4727-99D4-DFD1D0597350}" type="datetime4">
               <a:rPr lang="en-US" smtClean="0"/>
-              <a:t>January 8, 2016</a:t>
+              <a:t>January 9, 2016</a:t>
             </a:fld>
             <a:endParaRPr/>
           </a:p>
@@ -26211,7 +26212,7 @@
           <a:p>
             <a:fld id="{74A90477-F864-462B-BF44-00D67B14D858}" type="datetime4">
               <a:rPr lang="en-US" smtClean="0"/>
-              <a:t>January 8, 2016</a:t>
+              <a:t>January 9, 2016</a:t>
             </a:fld>
             <a:endParaRPr/>
           </a:p>
@@ -26465,7 +26466,7 @@
           <a:p>
             <a:fld id="{16E08157-2DC9-4745-A7A9-7046A8583708}" type="datetime4">
               <a:rPr lang="en-US" smtClean="0"/>
-              <a:t>January 8, 2016</a:t>
+              <a:t>January 9, 2016</a:t>
             </a:fld>
             <a:endParaRPr/>
           </a:p>
@@ -29145,7 +29146,7 @@
           <a:p>
             <a:fld id="{FDD7D378-E709-4062-9715-39E79557A063}" type="datetime4">
               <a:rPr lang="en-US" smtClean="0"/>
-              <a:t>January 8, 2016</a:t>
+              <a:t>January 9, 2016</a:t>
             </a:fld>
             <a:endParaRPr/>
           </a:p>
@@ -34061,7 +34062,7 @@
           <a:p>
             <a:fld id="{C07C5E14-300D-4720-B5FE-54C7D96D4160}" type="datetime4">
               <a:rPr lang="en-US" smtClean="0"/>
-              <a:t>January 8, 2016</a:t>
+              <a:t>January 9, 2016</a:t>
             </a:fld>
             <a:endParaRPr/>
           </a:p>
@@ -36753,7 +36754,7 @@
           <a:p>
             <a:fld id="{BC7BE07D-E945-4DDF-8452-20009392BF2F}" type="datetime4">
               <a:rPr lang="en-US" smtClean="0"/>
-              <a:t>January 8, 2016</a:t>
+              <a:t>January 9, 2016</a:t>
             </a:fld>
             <a:endParaRPr/>
           </a:p>
@@ -37236,7 +37237,7 @@
           <a:p>
             <a:fld id="{65FD8143-BFA3-46F8-9B90-B0E5CFAF7F7C}" type="datetime4">
               <a:rPr lang="en-US" smtClean="0"/>
-              <a:t>January 8, 2016</a:t>
+              <a:t>January 9, 2016</a:t>
             </a:fld>
             <a:endParaRPr/>
           </a:p>
@@ -39974,7 +39975,23 @@
           <a:p>
             <a:r>
               <a:rPr lang="en-US" dirty="0" smtClean="0"/>
-              <a:t>HPE PM 2.0</a:t>
+              <a:t>HPE </a:t>
+            </a:r>
+            <a:r>
+              <a:rPr lang="en-US" dirty="0" smtClean="0"/>
+              <a:t>Performance </a:t>
+            </a:r>
+            <a:r>
+              <a:rPr lang="en-US" dirty="0" err="1" smtClean="0"/>
+              <a:t>Manangement</a:t>
+            </a:r>
+            <a:r>
+              <a:rPr lang="en-US" dirty="0" smtClean="0"/>
+              <a:t> </a:t>
+            </a:r>
+            <a:r>
+              <a:rPr lang="en-US" dirty="0" smtClean="0"/>
+              <a:t>2.0</a:t>
             </a:r>
             <a:endParaRPr lang="en-US" dirty="0"/>
           </a:p>
@@ -42015,7 +42032,7 @@
           <a:p>
             <a:r>
               <a:rPr lang="en-US" dirty="0" smtClean="0"/>
-              <a:t>SNMP Collector</a:t>
+              <a:t>CSV Collector Performance Test</a:t>
             </a:r>
             <a:endParaRPr lang="en-US" dirty="0"/>
           </a:p>
@@ -42038,42 +42055,117 @@
           <a:p>
             <a:r>
               <a:rPr lang="en-US" dirty="0" smtClean="0"/>
-              <a:t>SNMP can collect data by snmpget or </a:t>
-            </a:r>
-            <a:r>
-              <a:rPr lang="en-US" dirty="0" err="1" smtClean="0"/>
-              <a:t>snmpwalk</a:t>
-            </a:r>
-            <a:r>
-              <a:rPr lang="en-US" dirty="0" smtClean="0"/>
-              <a:t>.</a:t>
-            </a:r>
-          </a:p>
-          <a:p>
-            <a:r>
-              <a:rPr lang="en-US" dirty="0" smtClean="0"/>
-              <a:t>The SNMP collector has a configuration file which define the host and collection OIDs.</a:t>
-            </a:r>
-          </a:p>
-          <a:p>
-            <a:r>
-              <a:rPr lang="en-US" dirty="0" smtClean="0"/>
-              <a:t> Different with CSV collector:</a:t>
+              <a:t>Test environment: </a:t>
             </a:r>
           </a:p>
           <a:p>
             <a:pPr lvl="1"/>
             <a:r>
+              <a:rPr lang="en-US" dirty="0" err="1" smtClean="0"/>
+              <a:t>zbook</a:t>
+            </a:r>
+            <a:r>
               <a:rPr lang="en-US" dirty="0" smtClean="0"/>
-              <a:t>The SNMP collector will register the KPIs in by itself</a:t>
+              <a:t> 15,  8 CPU (i7-4800) ,Memory 32G, OS: windows 7; </a:t>
             </a:r>
           </a:p>
           <a:p>
             <a:pPr lvl="1"/>
             <a:r>
               <a:rPr lang="en-US" dirty="0" smtClean="0"/>
-              <a:t>The KPI could be calculated or aggregated before ingestion.</a:t>
-            </a:r>
+              <a:t>Neo4J 2.3.1 community version with default setting</a:t>
+            </a:r>
+          </a:p>
+          <a:p>
+            <a:pPr lvl="1"/>
+            <a:r>
+              <a:rPr lang="en-US" dirty="0" err="1" smtClean="0"/>
+              <a:t>NodeJS</a:t>
+            </a:r>
+            <a:r>
+              <a:rPr lang="en-US" dirty="0" smtClean="0"/>
+              <a:t> v5.2.0</a:t>
+            </a:r>
+          </a:p>
+          <a:p>
+            <a:endParaRPr lang="en-US" dirty="0"/>
+          </a:p>
+          <a:p>
+            <a:r>
+              <a:rPr lang="en-US" dirty="0" smtClean="0"/>
+              <a:t>Test 1, simulate one csv file with  10BSC, each BSC has 100 BTS, total 10000 records , each record has 12 KPI value.</a:t>
+            </a:r>
+          </a:p>
+          <a:p>
+            <a:pPr marL="0" indent="0">
+              <a:buNone/>
+            </a:pPr>
+            <a:r>
+              <a:rPr lang="en-US" dirty="0"/>
+              <a:t>	</a:t>
+            </a:r>
+            <a:r>
+              <a:rPr lang="en-US" sz="1400" dirty="0"/>
+              <a:t>Cost </a:t>
+            </a:r>
+            <a:r>
+              <a:rPr lang="en-US" sz="1400" dirty="0"/>
+              <a:t>328 </a:t>
+            </a:r>
+            <a:r>
+              <a:rPr lang="en-US" sz="1400" dirty="0" smtClean="0"/>
+              <a:t>seconds</a:t>
+            </a:r>
+            <a:endParaRPr lang="en-US" sz="1400" dirty="0"/>
+          </a:p>
+          <a:p>
+            <a:r>
+              <a:rPr lang="en-US" dirty="0"/>
+              <a:t>Test </a:t>
+            </a:r>
+            <a:r>
+              <a:rPr lang="en-US" dirty="0" smtClean="0"/>
+              <a:t>2 simulate 10 csv files, each file has 1BSC 100 BTS 1000 records, each </a:t>
+            </a:r>
+            <a:r>
+              <a:rPr lang="en-US" dirty="0"/>
+              <a:t>record has 12 KPI value</a:t>
+            </a:r>
+            <a:r>
+              <a:rPr lang="en-US" dirty="0" smtClean="0"/>
+              <a:t>.</a:t>
+            </a:r>
+            <a:endParaRPr lang="en-US" dirty="0"/>
+          </a:p>
+          <a:p>
+            <a:pPr marL="411480" lvl="2" indent="0">
+              <a:buNone/>
+            </a:pPr>
+            <a:r>
+              <a:rPr lang="en-US" dirty="0" smtClean="0"/>
+              <a:t>	Cost 35, 67, 100,  134, 168, 201,235, 302, 339,  seconds</a:t>
+            </a:r>
+            <a:endParaRPr lang="en-US" dirty="0"/>
+          </a:p>
+          <a:p>
+            <a:pPr marL="0" indent="0">
+              <a:buNone/>
+            </a:pPr>
+            <a:r>
+              <a:rPr lang="en-US" dirty="0" smtClean="0"/>
+              <a:t>It seems the Neo4J is working in serial, 10000 KPIs cost 30 seconds. </a:t>
+            </a:r>
+          </a:p>
+          <a:p>
+            <a:pPr marL="0" indent="0">
+              <a:buNone/>
+            </a:pPr>
+            <a:r>
+              <a:rPr lang="en-US" dirty="0" smtClean="0"/>
+              <a:t>Note: 1) During the test, the CPU loading is less than 50% and there is still lots free memory. Also query in the Neo4J console is  fast. 2) Need study the configuration of Neo4J.</a:t>
+            </a:r>
+          </a:p>
+          <a:p>
             <a:endParaRPr lang="en-US" dirty="0"/>
           </a:p>
         </p:txBody>
@@ -42097,6 +42189,152 @@
               <a:rPr lang="en-US" smtClean="0"/>
               <a:pPr/>
               <a:t>14</a:t>
+            </a:fld>
+            <a:endParaRPr lang="en-US"/>
+          </a:p>
+        </p:txBody>
+      </p:sp>
+    </p:spTree>
+    <p:extLst>
+      <p:ext uri="{BB962C8B-B14F-4D97-AF65-F5344CB8AC3E}">
+        <p14:creationId xmlns:p14="http://schemas.microsoft.com/office/powerpoint/2010/main" val="1122157117"/>
+      </p:ext>
+    </p:extLst>
+  </p:cSld>
+  <p:clrMapOvr>
+    <a:masterClrMapping/>
+  </p:clrMapOvr>
+  <mc:AlternateContent xmlns:mc="http://schemas.openxmlformats.org/markup-compatibility/2006">
+    <mc:Choice xmlns:p14="http://schemas.microsoft.com/office/powerpoint/2010/main" Requires="p14">
+      <p:transition spd="med" p14:dur="700">
+        <p:fade/>
+      </p:transition>
+    </mc:Choice>
+    <mc:Fallback>
+      <p:transition spd="med">
+        <p:fade/>
+      </p:transition>
+    </mc:Fallback>
+  </mc:AlternateContent>
+</p:sld>
+</file>
+
+<file path=ppt/slides/slide15.xml><?xml version="1.0" encoding="utf-8"?>
+<p:sld xmlns:a="http://schemas.openxmlformats.org/drawingml/2006/main" xmlns:r="http://schemas.openxmlformats.org/officeDocument/2006/relationships" xmlns:p="http://schemas.openxmlformats.org/presentationml/2006/main">
+  <p:cSld>
+    <p:spTree>
+      <p:nvGrpSpPr>
+        <p:cNvPr id="1" name=""/>
+        <p:cNvGrpSpPr/>
+        <p:nvPr/>
+      </p:nvGrpSpPr>
+      <p:grpSpPr>
+        <a:xfrm>
+          <a:off x="0" y="0"/>
+          <a:ext cx="0" cy="0"/>
+          <a:chOff x="0" y="0"/>
+          <a:chExt cx="0" cy="0"/>
+        </a:xfrm>
+      </p:grpSpPr>
+      <p:sp>
+        <p:nvSpPr>
+          <p:cNvPr id="2" name="Title 1"/>
+          <p:cNvSpPr>
+            <a:spLocks noGrp="1"/>
+          </p:cNvSpPr>
+          <p:nvPr>
+            <p:ph type="title"/>
+          </p:nvPr>
+        </p:nvSpPr>
+        <p:spPr/>
+        <p:txBody>
+          <a:bodyPr/>
+          <a:lstStyle/>
+          <a:p>
+            <a:r>
+              <a:rPr lang="en-US" dirty="0" smtClean="0"/>
+              <a:t>SNMP Collector</a:t>
+            </a:r>
+            <a:endParaRPr lang="en-US" dirty="0"/>
+          </a:p>
+        </p:txBody>
+      </p:sp>
+      <p:sp>
+        <p:nvSpPr>
+          <p:cNvPr id="3" name="Content Placeholder 2"/>
+          <p:cNvSpPr>
+            <a:spLocks noGrp="1"/>
+          </p:cNvSpPr>
+          <p:nvPr>
+            <p:ph idx="1"/>
+          </p:nvPr>
+        </p:nvSpPr>
+        <p:spPr/>
+        <p:txBody>
+          <a:bodyPr/>
+          <a:lstStyle/>
+          <a:p>
+            <a:r>
+              <a:rPr lang="en-US" dirty="0" smtClean="0"/>
+              <a:t>SNMP can collect data by snmpget or </a:t>
+            </a:r>
+            <a:r>
+              <a:rPr lang="en-US" dirty="0" err="1" smtClean="0"/>
+              <a:t>snmpwalk</a:t>
+            </a:r>
+            <a:r>
+              <a:rPr lang="en-US" dirty="0" smtClean="0"/>
+              <a:t>.</a:t>
+            </a:r>
+          </a:p>
+          <a:p>
+            <a:r>
+              <a:rPr lang="en-US" dirty="0" smtClean="0"/>
+              <a:t>The SNMP collector has a configuration file which define the host and collection OIDs.</a:t>
+            </a:r>
+          </a:p>
+          <a:p>
+            <a:r>
+              <a:rPr lang="en-US" dirty="0" smtClean="0"/>
+              <a:t> Different with CSV collector:</a:t>
+            </a:r>
+          </a:p>
+          <a:p>
+            <a:pPr lvl="1"/>
+            <a:r>
+              <a:rPr lang="en-US" dirty="0" smtClean="0"/>
+              <a:t>The SNMP collector will register the KPIs in by itself</a:t>
+            </a:r>
+          </a:p>
+          <a:p>
+            <a:pPr lvl="1"/>
+            <a:r>
+              <a:rPr lang="en-US" dirty="0" smtClean="0"/>
+              <a:t>The KPI could be calculated or aggregated before ingestion.</a:t>
+            </a:r>
+            <a:endParaRPr lang="en-US" dirty="0"/>
+          </a:p>
+        </p:txBody>
+      </p:sp>
+      <p:sp>
+        <p:nvSpPr>
+          <p:cNvPr id="4" name="Slide Number Placeholder 3"/>
+          <p:cNvSpPr>
+            <a:spLocks noGrp="1"/>
+          </p:cNvSpPr>
+          <p:nvPr>
+            <p:ph type="sldNum" sz="quarter" idx="12"/>
+          </p:nvPr>
+        </p:nvSpPr>
+        <p:spPr/>
+        <p:txBody>
+          <a:bodyPr/>
+          <a:lstStyle/>
+          <a:p>
+            <a:fld id="{B016F8AB-BCEA-4347-8BA6-BE776009BC89}" type="slidenum">
+              <a:rPr lang="en-US" smtClean="0"/>
+              <a:pPr/>
+              <a:t>15</a:t>
             </a:fld>
             <a:endParaRPr lang="en-US"/>
           </a:p>
@@ -43969,7 +44207,7 @@
 </p:sld>
 </file>
 
-<file path=ppt/slides/slide15.xml><?xml version="1.0" encoding="utf-8"?>
+<file path=ppt/slides/slide16.xml><?xml version="1.0" encoding="utf-8"?>
 <p:sld xmlns:a="http://schemas.openxmlformats.org/drawingml/2006/main" xmlns:r="http://schemas.openxmlformats.org/officeDocument/2006/relationships" xmlns:p="http://schemas.openxmlformats.org/presentationml/2006/main">
   <p:cSld>
     <p:spTree>
@@ -44024,7 +44262,60 @@
           <a:bodyPr/>
           <a:lstStyle/>
           <a:p>
-            <a:endParaRPr lang="en-US"/>
+            <a:r>
+              <a:rPr lang="en-US" dirty="0" smtClean="0"/>
+              <a:t>Still lots work to make it a real application</a:t>
+            </a:r>
+          </a:p>
+          <a:p>
+            <a:pPr lvl="1">
+              <a:buFont typeface="Wingdings" panose="05000000000000000000" pitchFamily="2" charset="2"/>
+              <a:buChar char="Ø"/>
+            </a:pPr>
+            <a:r>
+              <a:rPr lang="en-US" dirty="0" smtClean="0"/>
+              <a:t>Job Management Module</a:t>
+            </a:r>
+          </a:p>
+          <a:p>
+            <a:pPr lvl="1">
+              <a:buFont typeface="Wingdings" panose="05000000000000000000" pitchFamily="2" charset="2"/>
+              <a:buChar char="Ø"/>
+            </a:pPr>
+            <a:r>
+              <a:rPr lang="en-US" dirty="0" smtClean="0"/>
+              <a:t>Product level GUI</a:t>
+            </a:r>
+          </a:p>
+          <a:p>
+            <a:pPr lvl="1">
+              <a:buFont typeface="Wingdings" panose="05000000000000000000" pitchFamily="2" charset="2"/>
+              <a:buChar char="Ø"/>
+            </a:pPr>
+            <a:r>
+              <a:rPr lang="en-US" dirty="0" smtClean="0"/>
+              <a:t>Algorithm optimize</a:t>
+            </a:r>
+          </a:p>
+          <a:p>
+            <a:pPr lvl="1">
+              <a:buFont typeface="Wingdings" panose="05000000000000000000" pitchFamily="2" charset="2"/>
+              <a:buChar char="Ø"/>
+            </a:pPr>
+            <a:r>
+              <a:rPr lang="en-US" dirty="0" smtClean="0"/>
+              <a:t>Retention</a:t>
+            </a:r>
+          </a:p>
+          <a:p>
+            <a:pPr lvl="1">
+              <a:buFont typeface="Wingdings" panose="05000000000000000000" pitchFamily="2" charset="2"/>
+              <a:buChar char="Ø"/>
+            </a:pPr>
+            <a:r>
+              <a:rPr lang="en-US" dirty="0" smtClean="0"/>
+              <a:t>Log System</a:t>
+            </a:r>
           </a:p>
         </p:txBody>
       </p:sp>
@@ -44046,7 +44337,7 @@
             <a:fld id="{B016F8AB-BCEA-4347-8BA6-BE776009BC89}" type="slidenum">
               <a:rPr lang="en-US" smtClean="0"/>
               <a:pPr/>
-              <a:t>15</a:t>
+              <a:t>16</a:t>
             </a:fld>
             <a:endParaRPr lang="en-US"/>
           </a:p>
@@ -44141,11 +44432,7 @@
           <a:p>
             <a:r>
               <a:rPr lang="en-US" sz="1600" dirty="0" smtClean="0"/>
-              <a:t>This </a:t>
-            </a:r>
-            <a:r>
-              <a:rPr lang="en-US" sz="1600" dirty="0" smtClean="0"/>
-              <a:t>is a light </a:t>
+              <a:t>This is a light </a:t>
             </a:r>
             <a:r>
               <a:rPr lang="en-US" sz="1600" dirty="0"/>
@@ -44159,71 +44446,32 @@
           <a:p>
             <a:r>
               <a:rPr lang="en-US" sz="1600" dirty="0" smtClean="0"/>
-              <a:t>The solution bases on </a:t>
-            </a:r>
-            <a:r>
-              <a:rPr lang="en-US" sz="1600" dirty="0" smtClean="0"/>
-              <a:t>Neo4J database, which provides high performance on massive </a:t>
-            </a:r>
-            <a:r>
-              <a:rPr lang="en-US" sz="1600" dirty="0" smtClean="0"/>
-              <a:t>data and used by other HPE product like UCA.</a:t>
-            </a:r>
-            <a:endParaRPr lang="en-US" sz="1600" dirty="0" smtClean="0"/>
+              <a:t>The solution bases on Neo4J database, which provides high performance on massive data and used by other HPE product like UCA.</a:t>
+            </a:r>
           </a:p>
           <a:p>
             <a:r>
               <a:rPr lang="en-US" sz="1600" dirty="0" smtClean="0"/>
-              <a:t>In the prototype all </a:t>
-            </a:r>
-            <a:r>
-              <a:rPr lang="en-US" sz="1600" dirty="0" smtClean="0"/>
-              <a:t>modules </a:t>
-            </a:r>
-            <a:r>
-              <a:rPr lang="en-US" sz="1600" dirty="0" smtClean="0"/>
-              <a:t>are developed in JavaScript (NodeJS &amp; AngularJS</a:t>
-            </a:r>
-            <a:r>
-              <a:rPr lang="en-US" sz="1600" dirty="0" smtClean="0"/>
-              <a:t>), while for customized collectors, </a:t>
-            </a:r>
-            <a:r>
-              <a:rPr lang="en-US" sz="1600" dirty="0" smtClean="0"/>
-              <a:t>they can developed in JAVA  or Scala.</a:t>
-            </a:r>
-            <a:endParaRPr lang="en-US" sz="1600" dirty="0" smtClean="0"/>
+              <a:t>In the prototype all modules are developed in JavaScript (NodeJS &amp; AngularJS), while for customized collectors, they can developed in JAVA  or Scala.</a:t>
+            </a:r>
           </a:p>
           <a:p>
             <a:r>
               <a:rPr lang="en-US" sz="1600" dirty="0" smtClean="0"/>
-              <a:t>Most function modules work independently, they all</a:t>
-            </a:r>
-            <a:r>
-              <a:rPr lang="en-US" sz="1600" dirty="0" smtClean="0"/>
-              <a:t> provide REST APIs for CONTROL and MONIOR</a:t>
+              <a:t>Most function modules work independently, they all provide REST APIs for CONTROL and MONIOR</a:t>
             </a:r>
           </a:p>
           <a:p>
             <a:r>
               <a:rPr lang="en-US" sz="1600" dirty="0" smtClean="0"/>
-              <a:t>Due </a:t>
-            </a:r>
-            <a:r>
-              <a:rPr lang="en-US" sz="1600" dirty="0" smtClean="0"/>
-              <a:t>to limit of V8(NodeJS) to deal with huge data, it has to split the collector into several collectors work parallel, these collector can run in a distribution environment</a:t>
+              <a:t>Due to limit of V8(NodeJS) to deal with huge data, it has to split the collector into several collectors work parallel, these collector can run in a distribution environment</a:t>
             </a:r>
           </a:p>
           <a:p>
             <a:r>
               <a:rPr lang="en-US" sz="1600" dirty="0" smtClean="0"/>
-              <a:t>Only raw counters are stored in the Neo4J, all calculations are runtime. (depends on the performance of Neo4J</a:t>
-            </a:r>
-            <a:r>
-              <a:rPr lang="en-US" sz="1600" dirty="0" smtClean="0"/>
-              <a:t>) </a:t>
-            </a:r>
-            <a:endParaRPr lang="en-US" sz="1600" dirty="0" smtClean="0"/>
+              <a:t>Only raw counters are stored in the Neo4J, all calculations are runtime. (depends on the performance of Neo4J) </a:t>
+            </a:r>
           </a:p>
           <a:p>
             <a:r>
@@ -44264,11 +44512,7 @@
           <a:p>
             <a:r>
               <a:rPr lang="en-US" sz="1600" dirty="0" smtClean="0"/>
-              <a:t>Retention, it’s could calculate the history KPI values (for all types of KPI) into an achieve DB</a:t>
-            </a:r>
-            <a:r>
-              <a:rPr lang="en-US" sz="1600" dirty="0" smtClean="0"/>
-              <a:t>.</a:t>
+              <a:t>Retention, it’s could calculate the history KPI values (for all types of KPI) into an achieve DB.</a:t>
             </a:r>
           </a:p>
           <a:p>
@@ -45568,7 +45812,6 @@
               <a:rPr lang="en-US" dirty="0" smtClean="0"/>
               <a:t>MPM Core Server</a:t>
             </a:r>
-            <a:endParaRPr lang="en-US" dirty="0" smtClean="0"/>
           </a:p>
         </p:txBody>
       </p:sp>
@@ -45615,7 +45858,6 @@
               <a:rPr lang="en-US" dirty="0" smtClean="0"/>
               <a:t>GUI (UOC) Server</a:t>
             </a:r>
-            <a:endParaRPr lang="en-US" dirty="0" smtClean="0"/>
           </a:p>
         </p:txBody>
       </p:sp>
@@ -45662,7 +45904,6 @@
               <a:rPr lang="en-US" dirty="0" smtClean="0"/>
               <a:t>Collector Servers</a:t>
             </a:r>
-            <a:endParaRPr lang="en-US" dirty="0" smtClean="0"/>
           </a:p>
         </p:txBody>
       </p:sp>
@@ -45709,7 +45950,6 @@
               <a:rPr lang="en-US" dirty="0" smtClean="0"/>
               <a:t>Neo4J Cluster</a:t>
             </a:r>
-            <a:endParaRPr lang="en-US" dirty="0" smtClean="0"/>
           </a:p>
         </p:txBody>
       </p:sp>
@@ -46291,13 +46531,13 @@
   <p:clrMapOvr>
     <a:masterClrMapping/>
   </p:clrMapOvr>
-  <mc:AlternateContent xmlns:mc="http://schemas.openxmlformats.org/markup-compatibility/2006">
-    <mc:Choice xmlns:p14="http://schemas.microsoft.com/office/powerpoint/2010/main" Requires="p14">
+  <mc:AlternateContent xmlns:mc="http://schemas.openxmlformats.org/markup-compatibility/2006" xmlns:p14="http://schemas.microsoft.com/office/powerpoint/2010/main">
+    <mc:Choice Requires="p14">
       <p:transition spd="med" p14:dur="700">
         <p:fade/>
       </p:transition>
     </mc:Choice>
-    <mc:Fallback>
+    <mc:Fallback xmlns="">
       <p:transition spd="med">
         <p:fade/>
       </p:transition>
@@ -47963,7 +48203,7 @@
           <a:p>
             <a:r>
               <a:rPr lang="en-US" dirty="0" smtClean="0"/>
-              <a:t>Design Model</a:t>
+              <a:t>Design Model </a:t>
             </a:r>
             <a:endParaRPr lang="en-US" dirty="0"/>
           </a:p>
@@ -48465,11 +48705,7 @@
           <a:p>
             <a:r>
               <a:rPr lang="en-US" dirty="0" smtClean="0"/>
-              <a:t>KPI </a:t>
-            </a:r>
-            <a:r>
-              <a:rPr lang="en-US" dirty="0" smtClean="0"/>
-              <a:t>Management</a:t>
+              <a:t>KPI Management</a:t>
             </a:r>
             <a:br>
               <a:rPr lang="en-US" dirty="0" smtClean="0"/>

--- a/doc/MPM idea.pptx
+++ b/doc/MPM idea.pptx
@@ -5,10 +5,10 @@
     <p:sldMasterId id="2147483648" r:id="rId1"/>
   </p:sldMasterIdLst>
   <p:notesMasterIdLst>
-    <p:notesMasterId r:id="rId18"/>
+    <p:notesMasterId r:id="rId19"/>
   </p:notesMasterIdLst>
   <p:handoutMasterIdLst>
-    <p:handoutMasterId r:id="rId19"/>
+    <p:handoutMasterId r:id="rId20"/>
   </p:handoutMasterIdLst>
   <p:sldIdLst>
     <p:sldId id="256" r:id="rId2"/>
@@ -19,19 +19,20 @@
     <p:sldId id="270" r:id="rId7"/>
     <p:sldId id="272" r:id="rId8"/>
     <p:sldId id="273" r:id="rId9"/>
-    <p:sldId id="274" r:id="rId10"/>
-    <p:sldId id="266" r:id="rId11"/>
-    <p:sldId id="267" r:id="rId12"/>
-    <p:sldId id="268" r:id="rId13"/>
-    <p:sldId id="269" r:id="rId14"/>
-    <p:sldId id="279" r:id="rId15"/>
-    <p:sldId id="277" r:id="rId16"/>
-    <p:sldId id="275" r:id="rId17"/>
+    <p:sldId id="280" r:id="rId10"/>
+    <p:sldId id="274" r:id="rId11"/>
+    <p:sldId id="266" r:id="rId12"/>
+    <p:sldId id="267" r:id="rId13"/>
+    <p:sldId id="268" r:id="rId14"/>
+    <p:sldId id="269" r:id="rId15"/>
+    <p:sldId id="279" r:id="rId16"/>
+    <p:sldId id="277" r:id="rId17"/>
+    <p:sldId id="275" r:id="rId18"/>
   </p:sldIdLst>
   <p:sldSz cx="12192000" cy="6858000"/>
   <p:notesSz cx="6858000" cy="9144000"/>
   <p:custDataLst>
-    <p:tags r:id="rId20"/>
+    <p:tags r:id="rId21"/>
   </p:custDataLst>
   <p:defaultTextStyle>
     <a:defPPr>
@@ -275,7 +276,7 @@
           <a:p>
             <a:fld id="{3CA61830-C416-483F-955E-54203C65B711}" type="datetimeFigureOut">
               <a:rPr lang="en-US"/>
-              <a:t>1/9/2016</a:t>
+              <a:t>1/10/2016</a:t>
             </a:fld>
             <a:endParaRPr/>
           </a:p>
@@ -1201,7 +1202,7 @@
             <a:fld id="{5BFEAE42-E3FE-4405-B7FC-4425D05B92A0}" type="slidenum">
               <a:rPr lang="en-US" smtClean="0"/>
               <a:pPr/>
-              <a:t>10</a:t>
+              <a:t>11</a:t>
             </a:fld>
             <a:endParaRPr lang="en-US"/>
           </a:p>
@@ -6125,7 +6126,7 @@
           <a:p>
             <a:fld id="{EFA54ACD-BEB7-4258-A5F3-653792456C00}" type="datetime4">
               <a:rPr lang="en-US" smtClean="0"/>
-              <a:t>January 9, 2016</a:t>
+              <a:t>January 10, 2016</a:t>
             </a:fld>
             <a:endParaRPr/>
           </a:p>
@@ -8621,7 +8622,7 @@
           <a:p>
             <a:fld id="{2399C1EB-F401-4F7B-BD9C-AAA165C9F3D7}" type="datetime4">
               <a:rPr lang="en-US" smtClean="0"/>
-              <a:t>January 9, 2016</a:t>
+              <a:t>January 10, 2016</a:t>
             </a:fld>
             <a:endParaRPr/>
           </a:p>
@@ -8814,7 +8815,7 @@
           <a:p>
             <a:fld id="{ECF1CC87-9C4B-4D13-B529-5EAF641302E2}" type="datetime4">
               <a:rPr lang="en-US" smtClean="0"/>
-              <a:t>January 9, 2016</a:t>
+              <a:t>January 10, 2016</a:t>
             </a:fld>
             <a:endParaRPr/>
           </a:p>
@@ -9116,7 +9117,7 @@
           <a:p>
             <a:fld id="{AEFA413A-E630-4377-B30C-3545E98CC867}" type="datetime4">
               <a:rPr lang="en-US" smtClean="0"/>
-              <a:t>January 9, 2016</a:t>
+              <a:t>January 10, 2016</a:t>
             </a:fld>
             <a:endParaRPr/>
           </a:p>
@@ -9504,7 +9505,7 @@
           <a:p>
             <a:fld id="{2D33DC54-2A66-493A-80B5-8303FBA5D0AD}" type="datetime4">
               <a:rPr lang="en-US" smtClean="0"/>
-              <a:t>January 9, 2016</a:t>
+              <a:t>January 10, 2016</a:t>
             </a:fld>
             <a:endParaRPr/>
           </a:p>
@@ -9648,7 +9649,7 @@
           <a:p>
             <a:fld id="{26B45FFC-9EEF-4E69-85F5-C8F54747804D}" type="datetime4">
               <a:rPr lang="en-US" smtClean="0"/>
-              <a:t>January 9, 2016</a:t>
+              <a:t>January 10, 2016</a:t>
             </a:fld>
             <a:endParaRPr/>
           </a:p>
@@ -9891,7 +9892,7 @@
           <a:p>
             <a:fld id="{684E3265-88A3-4C30-AE11-BFDF645909E9}" type="datetime4">
               <a:rPr lang="en-US" smtClean="0"/>
-              <a:t>January 9, 2016</a:t>
+              <a:t>January 10, 2016</a:t>
             </a:fld>
             <a:endParaRPr/>
           </a:p>
@@ -10009,7 +10010,7 @@
           <a:p>
             <a:fld id="{E9F763D2-AF56-4C60-80C7-7D8FC051005C}" type="datetime4">
               <a:rPr lang="en-US" smtClean="0"/>
-              <a:t>January 9, 2016</a:t>
+              <a:t>January 10, 2016</a:t>
             </a:fld>
             <a:endParaRPr/>
           </a:p>
@@ -10336,7 +10337,7 @@
           <a:p>
             <a:fld id="{905039DC-98B3-47E6-AD46-BA5B72AD8B4A}" type="datetime4">
               <a:rPr lang="en-US" smtClean="0"/>
-              <a:t>January 9, 2016</a:t>
+              <a:t>January 10, 2016</a:t>
             </a:fld>
             <a:endParaRPr/>
           </a:p>
@@ -10796,7 +10797,7 @@
           <a:p>
             <a:fld id="{A48AA38D-5CBD-4E44-A2EB-B3F38A5B8051}" type="datetime4">
               <a:rPr lang="en-US" smtClean="0"/>
-              <a:t>January 9, 2016</a:t>
+              <a:t>January 10, 2016</a:t>
             </a:fld>
             <a:endParaRPr/>
           </a:p>
@@ -13847,7 +13848,7 @@
           <a:p>
             <a:fld id="{8F030E74-B79E-47A7-AA1C-BA3D00CC0B4A}" type="datetime4">
               <a:rPr lang="en-US" smtClean="0"/>
-              <a:t>January 9, 2016</a:t>
+              <a:t>January 10, 2016</a:t>
             </a:fld>
             <a:endParaRPr/>
           </a:p>
@@ -14258,7 +14259,7 @@
           <a:p>
             <a:fld id="{00FDD7F1-9FB6-4CB9-BA1F-25B205B879F3}" type="datetime4">
               <a:rPr lang="en-US" smtClean="0"/>
-              <a:t>January 9, 2016</a:t>
+              <a:t>January 10, 2016</a:t>
             </a:fld>
             <a:endParaRPr/>
           </a:p>
@@ -14879,7 +14880,7 @@
           <a:p>
             <a:fld id="{027D5831-B468-414C-94B5-F04EB43FC0AE}" type="datetime4">
               <a:rPr lang="en-US" smtClean="0"/>
-              <a:t>January 9, 2016</a:t>
+              <a:t>January 10, 2016</a:t>
             </a:fld>
             <a:endParaRPr/>
           </a:p>
@@ -15598,7 +15599,7 @@
           <a:p>
             <a:fld id="{727A18C6-3F10-4266-96C9-5D014F3025B2}" type="datetime4">
               <a:rPr lang="en-US" smtClean="0"/>
-              <a:t>January 9, 2016</a:t>
+              <a:t>January 10, 2016</a:t>
             </a:fld>
             <a:endParaRPr/>
           </a:p>
@@ -15895,7 +15896,7 @@
           <a:p>
             <a:fld id="{A6CB1722-4B46-4353-B583-721651D61489}" type="datetime4">
               <a:rPr lang="en-US" smtClean="0"/>
-              <a:t>January 9, 2016</a:t>
+              <a:t>January 10, 2016</a:t>
             </a:fld>
             <a:endParaRPr/>
           </a:p>
@@ -16189,7 +16190,7 @@
           <a:p>
             <a:fld id="{8B8B1958-F972-48E2-B30C-3D9C71EE7ED1}" type="datetime4">
               <a:rPr lang="en-US" smtClean="0"/>
-              <a:t>January 9, 2016</a:t>
+              <a:t>January 10, 2016</a:t>
             </a:fld>
             <a:endParaRPr/>
           </a:p>
@@ -16462,7 +16463,7 @@
           <a:p>
             <a:fld id="{BF2CF142-9C82-4C83-9B6A-8077B879C1B8}" type="datetime4">
               <a:rPr lang="en-US" smtClean="0"/>
-              <a:t>January 9, 2016</a:t>
+              <a:t>January 10, 2016</a:t>
             </a:fld>
             <a:endParaRPr/>
           </a:p>
@@ -16749,7 +16750,7 @@
           <a:p>
             <a:fld id="{9C259EE5-F25B-4563-AE58-6B042DD986DA}" type="datetime4">
               <a:rPr lang="en-US" smtClean="0"/>
-              <a:t>January 9, 2016</a:t>
+              <a:t>January 10, 2016</a:t>
             </a:fld>
             <a:endParaRPr/>
           </a:p>
@@ -17167,7 +17168,7 @@
           <a:p>
             <a:fld id="{F4CAB0D1-A256-4DFA-8583-35D5EE4CD0DF}" type="datetime4">
               <a:rPr lang="en-US" smtClean="0"/>
-              <a:t>January 9, 2016</a:t>
+              <a:t>January 10, 2016</a:t>
             </a:fld>
             <a:endParaRPr/>
           </a:p>
@@ -17727,7 +17728,7 @@
           <a:p>
             <a:fld id="{B0BBCA58-86AD-4F40-BF66-913A1183EE47}" type="datetime4">
               <a:rPr lang="en-US" smtClean="0"/>
-              <a:t>January 9, 2016</a:t>
+              <a:t>January 10, 2016</a:t>
             </a:fld>
             <a:endParaRPr/>
           </a:p>
@@ -22833,7 +22834,7 @@
           <a:p>
             <a:fld id="{FB395617-A7D9-4AE8-82B6-3D0A191CDCBE}" type="datetime4">
               <a:rPr lang="en-US" smtClean="0"/>
-              <a:t>January 9, 2016</a:t>
+              <a:t>January 10, 2016</a:t>
             </a:fld>
             <a:endParaRPr/>
           </a:p>
@@ -25415,7 +25416,7 @@
           <a:p>
             <a:fld id="{77C6BA28-E443-46F5-AE73-D543F89EF748}" type="datetime4">
               <a:rPr lang="en-US" smtClean="0"/>
-              <a:t>January 9, 2016</a:t>
+              <a:t>January 10, 2016</a:t>
             </a:fld>
             <a:endParaRPr/>
           </a:p>
@@ -25613,7 +25614,7 @@
           <a:p>
             <a:fld id="{1452EE1A-1BE0-474E-808D-00D5A7797660}" type="datetime4">
               <a:rPr lang="en-US" smtClean="0"/>
-              <a:t>January 9, 2016</a:t>
+              <a:t>January 10, 2016</a:t>
             </a:fld>
             <a:endParaRPr/>
           </a:p>
@@ -25882,7 +25883,7 @@
           <a:p>
             <a:fld id="{1D654495-4BF5-4727-99D4-DFD1D0597350}" type="datetime4">
               <a:rPr lang="en-US" smtClean="0"/>
-              <a:t>January 9, 2016</a:t>
+              <a:t>January 10, 2016</a:t>
             </a:fld>
             <a:endParaRPr/>
           </a:p>
@@ -26212,7 +26213,7 @@
           <a:p>
             <a:fld id="{74A90477-F864-462B-BF44-00D67B14D858}" type="datetime4">
               <a:rPr lang="en-US" smtClean="0"/>
-              <a:t>January 9, 2016</a:t>
+              <a:t>January 10, 2016</a:t>
             </a:fld>
             <a:endParaRPr/>
           </a:p>
@@ -26466,7 +26467,7 @@
           <a:p>
             <a:fld id="{16E08157-2DC9-4745-A7A9-7046A8583708}" type="datetime4">
               <a:rPr lang="en-US" smtClean="0"/>
-              <a:t>January 9, 2016</a:t>
+              <a:t>January 10, 2016</a:t>
             </a:fld>
             <a:endParaRPr/>
           </a:p>
@@ -29146,7 +29147,7 @@
           <a:p>
             <a:fld id="{FDD7D378-E709-4062-9715-39E79557A063}" type="datetime4">
               <a:rPr lang="en-US" smtClean="0"/>
-              <a:t>January 9, 2016</a:t>
+              <a:t>January 10, 2016</a:t>
             </a:fld>
             <a:endParaRPr/>
           </a:p>
@@ -34062,7 +34063,7 @@
           <a:p>
             <a:fld id="{C07C5E14-300D-4720-B5FE-54C7D96D4160}" type="datetime4">
               <a:rPr lang="en-US" smtClean="0"/>
-              <a:t>January 9, 2016</a:t>
+              <a:t>January 10, 2016</a:t>
             </a:fld>
             <a:endParaRPr/>
           </a:p>
@@ -36754,7 +36755,7 @@
           <a:p>
             <a:fld id="{BC7BE07D-E945-4DDF-8452-20009392BF2F}" type="datetime4">
               <a:rPr lang="en-US" smtClean="0"/>
-              <a:t>January 9, 2016</a:t>
+              <a:t>January 10, 2016</a:t>
             </a:fld>
             <a:endParaRPr/>
           </a:p>
@@ -37237,7 +37238,7 @@
           <a:p>
             <a:fld id="{65FD8143-BFA3-46F8-9B90-B0E5CFAF7F7C}" type="datetime4">
               <a:rPr lang="en-US" smtClean="0"/>
-              <a:t>January 9, 2016</a:t>
+              <a:t>January 10, 2016</a:t>
             </a:fld>
             <a:endParaRPr/>
           </a:p>
@@ -39975,23 +39976,11 @@
           <a:p>
             <a:r>
               <a:rPr lang="en-US" dirty="0" smtClean="0"/>
-              <a:t>HPE </a:t>
+              <a:t>HPE Performance </a:t>
             </a:r>
             <a:r>
               <a:rPr lang="en-US" dirty="0" smtClean="0"/>
-              <a:t>Performance </a:t>
-            </a:r>
-            <a:r>
-              <a:rPr lang="en-US" dirty="0" err="1" smtClean="0"/>
-              <a:t>Manangement</a:t>
-            </a:r>
-            <a:r>
-              <a:rPr lang="en-US" dirty="0" smtClean="0"/>
-              <a:t> </a:t>
-            </a:r>
-            <a:r>
-              <a:rPr lang="en-US" dirty="0" smtClean="0"/>
-              <a:t>2.0</a:t>
+              <a:t>Management</a:t>
             </a:r>
             <a:endParaRPr lang="en-US" dirty="0"/>
           </a:p>
@@ -40052,15 +40041,15 @@
           <a:p>
             <a:r>
               <a:rPr lang="en-US" dirty="0" smtClean="0"/>
-              <a:t>Dec 12</a:t>
+              <a:t>Jan10</a:t>
             </a:r>
             <a:r>
               <a:rPr lang="en-US" baseline="30000" dirty="0" smtClean="0"/>
-              <a:t>nd</a:t>
+              <a:t>th</a:t>
             </a:r>
             <a:r>
               <a:rPr lang="en-US" dirty="0" smtClean="0"/>
-              <a:t>, 2015</a:t>
+              <a:t>, 2016</a:t>
             </a:r>
             <a:endParaRPr lang="en-US" dirty="0"/>
           </a:p>
@@ -40132,6 +40121,177 @@
           <a:p>
             <a:r>
               <a:rPr lang="en-US" dirty="0" smtClean="0"/>
+              <a:t>Threshold Management</a:t>
+            </a:r>
+            <a:endParaRPr lang="en-US" dirty="0"/>
+          </a:p>
+        </p:txBody>
+      </p:sp>
+      <p:sp>
+        <p:nvSpPr>
+          <p:cNvPr id="3" name="Content Placeholder 2"/>
+          <p:cNvSpPr>
+            <a:spLocks noGrp="1"/>
+          </p:cNvSpPr>
+          <p:nvPr>
+            <p:ph idx="1"/>
+          </p:nvPr>
+        </p:nvSpPr>
+        <p:spPr>
+          <a:xfrm>
+            <a:off x="609600" y="1524001"/>
+            <a:ext cx="5791200" cy="4267200"/>
+          </a:xfrm>
+        </p:spPr>
+        <p:txBody>
+          <a:bodyPr/>
+          <a:lstStyle/>
+          <a:p>
+            <a:r>
+              <a:rPr lang="en-US" dirty="0" smtClean="0"/>
+              <a:t>Each KPI Definition has one or more Threshold definitions. </a:t>
+            </a:r>
+          </a:p>
+          <a:p>
+            <a:r>
+              <a:rPr lang="en-US" dirty="0" smtClean="0"/>
+              <a:t>Each definition has one condition and a Action</a:t>
+            </a:r>
+          </a:p>
+          <a:p>
+            <a:r>
+              <a:rPr lang="en-US" dirty="0" smtClean="0"/>
+              <a:t>The Condition must be a logical expression.</a:t>
+            </a:r>
+          </a:p>
+          <a:p>
+            <a:r>
+              <a:rPr lang="en-US" dirty="0" smtClean="0"/>
+              <a:t>The Action could be various types, but the action module is not develop in the prototype.</a:t>
+            </a:r>
+          </a:p>
+          <a:p>
+            <a:r>
+              <a:rPr lang="en-US" dirty="0" smtClean="0"/>
+              <a:t>Threshold engine will get the KPI values (get from DB if the KPI type is Raw or invoke KPI engine to calculate the KPI values) and check if it’s broke the condition.</a:t>
+            </a:r>
+          </a:p>
+          <a:p>
+            <a:r>
+              <a:rPr lang="en-US" dirty="0" smtClean="0"/>
+              <a:t>The threshold engine shall be invoke by a Job system which is not in the prototype.</a:t>
+            </a:r>
+            <a:endParaRPr lang="en-US" dirty="0"/>
+          </a:p>
+        </p:txBody>
+      </p:sp>
+      <p:sp>
+        <p:nvSpPr>
+          <p:cNvPr id="4" name="Slide Number Placeholder 3"/>
+          <p:cNvSpPr>
+            <a:spLocks noGrp="1"/>
+          </p:cNvSpPr>
+          <p:nvPr>
+            <p:ph type="sldNum" sz="quarter" idx="12"/>
+          </p:nvPr>
+        </p:nvSpPr>
+        <p:spPr/>
+        <p:txBody>
+          <a:bodyPr/>
+          <a:lstStyle/>
+          <a:p>
+            <a:fld id="{B016F8AB-BCEA-4347-8BA6-BE776009BC89}" type="slidenum">
+              <a:rPr lang="en-US" smtClean="0"/>
+              <a:pPr/>
+              <a:t>10</a:t>
+            </a:fld>
+            <a:endParaRPr lang="en-US"/>
+          </a:p>
+        </p:txBody>
+      </p:sp>
+      <p:pic>
+        <p:nvPicPr>
+          <p:cNvPr id="5" name="Picture 4"/>
+          <p:cNvPicPr>
+            <a:picLocks noChangeAspect="1"/>
+          </p:cNvPicPr>
+          <p:nvPr/>
+        </p:nvPicPr>
+        <p:blipFill>
+          <a:blip r:embed="rId2"/>
+          <a:stretch>
+            <a:fillRect/>
+          </a:stretch>
+        </p:blipFill>
+        <p:spPr>
+          <a:xfrm>
+            <a:off x="6710334" y="1524000"/>
+            <a:ext cx="4847714" cy="3810000"/>
+          </a:xfrm>
+          <a:prstGeom prst="rect">
+            <a:avLst/>
+          </a:prstGeom>
+        </p:spPr>
+      </p:pic>
+    </p:spTree>
+    <p:extLst>
+      <p:ext uri="{BB962C8B-B14F-4D97-AF65-F5344CB8AC3E}">
+        <p14:creationId xmlns:p14="http://schemas.microsoft.com/office/powerpoint/2010/main" val="3350680114"/>
+      </p:ext>
+    </p:extLst>
+  </p:cSld>
+  <p:clrMapOvr>
+    <a:masterClrMapping/>
+  </p:clrMapOvr>
+  <mc:AlternateContent xmlns:mc="http://schemas.openxmlformats.org/markup-compatibility/2006" xmlns:p14="http://schemas.microsoft.com/office/powerpoint/2010/main">
+    <mc:Choice Requires="p14">
+      <p:transition spd="med" p14:dur="700">
+        <p:fade/>
+      </p:transition>
+    </mc:Choice>
+    <mc:Fallback xmlns="">
+      <p:transition spd="med">
+        <p:fade/>
+      </p:transition>
+    </mc:Fallback>
+  </mc:AlternateContent>
+</p:sld>
+</file>
+
+<file path=ppt/slides/slide11.xml><?xml version="1.0" encoding="utf-8"?>
+<p:sld xmlns:a="http://schemas.openxmlformats.org/drawingml/2006/main" xmlns:r="http://schemas.openxmlformats.org/officeDocument/2006/relationships" xmlns:p="http://schemas.openxmlformats.org/presentationml/2006/main">
+  <p:cSld>
+    <p:spTree>
+      <p:nvGrpSpPr>
+        <p:cNvPr id="1" name=""/>
+        <p:cNvGrpSpPr/>
+        <p:nvPr/>
+      </p:nvGrpSpPr>
+      <p:grpSpPr>
+        <a:xfrm>
+          <a:off x="0" y="0"/>
+          <a:ext cx="0" cy="0"/>
+          <a:chOff x="0" y="0"/>
+          <a:chExt cx="0" cy="0"/>
+        </a:xfrm>
+      </p:grpSpPr>
+      <p:sp>
+        <p:nvSpPr>
+          <p:cNvPr id="2" name="Title 1"/>
+          <p:cNvSpPr>
+            <a:spLocks noGrp="1"/>
+          </p:cNvSpPr>
+          <p:nvPr>
+            <p:ph type="title"/>
+          </p:nvPr>
+        </p:nvSpPr>
+        <p:spPr/>
+        <p:txBody>
+          <a:bodyPr/>
+          <a:lstStyle/>
+          <a:p>
+            <a:r>
+              <a:rPr lang="en-US" dirty="0" smtClean="0"/>
               <a:t>Standard CSV Collector</a:t>
             </a:r>
             <a:endParaRPr lang="en-US" dirty="0"/>
@@ -40220,7 +40380,7 @@
             <a:fld id="{B016F8AB-BCEA-4347-8BA6-BE776009BC89}" type="slidenum">
               <a:rPr lang="en-US" smtClean="0"/>
               <a:pPr/>
-              <a:t>10</a:t>
+              <a:t>11</a:t>
             </a:fld>
             <a:endParaRPr lang="en-US"/>
           </a:p>
@@ -40649,7 +40809,7 @@
 </p:sld>
 </file>
 
-<file path=ppt/slides/slide11.xml><?xml version="1.0" encoding="utf-8"?>
+<file path=ppt/slides/slide12.xml><?xml version="1.0" encoding="utf-8"?>
 <p:sld xmlns:a="http://schemas.openxmlformats.org/drawingml/2006/main" xmlns:r="http://schemas.openxmlformats.org/officeDocument/2006/relationships" xmlns:p="http://schemas.openxmlformats.org/presentationml/2006/main">
   <p:cSld>
     <p:spTree>
@@ -40744,7 +40904,7 @@
             <a:fld id="{B016F8AB-BCEA-4347-8BA6-BE776009BC89}" type="slidenum">
               <a:rPr lang="en-US" smtClean="0"/>
               <a:pPr/>
-              <a:t>11</a:t>
+              <a:t>12</a:t>
             </a:fld>
             <a:endParaRPr lang="en-US"/>
           </a:p>
@@ -40782,7 +40942,7 @@
 </p:sld>
 </file>
 
-<file path=ppt/slides/slide12.xml><?xml version="1.0" encoding="utf-8"?>
+<file path=ppt/slides/slide13.xml><?xml version="1.0" encoding="utf-8"?>
 <p:sld xmlns:a="http://schemas.openxmlformats.org/drawingml/2006/main" xmlns:r="http://schemas.openxmlformats.org/officeDocument/2006/relationships" xmlns:p="http://schemas.openxmlformats.org/presentationml/2006/main">
   <p:cSld>
     <p:spTree>
@@ -41154,7 +41314,7 @@
             <a:fld id="{B016F8AB-BCEA-4347-8BA6-BE776009BC89}" type="slidenum">
               <a:rPr lang="en-US" smtClean="0"/>
               <a:pPr/>
-              <a:t>12</a:t>
+              <a:t>13</a:t>
             </a:fld>
             <a:endParaRPr lang="en-US"/>
           </a:p>
@@ -41878,7 +42038,7 @@
 </p:sld>
 </file>
 
-<file path=ppt/slides/slide13.xml><?xml version="1.0" encoding="utf-8"?>
+<file path=ppt/slides/slide14.xml><?xml version="1.0" encoding="utf-8"?>
 <p:sld xmlns:a="http://schemas.openxmlformats.org/drawingml/2006/main" xmlns:r="http://schemas.openxmlformats.org/officeDocument/2006/relationships" xmlns:p="http://schemas.openxmlformats.org/presentationml/2006/main">
   <p:cSld>
     <p:spTree>
@@ -41936,7 +42096,7 @@
             <a:fld id="{B016F8AB-BCEA-4347-8BA6-BE776009BC89}" type="slidenum">
               <a:rPr lang="en-US" smtClean="0"/>
               <a:pPr/>
-              <a:t>13</a:t>
+              <a:t>14</a:t>
             </a:fld>
             <a:endParaRPr lang="en-US"/>
           </a:p>
@@ -41998,227 +42158,6 @@
 </p:sld>
 </file>
 
-<file path=ppt/slides/slide14.xml><?xml version="1.0" encoding="utf-8"?>
-<p:sld xmlns:a="http://schemas.openxmlformats.org/drawingml/2006/main" xmlns:r="http://schemas.openxmlformats.org/officeDocument/2006/relationships" xmlns:p="http://schemas.openxmlformats.org/presentationml/2006/main">
-  <p:cSld>
-    <p:spTree>
-      <p:nvGrpSpPr>
-        <p:cNvPr id="1" name=""/>
-        <p:cNvGrpSpPr/>
-        <p:nvPr/>
-      </p:nvGrpSpPr>
-      <p:grpSpPr>
-        <a:xfrm>
-          <a:off x="0" y="0"/>
-          <a:ext cx="0" cy="0"/>
-          <a:chOff x="0" y="0"/>
-          <a:chExt cx="0" cy="0"/>
-        </a:xfrm>
-      </p:grpSpPr>
-      <p:sp>
-        <p:nvSpPr>
-          <p:cNvPr id="2" name="Title 1"/>
-          <p:cNvSpPr>
-            <a:spLocks noGrp="1"/>
-          </p:cNvSpPr>
-          <p:nvPr>
-            <p:ph type="title"/>
-          </p:nvPr>
-        </p:nvSpPr>
-        <p:spPr/>
-        <p:txBody>
-          <a:bodyPr/>
-          <a:lstStyle/>
-          <a:p>
-            <a:r>
-              <a:rPr lang="en-US" dirty="0" smtClean="0"/>
-              <a:t>CSV Collector Performance Test</a:t>
-            </a:r>
-            <a:endParaRPr lang="en-US" dirty="0"/>
-          </a:p>
-        </p:txBody>
-      </p:sp>
-      <p:sp>
-        <p:nvSpPr>
-          <p:cNvPr id="3" name="Content Placeholder 2"/>
-          <p:cNvSpPr>
-            <a:spLocks noGrp="1"/>
-          </p:cNvSpPr>
-          <p:nvPr>
-            <p:ph idx="1"/>
-          </p:nvPr>
-        </p:nvSpPr>
-        <p:spPr/>
-        <p:txBody>
-          <a:bodyPr/>
-          <a:lstStyle/>
-          <a:p>
-            <a:r>
-              <a:rPr lang="en-US" dirty="0" smtClean="0"/>
-              <a:t>Test environment: </a:t>
-            </a:r>
-          </a:p>
-          <a:p>
-            <a:pPr lvl="1"/>
-            <a:r>
-              <a:rPr lang="en-US" dirty="0" err="1" smtClean="0"/>
-              <a:t>zbook</a:t>
-            </a:r>
-            <a:r>
-              <a:rPr lang="en-US" dirty="0" smtClean="0"/>
-              <a:t> 15,  8 CPU (i7-4800) ,Memory 32G, OS: windows 7; </a:t>
-            </a:r>
-          </a:p>
-          <a:p>
-            <a:pPr lvl="1"/>
-            <a:r>
-              <a:rPr lang="en-US" dirty="0" smtClean="0"/>
-              <a:t>Neo4J 2.3.1 community version with default setting</a:t>
-            </a:r>
-          </a:p>
-          <a:p>
-            <a:pPr lvl="1"/>
-            <a:r>
-              <a:rPr lang="en-US" dirty="0" err="1" smtClean="0"/>
-              <a:t>NodeJS</a:t>
-            </a:r>
-            <a:r>
-              <a:rPr lang="en-US" dirty="0" smtClean="0"/>
-              <a:t> v5.2.0</a:t>
-            </a:r>
-          </a:p>
-          <a:p>
-            <a:endParaRPr lang="en-US" dirty="0"/>
-          </a:p>
-          <a:p>
-            <a:r>
-              <a:rPr lang="en-US" dirty="0" smtClean="0"/>
-              <a:t>Test 1, simulate one csv file with  10BSC, each BSC has 100 BTS, total 10000 records , each record has 12 KPI value.</a:t>
-            </a:r>
-          </a:p>
-          <a:p>
-            <a:pPr marL="0" indent="0">
-              <a:buNone/>
-            </a:pPr>
-            <a:r>
-              <a:rPr lang="en-US" dirty="0"/>
-              <a:t>	</a:t>
-            </a:r>
-            <a:r>
-              <a:rPr lang="en-US" sz="1400" dirty="0"/>
-              <a:t>Cost </a:t>
-            </a:r>
-            <a:r>
-              <a:rPr lang="en-US" sz="1400" dirty="0"/>
-              <a:t>328 </a:t>
-            </a:r>
-            <a:r>
-              <a:rPr lang="en-US" sz="1400" dirty="0" smtClean="0"/>
-              <a:t>seconds</a:t>
-            </a:r>
-            <a:endParaRPr lang="en-US" sz="1400" dirty="0"/>
-          </a:p>
-          <a:p>
-            <a:r>
-              <a:rPr lang="en-US" dirty="0"/>
-              <a:t>Test </a:t>
-            </a:r>
-            <a:r>
-              <a:rPr lang="en-US" dirty="0" smtClean="0"/>
-              <a:t>2 simulate 10 csv files, each file has 1BSC 100 BTS 1000 records, each </a:t>
-            </a:r>
-            <a:r>
-              <a:rPr lang="en-US" dirty="0"/>
-              <a:t>record has 12 KPI value</a:t>
-            </a:r>
-            <a:r>
-              <a:rPr lang="en-US" dirty="0" smtClean="0"/>
-              <a:t>.</a:t>
-            </a:r>
-            <a:endParaRPr lang="en-US" dirty="0"/>
-          </a:p>
-          <a:p>
-            <a:pPr marL="411480" lvl="2" indent="0">
-              <a:buNone/>
-            </a:pPr>
-            <a:r>
-              <a:rPr lang="en-US" dirty="0" smtClean="0"/>
-              <a:t>	Cost 35, 67, 100,  134, 168, 201,235, 302, 339,  seconds</a:t>
-            </a:r>
-            <a:endParaRPr lang="en-US" dirty="0"/>
-          </a:p>
-          <a:p>
-            <a:pPr marL="0" indent="0">
-              <a:buNone/>
-            </a:pPr>
-            <a:r>
-              <a:rPr lang="en-US" dirty="0" smtClean="0"/>
-              <a:t>It seems the Neo4J is working in serial, 10000 KPIs cost 30 seconds. </a:t>
-            </a:r>
-          </a:p>
-          <a:p>
-            <a:pPr marL="0" indent="0">
-              <a:buNone/>
-            </a:pPr>
-            <a:r>
-              <a:rPr lang="en-US" dirty="0" smtClean="0"/>
-              <a:t>Note: 1) During the test, the CPU loading is less than 50% and there is still lots free memory. Also query in the Neo4J console is  fast. 2) Need study the configuration of Neo4J.</a:t>
-            </a:r>
-          </a:p>
-          <a:p>
-            <a:endParaRPr lang="en-US" dirty="0"/>
-          </a:p>
-        </p:txBody>
-      </p:sp>
-      <p:sp>
-        <p:nvSpPr>
-          <p:cNvPr id="4" name="Slide Number Placeholder 3"/>
-          <p:cNvSpPr>
-            <a:spLocks noGrp="1"/>
-          </p:cNvSpPr>
-          <p:nvPr>
-            <p:ph type="sldNum" sz="quarter" idx="12"/>
-          </p:nvPr>
-        </p:nvSpPr>
-        <p:spPr/>
-        <p:txBody>
-          <a:bodyPr/>
-          <a:lstStyle/>
-          <a:p>
-            <a:fld id="{B016F8AB-BCEA-4347-8BA6-BE776009BC89}" type="slidenum">
-              <a:rPr lang="en-US" smtClean="0"/>
-              <a:pPr/>
-              <a:t>14</a:t>
-            </a:fld>
-            <a:endParaRPr lang="en-US"/>
-          </a:p>
-        </p:txBody>
-      </p:sp>
-    </p:spTree>
-    <p:extLst>
-      <p:ext uri="{BB962C8B-B14F-4D97-AF65-F5344CB8AC3E}">
-        <p14:creationId xmlns:p14="http://schemas.microsoft.com/office/powerpoint/2010/main" val="1122157117"/>
-      </p:ext>
-    </p:extLst>
-  </p:cSld>
-  <p:clrMapOvr>
-    <a:masterClrMapping/>
-  </p:clrMapOvr>
-  <mc:AlternateContent xmlns:mc="http://schemas.openxmlformats.org/markup-compatibility/2006">
-    <mc:Choice xmlns:p14="http://schemas.microsoft.com/office/powerpoint/2010/main" Requires="p14">
-      <p:transition spd="med" p14:dur="700">
-        <p:fade/>
-      </p:transition>
-    </mc:Choice>
-    <mc:Fallback>
-      <p:transition spd="med">
-        <p:fade/>
-      </p:transition>
-    </mc:Fallback>
-  </mc:AlternateContent>
-</p:sld>
-</file>
-
 <file path=ppt/slides/slide15.xml><?xml version="1.0" encoding="utf-8"?>
 <p:sld xmlns:a="http://schemas.openxmlformats.org/drawingml/2006/main" xmlns:r="http://schemas.openxmlformats.org/officeDocument/2006/relationships" xmlns:p="http://schemas.openxmlformats.org/presentationml/2006/main">
   <p:cSld>
@@ -42253,7 +42192,7 @@
           <a:p>
             <a:r>
               <a:rPr lang="en-US" dirty="0" smtClean="0"/>
-              <a:t>SNMP Collector</a:t>
+              <a:t>CSV Collector Performance Test</a:t>
             </a:r>
             <a:endParaRPr lang="en-US" dirty="0"/>
           </a:p>
@@ -42276,42 +42215,113 @@
           <a:p>
             <a:r>
               <a:rPr lang="en-US" dirty="0" smtClean="0"/>
-              <a:t>SNMP can collect data by snmpget or </a:t>
-            </a:r>
-            <a:r>
-              <a:rPr lang="en-US" dirty="0" err="1" smtClean="0"/>
-              <a:t>snmpwalk</a:t>
-            </a:r>
-            <a:r>
-              <a:rPr lang="en-US" dirty="0" smtClean="0"/>
-              <a:t>.</a:t>
-            </a:r>
-          </a:p>
-          <a:p>
-            <a:r>
-              <a:rPr lang="en-US" dirty="0" smtClean="0"/>
-              <a:t>The SNMP collector has a configuration file which define the host and collection OIDs.</a:t>
-            </a:r>
-          </a:p>
-          <a:p>
-            <a:r>
-              <a:rPr lang="en-US" dirty="0" smtClean="0"/>
-              <a:t> Different with CSV collector:</a:t>
+              <a:t>Test environment: </a:t>
             </a:r>
           </a:p>
           <a:p>
             <a:pPr lvl="1"/>
             <a:r>
+              <a:rPr lang="en-US" dirty="0" err="1" smtClean="0"/>
+              <a:t>zbook</a:t>
+            </a:r>
+            <a:r>
               <a:rPr lang="en-US" dirty="0" smtClean="0"/>
-              <a:t>The SNMP collector will register the KPIs in by itself</a:t>
+              <a:t> 15,  8 CPU (i7-4800) ,Memory 32G, OS: windows 7; </a:t>
             </a:r>
           </a:p>
           <a:p>
             <a:pPr lvl="1"/>
             <a:r>
               <a:rPr lang="en-US" dirty="0" smtClean="0"/>
-              <a:t>The KPI could be calculated or aggregated before ingestion.</a:t>
-            </a:r>
+              <a:t>Neo4J 2.3.1 community version with default setting</a:t>
+            </a:r>
+          </a:p>
+          <a:p>
+            <a:pPr lvl="1"/>
+            <a:r>
+              <a:rPr lang="en-US" dirty="0" err="1" smtClean="0"/>
+              <a:t>NodeJS</a:t>
+            </a:r>
+            <a:r>
+              <a:rPr lang="en-US" dirty="0" smtClean="0"/>
+              <a:t> v5.2.0</a:t>
+            </a:r>
+          </a:p>
+          <a:p>
+            <a:endParaRPr lang="en-US" dirty="0"/>
+          </a:p>
+          <a:p>
+            <a:r>
+              <a:rPr lang="en-US" dirty="0" smtClean="0"/>
+              <a:t>Test 1, simulate one csv file with  10BSC, each BSC has 100 BTS, total 10000 records , each record has 12 KPI value.</a:t>
+            </a:r>
+          </a:p>
+          <a:p>
+            <a:pPr marL="0" indent="0">
+              <a:buNone/>
+            </a:pPr>
+            <a:r>
+              <a:rPr lang="en-US" dirty="0"/>
+              <a:t>	</a:t>
+            </a:r>
+            <a:r>
+              <a:rPr lang="en-US" sz="1400" dirty="0"/>
+              <a:t>Cost 328 </a:t>
+            </a:r>
+            <a:r>
+              <a:rPr lang="en-US" sz="1400" dirty="0" smtClean="0"/>
+              <a:t>seconds</a:t>
+            </a:r>
+            <a:endParaRPr lang="en-US" sz="1400" dirty="0"/>
+          </a:p>
+          <a:p>
+            <a:r>
+              <a:rPr lang="en-US" dirty="0"/>
+              <a:t>Test </a:t>
+            </a:r>
+            <a:r>
+              <a:rPr lang="en-US" dirty="0" smtClean="0"/>
+              <a:t>2 simulate 10 csv files, each file has 1BSC 100 BTS 1000 records, each </a:t>
+            </a:r>
+            <a:r>
+              <a:rPr lang="en-US" dirty="0"/>
+              <a:t>record has 12 KPI value</a:t>
+            </a:r>
+            <a:r>
+              <a:rPr lang="en-US" dirty="0" smtClean="0"/>
+              <a:t>.</a:t>
+            </a:r>
+            <a:endParaRPr lang="en-US" dirty="0"/>
+          </a:p>
+          <a:p>
+            <a:pPr marL="411480" lvl="2" indent="0">
+              <a:buNone/>
+            </a:pPr>
+            <a:r>
+              <a:rPr lang="en-US" dirty="0" smtClean="0"/>
+              <a:t>	Cost 35, 67, 100,  134, 168, 201,235, 302, 339,  seconds</a:t>
+            </a:r>
+            <a:endParaRPr lang="en-US" dirty="0"/>
+          </a:p>
+          <a:p>
+            <a:pPr marL="0" indent="0">
+              <a:buNone/>
+            </a:pPr>
+            <a:r>
+              <a:rPr lang="en-US" dirty="0" smtClean="0"/>
+              <a:t>It seems the Neo4J is working in serial, 10000 KPIs cost 30 seconds. </a:t>
+            </a:r>
+          </a:p>
+          <a:p>
+            <a:pPr marL="0" indent="0">
+              <a:buNone/>
+            </a:pPr>
+            <a:r>
+              <a:rPr lang="en-US" dirty="0" smtClean="0"/>
+              <a:t>Note: 1) During the test, the CPU loading is less than 50% and there is still lots free memory. Also query in the Neo4J console is  fast. 2) Need study the configuration of Neo4J.</a:t>
+            </a:r>
+          </a:p>
+          <a:p>
             <a:endParaRPr lang="en-US" dirty="0"/>
           </a:p>
         </p:txBody>
@@ -42335,6 +42345,152 @@
               <a:rPr lang="en-US" smtClean="0"/>
               <a:pPr/>
               <a:t>15</a:t>
+            </a:fld>
+            <a:endParaRPr lang="en-US"/>
+          </a:p>
+        </p:txBody>
+      </p:sp>
+    </p:spTree>
+    <p:extLst>
+      <p:ext uri="{BB962C8B-B14F-4D97-AF65-F5344CB8AC3E}">
+        <p14:creationId xmlns:p14="http://schemas.microsoft.com/office/powerpoint/2010/main" val="1122157117"/>
+      </p:ext>
+    </p:extLst>
+  </p:cSld>
+  <p:clrMapOvr>
+    <a:masterClrMapping/>
+  </p:clrMapOvr>
+  <mc:AlternateContent xmlns:mc="http://schemas.openxmlformats.org/markup-compatibility/2006" xmlns:p14="http://schemas.microsoft.com/office/powerpoint/2010/main">
+    <mc:Choice Requires="p14">
+      <p:transition spd="med" p14:dur="700">
+        <p:fade/>
+      </p:transition>
+    </mc:Choice>
+    <mc:Fallback xmlns="">
+      <p:transition spd="med">
+        <p:fade/>
+      </p:transition>
+    </mc:Fallback>
+  </mc:AlternateContent>
+</p:sld>
+</file>
+
+<file path=ppt/slides/slide16.xml><?xml version="1.0" encoding="utf-8"?>
+<p:sld xmlns:a="http://schemas.openxmlformats.org/drawingml/2006/main" xmlns:r="http://schemas.openxmlformats.org/officeDocument/2006/relationships" xmlns:p="http://schemas.openxmlformats.org/presentationml/2006/main">
+  <p:cSld>
+    <p:spTree>
+      <p:nvGrpSpPr>
+        <p:cNvPr id="1" name=""/>
+        <p:cNvGrpSpPr/>
+        <p:nvPr/>
+      </p:nvGrpSpPr>
+      <p:grpSpPr>
+        <a:xfrm>
+          <a:off x="0" y="0"/>
+          <a:ext cx="0" cy="0"/>
+          <a:chOff x="0" y="0"/>
+          <a:chExt cx="0" cy="0"/>
+        </a:xfrm>
+      </p:grpSpPr>
+      <p:sp>
+        <p:nvSpPr>
+          <p:cNvPr id="2" name="Title 1"/>
+          <p:cNvSpPr>
+            <a:spLocks noGrp="1"/>
+          </p:cNvSpPr>
+          <p:nvPr>
+            <p:ph type="title"/>
+          </p:nvPr>
+        </p:nvSpPr>
+        <p:spPr/>
+        <p:txBody>
+          <a:bodyPr/>
+          <a:lstStyle/>
+          <a:p>
+            <a:r>
+              <a:rPr lang="en-US" dirty="0" smtClean="0"/>
+              <a:t>SNMP Collector</a:t>
+            </a:r>
+            <a:endParaRPr lang="en-US" dirty="0"/>
+          </a:p>
+        </p:txBody>
+      </p:sp>
+      <p:sp>
+        <p:nvSpPr>
+          <p:cNvPr id="3" name="Content Placeholder 2"/>
+          <p:cNvSpPr>
+            <a:spLocks noGrp="1"/>
+          </p:cNvSpPr>
+          <p:nvPr>
+            <p:ph idx="1"/>
+          </p:nvPr>
+        </p:nvSpPr>
+        <p:spPr/>
+        <p:txBody>
+          <a:bodyPr/>
+          <a:lstStyle/>
+          <a:p>
+            <a:r>
+              <a:rPr lang="en-US" dirty="0" smtClean="0"/>
+              <a:t>SNMP can collect data by snmpget or </a:t>
+            </a:r>
+            <a:r>
+              <a:rPr lang="en-US" dirty="0" err="1" smtClean="0"/>
+              <a:t>snmpwalk</a:t>
+            </a:r>
+            <a:r>
+              <a:rPr lang="en-US" dirty="0" smtClean="0"/>
+              <a:t>.</a:t>
+            </a:r>
+          </a:p>
+          <a:p>
+            <a:r>
+              <a:rPr lang="en-US" dirty="0" smtClean="0"/>
+              <a:t>The SNMP collector has a configuration file which define the host and collection OIDs.</a:t>
+            </a:r>
+          </a:p>
+          <a:p>
+            <a:r>
+              <a:rPr lang="en-US" dirty="0" smtClean="0"/>
+              <a:t> Different with CSV collector:</a:t>
+            </a:r>
+          </a:p>
+          <a:p>
+            <a:pPr lvl="1"/>
+            <a:r>
+              <a:rPr lang="en-US" dirty="0" smtClean="0"/>
+              <a:t>The SNMP collector will register the KPIs in by itself</a:t>
+            </a:r>
+          </a:p>
+          <a:p>
+            <a:pPr lvl="1"/>
+            <a:r>
+              <a:rPr lang="en-US" dirty="0" smtClean="0"/>
+              <a:t>The KPI could be calculated or aggregated before ingestion.</a:t>
+            </a:r>
+            <a:endParaRPr lang="en-US" dirty="0"/>
+          </a:p>
+        </p:txBody>
+      </p:sp>
+      <p:sp>
+        <p:nvSpPr>
+          <p:cNvPr id="4" name="Slide Number Placeholder 3"/>
+          <p:cNvSpPr>
+            <a:spLocks noGrp="1"/>
+          </p:cNvSpPr>
+          <p:nvPr>
+            <p:ph type="sldNum" sz="quarter" idx="12"/>
+          </p:nvPr>
+        </p:nvSpPr>
+        <p:spPr/>
+        <p:txBody>
+          <a:bodyPr/>
+          <a:lstStyle/>
+          <a:p>
+            <a:fld id="{B016F8AB-BCEA-4347-8BA6-BE776009BC89}" type="slidenum">
+              <a:rPr lang="en-US" smtClean="0"/>
+              <a:pPr/>
+              <a:t>16</a:t>
             </a:fld>
             <a:endParaRPr lang="en-US"/>
           </a:p>
@@ -44207,7 +44363,7 @@
 </p:sld>
 </file>
 
-<file path=ppt/slides/slide16.xml><?xml version="1.0" encoding="utf-8"?>
+<file path=ppt/slides/slide17.xml><?xml version="1.0" encoding="utf-8"?>
 <p:sld xmlns:a="http://schemas.openxmlformats.org/drawingml/2006/main" xmlns:r="http://schemas.openxmlformats.org/officeDocument/2006/relationships" xmlns:p="http://schemas.openxmlformats.org/presentationml/2006/main">
   <p:cSld>
     <p:spTree>
@@ -44337,7 +44493,7 @@
             <a:fld id="{B016F8AB-BCEA-4347-8BA6-BE776009BC89}" type="slidenum">
               <a:rPr lang="en-US" smtClean="0"/>
               <a:pPr/>
-              <a:t>16</a:t>
+              <a:t>17</a:t>
             </a:fld>
             <a:endParaRPr lang="en-US"/>
           </a:p>
@@ -49228,7 +49384,7 @@
           <a:p>
             <a:r>
               <a:rPr lang="en-US" dirty="0" smtClean="0"/>
-              <a:t>Threshold Management</a:t>
+              <a:t>KPI Engine</a:t>
             </a:r>
             <a:endParaRPr lang="en-US" dirty="0"/>
           </a:p>
@@ -49244,50 +49400,43 @@
             <p:ph idx="1"/>
           </p:nvPr>
         </p:nvSpPr>
-        <p:spPr>
-          <a:xfrm>
-            <a:off x="609600" y="1524001"/>
-            <a:ext cx="5791200" cy="4267200"/>
-          </a:xfrm>
-        </p:spPr>
+        <p:spPr/>
         <p:txBody>
           <a:bodyPr/>
           <a:lstStyle/>
           <a:p>
             <a:r>
               <a:rPr lang="en-US" dirty="0" smtClean="0"/>
-              <a:t>Each KPI Definition has one or more Threshold definitions. </a:t>
+              <a:t>KPI Engine module is the most valuable module in the system which reflects most important design ideas.</a:t>
             </a:r>
           </a:p>
           <a:p>
             <a:r>
               <a:rPr lang="en-US" dirty="0" smtClean="0"/>
-              <a:t>Each definition has one condition and a Action</a:t>
+              <a:t>One idea is only store RAW counters/KPIs in the DB, all other KPIs are calculate in runtime. It’s because of in PM collection, the collection and aggregation are running in schedule, while some raw data may comes later, so the aggregation data may not accurate, it’s difficult to update these data. While calculate in runtime is  the other side of devil which may encounter performance issue. So current design and prototype may not suit for the real time scenario with lots calculations.</a:t>
             </a:r>
           </a:p>
           <a:p>
             <a:r>
               <a:rPr lang="en-US" dirty="0" smtClean="0"/>
-              <a:t>The Condition must be a logical expression.</a:t>
+              <a:t>A third part library is included to pares and calculate the Calculation KPI( also used by Threshold module and SNMP collector)</a:t>
             </a:r>
           </a:p>
           <a:p>
             <a:r>
               <a:rPr lang="en-US" dirty="0" smtClean="0"/>
-              <a:t>The Action could be various types, but the action module is not develop in the prototype.</a:t>
+              <a:t>Only support follow aggregation method: sum, </a:t>
+            </a:r>
+            <a:r>
+              <a:rPr lang="en-US" dirty="0" err="1" smtClean="0"/>
+              <a:t>avg</a:t>
+            </a:r>
+            <a:r>
+              <a:rPr lang="en-US" dirty="0" smtClean="0"/>
+              <a:t>, max, min and count. (in SNMP  collector support these methods and one more: delta)</a:t>
             </a:r>
           </a:p>
           <a:p>
-            <a:r>
-              <a:rPr lang="en-US" dirty="0" smtClean="0"/>
-              <a:t>Threshold engine will get the KPI values (get from DB if the KPI type is Raw or invoke KPI engine to calculate the KPI values) and check if it’s broke the condition.</a:t>
-            </a:r>
-          </a:p>
-          <a:p>
-            <a:r>
-              <a:rPr lang="en-US" dirty="0" smtClean="0"/>
-              <a:t>The threshold engine shall be invoke by a Job system which is not in the prototype.</a:t>
-            </a:r>
             <a:endParaRPr lang="en-US" dirty="0"/>
           </a:p>
         </p:txBody>
@@ -49316,47 +49465,23 @@
           </a:p>
         </p:txBody>
       </p:sp>
-      <p:pic>
-        <p:nvPicPr>
-          <p:cNvPr id="5" name="Picture 4"/>
-          <p:cNvPicPr>
-            <a:picLocks noChangeAspect="1"/>
-          </p:cNvPicPr>
-          <p:nvPr/>
-        </p:nvPicPr>
-        <p:blipFill>
-          <a:blip r:embed="rId2"/>
-          <a:stretch>
-            <a:fillRect/>
-          </a:stretch>
-        </p:blipFill>
-        <p:spPr>
-          <a:xfrm>
-            <a:off x="6710334" y="1524000"/>
-            <a:ext cx="4847714" cy="3810000"/>
-          </a:xfrm>
-          <a:prstGeom prst="rect">
-            <a:avLst/>
-          </a:prstGeom>
-        </p:spPr>
-      </p:pic>
     </p:spTree>
     <p:extLst>
       <p:ext uri="{BB962C8B-B14F-4D97-AF65-F5344CB8AC3E}">
-        <p14:creationId xmlns:p14="http://schemas.microsoft.com/office/powerpoint/2010/main" val="3350680114"/>
+        <p14:creationId xmlns:p14="http://schemas.microsoft.com/office/powerpoint/2010/main" val="1506219333"/>
       </p:ext>
     </p:extLst>
   </p:cSld>
   <p:clrMapOvr>
     <a:masterClrMapping/>
   </p:clrMapOvr>
-  <mc:AlternateContent xmlns:mc="http://schemas.openxmlformats.org/markup-compatibility/2006" xmlns:p14="http://schemas.microsoft.com/office/powerpoint/2010/main">
-    <mc:Choice Requires="p14">
+  <mc:AlternateContent xmlns:mc="http://schemas.openxmlformats.org/markup-compatibility/2006">
+    <mc:Choice xmlns:p14="http://schemas.microsoft.com/office/powerpoint/2010/main" Requires="p14">
       <p:transition spd="med" p14:dur="700">
         <p:fade/>
       </p:transition>
     </mc:Choice>
-    <mc:Fallback xmlns="">
+    <mc:Fallback>
       <p:transition spd="med">
         <p:fade/>
       </p:transition>

--- a/doc/MPM idea.pptx
+++ b/doc/MPM idea.pptx
@@ -276,7 +276,7 @@
           <a:p>
             <a:fld id="{3CA61830-C416-483F-955E-54203C65B711}" type="datetimeFigureOut">
               <a:rPr lang="en-US"/>
-              <a:t>1/10/2016</a:t>
+              <a:t>1/16/2016</a:t>
             </a:fld>
             <a:endParaRPr/>
           </a:p>
@@ -6126,7 +6126,7 @@
           <a:p>
             <a:fld id="{EFA54ACD-BEB7-4258-A5F3-653792456C00}" type="datetime4">
               <a:rPr lang="en-US" smtClean="0"/>
-              <a:t>January 10, 2016</a:t>
+              <a:t>January 16, 2016</a:t>
             </a:fld>
             <a:endParaRPr/>
           </a:p>
@@ -8622,7 +8622,7 @@
           <a:p>
             <a:fld id="{2399C1EB-F401-4F7B-BD9C-AAA165C9F3D7}" type="datetime4">
               <a:rPr lang="en-US" smtClean="0"/>
-              <a:t>January 10, 2016</a:t>
+              <a:t>January 16, 2016</a:t>
             </a:fld>
             <a:endParaRPr/>
           </a:p>
@@ -8815,7 +8815,7 @@
           <a:p>
             <a:fld id="{ECF1CC87-9C4B-4D13-B529-5EAF641302E2}" type="datetime4">
               <a:rPr lang="en-US" smtClean="0"/>
-              <a:t>January 10, 2016</a:t>
+              <a:t>January 16, 2016</a:t>
             </a:fld>
             <a:endParaRPr/>
           </a:p>
@@ -9117,7 +9117,7 @@
           <a:p>
             <a:fld id="{AEFA413A-E630-4377-B30C-3545E98CC867}" type="datetime4">
               <a:rPr lang="en-US" smtClean="0"/>
-              <a:t>January 10, 2016</a:t>
+              <a:t>January 16, 2016</a:t>
             </a:fld>
             <a:endParaRPr/>
           </a:p>
@@ -9505,7 +9505,7 @@
           <a:p>
             <a:fld id="{2D33DC54-2A66-493A-80B5-8303FBA5D0AD}" type="datetime4">
               <a:rPr lang="en-US" smtClean="0"/>
-              <a:t>January 10, 2016</a:t>
+              <a:t>January 16, 2016</a:t>
             </a:fld>
             <a:endParaRPr/>
           </a:p>
@@ -9649,7 +9649,7 @@
           <a:p>
             <a:fld id="{26B45FFC-9EEF-4E69-85F5-C8F54747804D}" type="datetime4">
               <a:rPr lang="en-US" smtClean="0"/>
-              <a:t>January 10, 2016</a:t>
+              <a:t>January 16, 2016</a:t>
             </a:fld>
             <a:endParaRPr/>
           </a:p>
@@ -9892,7 +9892,7 @@
           <a:p>
             <a:fld id="{684E3265-88A3-4C30-AE11-BFDF645909E9}" type="datetime4">
               <a:rPr lang="en-US" smtClean="0"/>
-              <a:t>January 10, 2016</a:t>
+              <a:t>January 16, 2016</a:t>
             </a:fld>
             <a:endParaRPr/>
           </a:p>
@@ -10010,7 +10010,7 @@
           <a:p>
             <a:fld id="{E9F763D2-AF56-4C60-80C7-7D8FC051005C}" type="datetime4">
               <a:rPr lang="en-US" smtClean="0"/>
-              <a:t>January 10, 2016</a:t>
+              <a:t>January 16, 2016</a:t>
             </a:fld>
             <a:endParaRPr/>
           </a:p>
@@ -10337,7 +10337,7 @@
           <a:p>
             <a:fld id="{905039DC-98B3-47E6-AD46-BA5B72AD8B4A}" type="datetime4">
               <a:rPr lang="en-US" smtClean="0"/>
-              <a:t>January 10, 2016</a:t>
+              <a:t>January 16, 2016</a:t>
             </a:fld>
             <a:endParaRPr/>
           </a:p>
@@ -10797,7 +10797,7 @@
           <a:p>
             <a:fld id="{A48AA38D-5CBD-4E44-A2EB-B3F38A5B8051}" type="datetime4">
               <a:rPr lang="en-US" smtClean="0"/>
-              <a:t>January 10, 2016</a:t>
+              <a:t>January 16, 2016</a:t>
             </a:fld>
             <a:endParaRPr/>
           </a:p>
@@ -13848,7 +13848,7 @@
           <a:p>
             <a:fld id="{8F030E74-B79E-47A7-AA1C-BA3D00CC0B4A}" type="datetime4">
               <a:rPr lang="en-US" smtClean="0"/>
-              <a:t>January 10, 2016</a:t>
+              <a:t>January 16, 2016</a:t>
             </a:fld>
             <a:endParaRPr/>
           </a:p>
@@ -14259,7 +14259,7 @@
           <a:p>
             <a:fld id="{00FDD7F1-9FB6-4CB9-BA1F-25B205B879F3}" type="datetime4">
               <a:rPr lang="en-US" smtClean="0"/>
-              <a:t>January 10, 2016</a:t>
+              <a:t>January 16, 2016</a:t>
             </a:fld>
             <a:endParaRPr/>
           </a:p>
@@ -14880,7 +14880,7 @@
           <a:p>
             <a:fld id="{027D5831-B468-414C-94B5-F04EB43FC0AE}" type="datetime4">
               <a:rPr lang="en-US" smtClean="0"/>
-              <a:t>January 10, 2016</a:t>
+              <a:t>January 16, 2016</a:t>
             </a:fld>
             <a:endParaRPr/>
           </a:p>
@@ -15599,7 +15599,7 @@
           <a:p>
             <a:fld id="{727A18C6-3F10-4266-96C9-5D014F3025B2}" type="datetime4">
               <a:rPr lang="en-US" smtClean="0"/>
-              <a:t>January 10, 2016</a:t>
+              <a:t>January 16, 2016</a:t>
             </a:fld>
             <a:endParaRPr/>
           </a:p>
@@ -15896,7 +15896,7 @@
           <a:p>
             <a:fld id="{A6CB1722-4B46-4353-B583-721651D61489}" type="datetime4">
               <a:rPr lang="en-US" smtClean="0"/>
-              <a:t>January 10, 2016</a:t>
+              <a:t>January 16, 2016</a:t>
             </a:fld>
             <a:endParaRPr/>
           </a:p>
@@ -16190,7 +16190,7 @@
           <a:p>
             <a:fld id="{8B8B1958-F972-48E2-B30C-3D9C71EE7ED1}" type="datetime4">
               <a:rPr lang="en-US" smtClean="0"/>
-              <a:t>January 10, 2016</a:t>
+              <a:t>January 16, 2016</a:t>
             </a:fld>
             <a:endParaRPr/>
           </a:p>
@@ -16463,7 +16463,7 @@
           <a:p>
             <a:fld id="{BF2CF142-9C82-4C83-9B6A-8077B879C1B8}" type="datetime4">
               <a:rPr lang="en-US" smtClean="0"/>
-              <a:t>January 10, 2016</a:t>
+              <a:t>January 16, 2016</a:t>
             </a:fld>
             <a:endParaRPr/>
           </a:p>
@@ -16750,7 +16750,7 @@
           <a:p>
             <a:fld id="{9C259EE5-F25B-4563-AE58-6B042DD986DA}" type="datetime4">
               <a:rPr lang="en-US" smtClean="0"/>
-              <a:t>January 10, 2016</a:t>
+              <a:t>January 16, 2016</a:t>
             </a:fld>
             <a:endParaRPr/>
           </a:p>
@@ -17168,7 +17168,7 @@
           <a:p>
             <a:fld id="{F4CAB0D1-A256-4DFA-8583-35D5EE4CD0DF}" type="datetime4">
               <a:rPr lang="en-US" smtClean="0"/>
-              <a:t>January 10, 2016</a:t>
+              <a:t>January 16, 2016</a:t>
             </a:fld>
             <a:endParaRPr/>
           </a:p>
@@ -17728,7 +17728,7 @@
           <a:p>
             <a:fld id="{B0BBCA58-86AD-4F40-BF66-913A1183EE47}" type="datetime4">
               <a:rPr lang="en-US" smtClean="0"/>
-              <a:t>January 10, 2016</a:t>
+              <a:t>January 16, 2016</a:t>
             </a:fld>
             <a:endParaRPr/>
           </a:p>
@@ -22834,7 +22834,7 @@
           <a:p>
             <a:fld id="{FB395617-A7D9-4AE8-82B6-3D0A191CDCBE}" type="datetime4">
               <a:rPr lang="en-US" smtClean="0"/>
-              <a:t>January 10, 2016</a:t>
+              <a:t>January 16, 2016</a:t>
             </a:fld>
             <a:endParaRPr/>
           </a:p>
@@ -25416,7 +25416,7 @@
           <a:p>
             <a:fld id="{77C6BA28-E443-46F5-AE73-D543F89EF748}" type="datetime4">
               <a:rPr lang="en-US" smtClean="0"/>
-              <a:t>January 10, 2016</a:t>
+              <a:t>January 16, 2016</a:t>
             </a:fld>
             <a:endParaRPr/>
           </a:p>
@@ -25614,7 +25614,7 @@
           <a:p>
             <a:fld id="{1452EE1A-1BE0-474E-808D-00D5A7797660}" type="datetime4">
               <a:rPr lang="en-US" smtClean="0"/>
-              <a:t>January 10, 2016</a:t>
+              <a:t>January 16, 2016</a:t>
             </a:fld>
             <a:endParaRPr/>
           </a:p>
@@ -25883,7 +25883,7 @@
           <a:p>
             <a:fld id="{1D654495-4BF5-4727-99D4-DFD1D0597350}" type="datetime4">
               <a:rPr lang="en-US" smtClean="0"/>
-              <a:t>January 10, 2016</a:t>
+              <a:t>January 16, 2016</a:t>
             </a:fld>
             <a:endParaRPr/>
           </a:p>
@@ -26213,7 +26213,7 @@
           <a:p>
             <a:fld id="{74A90477-F864-462B-BF44-00D67B14D858}" type="datetime4">
               <a:rPr lang="en-US" smtClean="0"/>
-              <a:t>January 10, 2016</a:t>
+              <a:t>January 16, 2016</a:t>
             </a:fld>
             <a:endParaRPr/>
           </a:p>
@@ -26467,7 +26467,7 @@
           <a:p>
             <a:fld id="{16E08157-2DC9-4745-A7A9-7046A8583708}" type="datetime4">
               <a:rPr lang="en-US" smtClean="0"/>
-              <a:t>January 10, 2016</a:t>
+              <a:t>January 16, 2016</a:t>
             </a:fld>
             <a:endParaRPr/>
           </a:p>
@@ -29147,7 +29147,7 @@
           <a:p>
             <a:fld id="{FDD7D378-E709-4062-9715-39E79557A063}" type="datetime4">
               <a:rPr lang="en-US" smtClean="0"/>
-              <a:t>January 10, 2016</a:t>
+              <a:t>January 16, 2016</a:t>
             </a:fld>
             <a:endParaRPr/>
           </a:p>
@@ -34063,7 +34063,7 @@
           <a:p>
             <a:fld id="{C07C5E14-300D-4720-B5FE-54C7D96D4160}" type="datetime4">
               <a:rPr lang="en-US" smtClean="0"/>
-              <a:t>January 10, 2016</a:t>
+              <a:t>January 16, 2016</a:t>
             </a:fld>
             <a:endParaRPr/>
           </a:p>
@@ -36755,7 +36755,7 @@
           <a:p>
             <a:fld id="{BC7BE07D-E945-4DDF-8452-20009392BF2F}" type="datetime4">
               <a:rPr lang="en-US" smtClean="0"/>
-              <a:t>January 10, 2016</a:t>
+              <a:t>January 16, 2016</a:t>
             </a:fld>
             <a:endParaRPr/>
           </a:p>
@@ -37238,7 +37238,7 @@
           <a:p>
             <a:fld id="{65FD8143-BFA3-46F8-9B90-B0E5CFAF7F7C}" type="datetime4">
               <a:rPr lang="en-US" smtClean="0"/>
-              <a:t>January 10, 2016</a:t>
+              <a:t>January 16, 2016</a:t>
             </a:fld>
             <a:endParaRPr/>
           </a:p>
@@ -39976,11 +39976,7 @@
           <a:p>
             <a:r>
               <a:rPr lang="en-US" dirty="0" smtClean="0"/>
-              <a:t>HPE Performance </a:t>
-            </a:r>
-            <a:r>
-              <a:rPr lang="en-US" dirty="0" smtClean="0"/>
-              <a:t>Management</a:t>
+              <a:t>HPE Performance Management</a:t>
             </a:r>
             <a:endParaRPr lang="en-US" dirty="0"/>
           </a:p>
@@ -45979,7 +45975,7 @@
         </p:nvSpPr>
         <p:spPr bwMode="ltGray">
           <a:xfrm>
-            <a:off x="5870027" y="1417215"/>
+            <a:off x="5946227" y="1447800"/>
             <a:ext cx="2511973" cy="1769387"/>
           </a:xfrm>
           <a:prstGeom prst="roundRect">
@@ -46268,7 +46264,7 @@
         </p:blipFill>
         <p:spPr>
           <a:xfrm>
-            <a:off x="3124200" y="2010103"/>
+            <a:off x="2979683" y="1905000"/>
             <a:ext cx="1219200" cy="1219200"/>
           </a:xfrm>
           <a:prstGeom prst="rect">
@@ -46393,7 +46389,7 @@
         </p:blipFill>
         <p:spPr>
           <a:xfrm>
-            <a:off x="1600200" y="2010103"/>
+            <a:off x="1600200" y="1885294"/>
             <a:ext cx="1219200" cy="1219200"/>
           </a:xfrm>
           <a:prstGeom prst="rect">
@@ -46514,7 +46510,7 @@
         </p:nvCxnSpPr>
         <p:spPr>
           <a:xfrm>
-            <a:off x="2207172" y="3206494"/>
+            <a:off x="2207172" y="3252111"/>
             <a:ext cx="0" cy="405489"/>
           </a:xfrm>
           <a:prstGeom prst="line">
@@ -46549,7 +46545,7 @@
         </p:nvCxnSpPr>
         <p:spPr>
           <a:xfrm>
-            <a:off x="3733800" y="3170128"/>
+            <a:off x="3733800" y="3252111"/>
             <a:ext cx="0" cy="405489"/>
           </a:xfrm>
           <a:prstGeom prst="line">
@@ -46584,7 +46580,7 @@
         </p:nvCxnSpPr>
         <p:spPr>
           <a:xfrm>
-            <a:off x="7225862" y="3170127"/>
+            <a:off x="7225862" y="3252111"/>
             <a:ext cx="0" cy="405489"/>
           </a:xfrm>
           <a:prstGeom prst="line">
@@ -46674,6 +46670,120 @@
               </a:lnSpc>
             </a:pPr>
             <a:endParaRPr lang="en-US" dirty="0"/>
+          </a:p>
+        </p:txBody>
+      </p:sp>
+      <p:sp>
+        <p:nvSpPr>
+          <p:cNvPr id="3" name="TextBox 2"/>
+          <p:cNvSpPr txBox="1"/>
+          <p:nvPr/>
+        </p:nvSpPr>
+        <p:spPr>
+          <a:xfrm>
+            <a:off x="1580492" y="2914743"/>
+            <a:ext cx="1063133" cy="198582"/>
+          </a:xfrm>
+          <a:prstGeom prst="rect">
+            <a:avLst/>
+          </a:prstGeom>
+          <a:noFill/>
+        </p:spPr>
+        <p:txBody>
+          <a:bodyPr wrap="none" lIns="0" tIns="0" rIns="0" bIns="0" rtlCol="0">
+            <a:noAutofit/>
+            <a:scene3d>
+              <a:camera prst="orthographicFront"/>
+              <a:lightRig rig="harsh" dir="t"/>
+            </a:scene3d>
+            <a:sp3d extrusionH="57150" prstMaterial="matte">
+              <a:bevelT w="63500" h="12700" prst="angle"/>
+              <a:contourClr>
+                <a:schemeClr val="bg1">
+                  <a:lumMod val="65000"/>
+                </a:schemeClr>
+              </a:contourClr>
+            </a:sp3d>
+          </a:bodyPr>
+          <a:lstStyle/>
+          <a:p>
+            <a:pPr>
+              <a:lnSpc>
+                <a:spcPct val="90000"/>
+              </a:lnSpc>
+            </a:pPr>
+            <a:r>
+              <a:rPr lang="en-US" sz="1400" b="1" dirty="0" smtClean="0">
+                <a:ln/>
+                <a:solidFill>
+                  <a:schemeClr val="accent3"/>
+                </a:solidFill>
+              </a:rPr>
+              <a:t>Writer Master</a:t>
+            </a:r>
+            <a:endParaRPr lang="en-US" sz="1400" b="1" dirty="0">
+              <a:ln/>
+              <a:solidFill>
+                <a:schemeClr val="accent3"/>
+              </a:solidFill>
+            </a:endParaRPr>
+          </a:p>
+        </p:txBody>
+      </p:sp>
+      <p:sp>
+        <p:nvSpPr>
+          <p:cNvPr id="31" name="TextBox 30"/>
+          <p:cNvSpPr txBox="1"/>
+          <p:nvPr/>
+        </p:nvSpPr>
+        <p:spPr>
+          <a:xfrm>
+            <a:off x="3036422" y="2905912"/>
+            <a:ext cx="1063133" cy="198582"/>
+          </a:xfrm>
+          <a:prstGeom prst="rect">
+            <a:avLst/>
+          </a:prstGeom>
+          <a:noFill/>
+        </p:spPr>
+        <p:txBody>
+          <a:bodyPr wrap="none" lIns="0" tIns="0" rIns="0" bIns="0" rtlCol="0">
+            <a:noAutofit/>
+            <a:scene3d>
+              <a:camera prst="orthographicFront"/>
+              <a:lightRig rig="harsh" dir="t"/>
+            </a:scene3d>
+            <a:sp3d extrusionH="57150" prstMaterial="matte">
+              <a:bevelT w="63500" h="12700" prst="angle"/>
+              <a:contourClr>
+                <a:schemeClr val="bg1">
+                  <a:lumMod val="65000"/>
+                </a:schemeClr>
+              </a:contourClr>
+            </a:sp3d>
+          </a:bodyPr>
+          <a:lstStyle/>
+          <a:p>
+            <a:pPr>
+              <a:lnSpc>
+                <a:spcPct val="90000"/>
+              </a:lnSpc>
+            </a:pPr>
+            <a:r>
+              <a:rPr lang="en-US" sz="1400" b="1" dirty="0" smtClean="0">
+                <a:ln/>
+                <a:solidFill>
+                  <a:schemeClr val="accent3"/>
+                </a:solidFill>
+              </a:rPr>
+              <a:t>Read Slaves</a:t>
+            </a:r>
+            <a:endParaRPr lang="en-US" sz="1400" b="1" dirty="0">
+              <a:ln/>
+              <a:solidFill>
+                <a:schemeClr val="accent3"/>
+              </a:solidFill>
+            </a:endParaRPr>
           </a:p>
         </p:txBody>
       </p:sp>
@@ -49475,13 +49585,13 @@
   <p:clrMapOvr>
     <a:masterClrMapping/>
   </p:clrMapOvr>
-  <mc:AlternateContent xmlns:mc="http://schemas.openxmlformats.org/markup-compatibility/2006">
-    <mc:Choice xmlns:p14="http://schemas.microsoft.com/office/powerpoint/2010/main" Requires="p14">
+  <mc:AlternateContent xmlns:mc="http://schemas.openxmlformats.org/markup-compatibility/2006" xmlns:p14="http://schemas.microsoft.com/office/powerpoint/2010/main">
+    <mc:Choice Requires="p14">
       <p:transition spd="med" p14:dur="700">
         <p:fade/>
       </p:transition>
     </mc:Choice>
-    <mc:Fallback>
+    <mc:Fallback xmlns="">
       <p:transition spd="med">
         <p:fade/>
       </p:transition>

--- a/doc/MPM idea.pptx
+++ b/doc/MPM idea.pptx
@@ -5,10 +5,10 @@
     <p:sldMasterId id="2147483648" r:id="rId1"/>
   </p:sldMasterIdLst>
   <p:notesMasterIdLst>
-    <p:notesMasterId r:id="rId19"/>
+    <p:notesMasterId r:id="rId20"/>
   </p:notesMasterIdLst>
   <p:handoutMasterIdLst>
-    <p:handoutMasterId r:id="rId20"/>
+    <p:handoutMasterId r:id="rId21"/>
   </p:handoutMasterIdLst>
   <p:sldIdLst>
     <p:sldId id="256" r:id="rId2"/>
@@ -27,12 +27,13 @@
     <p:sldId id="269" r:id="rId15"/>
     <p:sldId id="279" r:id="rId16"/>
     <p:sldId id="277" r:id="rId17"/>
-    <p:sldId id="275" r:id="rId18"/>
+    <p:sldId id="281" r:id="rId18"/>
+    <p:sldId id="275" r:id="rId19"/>
   </p:sldIdLst>
   <p:sldSz cx="12192000" cy="6858000"/>
   <p:notesSz cx="6858000" cy="9144000"/>
   <p:custDataLst>
-    <p:tags r:id="rId21"/>
+    <p:tags r:id="rId22"/>
   </p:custDataLst>
   <p:defaultTextStyle>
     <a:defPPr>
@@ -276,7 +277,7 @@
           <a:p>
             <a:fld id="{3CA61830-C416-483F-955E-54203C65B711}" type="datetimeFigureOut">
               <a:rPr lang="en-US"/>
-              <a:t>1/16/2016</a:t>
+              <a:t>1/21/2016</a:t>
             </a:fld>
             <a:endParaRPr/>
           </a:p>
@@ -6126,7 +6127,7 @@
           <a:p>
             <a:fld id="{EFA54ACD-BEB7-4258-A5F3-653792456C00}" type="datetime4">
               <a:rPr lang="en-US" smtClean="0"/>
-              <a:t>January 16, 2016</a:t>
+              <a:t>January 21, 2016</a:t>
             </a:fld>
             <a:endParaRPr/>
           </a:p>
@@ -8622,7 +8623,7 @@
           <a:p>
             <a:fld id="{2399C1EB-F401-4F7B-BD9C-AAA165C9F3D7}" type="datetime4">
               <a:rPr lang="en-US" smtClean="0"/>
-              <a:t>January 16, 2016</a:t>
+              <a:t>January 21, 2016</a:t>
             </a:fld>
             <a:endParaRPr/>
           </a:p>
@@ -8815,7 +8816,7 @@
           <a:p>
             <a:fld id="{ECF1CC87-9C4B-4D13-B529-5EAF641302E2}" type="datetime4">
               <a:rPr lang="en-US" smtClean="0"/>
-              <a:t>January 16, 2016</a:t>
+              <a:t>January 21, 2016</a:t>
             </a:fld>
             <a:endParaRPr/>
           </a:p>
@@ -9117,7 +9118,7 @@
           <a:p>
             <a:fld id="{AEFA413A-E630-4377-B30C-3545E98CC867}" type="datetime4">
               <a:rPr lang="en-US" smtClean="0"/>
-              <a:t>January 16, 2016</a:t>
+              <a:t>January 21, 2016</a:t>
             </a:fld>
             <a:endParaRPr/>
           </a:p>
@@ -9505,7 +9506,7 @@
           <a:p>
             <a:fld id="{2D33DC54-2A66-493A-80B5-8303FBA5D0AD}" type="datetime4">
               <a:rPr lang="en-US" smtClean="0"/>
-              <a:t>January 16, 2016</a:t>
+              <a:t>January 21, 2016</a:t>
             </a:fld>
             <a:endParaRPr/>
           </a:p>
@@ -9649,7 +9650,7 @@
           <a:p>
             <a:fld id="{26B45FFC-9EEF-4E69-85F5-C8F54747804D}" type="datetime4">
               <a:rPr lang="en-US" smtClean="0"/>
-              <a:t>January 16, 2016</a:t>
+              <a:t>January 21, 2016</a:t>
             </a:fld>
             <a:endParaRPr/>
           </a:p>
@@ -9892,7 +9893,7 @@
           <a:p>
             <a:fld id="{684E3265-88A3-4C30-AE11-BFDF645909E9}" type="datetime4">
               <a:rPr lang="en-US" smtClean="0"/>
-              <a:t>January 16, 2016</a:t>
+              <a:t>January 21, 2016</a:t>
             </a:fld>
             <a:endParaRPr/>
           </a:p>
@@ -10010,7 +10011,7 @@
           <a:p>
             <a:fld id="{E9F763D2-AF56-4C60-80C7-7D8FC051005C}" type="datetime4">
               <a:rPr lang="en-US" smtClean="0"/>
-              <a:t>January 16, 2016</a:t>
+              <a:t>January 21, 2016</a:t>
             </a:fld>
             <a:endParaRPr/>
           </a:p>
@@ -10337,7 +10338,7 @@
           <a:p>
             <a:fld id="{905039DC-98B3-47E6-AD46-BA5B72AD8B4A}" type="datetime4">
               <a:rPr lang="en-US" smtClean="0"/>
-              <a:t>January 16, 2016</a:t>
+              <a:t>January 21, 2016</a:t>
             </a:fld>
             <a:endParaRPr/>
           </a:p>
@@ -10797,7 +10798,7 @@
           <a:p>
             <a:fld id="{A48AA38D-5CBD-4E44-A2EB-B3F38A5B8051}" type="datetime4">
               <a:rPr lang="en-US" smtClean="0"/>
-              <a:t>January 16, 2016</a:t>
+              <a:t>January 21, 2016</a:t>
             </a:fld>
             <a:endParaRPr/>
           </a:p>
@@ -13848,7 +13849,7 @@
           <a:p>
             <a:fld id="{8F030E74-B79E-47A7-AA1C-BA3D00CC0B4A}" type="datetime4">
               <a:rPr lang="en-US" smtClean="0"/>
-              <a:t>January 16, 2016</a:t>
+              <a:t>January 21, 2016</a:t>
             </a:fld>
             <a:endParaRPr/>
           </a:p>
@@ -14259,7 +14260,7 @@
           <a:p>
             <a:fld id="{00FDD7F1-9FB6-4CB9-BA1F-25B205B879F3}" type="datetime4">
               <a:rPr lang="en-US" smtClean="0"/>
-              <a:t>January 16, 2016</a:t>
+              <a:t>January 21, 2016</a:t>
             </a:fld>
             <a:endParaRPr/>
           </a:p>
@@ -14880,7 +14881,7 @@
           <a:p>
             <a:fld id="{027D5831-B468-414C-94B5-F04EB43FC0AE}" type="datetime4">
               <a:rPr lang="en-US" smtClean="0"/>
-              <a:t>January 16, 2016</a:t>
+              <a:t>January 21, 2016</a:t>
             </a:fld>
             <a:endParaRPr/>
           </a:p>
@@ -15599,7 +15600,7 @@
           <a:p>
             <a:fld id="{727A18C6-3F10-4266-96C9-5D014F3025B2}" type="datetime4">
               <a:rPr lang="en-US" smtClean="0"/>
-              <a:t>January 16, 2016</a:t>
+              <a:t>January 21, 2016</a:t>
             </a:fld>
             <a:endParaRPr/>
           </a:p>
@@ -15896,7 +15897,7 @@
           <a:p>
             <a:fld id="{A6CB1722-4B46-4353-B583-721651D61489}" type="datetime4">
               <a:rPr lang="en-US" smtClean="0"/>
-              <a:t>January 16, 2016</a:t>
+              <a:t>January 21, 2016</a:t>
             </a:fld>
             <a:endParaRPr/>
           </a:p>
@@ -16190,7 +16191,7 @@
           <a:p>
             <a:fld id="{8B8B1958-F972-48E2-B30C-3D9C71EE7ED1}" type="datetime4">
               <a:rPr lang="en-US" smtClean="0"/>
-              <a:t>January 16, 2016</a:t>
+              <a:t>January 21, 2016</a:t>
             </a:fld>
             <a:endParaRPr/>
           </a:p>
@@ -16463,7 +16464,7 @@
           <a:p>
             <a:fld id="{BF2CF142-9C82-4C83-9B6A-8077B879C1B8}" type="datetime4">
               <a:rPr lang="en-US" smtClean="0"/>
-              <a:t>January 16, 2016</a:t>
+              <a:t>January 21, 2016</a:t>
             </a:fld>
             <a:endParaRPr/>
           </a:p>
@@ -16750,7 +16751,7 @@
           <a:p>
             <a:fld id="{9C259EE5-F25B-4563-AE58-6B042DD986DA}" type="datetime4">
               <a:rPr lang="en-US" smtClean="0"/>
-              <a:t>January 16, 2016</a:t>
+              <a:t>January 21, 2016</a:t>
             </a:fld>
             <a:endParaRPr/>
           </a:p>
@@ -17168,7 +17169,7 @@
           <a:p>
             <a:fld id="{F4CAB0D1-A256-4DFA-8583-35D5EE4CD0DF}" type="datetime4">
               <a:rPr lang="en-US" smtClean="0"/>
-              <a:t>January 16, 2016</a:t>
+              <a:t>January 21, 2016</a:t>
             </a:fld>
             <a:endParaRPr/>
           </a:p>
@@ -17728,7 +17729,7 @@
           <a:p>
             <a:fld id="{B0BBCA58-86AD-4F40-BF66-913A1183EE47}" type="datetime4">
               <a:rPr lang="en-US" smtClean="0"/>
-              <a:t>January 16, 2016</a:t>
+              <a:t>January 21, 2016</a:t>
             </a:fld>
             <a:endParaRPr/>
           </a:p>
@@ -22834,7 +22835,7 @@
           <a:p>
             <a:fld id="{FB395617-A7D9-4AE8-82B6-3D0A191CDCBE}" type="datetime4">
               <a:rPr lang="en-US" smtClean="0"/>
-              <a:t>January 16, 2016</a:t>
+              <a:t>January 21, 2016</a:t>
             </a:fld>
             <a:endParaRPr/>
           </a:p>
@@ -25416,7 +25417,7 @@
           <a:p>
             <a:fld id="{77C6BA28-E443-46F5-AE73-D543F89EF748}" type="datetime4">
               <a:rPr lang="en-US" smtClean="0"/>
-              <a:t>January 16, 2016</a:t>
+              <a:t>January 21, 2016</a:t>
             </a:fld>
             <a:endParaRPr/>
           </a:p>
@@ -25614,7 +25615,7 @@
           <a:p>
             <a:fld id="{1452EE1A-1BE0-474E-808D-00D5A7797660}" type="datetime4">
               <a:rPr lang="en-US" smtClean="0"/>
-              <a:t>January 16, 2016</a:t>
+              <a:t>January 21, 2016</a:t>
             </a:fld>
             <a:endParaRPr/>
           </a:p>
@@ -25883,7 +25884,7 @@
           <a:p>
             <a:fld id="{1D654495-4BF5-4727-99D4-DFD1D0597350}" type="datetime4">
               <a:rPr lang="en-US" smtClean="0"/>
-              <a:t>January 16, 2016</a:t>
+              <a:t>January 21, 2016</a:t>
             </a:fld>
             <a:endParaRPr/>
           </a:p>
@@ -26213,7 +26214,7 @@
           <a:p>
             <a:fld id="{74A90477-F864-462B-BF44-00D67B14D858}" type="datetime4">
               <a:rPr lang="en-US" smtClean="0"/>
-              <a:t>January 16, 2016</a:t>
+              <a:t>January 21, 2016</a:t>
             </a:fld>
             <a:endParaRPr/>
           </a:p>
@@ -26467,7 +26468,7 @@
           <a:p>
             <a:fld id="{16E08157-2DC9-4745-A7A9-7046A8583708}" type="datetime4">
               <a:rPr lang="en-US" smtClean="0"/>
-              <a:t>January 16, 2016</a:t>
+              <a:t>January 21, 2016</a:t>
             </a:fld>
             <a:endParaRPr/>
           </a:p>
@@ -29147,7 +29148,7 @@
           <a:p>
             <a:fld id="{FDD7D378-E709-4062-9715-39E79557A063}" type="datetime4">
               <a:rPr lang="en-US" smtClean="0"/>
-              <a:t>January 16, 2016</a:t>
+              <a:t>January 21, 2016</a:t>
             </a:fld>
             <a:endParaRPr/>
           </a:p>
@@ -34063,7 +34064,7 @@
           <a:p>
             <a:fld id="{C07C5E14-300D-4720-B5FE-54C7D96D4160}" type="datetime4">
               <a:rPr lang="en-US" smtClean="0"/>
-              <a:t>January 16, 2016</a:t>
+              <a:t>January 21, 2016</a:t>
             </a:fld>
             <a:endParaRPr/>
           </a:p>
@@ -36755,7 +36756,7 @@
           <a:p>
             <a:fld id="{BC7BE07D-E945-4DDF-8452-20009392BF2F}" type="datetime4">
               <a:rPr lang="en-US" smtClean="0"/>
-              <a:t>January 16, 2016</a:t>
+              <a:t>January 21, 2016</a:t>
             </a:fld>
             <a:endParaRPr/>
           </a:p>
@@ -37238,7 +37239,7 @@
           <a:p>
             <a:fld id="{65FD8143-BFA3-46F8-9B90-B0E5CFAF7F7C}" type="datetime4">
               <a:rPr lang="en-US" smtClean="0"/>
-              <a:t>January 16, 2016</a:t>
+              <a:t>January 21, 2016</a:t>
             </a:fld>
             <a:endParaRPr/>
           </a:p>
@@ -44393,7 +44394,7 @@
           <a:p>
             <a:r>
               <a:rPr lang="en-US" dirty="0" smtClean="0"/>
-              <a:t>Next Step</a:t>
+              <a:t>MPM with NFVD</a:t>
             </a:r>
             <a:endParaRPr lang="en-US" dirty="0"/>
           </a:p>
@@ -44409,65 +44410,45 @@
             <p:ph idx="1"/>
           </p:nvPr>
         </p:nvSpPr>
-        <p:spPr/>
+        <p:spPr>
+          <a:xfrm>
+            <a:off x="609600" y="1524001"/>
+            <a:ext cx="10969784" cy="1447800"/>
+          </a:xfrm>
+        </p:spPr>
         <p:txBody>
           <a:bodyPr/>
           <a:lstStyle/>
           <a:p>
+            <a:pPr>
+              <a:buFontTx/>
+              <a:buChar char="-"/>
+            </a:pPr>
             <a:r>
               <a:rPr lang="en-US" dirty="0" smtClean="0"/>
-              <a:t>Still lots work to make it a real application</a:t>
+              <a:t>NFVD self monitor</a:t>
             </a:r>
           </a:p>
           <a:p>
-            <a:pPr lvl="1">
-              <a:buFont typeface="Wingdings" panose="05000000000000000000" pitchFamily="2" charset="2"/>
-              <a:buChar char="Ø"/>
+            <a:pPr>
+              <a:buFontTx/>
+              <a:buChar char="-"/>
             </a:pPr>
             <a:r>
               <a:rPr lang="en-US" dirty="0" smtClean="0"/>
-              <a:t>Job Management Module</a:t>
+              <a:t>VDC/VAPP Service monitor</a:t>
             </a:r>
           </a:p>
           <a:p>
-            <a:pPr lvl="1">
-              <a:buFont typeface="Wingdings" panose="05000000000000000000" pitchFamily="2" charset="2"/>
-              <a:buChar char="Ø"/>
+            <a:pPr>
+              <a:buFontTx/>
+              <a:buChar char="-"/>
             </a:pPr>
             <a:r>
               <a:rPr lang="en-US" dirty="0" smtClean="0"/>
-              <a:t>Product level GUI</a:t>
-            </a:r>
-          </a:p>
-          <a:p>
-            <a:pPr lvl="1">
-              <a:buFont typeface="Wingdings" panose="05000000000000000000" pitchFamily="2" charset="2"/>
-              <a:buChar char="Ø"/>
-            </a:pPr>
-            <a:r>
-              <a:rPr lang="en-US" dirty="0" smtClean="0"/>
-              <a:t>Algorithm optimize</a:t>
-            </a:r>
-          </a:p>
-          <a:p>
-            <a:pPr lvl="1">
-              <a:buFont typeface="Wingdings" panose="05000000000000000000" pitchFamily="2" charset="2"/>
-              <a:buChar char="Ø"/>
-            </a:pPr>
-            <a:r>
-              <a:rPr lang="en-US" dirty="0" smtClean="0"/>
-              <a:t>Retention</a:t>
-            </a:r>
-          </a:p>
-          <a:p>
-            <a:pPr lvl="1">
-              <a:buFont typeface="Wingdings" panose="05000000000000000000" pitchFamily="2" charset="2"/>
-              <a:buChar char="Ø"/>
-            </a:pPr>
-            <a:r>
-              <a:rPr lang="en-US" dirty="0" smtClean="0"/>
-              <a:t>Log System</a:t>
-            </a:r>
+              <a:t>Resource Monitor</a:t>
+            </a:r>
+            <a:endParaRPr lang="en-US" dirty="0"/>
           </a:p>
         </p:txBody>
       </p:sp>
@@ -44490,6 +44471,191 @@
               <a:rPr lang="en-US" smtClean="0"/>
               <a:pPr/>
               <a:t>17</a:t>
+            </a:fld>
+            <a:endParaRPr lang="en-US"/>
+          </a:p>
+        </p:txBody>
+      </p:sp>
+      <p:pic>
+        <p:nvPicPr>
+          <p:cNvPr id="5" name="Picture 4"/>
+          <p:cNvPicPr>
+            <a:picLocks noChangeAspect="1"/>
+          </p:cNvPicPr>
+          <p:nvPr/>
+        </p:nvPicPr>
+        <p:blipFill>
+          <a:blip r:embed="rId2"/>
+          <a:stretch>
+            <a:fillRect/>
+          </a:stretch>
+        </p:blipFill>
+        <p:spPr>
+          <a:xfrm>
+            <a:off x="636210" y="3200400"/>
+            <a:ext cx="10412790" cy="2663082"/>
+          </a:xfrm>
+          <a:prstGeom prst="rect">
+            <a:avLst/>
+          </a:prstGeom>
+        </p:spPr>
+      </p:pic>
+    </p:spTree>
+    <p:extLst>
+      <p:ext uri="{BB962C8B-B14F-4D97-AF65-F5344CB8AC3E}">
+        <p14:creationId xmlns:p14="http://schemas.microsoft.com/office/powerpoint/2010/main" val="2081259618"/>
+      </p:ext>
+    </p:extLst>
+  </p:cSld>
+  <p:clrMapOvr>
+    <a:masterClrMapping/>
+  </p:clrMapOvr>
+  <mc:AlternateContent xmlns:mc="http://schemas.openxmlformats.org/markup-compatibility/2006" xmlns:p14="http://schemas.microsoft.com/office/powerpoint/2010/main">
+    <mc:Choice Requires="p14">
+      <p:transition spd="med" p14:dur="700">
+        <p:fade/>
+      </p:transition>
+    </mc:Choice>
+    <mc:Fallback xmlns="">
+      <p:transition spd="med">
+        <p:fade/>
+      </p:transition>
+    </mc:Fallback>
+  </mc:AlternateContent>
+</p:sld>
+</file>
+
+<file path=ppt/slides/slide18.xml><?xml version="1.0" encoding="utf-8"?>
+<p:sld xmlns:a="http://schemas.openxmlformats.org/drawingml/2006/main" xmlns:r="http://schemas.openxmlformats.org/officeDocument/2006/relationships" xmlns:p="http://schemas.openxmlformats.org/presentationml/2006/main">
+  <p:cSld>
+    <p:spTree>
+      <p:nvGrpSpPr>
+        <p:cNvPr id="1" name=""/>
+        <p:cNvGrpSpPr/>
+        <p:nvPr/>
+      </p:nvGrpSpPr>
+      <p:grpSpPr>
+        <a:xfrm>
+          <a:off x="0" y="0"/>
+          <a:ext cx="0" cy="0"/>
+          <a:chOff x="0" y="0"/>
+          <a:chExt cx="0" cy="0"/>
+        </a:xfrm>
+      </p:grpSpPr>
+      <p:sp>
+        <p:nvSpPr>
+          <p:cNvPr id="2" name="Title 1"/>
+          <p:cNvSpPr>
+            <a:spLocks noGrp="1"/>
+          </p:cNvSpPr>
+          <p:nvPr>
+            <p:ph type="title"/>
+          </p:nvPr>
+        </p:nvSpPr>
+        <p:spPr/>
+        <p:txBody>
+          <a:bodyPr/>
+          <a:lstStyle/>
+          <a:p>
+            <a:r>
+              <a:rPr lang="en-US" dirty="0" smtClean="0"/>
+              <a:t>Next Step</a:t>
+            </a:r>
+            <a:endParaRPr lang="en-US" dirty="0"/>
+          </a:p>
+        </p:txBody>
+      </p:sp>
+      <p:sp>
+        <p:nvSpPr>
+          <p:cNvPr id="3" name="Content Placeholder 2"/>
+          <p:cNvSpPr>
+            <a:spLocks noGrp="1"/>
+          </p:cNvSpPr>
+          <p:nvPr>
+            <p:ph idx="1"/>
+          </p:nvPr>
+        </p:nvSpPr>
+        <p:spPr/>
+        <p:txBody>
+          <a:bodyPr/>
+          <a:lstStyle/>
+          <a:p>
+            <a:r>
+              <a:rPr lang="en-US" dirty="0" smtClean="0"/>
+              <a:t>Still lots work to make it a real application</a:t>
+            </a:r>
+          </a:p>
+          <a:p>
+            <a:pPr lvl="1">
+              <a:buFont typeface="Wingdings" panose="05000000000000000000" pitchFamily="2" charset="2"/>
+              <a:buChar char="Ø"/>
+            </a:pPr>
+            <a:r>
+              <a:rPr lang="en-US" dirty="0" smtClean="0"/>
+              <a:t>Job Management Module</a:t>
+            </a:r>
+          </a:p>
+          <a:p>
+            <a:pPr lvl="1">
+              <a:buFont typeface="Wingdings" panose="05000000000000000000" pitchFamily="2" charset="2"/>
+              <a:buChar char="Ø"/>
+            </a:pPr>
+            <a:r>
+              <a:rPr lang="en-US" dirty="0" smtClean="0"/>
+              <a:t>Product level GUI</a:t>
+            </a:r>
+          </a:p>
+          <a:p>
+            <a:pPr lvl="1">
+              <a:buFont typeface="Wingdings" panose="05000000000000000000" pitchFamily="2" charset="2"/>
+              <a:buChar char="Ø"/>
+            </a:pPr>
+            <a:r>
+              <a:rPr lang="en-US" dirty="0" smtClean="0"/>
+              <a:t>Algorithm optimize</a:t>
+            </a:r>
+          </a:p>
+          <a:p>
+            <a:pPr lvl="1">
+              <a:buFont typeface="Wingdings" panose="05000000000000000000" pitchFamily="2" charset="2"/>
+              <a:buChar char="Ø"/>
+            </a:pPr>
+            <a:r>
+              <a:rPr lang="en-US" dirty="0" smtClean="0"/>
+              <a:t>Retention</a:t>
+            </a:r>
+          </a:p>
+          <a:p>
+            <a:pPr lvl="1">
+              <a:buFont typeface="Wingdings" panose="05000000000000000000" pitchFamily="2" charset="2"/>
+              <a:buChar char="Ø"/>
+            </a:pPr>
+            <a:r>
+              <a:rPr lang="en-US" dirty="0" smtClean="0"/>
+              <a:t>Log System</a:t>
+            </a:r>
+          </a:p>
+        </p:txBody>
+      </p:sp>
+      <p:sp>
+        <p:nvSpPr>
+          <p:cNvPr id="4" name="Slide Number Placeholder 3"/>
+          <p:cNvSpPr>
+            <a:spLocks noGrp="1"/>
+          </p:cNvSpPr>
+          <p:nvPr>
+            <p:ph type="sldNum" sz="quarter" idx="12"/>
+          </p:nvPr>
+        </p:nvSpPr>
+        <p:spPr/>
+        <p:txBody>
+          <a:bodyPr/>
+          <a:lstStyle/>
+          <a:p>
+            <a:fld id="{B016F8AB-BCEA-4347-8BA6-BE776009BC89}" type="slidenum">
+              <a:rPr lang="en-US" smtClean="0"/>
+              <a:pPr/>
+              <a:t>18</a:t>
             </a:fld>
             <a:endParaRPr lang="en-US"/>
           </a:p>
@@ -49543,8 +49709,23 @@
             </a:r>
             <a:r>
               <a:rPr lang="en-US" dirty="0" smtClean="0"/>
-              <a:t>, max, min and count. (in SNMP  collector support these methods and one more: delta)</a:t>
-            </a:r>
+              <a:t>, max, min and count. (in SNMP  collector support these methods and one more: delta</a:t>
+            </a:r>
+            <a:r>
+              <a:rPr lang="en-US" dirty="0" smtClean="0"/>
+              <a:t>)</a:t>
+            </a:r>
+          </a:p>
+          <a:p>
+            <a:r>
+              <a:rPr lang="en-US" dirty="0" smtClean="0"/>
+              <a:t>The engine provide customized APIs to fetch </a:t>
+            </a:r>
+            <a:r>
+              <a:rPr lang="en-US" smtClean="0"/>
+              <a:t>KPI values</a:t>
+            </a:r>
+            <a:endParaRPr lang="en-US" dirty="0" smtClean="0"/>
           </a:p>
           <a:p>
             <a:endParaRPr lang="en-US" dirty="0"/>

--- a/doc/MPM idea.pptx
+++ b/doc/MPM idea.pptx
@@ -277,7 +277,7 @@
           <a:p>
             <a:fld id="{3CA61830-C416-483F-955E-54203C65B711}" type="datetimeFigureOut">
               <a:rPr lang="en-US"/>
-              <a:t>1/21/2016</a:t>
+              <a:t>1/22/2016</a:t>
             </a:fld>
             <a:endParaRPr/>
           </a:p>
@@ -6127,7 +6127,7 @@
           <a:p>
             <a:fld id="{EFA54ACD-BEB7-4258-A5F3-653792456C00}" type="datetime4">
               <a:rPr lang="en-US" smtClean="0"/>
-              <a:t>January 21, 2016</a:t>
+              <a:t>January 22, 2016</a:t>
             </a:fld>
             <a:endParaRPr/>
           </a:p>
@@ -8623,7 +8623,7 @@
           <a:p>
             <a:fld id="{2399C1EB-F401-4F7B-BD9C-AAA165C9F3D7}" type="datetime4">
               <a:rPr lang="en-US" smtClean="0"/>
-              <a:t>January 21, 2016</a:t>
+              <a:t>January 22, 2016</a:t>
             </a:fld>
             <a:endParaRPr/>
           </a:p>
@@ -8816,7 +8816,7 @@
           <a:p>
             <a:fld id="{ECF1CC87-9C4B-4D13-B529-5EAF641302E2}" type="datetime4">
               <a:rPr lang="en-US" smtClean="0"/>
-              <a:t>January 21, 2016</a:t>
+              <a:t>January 22, 2016</a:t>
             </a:fld>
             <a:endParaRPr/>
           </a:p>
@@ -9118,7 +9118,7 @@
           <a:p>
             <a:fld id="{AEFA413A-E630-4377-B30C-3545E98CC867}" type="datetime4">
               <a:rPr lang="en-US" smtClean="0"/>
-              <a:t>January 21, 2016</a:t>
+              <a:t>January 22, 2016</a:t>
             </a:fld>
             <a:endParaRPr/>
           </a:p>
@@ -9506,7 +9506,7 @@
           <a:p>
             <a:fld id="{2D33DC54-2A66-493A-80B5-8303FBA5D0AD}" type="datetime4">
               <a:rPr lang="en-US" smtClean="0"/>
-              <a:t>January 21, 2016</a:t>
+              <a:t>January 22, 2016</a:t>
             </a:fld>
             <a:endParaRPr/>
           </a:p>
@@ -9650,7 +9650,7 @@
           <a:p>
             <a:fld id="{26B45FFC-9EEF-4E69-85F5-C8F54747804D}" type="datetime4">
               <a:rPr lang="en-US" smtClean="0"/>
-              <a:t>January 21, 2016</a:t>
+              <a:t>January 22, 2016</a:t>
             </a:fld>
             <a:endParaRPr/>
           </a:p>
@@ -9893,7 +9893,7 @@
           <a:p>
             <a:fld id="{684E3265-88A3-4C30-AE11-BFDF645909E9}" type="datetime4">
               <a:rPr lang="en-US" smtClean="0"/>
-              <a:t>January 21, 2016</a:t>
+              <a:t>January 22, 2016</a:t>
             </a:fld>
             <a:endParaRPr/>
           </a:p>
@@ -10011,7 +10011,7 @@
           <a:p>
             <a:fld id="{E9F763D2-AF56-4C60-80C7-7D8FC051005C}" type="datetime4">
               <a:rPr lang="en-US" smtClean="0"/>
-              <a:t>January 21, 2016</a:t>
+              <a:t>January 22, 2016</a:t>
             </a:fld>
             <a:endParaRPr/>
           </a:p>
@@ -10338,7 +10338,7 @@
           <a:p>
             <a:fld id="{905039DC-98B3-47E6-AD46-BA5B72AD8B4A}" type="datetime4">
               <a:rPr lang="en-US" smtClean="0"/>
-              <a:t>January 21, 2016</a:t>
+              <a:t>January 22, 2016</a:t>
             </a:fld>
             <a:endParaRPr/>
           </a:p>
@@ -10798,7 +10798,7 @@
           <a:p>
             <a:fld id="{A48AA38D-5CBD-4E44-A2EB-B3F38A5B8051}" type="datetime4">
               <a:rPr lang="en-US" smtClean="0"/>
-              <a:t>January 21, 2016</a:t>
+              <a:t>January 22, 2016</a:t>
             </a:fld>
             <a:endParaRPr/>
           </a:p>
@@ -13849,7 +13849,7 @@
           <a:p>
             <a:fld id="{8F030E74-B79E-47A7-AA1C-BA3D00CC0B4A}" type="datetime4">
               <a:rPr lang="en-US" smtClean="0"/>
-              <a:t>January 21, 2016</a:t>
+              <a:t>January 22, 2016</a:t>
             </a:fld>
             <a:endParaRPr/>
           </a:p>
@@ -14260,7 +14260,7 @@
           <a:p>
             <a:fld id="{00FDD7F1-9FB6-4CB9-BA1F-25B205B879F3}" type="datetime4">
               <a:rPr lang="en-US" smtClean="0"/>
-              <a:t>January 21, 2016</a:t>
+              <a:t>January 22, 2016</a:t>
             </a:fld>
             <a:endParaRPr/>
           </a:p>
@@ -14881,7 +14881,7 @@
           <a:p>
             <a:fld id="{027D5831-B468-414C-94B5-F04EB43FC0AE}" type="datetime4">
               <a:rPr lang="en-US" smtClean="0"/>
-              <a:t>January 21, 2016</a:t>
+              <a:t>January 22, 2016</a:t>
             </a:fld>
             <a:endParaRPr/>
           </a:p>
@@ -15600,7 +15600,7 @@
           <a:p>
             <a:fld id="{727A18C6-3F10-4266-96C9-5D014F3025B2}" type="datetime4">
               <a:rPr lang="en-US" smtClean="0"/>
-              <a:t>January 21, 2016</a:t>
+              <a:t>January 22, 2016</a:t>
             </a:fld>
             <a:endParaRPr/>
           </a:p>
@@ -15897,7 +15897,7 @@
           <a:p>
             <a:fld id="{A6CB1722-4B46-4353-B583-721651D61489}" type="datetime4">
               <a:rPr lang="en-US" smtClean="0"/>
-              <a:t>January 21, 2016</a:t>
+              <a:t>January 22, 2016</a:t>
             </a:fld>
             <a:endParaRPr/>
           </a:p>
@@ -16191,7 +16191,7 @@
           <a:p>
             <a:fld id="{8B8B1958-F972-48E2-B30C-3D9C71EE7ED1}" type="datetime4">
               <a:rPr lang="en-US" smtClean="0"/>
-              <a:t>January 21, 2016</a:t>
+              <a:t>January 22, 2016</a:t>
             </a:fld>
             <a:endParaRPr/>
           </a:p>
@@ -16464,7 +16464,7 @@
           <a:p>
             <a:fld id="{BF2CF142-9C82-4C83-9B6A-8077B879C1B8}" type="datetime4">
               <a:rPr lang="en-US" smtClean="0"/>
-              <a:t>January 21, 2016</a:t>
+              <a:t>January 22, 2016</a:t>
             </a:fld>
             <a:endParaRPr/>
           </a:p>
@@ -16751,7 +16751,7 @@
           <a:p>
             <a:fld id="{9C259EE5-F25B-4563-AE58-6B042DD986DA}" type="datetime4">
               <a:rPr lang="en-US" smtClean="0"/>
-              <a:t>January 21, 2016</a:t>
+              <a:t>January 22, 2016</a:t>
             </a:fld>
             <a:endParaRPr/>
           </a:p>
@@ -17169,7 +17169,7 @@
           <a:p>
             <a:fld id="{F4CAB0D1-A256-4DFA-8583-35D5EE4CD0DF}" type="datetime4">
               <a:rPr lang="en-US" smtClean="0"/>
-              <a:t>January 21, 2016</a:t>
+              <a:t>January 22, 2016</a:t>
             </a:fld>
             <a:endParaRPr/>
           </a:p>
@@ -17729,7 +17729,7 @@
           <a:p>
             <a:fld id="{B0BBCA58-86AD-4F40-BF66-913A1183EE47}" type="datetime4">
               <a:rPr lang="en-US" smtClean="0"/>
-              <a:t>January 21, 2016</a:t>
+              <a:t>January 22, 2016</a:t>
             </a:fld>
             <a:endParaRPr/>
           </a:p>
@@ -22835,7 +22835,7 @@
           <a:p>
             <a:fld id="{FB395617-A7D9-4AE8-82B6-3D0A191CDCBE}" type="datetime4">
               <a:rPr lang="en-US" smtClean="0"/>
-              <a:t>January 21, 2016</a:t>
+              <a:t>January 22, 2016</a:t>
             </a:fld>
             <a:endParaRPr/>
           </a:p>
@@ -25417,7 +25417,7 @@
           <a:p>
             <a:fld id="{77C6BA28-E443-46F5-AE73-D543F89EF748}" type="datetime4">
               <a:rPr lang="en-US" smtClean="0"/>
-              <a:t>January 21, 2016</a:t>
+              <a:t>January 22, 2016</a:t>
             </a:fld>
             <a:endParaRPr/>
           </a:p>
@@ -25615,7 +25615,7 @@
           <a:p>
             <a:fld id="{1452EE1A-1BE0-474E-808D-00D5A7797660}" type="datetime4">
               <a:rPr lang="en-US" smtClean="0"/>
-              <a:t>January 21, 2016</a:t>
+              <a:t>January 22, 2016</a:t>
             </a:fld>
             <a:endParaRPr/>
           </a:p>
@@ -25884,7 +25884,7 @@
           <a:p>
             <a:fld id="{1D654495-4BF5-4727-99D4-DFD1D0597350}" type="datetime4">
               <a:rPr lang="en-US" smtClean="0"/>
-              <a:t>January 21, 2016</a:t>
+              <a:t>January 22, 2016</a:t>
             </a:fld>
             <a:endParaRPr/>
           </a:p>
@@ -26214,7 +26214,7 @@
           <a:p>
             <a:fld id="{74A90477-F864-462B-BF44-00D67B14D858}" type="datetime4">
               <a:rPr lang="en-US" smtClean="0"/>
-              <a:t>January 21, 2016</a:t>
+              <a:t>January 22, 2016</a:t>
             </a:fld>
             <a:endParaRPr/>
           </a:p>
@@ -26468,7 +26468,7 @@
           <a:p>
             <a:fld id="{16E08157-2DC9-4745-A7A9-7046A8583708}" type="datetime4">
               <a:rPr lang="en-US" smtClean="0"/>
-              <a:t>January 21, 2016</a:t>
+              <a:t>January 22, 2016</a:t>
             </a:fld>
             <a:endParaRPr/>
           </a:p>
@@ -29148,7 +29148,7 @@
           <a:p>
             <a:fld id="{FDD7D378-E709-4062-9715-39E79557A063}" type="datetime4">
               <a:rPr lang="en-US" smtClean="0"/>
-              <a:t>January 21, 2016</a:t>
+              <a:t>January 22, 2016</a:t>
             </a:fld>
             <a:endParaRPr/>
           </a:p>
@@ -34064,7 +34064,7 @@
           <a:p>
             <a:fld id="{C07C5E14-300D-4720-B5FE-54C7D96D4160}" type="datetime4">
               <a:rPr lang="en-US" smtClean="0"/>
-              <a:t>January 21, 2016</a:t>
+              <a:t>January 22, 2016</a:t>
             </a:fld>
             <a:endParaRPr/>
           </a:p>
@@ -36756,7 +36756,7 @@
           <a:p>
             <a:fld id="{BC7BE07D-E945-4DDF-8452-20009392BF2F}" type="datetime4">
               <a:rPr lang="en-US" smtClean="0"/>
-              <a:t>January 21, 2016</a:t>
+              <a:t>January 22, 2016</a:t>
             </a:fld>
             <a:endParaRPr/>
           </a:p>
@@ -37239,7 +37239,7 @@
           <a:p>
             <a:fld id="{65FD8143-BFA3-46F8-9B90-B0E5CFAF7F7C}" type="datetime4">
               <a:rPr lang="en-US" smtClean="0"/>
-              <a:t>January 21, 2016</a:t>
+              <a:t>January 22, 2016</a:t>
             </a:fld>
             <a:endParaRPr/>
           </a:p>
@@ -40224,6 +40224,30 @@
           <a:xfrm>
             <a:off x="6710334" y="1524000"/>
             <a:ext cx="4847714" cy="3810000"/>
+          </a:xfrm>
+          <a:prstGeom prst="rect">
+            <a:avLst/>
+          </a:prstGeom>
+        </p:spPr>
+      </p:pic>
+      <p:pic>
+        <p:nvPicPr>
+          <p:cNvPr id="6" name="Picture 5"/>
+          <p:cNvPicPr>
+            <a:picLocks noChangeAspect="1"/>
+          </p:cNvPicPr>
+          <p:nvPr/>
+        </p:nvPicPr>
+        <p:blipFill>
+          <a:blip r:embed="rId3"/>
+          <a:stretch>
+            <a:fillRect/>
+          </a:stretch>
+        </p:blipFill>
+        <p:spPr>
+          <a:xfrm>
+            <a:off x="1600200" y="5086614"/>
+            <a:ext cx="5715001" cy="1555381"/>
           </a:xfrm>
           <a:prstGeom prst="rect">
             <a:avLst/>
@@ -49709,11 +49733,7 @@
             </a:r>
             <a:r>
               <a:rPr lang="en-US" dirty="0" smtClean="0"/>
-              <a:t>, max, min and count. (in SNMP  collector support these methods and one more: delta</a:t>
-            </a:r>
-            <a:r>
-              <a:rPr lang="en-US" dirty="0" smtClean="0"/>
-              <a:t>)</a:t>
+              <a:t>, max, min and count. (in SNMP  collector support these methods and one more: delta)</a:t>
             </a:r>
           </a:p>
           <a:p>

--- a/doc/MPM idea.pptx
+++ b/doc/MPM idea.pptx
@@ -277,7 +277,7 @@
           <a:p>
             <a:fld id="{3CA61830-C416-483F-955E-54203C65B711}" type="datetimeFigureOut">
               <a:rPr lang="en-US"/>
-              <a:t>1/22/2016</a:t>
+              <a:t>1/26/2016</a:t>
             </a:fld>
             <a:endParaRPr/>
           </a:p>
@@ -6127,7 +6127,7 @@
           <a:p>
             <a:fld id="{EFA54ACD-BEB7-4258-A5F3-653792456C00}" type="datetime4">
               <a:rPr lang="en-US" smtClean="0"/>
-              <a:t>January 22, 2016</a:t>
+              <a:t>January 26, 2016</a:t>
             </a:fld>
             <a:endParaRPr/>
           </a:p>
@@ -8623,7 +8623,7 @@
           <a:p>
             <a:fld id="{2399C1EB-F401-4F7B-BD9C-AAA165C9F3D7}" type="datetime4">
               <a:rPr lang="en-US" smtClean="0"/>
-              <a:t>January 22, 2016</a:t>
+              <a:t>January 26, 2016</a:t>
             </a:fld>
             <a:endParaRPr/>
           </a:p>
@@ -8816,7 +8816,7 @@
           <a:p>
             <a:fld id="{ECF1CC87-9C4B-4D13-B529-5EAF641302E2}" type="datetime4">
               <a:rPr lang="en-US" smtClean="0"/>
-              <a:t>January 22, 2016</a:t>
+              <a:t>January 26, 2016</a:t>
             </a:fld>
             <a:endParaRPr/>
           </a:p>
@@ -9118,7 +9118,7 @@
           <a:p>
             <a:fld id="{AEFA413A-E630-4377-B30C-3545E98CC867}" type="datetime4">
               <a:rPr lang="en-US" smtClean="0"/>
-              <a:t>January 22, 2016</a:t>
+              <a:t>January 26, 2016</a:t>
             </a:fld>
             <a:endParaRPr/>
           </a:p>
@@ -9506,7 +9506,7 @@
           <a:p>
             <a:fld id="{2D33DC54-2A66-493A-80B5-8303FBA5D0AD}" type="datetime4">
               <a:rPr lang="en-US" smtClean="0"/>
-              <a:t>January 22, 2016</a:t>
+              <a:t>January 26, 2016</a:t>
             </a:fld>
             <a:endParaRPr/>
           </a:p>
@@ -9650,7 +9650,7 @@
           <a:p>
             <a:fld id="{26B45FFC-9EEF-4E69-85F5-C8F54747804D}" type="datetime4">
               <a:rPr lang="en-US" smtClean="0"/>
-              <a:t>January 22, 2016</a:t>
+              <a:t>January 26, 2016</a:t>
             </a:fld>
             <a:endParaRPr/>
           </a:p>
@@ -9893,7 +9893,7 @@
           <a:p>
             <a:fld id="{684E3265-88A3-4C30-AE11-BFDF645909E9}" type="datetime4">
               <a:rPr lang="en-US" smtClean="0"/>
-              <a:t>January 22, 2016</a:t>
+              <a:t>January 26, 2016</a:t>
             </a:fld>
             <a:endParaRPr/>
           </a:p>
@@ -10011,7 +10011,7 @@
           <a:p>
             <a:fld id="{E9F763D2-AF56-4C60-80C7-7D8FC051005C}" type="datetime4">
               <a:rPr lang="en-US" smtClean="0"/>
-              <a:t>January 22, 2016</a:t>
+              <a:t>January 26, 2016</a:t>
             </a:fld>
             <a:endParaRPr/>
           </a:p>
@@ -10338,7 +10338,7 @@
           <a:p>
             <a:fld id="{905039DC-98B3-47E6-AD46-BA5B72AD8B4A}" type="datetime4">
               <a:rPr lang="en-US" smtClean="0"/>
-              <a:t>January 22, 2016</a:t>
+              <a:t>January 26, 2016</a:t>
             </a:fld>
             <a:endParaRPr/>
           </a:p>
@@ -10798,7 +10798,7 @@
           <a:p>
             <a:fld id="{A48AA38D-5CBD-4E44-A2EB-B3F38A5B8051}" type="datetime4">
               <a:rPr lang="en-US" smtClean="0"/>
-              <a:t>January 22, 2016</a:t>
+              <a:t>January 26, 2016</a:t>
             </a:fld>
             <a:endParaRPr/>
           </a:p>
@@ -13849,7 +13849,7 @@
           <a:p>
             <a:fld id="{8F030E74-B79E-47A7-AA1C-BA3D00CC0B4A}" type="datetime4">
               <a:rPr lang="en-US" smtClean="0"/>
-              <a:t>January 22, 2016</a:t>
+              <a:t>January 26, 2016</a:t>
             </a:fld>
             <a:endParaRPr/>
           </a:p>
@@ -14260,7 +14260,7 @@
           <a:p>
             <a:fld id="{00FDD7F1-9FB6-4CB9-BA1F-25B205B879F3}" type="datetime4">
               <a:rPr lang="en-US" smtClean="0"/>
-              <a:t>January 22, 2016</a:t>
+              <a:t>January 26, 2016</a:t>
             </a:fld>
             <a:endParaRPr/>
           </a:p>
@@ -14881,7 +14881,7 @@
           <a:p>
             <a:fld id="{027D5831-B468-414C-94B5-F04EB43FC0AE}" type="datetime4">
               <a:rPr lang="en-US" smtClean="0"/>
-              <a:t>January 22, 2016</a:t>
+              <a:t>January 26, 2016</a:t>
             </a:fld>
             <a:endParaRPr/>
           </a:p>
@@ -15600,7 +15600,7 @@
           <a:p>
             <a:fld id="{727A18C6-3F10-4266-96C9-5D014F3025B2}" type="datetime4">
               <a:rPr lang="en-US" smtClean="0"/>
-              <a:t>January 22, 2016</a:t>
+              <a:t>January 26, 2016</a:t>
             </a:fld>
             <a:endParaRPr/>
           </a:p>
@@ -15897,7 +15897,7 @@
           <a:p>
             <a:fld id="{A6CB1722-4B46-4353-B583-721651D61489}" type="datetime4">
               <a:rPr lang="en-US" smtClean="0"/>
-              <a:t>January 22, 2016</a:t>
+              <a:t>January 26, 2016</a:t>
             </a:fld>
             <a:endParaRPr/>
           </a:p>
@@ -16191,7 +16191,7 @@
           <a:p>
             <a:fld id="{8B8B1958-F972-48E2-B30C-3D9C71EE7ED1}" type="datetime4">
               <a:rPr lang="en-US" smtClean="0"/>
-              <a:t>January 22, 2016</a:t>
+              <a:t>January 26, 2016</a:t>
             </a:fld>
             <a:endParaRPr/>
           </a:p>
@@ -16464,7 +16464,7 @@
           <a:p>
             <a:fld id="{BF2CF142-9C82-4C83-9B6A-8077B879C1B8}" type="datetime4">
               <a:rPr lang="en-US" smtClean="0"/>
-              <a:t>January 22, 2016</a:t>
+              <a:t>January 26, 2016</a:t>
             </a:fld>
             <a:endParaRPr/>
           </a:p>
@@ -16751,7 +16751,7 @@
           <a:p>
             <a:fld id="{9C259EE5-F25B-4563-AE58-6B042DD986DA}" type="datetime4">
               <a:rPr lang="en-US" smtClean="0"/>
-              <a:t>January 22, 2016</a:t>
+              <a:t>January 26, 2016</a:t>
             </a:fld>
             <a:endParaRPr/>
           </a:p>
@@ -17169,7 +17169,7 @@
           <a:p>
             <a:fld id="{F4CAB0D1-A256-4DFA-8583-35D5EE4CD0DF}" type="datetime4">
               <a:rPr lang="en-US" smtClean="0"/>
-              <a:t>January 22, 2016</a:t>
+              <a:t>January 26, 2016</a:t>
             </a:fld>
             <a:endParaRPr/>
           </a:p>
@@ -17729,7 +17729,7 @@
           <a:p>
             <a:fld id="{B0BBCA58-86AD-4F40-BF66-913A1183EE47}" type="datetime4">
               <a:rPr lang="en-US" smtClean="0"/>
-              <a:t>January 22, 2016</a:t>
+              <a:t>January 26, 2016</a:t>
             </a:fld>
             <a:endParaRPr/>
           </a:p>
@@ -22835,7 +22835,7 @@
           <a:p>
             <a:fld id="{FB395617-A7D9-4AE8-82B6-3D0A191CDCBE}" type="datetime4">
               <a:rPr lang="en-US" smtClean="0"/>
-              <a:t>January 22, 2016</a:t>
+              <a:t>January 26, 2016</a:t>
             </a:fld>
             <a:endParaRPr/>
           </a:p>
@@ -25417,7 +25417,7 @@
           <a:p>
             <a:fld id="{77C6BA28-E443-46F5-AE73-D543F89EF748}" type="datetime4">
               <a:rPr lang="en-US" smtClean="0"/>
-              <a:t>January 22, 2016</a:t>
+              <a:t>January 26, 2016</a:t>
             </a:fld>
             <a:endParaRPr/>
           </a:p>
@@ -25615,7 +25615,7 @@
           <a:p>
             <a:fld id="{1452EE1A-1BE0-474E-808D-00D5A7797660}" type="datetime4">
               <a:rPr lang="en-US" smtClean="0"/>
-              <a:t>January 22, 2016</a:t>
+              <a:t>January 26, 2016</a:t>
             </a:fld>
             <a:endParaRPr/>
           </a:p>
@@ -25884,7 +25884,7 @@
           <a:p>
             <a:fld id="{1D654495-4BF5-4727-99D4-DFD1D0597350}" type="datetime4">
               <a:rPr lang="en-US" smtClean="0"/>
-              <a:t>January 22, 2016</a:t>
+              <a:t>January 26, 2016</a:t>
             </a:fld>
             <a:endParaRPr/>
           </a:p>
@@ -26214,7 +26214,7 @@
           <a:p>
             <a:fld id="{74A90477-F864-462B-BF44-00D67B14D858}" type="datetime4">
               <a:rPr lang="en-US" smtClean="0"/>
-              <a:t>January 22, 2016</a:t>
+              <a:t>January 26, 2016</a:t>
             </a:fld>
             <a:endParaRPr/>
           </a:p>
@@ -26468,7 +26468,7 @@
           <a:p>
             <a:fld id="{16E08157-2DC9-4745-A7A9-7046A8583708}" type="datetime4">
               <a:rPr lang="en-US" smtClean="0"/>
-              <a:t>January 22, 2016</a:t>
+              <a:t>January 26, 2016</a:t>
             </a:fld>
             <a:endParaRPr/>
           </a:p>
@@ -29148,7 +29148,7 @@
           <a:p>
             <a:fld id="{FDD7D378-E709-4062-9715-39E79557A063}" type="datetime4">
               <a:rPr lang="en-US" smtClean="0"/>
-              <a:t>January 22, 2016</a:t>
+              <a:t>January 26, 2016</a:t>
             </a:fld>
             <a:endParaRPr/>
           </a:p>
@@ -34064,7 +34064,7 @@
           <a:p>
             <a:fld id="{C07C5E14-300D-4720-B5FE-54C7D96D4160}" type="datetime4">
               <a:rPr lang="en-US" smtClean="0"/>
-              <a:t>January 22, 2016</a:t>
+              <a:t>January 26, 2016</a:t>
             </a:fld>
             <a:endParaRPr/>
           </a:p>
@@ -36756,7 +36756,7 @@
           <a:p>
             <a:fld id="{BC7BE07D-E945-4DDF-8452-20009392BF2F}" type="datetime4">
               <a:rPr lang="en-US" smtClean="0"/>
-              <a:t>January 22, 2016</a:t>
+              <a:t>January 26, 2016</a:t>
             </a:fld>
             <a:endParaRPr/>
           </a:p>
@@ -37239,7 +37239,7 @@
           <a:p>
             <a:fld id="{65FD8143-BFA3-46F8-9B90-B0E5CFAF7F7C}" type="datetime4">
               <a:rPr lang="en-US" smtClean="0"/>
-              <a:t>January 22, 2016</a:t>
+              <a:t>January 26, 2016</a:t>
             </a:fld>
             <a:endParaRPr/>
           </a:p>
@@ -39976,10 +39976,18 @@
           <a:lstStyle/>
           <a:p>
             <a:r>
-              <a:rPr lang="en-US" dirty="0" smtClean="0"/>
-              <a:t>HPE Performance Management</a:t>
-            </a:r>
-            <a:endParaRPr lang="en-US" dirty="0"/>
+              <a:rPr lang="en-US" sz="6000" dirty="0" smtClean="0"/>
+              <a:t>HPE </a:t>
+            </a:r>
+            <a:r>
+              <a:rPr lang="en-US" sz="6000" dirty="0" smtClean="0"/>
+              <a:t>OSS Performance </a:t>
+            </a:r>
+            <a:r>
+              <a:rPr lang="en-US" sz="6000" dirty="0" smtClean="0"/>
+              <a:t>Management</a:t>
+            </a:r>
+            <a:endParaRPr lang="en-US" sz="6000" dirty="0"/>
           </a:p>
         </p:txBody>
       </p:sp>
@@ -44516,7 +44524,7 @@
         </p:blipFill>
         <p:spPr>
           <a:xfrm>
-            <a:off x="636210" y="3200400"/>
+            <a:off x="659858" y="3200400"/>
             <a:ext cx="10412790" cy="2663082"/>
           </a:xfrm>
           <a:prstGeom prst="rect">
